--- a/project/PIC.pptx
+++ b/project/PIC.pptx
@@ -105,6 +105,11 @@
       </a:defRPr>
     </a:lvl9pPr>
   </p:defaultTextStyle>
+  <p:extLst>
+    <p:ext uri="{EFAFB233-063F-42B5-8137-9DF3F51BA10A}">
+      <p15:sldGuideLst xmlns:p15="http://schemas.microsoft.com/office/powerpoint/2012/main"/>
+    </p:ext>
+  </p:extLst>
 </p:presentation>
 </file>
 
@@ -3518,1650 +3523,1671 @@
           <a:chExt cx="0" cy="0"/>
         </a:xfrm>
       </p:grpSpPr>
-      <p:pic>
-        <p:nvPicPr>
-          <p:cNvPr id="2054" name="Picture 6" descr="Image result for three circle">
-            <a:extLst>
-              <a:ext uri="{FF2B5EF4-FFF2-40B4-BE49-F238E27FC236}">
-                <a16:creationId xmlns:a16="http://schemas.microsoft.com/office/drawing/2014/main" id="{DA81129D-01CA-4CFE-8CD4-8C927B454024}"/>
-              </a:ext>
-            </a:extLst>
-          </p:cNvPr>
-          <p:cNvPicPr>
-            <a:picLocks noChangeAspect="1" noChangeArrowheads="1"/>
-          </p:cNvPicPr>
+      <p:grpSp>
+        <p:nvGrpSpPr>
+          <p:cNvPr id="2" name="Group 1">
+            <a:extLst>
+              <a:ext uri="{FF2B5EF4-FFF2-40B4-BE49-F238E27FC236}">
+                <a16:creationId xmlns:a16="http://schemas.microsoft.com/office/drawing/2014/main" id="{8CB43DDF-5CE8-479F-93B9-7238E47C18B1}"/>
+              </a:ext>
+            </a:extLst>
+          </p:cNvPr>
+          <p:cNvGrpSpPr/>
           <p:nvPr/>
-        </p:nvPicPr>
-        <p:blipFill>
-          <a:blip r:embed="rId2">
-            <a:extLst>
-              <a:ext uri="{28A0092B-C50C-407E-A947-70E740481C1C}">
-                <a14:useLocalDpi xmlns:a14="http://schemas.microsoft.com/office/drawing/2010/main" val="0"/>
-              </a:ext>
-            </a:extLst>
-          </a:blip>
-          <a:srcRect/>
-          <a:stretch>
-            <a:fillRect/>
-          </a:stretch>
-        </p:blipFill>
-        <p:spPr bwMode="auto">
+        </p:nvGrpSpPr>
+        <p:grpSpPr>
           <a:xfrm>
-            <a:off x="5061857" y="2275236"/>
-            <a:ext cx="2635342" cy="2460339"/>
+            <a:off x="153307" y="284380"/>
+            <a:ext cx="11934423" cy="6460237"/>
+            <a:chOff x="153307" y="284380"/>
+            <a:chExt cx="11934423" cy="6460237"/>
           </a:xfrm>
-          <a:prstGeom prst="rect">
-            <a:avLst/>
-          </a:prstGeom>
-          <a:noFill/>
-          <a:extLst>
-            <a:ext uri="{909E8E84-426E-40DD-AFC4-6F175D3DCCD1}">
-              <a14:hiddenFill xmlns:a14="http://schemas.microsoft.com/office/drawing/2010/main">
-                <a:solidFill>
-                  <a:srgbClr val="FFFFFF"/>
-                </a:solidFill>
-              </a14:hiddenFill>
-            </a:ext>
-          </a:extLst>
-        </p:spPr>
-      </p:pic>
-      <p:sp>
-        <p:nvSpPr>
-          <p:cNvPr id="4" name="TextBox 3">
-            <a:extLst>
-              <a:ext uri="{FF2B5EF4-FFF2-40B4-BE49-F238E27FC236}">
-                <a16:creationId xmlns:a16="http://schemas.microsoft.com/office/drawing/2014/main" id="{05E3EF1B-3351-4D78-84AA-0088D2FCAD71}"/>
-              </a:ext>
-            </a:extLst>
-          </p:cNvPr>
-          <p:cNvSpPr txBox="1"/>
-          <p:nvPr/>
-        </p:nvSpPr>
-        <p:spPr>
-          <a:xfrm>
-            <a:off x="5848903" y="3841086"/>
-            <a:ext cx="1067921" cy="646331"/>
-          </a:xfrm>
-          <a:prstGeom prst="rect">
-            <a:avLst/>
-          </a:prstGeom>
-          <a:noFill/>
-        </p:spPr>
-        <p:txBody>
-          <a:bodyPr wrap="none" rtlCol="0">
-            <a:spAutoFit/>
-          </a:bodyPr>
-          <a:lstStyle/>
-          <a:p>
-            <a:r>
-              <a:rPr lang="en-US" b="1" dirty="0">
-                <a:solidFill>
-                  <a:schemeClr val="bg1"/>
-                </a:solidFill>
-              </a:rPr>
-              <a:t>Machine </a:t>
-            </a:r>
-          </a:p>
-          <a:p>
-            <a:r>
-              <a:rPr lang="en-US" b="1" dirty="0">
-                <a:solidFill>
-                  <a:schemeClr val="bg1"/>
-                </a:solidFill>
-              </a:rPr>
-              <a:t>Learning</a:t>
-            </a:r>
-          </a:p>
-        </p:txBody>
-      </p:sp>
-      <p:sp>
-        <p:nvSpPr>
-          <p:cNvPr id="8" name="TextBox 7">
-            <a:extLst>
-              <a:ext uri="{FF2B5EF4-FFF2-40B4-BE49-F238E27FC236}">
-                <a16:creationId xmlns:a16="http://schemas.microsoft.com/office/drawing/2014/main" id="{7A03EB02-F01B-4EF2-AD43-075A3F20BE1E}"/>
-              </a:ext>
-            </a:extLst>
-          </p:cNvPr>
-          <p:cNvSpPr txBox="1"/>
-          <p:nvPr/>
-        </p:nvSpPr>
-        <p:spPr>
-          <a:xfrm>
-            <a:off x="5201826" y="2667182"/>
-            <a:ext cx="1042273" cy="646331"/>
-          </a:xfrm>
-          <a:prstGeom prst="rect">
-            <a:avLst/>
-          </a:prstGeom>
-          <a:noFill/>
-        </p:spPr>
-        <p:txBody>
-          <a:bodyPr wrap="none" rtlCol="0">
-            <a:spAutoFit/>
-          </a:bodyPr>
-          <a:lstStyle/>
-          <a:p>
-            <a:r>
-              <a:rPr lang="en-US" b="1" dirty="0">
-                <a:solidFill>
-                  <a:schemeClr val="bg1"/>
-                </a:solidFill>
-              </a:rPr>
-              <a:t>Formal</a:t>
-            </a:r>
-          </a:p>
-          <a:p>
-            <a:r>
-              <a:rPr lang="en-US" b="1" dirty="0">
-                <a:solidFill>
-                  <a:schemeClr val="bg1"/>
-                </a:solidFill>
-              </a:rPr>
-              <a:t>Methods</a:t>
-            </a:r>
-          </a:p>
-        </p:txBody>
-      </p:sp>
-      <p:sp>
-        <p:nvSpPr>
-          <p:cNvPr id="9" name="TextBox 8">
-            <a:extLst>
-              <a:ext uri="{FF2B5EF4-FFF2-40B4-BE49-F238E27FC236}">
-                <a16:creationId xmlns:a16="http://schemas.microsoft.com/office/drawing/2014/main" id="{90FD259E-18AF-4788-B67C-351629FFCA98}"/>
-              </a:ext>
-            </a:extLst>
-          </p:cNvPr>
-          <p:cNvSpPr txBox="1"/>
-          <p:nvPr/>
-        </p:nvSpPr>
-        <p:spPr>
-          <a:xfrm>
-            <a:off x="6585956" y="2705278"/>
-            <a:ext cx="889859" cy="646331"/>
-          </a:xfrm>
-          <a:prstGeom prst="rect">
-            <a:avLst/>
-          </a:prstGeom>
-          <a:noFill/>
-        </p:spPr>
-        <p:txBody>
-          <a:bodyPr wrap="none" rtlCol="0">
-            <a:spAutoFit/>
-          </a:bodyPr>
-          <a:lstStyle/>
-          <a:p>
-            <a:r>
-              <a:rPr lang="en-US" b="1" dirty="0">
-                <a:solidFill>
-                  <a:schemeClr val="bg1"/>
-                </a:solidFill>
-              </a:rPr>
-              <a:t>Control</a:t>
-            </a:r>
-          </a:p>
-          <a:p>
-            <a:r>
-              <a:rPr lang="en-US" b="1" dirty="0">
-                <a:solidFill>
-                  <a:schemeClr val="bg1"/>
-                </a:solidFill>
-              </a:rPr>
-              <a:t>Theory</a:t>
-            </a:r>
-          </a:p>
-        </p:txBody>
-      </p:sp>
-      <p:sp>
-        <p:nvSpPr>
-          <p:cNvPr id="5" name="TextBox 4">
-            <a:extLst>
-              <a:ext uri="{FF2B5EF4-FFF2-40B4-BE49-F238E27FC236}">
-                <a16:creationId xmlns:a16="http://schemas.microsoft.com/office/drawing/2014/main" id="{735C8FD6-A567-4DF6-BE13-24461AF5AA59}"/>
-              </a:ext>
-            </a:extLst>
-          </p:cNvPr>
-          <p:cNvSpPr txBox="1"/>
-          <p:nvPr/>
-        </p:nvSpPr>
-        <p:spPr>
-          <a:xfrm>
-            <a:off x="1857757" y="285052"/>
-            <a:ext cx="2000356" cy="369332"/>
-          </a:xfrm>
-          <a:prstGeom prst="rect">
-            <a:avLst/>
-          </a:prstGeom>
-          <a:noFill/>
-        </p:spPr>
-        <p:txBody>
-          <a:bodyPr wrap="none" rtlCol="0">
-            <a:spAutoFit/>
-          </a:bodyPr>
-          <a:lstStyle/>
-          <a:p>
-            <a:r>
-              <a:rPr lang="en-US" b="1" dirty="0"/>
-              <a:t>Formal Verification</a:t>
-            </a:r>
-          </a:p>
-        </p:txBody>
-      </p:sp>
-      <p:sp>
-        <p:nvSpPr>
-          <p:cNvPr id="11" name="TextBox 10">
-            <a:extLst>
-              <a:ext uri="{FF2B5EF4-FFF2-40B4-BE49-F238E27FC236}">
-                <a16:creationId xmlns:a16="http://schemas.microsoft.com/office/drawing/2014/main" id="{767BE31B-1416-4022-BD70-6D6022C482F4}"/>
-              </a:ext>
-            </a:extLst>
-          </p:cNvPr>
-          <p:cNvSpPr txBox="1"/>
-          <p:nvPr/>
-        </p:nvSpPr>
-        <p:spPr>
-          <a:xfrm>
-            <a:off x="1585482" y="6375285"/>
-            <a:ext cx="3252365" cy="369332"/>
-          </a:xfrm>
-          <a:prstGeom prst="rect">
-            <a:avLst/>
-          </a:prstGeom>
-          <a:noFill/>
-        </p:spPr>
-        <p:txBody>
-          <a:bodyPr wrap="none" rtlCol="0">
-            <a:spAutoFit/>
-          </a:bodyPr>
-          <a:lstStyle/>
-          <a:p>
-            <a:r>
-              <a:rPr lang="en-US" b="1" dirty="0"/>
-              <a:t>High Level Knowledge Discovery</a:t>
-            </a:r>
-          </a:p>
-        </p:txBody>
-      </p:sp>
-      <p:sp>
-        <p:nvSpPr>
-          <p:cNvPr id="12" name="TextBox 11">
-            <a:extLst>
-              <a:ext uri="{FF2B5EF4-FFF2-40B4-BE49-F238E27FC236}">
-                <a16:creationId xmlns:a16="http://schemas.microsoft.com/office/drawing/2014/main" id="{86397E63-A160-44F5-846B-56FDB4B09B7D}"/>
-              </a:ext>
-            </a:extLst>
-          </p:cNvPr>
-          <p:cNvSpPr txBox="1"/>
-          <p:nvPr/>
-        </p:nvSpPr>
-        <p:spPr>
-          <a:xfrm>
-            <a:off x="8002942" y="284380"/>
-            <a:ext cx="3171125" cy="369332"/>
-          </a:xfrm>
-          <a:prstGeom prst="rect">
-            <a:avLst/>
-          </a:prstGeom>
-          <a:noFill/>
-        </p:spPr>
-        <p:txBody>
-          <a:bodyPr wrap="none" rtlCol="0">
-            <a:spAutoFit/>
-          </a:bodyPr>
-          <a:lstStyle/>
-          <a:p>
-            <a:r>
-              <a:rPr lang="en-US" b="1" dirty="0"/>
-              <a:t>Correct-by-Construction Design</a:t>
-            </a:r>
-          </a:p>
-        </p:txBody>
-      </p:sp>
-      <p:sp>
-        <p:nvSpPr>
-          <p:cNvPr id="13" name="TextBox 12">
-            <a:extLst>
-              <a:ext uri="{FF2B5EF4-FFF2-40B4-BE49-F238E27FC236}">
-                <a16:creationId xmlns:a16="http://schemas.microsoft.com/office/drawing/2014/main" id="{258CC1F0-9333-4E25-B06F-99D7D8E171A4}"/>
-              </a:ext>
-            </a:extLst>
-          </p:cNvPr>
-          <p:cNvSpPr txBox="1"/>
-          <p:nvPr/>
-        </p:nvSpPr>
-        <p:spPr>
-          <a:xfrm>
-            <a:off x="8584397" y="6375285"/>
-            <a:ext cx="1888659" cy="369332"/>
-          </a:xfrm>
-          <a:prstGeom prst="rect">
-            <a:avLst/>
-          </a:prstGeom>
-          <a:noFill/>
-        </p:spPr>
-        <p:txBody>
-          <a:bodyPr wrap="none" rtlCol="0">
-            <a:spAutoFit/>
-          </a:bodyPr>
-          <a:lstStyle/>
-          <a:p>
-            <a:r>
-              <a:rPr lang="en-US" b="1" dirty="0"/>
-              <a:t>Machine Learning</a:t>
-            </a:r>
-          </a:p>
-        </p:txBody>
-      </p:sp>
-      <p:sp>
-        <p:nvSpPr>
-          <p:cNvPr id="7" name="Rectangle: Rounded Corners 6">
-            <a:extLst>
-              <a:ext uri="{FF2B5EF4-FFF2-40B4-BE49-F238E27FC236}">
-                <a16:creationId xmlns:a16="http://schemas.microsoft.com/office/drawing/2014/main" id="{188687E8-E6D1-44AA-93B9-DCA802AD2F1C}"/>
-              </a:ext>
-            </a:extLst>
-          </p:cNvPr>
-          <p:cNvSpPr/>
-          <p:nvPr/>
-        </p:nvSpPr>
-        <p:spPr>
-          <a:xfrm>
-            <a:off x="9890803" y="5017482"/>
-            <a:ext cx="1964199" cy="643083"/>
-          </a:xfrm>
-          <a:prstGeom prst="roundRect">
-            <a:avLst/>
-          </a:prstGeom>
-          <a:solidFill>
-            <a:srgbClr val="FF0000"/>
-          </a:solidFill>
-        </p:spPr>
-        <p:style>
-          <a:lnRef idx="2">
-            <a:schemeClr val="accent1">
-              <a:shade val="50000"/>
-            </a:schemeClr>
-          </a:lnRef>
-          <a:fillRef idx="1">
-            <a:schemeClr val="accent1"/>
-          </a:fillRef>
-          <a:effectRef idx="0">
-            <a:schemeClr val="accent1"/>
-          </a:effectRef>
-          <a:fontRef idx="minor">
-            <a:schemeClr val="lt1"/>
-          </a:fontRef>
-        </p:style>
-        <p:txBody>
-          <a:bodyPr rtlCol="0" anchor="ctr"/>
-          <a:lstStyle/>
-          <a:p>
-            <a:pPr algn="ctr"/>
-            <a:r>
-              <a:rPr lang="en-US" sz="1400" dirty="0"/>
-              <a:t>Cosine Similarity Feature Selection</a:t>
-            </a:r>
-          </a:p>
-        </p:txBody>
-      </p:sp>
-      <p:sp>
-        <p:nvSpPr>
-          <p:cNvPr id="16" name="Rectangle: Rounded Corners 15">
-            <a:extLst>
-              <a:ext uri="{FF2B5EF4-FFF2-40B4-BE49-F238E27FC236}">
-                <a16:creationId xmlns:a16="http://schemas.microsoft.com/office/drawing/2014/main" id="{407FE671-D4C8-4119-B6B1-7595AB1DD2E8}"/>
-              </a:ext>
-            </a:extLst>
-          </p:cNvPr>
-          <p:cNvSpPr/>
-          <p:nvPr/>
-        </p:nvSpPr>
-        <p:spPr>
-          <a:xfrm>
-            <a:off x="456442" y="955665"/>
-            <a:ext cx="1797050" cy="459478"/>
-          </a:xfrm>
-          <a:prstGeom prst="roundRect">
-            <a:avLst/>
-          </a:prstGeom>
-          <a:solidFill>
-            <a:srgbClr val="FF66FF"/>
-          </a:solidFill>
-        </p:spPr>
-        <p:style>
-          <a:lnRef idx="2">
-            <a:schemeClr val="accent1">
-              <a:shade val="50000"/>
-            </a:schemeClr>
-          </a:lnRef>
-          <a:fillRef idx="1">
-            <a:schemeClr val="accent1"/>
-          </a:fillRef>
-          <a:effectRef idx="0">
-            <a:schemeClr val="accent1"/>
-          </a:effectRef>
-          <a:fontRef idx="minor">
-            <a:schemeClr val="lt1"/>
-          </a:fontRef>
-        </p:style>
-        <p:txBody>
-          <a:bodyPr rtlCol="0" anchor="ctr"/>
-          <a:lstStyle/>
-          <a:p>
-            <a:pPr algn="ctr"/>
-            <a:r>
-              <a:rPr lang="en-US" sz="1400" dirty="0">
+        </p:grpSpPr>
+        <p:pic>
+          <p:nvPicPr>
+            <p:cNvPr id="2054" name="Picture 6" descr="Image result for three circle">
+              <a:extLst>
+                <a:ext uri="{FF2B5EF4-FFF2-40B4-BE49-F238E27FC236}">
+                  <a16:creationId xmlns:a16="http://schemas.microsoft.com/office/drawing/2014/main" id="{DA81129D-01CA-4CFE-8CD4-8C927B454024}"/>
+                </a:ext>
+              </a:extLst>
+            </p:cNvPr>
+            <p:cNvPicPr>
+              <a:picLocks noChangeAspect="1" noChangeArrowheads="1"/>
+            </p:cNvPicPr>
+            <p:nvPr/>
+          </p:nvPicPr>
+          <p:blipFill>
+            <a:blip r:embed="rId2">
+              <a:extLst>
+                <a:ext uri="{28A0092B-C50C-407E-A947-70E740481C1C}">
+                  <a14:useLocalDpi xmlns:a14="http://schemas.microsoft.com/office/drawing/2010/main" val="0"/>
+                </a:ext>
+              </a:extLst>
+            </a:blip>
+            <a:srcRect/>
+            <a:stretch>
+              <a:fillRect/>
+            </a:stretch>
+          </p:blipFill>
+          <p:spPr bwMode="auto">
+            <a:xfrm>
+              <a:off x="5061857" y="2275236"/>
+              <a:ext cx="2635342" cy="2460339"/>
+            </a:xfrm>
+            <a:prstGeom prst="rect">
+              <a:avLst/>
+            </a:prstGeom>
+            <a:noFill/>
+            <a:extLst>
+              <a:ext uri="{909E8E84-426E-40DD-AFC4-6F175D3DCCD1}">
+                <a14:hiddenFill xmlns:a14="http://schemas.microsoft.com/office/drawing/2010/main">
+                  <a:solidFill>
+                    <a:srgbClr val="FFFFFF"/>
+                  </a:solidFill>
+                </a14:hiddenFill>
+              </a:ext>
+            </a:extLst>
+          </p:spPr>
+        </p:pic>
+        <p:sp>
+          <p:nvSpPr>
+            <p:cNvPr id="4" name="TextBox 3">
+              <a:extLst>
+                <a:ext uri="{FF2B5EF4-FFF2-40B4-BE49-F238E27FC236}">
+                  <a16:creationId xmlns:a16="http://schemas.microsoft.com/office/drawing/2014/main" id="{05E3EF1B-3351-4D78-84AA-0088D2FCAD71}"/>
+                </a:ext>
+              </a:extLst>
+            </p:cNvPr>
+            <p:cNvSpPr txBox="1"/>
+            <p:nvPr/>
+          </p:nvSpPr>
+          <p:spPr>
+            <a:xfrm>
+              <a:off x="5848903" y="3841086"/>
+              <a:ext cx="1067921" cy="646331"/>
+            </a:xfrm>
+            <a:prstGeom prst="rect">
+              <a:avLst/>
+            </a:prstGeom>
+            <a:noFill/>
+          </p:spPr>
+          <p:txBody>
+            <a:bodyPr wrap="none" rtlCol="0">
+              <a:spAutoFit/>
+            </a:bodyPr>
+            <a:lstStyle/>
+            <a:p>
+              <a:r>
+                <a:rPr lang="en-US" b="1" dirty="0">
+                  <a:solidFill>
+                    <a:schemeClr val="bg1"/>
+                  </a:solidFill>
+                </a:rPr>
+                <a:t>Machine </a:t>
+              </a:r>
+            </a:p>
+            <a:p>
+              <a:r>
+                <a:rPr lang="en-US" b="1" dirty="0">
+                  <a:solidFill>
+                    <a:schemeClr val="bg1"/>
+                  </a:solidFill>
+                </a:rPr>
+                <a:t>Learning</a:t>
+              </a:r>
+            </a:p>
+          </p:txBody>
+        </p:sp>
+        <p:sp>
+          <p:nvSpPr>
+            <p:cNvPr id="8" name="TextBox 7">
+              <a:extLst>
+                <a:ext uri="{FF2B5EF4-FFF2-40B4-BE49-F238E27FC236}">
+                  <a16:creationId xmlns:a16="http://schemas.microsoft.com/office/drawing/2014/main" id="{7A03EB02-F01B-4EF2-AD43-075A3F20BE1E}"/>
+                </a:ext>
+              </a:extLst>
+            </p:cNvPr>
+            <p:cNvSpPr txBox="1"/>
+            <p:nvPr/>
+          </p:nvSpPr>
+          <p:spPr>
+            <a:xfrm>
+              <a:off x="5201826" y="2667182"/>
+              <a:ext cx="1042273" cy="646331"/>
+            </a:xfrm>
+            <a:prstGeom prst="rect">
+              <a:avLst/>
+            </a:prstGeom>
+            <a:noFill/>
+          </p:spPr>
+          <p:txBody>
+            <a:bodyPr wrap="none" rtlCol="0">
+              <a:spAutoFit/>
+            </a:bodyPr>
+            <a:lstStyle/>
+            <a:p>
+              <a:r>
+                <a:rPr lang="en-US" b="1" dirty="0">
+                  <a:solidFill>
+                    <a:schemeClr val="bg1"/>
+                  </a:solidFill>
+                </a:rPr>
+                <a:t>Formal</a:t>
+              </a:r>
+            </a:p>
+            <a:p>
+              <a:r>
+                <a:rPr lang="en-US" b="1" dirty="0">
+                  <a:solidFill>
+                    <a:schemeClr val="bg1"/>
+                  </a:solidFill>
+                </a:rPr>
+                <a:t>Methods</a:t>
+              </a:r>
+            </a:p>
+          </p:txBody>
+        </p:sp>
+        <p:sp>
+          <p:nvSpPr>
+            <p:cNvPr id="9" name="TextBox 8">
+              <a:extLst>
+                <a:ext uri="{FF2B5EF4-FFF2-40B4-BE49-F238E27FC236}">
+                  <a16:creationId xmlns:a16="http://schemas.microsoft.com/office/drawing/2014/main" id="{90FD259E-18AF-4788-B67C-351629FFCA98}"/>
+                </a:ext>
+              </a:extLst>
+            </p:cNvPr>
+            <p:cNvSpPr txBox="1"/>
+            <p:nvPr/>
+          </p:nvSpPr>
+          <p:spPr>
+            <a:xfrm>
+              <a:off x="6585956" y="2705278"/>
+              <a:ext cx="889859" cy="646331"/>
+            </a:xfrm>
+            <a:prstGeom prst="rect">
+              <a:avLst/>
+            </a:prstGeom>
+            <a:noFill/>
+          </p:spPr>
+          <p:txBody>
+            <a:bodyPr wrap="none" rtlCol="0">
+              <a:spAutoFit/>
+            </a:bodyPr>
+            <a:lstStyle/>
+            <a:p>
+              <a:r>
+                <a:rPr lang="en-US" b="1" dirty="0">
+                  <a:solidFill>
+                    <a:schemeClr val="bg1"/>
+                  </a:solidFill>
+                </a:rPr>
+                <a:t>Control</a:t>
+              </a:r>
+            </a:p>
+            <a:p>
+              <a:r>
+                <a:rPr lang="en-US" b="1" dirty="0">
+                  <a:solidFill>
+                    <a:schemeClr val="bg1"/>
+                  </a:solidFill>
+                </a:rPr>
+                <a:t>Theory</a:t>
+              </a:r>
+            </a:p>
+          </p:txBody>
+        </p:sp>
+        <p:sp>
+          <p:nvSpPr>
+            <p:cNvPr id="5" name="TextBox 4">
+              <a:extLst>
+                <a:ext uri="{FF2B5EF4-FFF2-40B4-BE49-F238E27FC236}">
+                  <a16:creationId xmlns:a16="http://schemas.microsoft.com/office/drawing/2014/main" id="{735C8FD6-A567-4DF6-BE13-24461AF5AA59}"/>
+                </a:ext>
+              </a:extLst>
+            </p:cNvPr>
+            <p:cNvSpPr txBox="1"/>
+            <p:nvPr/>
+          </p:nvSpPr>
+          <p:spPr>
+            <a:xfrm>
+              <a:off x="1857757" y="285052"/>
+              <a:ext cx="2000356" cy="369332"/>
+            </a:xfrm>
+            <a:prstGeom prst="rect">
+              <a:avLst/>
+            </a:prstGeom>
+            <a:noFill/>
+          </p:spPr>
+          <p:txBody>
+            <a:bodyPr wrap="none" rtlCol="0">
+              <a:spAutoFit/>
+            </a:bodyPr>
+            <a:lstStyle/>
+            <a:p>
+              <a:r>
+                <a:rPr lang="en-US" b="1" dirty="0"/>
+                <a:t>Formal Verification</a:t>
+              </a:r>
+            </a:p>
+          </p:txBody>
+        </p:sp>
+        <p:sp>
+          <p:nvSpPr>
+            <p:cNvPr id="11" name="TextBox 10">
+              <a:extLst>
+                <a:ext uri="{FF2B5EF4-FFF2-40B4-BE49-F238E27FC236}">
+                  <a16:creationId xmlns:a16="http://schemas.microsoft.com/office/drawing/2014/main" id="{767BE31B-1416-4022-BD70-6D6022C482F4}"/>
+                </a:ext>
+              </a:extLst>
+            </p:cNvPr>
+            <p:cNvSpPr txBox="1"/>
+            <p:nvPr/>
+          </p:nvSpPr>
+          <p:spPr>
+            <a:xfrm>
+              <a:off x="1585482" y="6375285"/>
+              <a:ext cx="3252365" cy="369332"/>
+            </a:xfrm>
+            <a:prstGeom prst="rect">
+              <a:avLst/>
+            </a:prstGeom>
+            <a:noFill/>
+          </p:spPr>
+          <p:txBody>
+            <a:bodyPr wrap="none" rtlCol="0">
+              <a:spAutoFit/>
+            </a:bodyPr>
+            <a:lstStyle/>
+            <a:p>
+              <a:r>
+                <a:rPr lang="en-US" b="1" dirty="0"/>
+                <a:t>High Level Knowledge Discovery</a:t>
+              </a:r>
+            </a:p>
+          </p:txBody>
+        </p:sp>
+        <p:sp>
+          <p:nvSpPr>
+            <p:cNvPr id="12" name="TextBox 11">
+              <a:extLst>
+                <a:ext uri="{FF2B5EF4-FFF2-40B4-BE49-F238E27FC236}">
+                  <a16:creationId xmlns:a16="http://schemas.microsoft.com/office/drawing/2014/main" id="{86397E63-A160-44F5-846B-56FDB4B09B7D}"/>
+                </a:ext>
+              </a:extLst>
+            </p:cNvPr>
+            <p:cNvSpPr txBox="1"/>
+            <p:nvPr/>
+          </p:nvSpPr>
+          <p:spPr>
+            <a:xfrm>
+              <a:off x="8002942" y="284380"/>
+              <a:ext cx="3171125" cy="369332"/>
+            </a:xfrm>
+            <a:prstGeom prst="rect">
+              <a:avLst/>
+            </a:prstGeom>
+            <a:noFill/>
+          </p:spPr>
+          <p:txBody>
+            <a:bodyPr wrap="none" rtlCol="0">
+              <a:spAutoFit/>
+            </a:bodyPr>
+            <a:lstStyle/>
+            <a:p>
+              <a:r>
+                <a:rPr lang="en-US" b="1" dirty="0"/>
+                <a:t>Correct-by-Construction Design</a:t>
+              </a:r>
+            </a:p>
+          </p:txBody>
+        </p:sp>
+        <p:sp>
+          <p:nvSpPr>
+            <p:cNvPr id="13" name="TextBox 12">
+              <a:extLst>
+                <a:ext uri="{FF2B5EF4-FFF2-40B4-BE49-F238E27FC236}">
+                  <a16:creationId xmlns:a16="http://schemas.microsoft.com/office/drawing/2014/main" id="{258CC1F0-9333-4E25-B06F-99D7D8E171A4}"/>
+                </a:ext>
+              </a:extLst>
+            </p:cNvPr>
+            <p:cNvSpPr txBox="1"/>
+            <p:nvPr/>
+          </p:nvSpPr>
+          <p:spPr>
+            <a:xfrm>
+              <a:off x="8584397" y="6375285"/>
+              <a:ext cx="1888659" cy="369332"/>
+            </a:xfrm>
+            <a:prstGeom prst="rect">
+              <a:avLst/>
+            </a:prstGeom>
+            <a:noFill/>
+          </p:spPr>
+          <p:txBody>
+            <a:bodyPr wrap="none" rtlCol="0">
+              <a:spAutoFit/>
+            </a:bodyPr>
+            <a:lstStyle/>
+            <a:p>
+              <a:r>
+                <a:rPr lang="en-US" b="1" dirty="0"/>
+                <a:t>Machine Learning</a:t>
+              </a:r>
+            </a:p>
+          </p:txBody>
+        </p:sp>
+        <p:sp>
+          <p:nvSpPr>
+            <p:cNvPr id="7" name="Rectangle: Rounded Corners 6">
+              <a:extLst>
+                <a:ext uri="{FF2B5EF4-FFF2-40B4-BE49-F238E27FC236}">
+                  <a16:creationId xmlns:a16="http://schemas.microsoft.com/office/drawing/2014/main" id="{188687E8-E6D1-44AA-93B9-DCA802AD2F1C}"/>
+                </a:ext>
+              </a:extLst>
+            </p:cNvPr>
+            <p:cNvSpPr/>
+            <p:nvPr/>
+          </p:nvSpPr>
+          <p:spPr>
+            <a:xfrm>
+              <a:off x="9890803" y="5017482"/>
+              <a:ext cx="1964199" cy="643083"/>
+            </a:xfrm>
+            <a:prstGeom prst="roundRect">
+              <a:avLst/>
+            </a:prstGeom>
+            <a:solidFill>
+              <a:srgbClr val="FF0000"/>
+            </a:solidFill>
+          </p:spPr>
+          <p:style>
+            <a:lnRef idx="2">
+              <a:schemeClr val="accent1">
+                <a:shade val="50000"/>
+              </a:schemeClr>
+            </a:lnRef>
+            <a:fillRef idx="1">
+              <a:schemeClr val="accent1"/>
+            </a:fillRef>
+            <a:effectRef idx="0">
+              <a:schemeClr val="accent1"/>
+            </a:effectRef>
+            <a:fontRef idx="minor">
+              <a:schemeClr val="lt1"/>
+            </a:fontRef>
+          </p:style>
+          <p:txBody>
+            <a:bodyPr rtlCol="0" anchor="ctr"/>
+            <a:lstStyle/>
+            <a:p>
+              <a:pPr algn="ctr"/>
+              <a:r>
+                <a:rPr lang="en-US" sz="1400" dirty="0"/>
+                <a:t>Cosine Similarity Feature Selection</a:t>
+              </a:r>
+            </a:p>
+          </p:txBody>
+        </p:sp>
+        <p:sp>
+          <p:nvSpPr>
+            <p:cNvPr id="16" name="Rectangle: Rounded Corners 15">
+              <a:extLst>
+                <a:ext uri="{FF2B5EF4-FFF2-40B4-BE49-F238E27FC236}">
+                  <a16:creationId xmlns:a16="http://schemas.microsoft.com/office/drawing/2014/main" id="{407FE671-D4C8-4119-B6B1-7595AB1DD2E8}"/>
+                </a:ext>
+              </a:extLst>
+            </p:cNvPr>
+            <p:cNvSpPr/>
+            <p:nvPr/>
+          </p:nvSpPr>
+          <p:spPr>
+            <a:xfrm>
+              <a:off x="456442" y="955665"/>
+              <a:ext cx="1797050" cy="459478"/>
+            </a:xfrm>
+            <a:prstGeom prst="roundRect">
+              <a:avLst/>
+            </a:prstGeom>
+            <a:solidFill>
+              <a:srgbClr val="FF66FF"/>
+            </a:solidFill>
+          </p:spPr>
+          <p:style>
+            <a:lnRef idx="2">
+              <a:schemeClr val="accent1">
+                <a:shade val="50000"/>
+              </a:schemeClr>
+            </a:lnRef>
+            <a:fillRef idx="1">
+              <a:schemeClr val="accent1"/>
+            </a:fillRef>
+            <a:effectRef idx="0">
+              <a:schemeClr val="accent1"/>
+            </a:effectRef>
+            <a:fontRef idx="minor">
+              <a:schemeClr val="lt1"/>
+            </a:fontRef>
+          </p:style>
+          <p:txBody>
+            <a:bodyPr rtlCol="0" anchor="ctr"/>
+            <a:lstStyle/>
+            <a:p>
+              <a:pPr algn="ctr"/>
+              <a:r>
+                <a:rPr lang="en-US" sz="1400" dirty="0">
+                  <a:solidFill>
+                    <a:schemeClr val="tx1"/>
+                  </a:solidFill>
+                </a:rPr>
+                <a:t>Active Learning-based Verification</a:t>
+              </a:r>
+            </a:p>
+          </p:txBody>
+        </p:sp>
+        <p:sp>
+          <p:nvSpPr>
+            <p:cNvPr id="17" name="Rectangle: Rounded Corners 16">
+              <a:extLst>
+                <a:ext uri="{FF2B5EF4-FFF2-40B4-BE49-F238E27FC236}">
+                  <a16:creationId xmlns:a16="http://schemas.microsoft.com/office/drawing/2014/main" id="{A874CBBD-F406-44EA-9CF7-B4660C4AAF02}"/>
+                </a:ext>
+              </a:extLst>
+            </p:cNvPr>
+            <p:cNvSpPr/>
+            <p:nvPr/>
+          </p:nvSpPr>
+          <p:spPr>
+            <a:xfrm>
+              <a:off x="2825197" y="948408"/>
+              <a:ext cx="2463800" cy="483485"/>
+            </a:xfrm>
+            <a:prstGeom prst="roundRect">
+              <a:avLst/>
+            </a:prstGeom>
+            <a:solidFill>
+              <a:srgbClr val="FF66FF"/>
+            </a:solidFill>
+          </p:spPr>
+          <p:style>
+            <a:lnRef idx="2">
+              <a:schemeClr val="accent1">
+                <a:shade val="50000"/>
+              </a:schemeClr>
+            </a:lnRef>
+            <a:fillRef idx="1">
+              <a:schemeClr val="accent1"/>
+            </a:fillRef>
+            <a:effectRef idx="0">
+              <a:schemeClr val="accent1"/>
+            </a:effectRef>
+            <a:fontRef idx="minor">
+              <a:schemeClr val="lt1"/>
+            </a:fontRef>
+          </p:style>
+          <p:txBody>
+            <a:bodyPr rtlCol="0" anchor="ctr"/>
+            <a:lstStyle/>
+            <a:p>
+              <a:pPr algn="ctr"/>
+              <a:r>
+                <a:rPr lang="en-US" sz="1400" dirty="0">
+                  <a:solidFill>
+                    <a:schemeClr val="tx1"/>
+                  </a:solidFill>
+                </a:rPr>
+                <a:t>Data-Driven Approximate Abstraction Systems</a:t>
+              </a:r>
+            </a:p>
+          </p:txBody>
+        </p:sp>
+        <p:sp>
+          <p:nvSpPr>
+            <p:cNvPr id="18" name="Rectangle: Rounded Corners 17">
+              <a:extLst>
+                <a:ext uri="{FF2B5EF4-FFF2-40B4-BE49-F238E27FC236}">
+                  <a16:creationId xmlns:a16="http://schemas.microsoft.com/office/drawing/2014/main" id="{6B69DF7A-51C3-49CD-A5E6-33A0D04AC6DF}"/>
+                </a:ext>
+              </a:extLst>
+            </p:cNvPr>
+            <p:cNvSpPr/>
+            <p:nvPr/>
+          </p:nvSpPr>
+          <p:spPr>
+            <a:xfrm>
+              <a:off x="445336" y="1734643"/>
+              <a:ext cx="2463800" cy="500978"/>
+            </a:xfrm>
+            <a:prstGeom prst="roundRect">
+              <a:avLst/>
+            </a:prstGeom>
+            <a:solidFill>
+              <a:srgbClr val="0066FF"/>
+            </a:solidFill>
+          </p:spPr>
+          <p:style>
+            <a:lnRef idx="2">
+              <a:schemeClr val="accent1">
+                <a:shade val="50000"/>
+              </a:schemeClr>
+            </a:lnRef>
+            <a:fillRef idx="1">
+              <a:schemeClr val="accent1"/>
+            </a:fillRef>
+            <a:effectRef idx="0">
+              <a:schemeClr val="accent1"/>
+            </a:effectRef>
+            <a:fontRef idx="minor">
+              <a:schemeClr val="lt1"/>
+            </a:fontRef>
+          </p:style>
+          <p:txBody>
+            <a:bodyPr rtlCol="0" anchor="ctr"/>
+            <a:lstStyle/>
+            <a:p>
+              <a:pPr algn="ctr"/>
+              <a:r>
+                <a:rPr lang="en-US" sz="1400" dirty="0">
+                  <a:solidFill>
+                    <a:schemeClr val="bg1"/>
+                  </a:solidFill>
+                </a:rPr>
+                <a:t>Timed Failure Propagation Graph Inference</a:t>
+              </a:r>
+            </a:p>
+          </p:txBody>
+        </p:sp>
+        <p:sp>
+          <p:nvSpPr>
+            <p:cNvPr id="19" name="Rectangle: Rounded Corners 18">
+              <a:extLst>
+                <a:ext uri="{FF2B5EF4-FFF2-40B4-BE49-F238E27FC236}">
+                  <a16:creationId xmlns:a16="http://schemas.microsoft.com/office/drawing/2014/main" id="{D37AD570-5DBA-449D-BB07-35E81C425301}"/>
+                </a:ext>
+              </a:extLst>
+            </p:cNvPr>
+            <p:cNvSpPr/>
+            <p:nvPr/>
+          </p:nvSpPr>
+          <p:spPr>
+            <a:xfrm>
+              <a:off x="336998" y="2711995"/>
+              <a:ext cx="2270584" cy="613749"/>
+            </a:xfrm>
+            <a:prstGeom prst="roundRect">
+              <a:avLst/>
+            </a:prstGeom>
+            <a:solidFill>
+              <a:srgbClr val="FF66FF"/>
+            </a:solidFill>
+          </p:spPr>
+          <p:style>
+            <a:lnRef idx="2">
+              <a:schemeClr val="accent1">
+                <a:shade val="50000"/>
+              </a:schemeClr>
+            </a:lnRef>
+            <a:fillRef idx="1">
+              <a:schemeClr val="accent1"/>
+            </a:fillRef>
+            <a:effectRef idx="0">
+              <a:schemeClr val="accent1"/>
+            </a:effectRef>
+            <a:fontRef idx="minor">
+              <a:schemeClr val="lt1"/>
+            </a:fontRef>
+          </p:style>
+          <p:txBody>
+            <a:bodyPr rtlCol="0" anchor="ctr"/>
+            <a:lstStyle/>
+            <a:p>
+              <a:pPr algn="ctr"/>
+              <a:r>
+                <a:rPr lang="en-US" sz="1400" dirty="0">
+                  <a:solidFill>
+                    <a:schemeClr val="tx1"/>
+                  </a:solidFill>
+                </a:rPr>
+                <a:t>Formal Interpretation of Cyber-physical system</a:t>
+              </a:r>
+            </a:p>
+          </p:txBody>
+        </p:sp>
+        <p:sp>
+          <p:nvSpPr>
+            <p:cNvPr id="20" name="Rectangle: Rounded Corners 19">
+              <a:extLst>
+                <a:ext uri="{FF2B5EF4-FFF2-40B4-BE49-F238E27FC236}">
+                  <a16:creationId xmlns:a16="http://schemas.microsoft.com/office/drawing/2014/main" id="{9BA51953-7F3E-4DA3-B773-144B965C4308}"/>
+                </a:ext>
+              </a:extLst>
+            </p:cNvPr>
+            <p:cNvSpPr/>
+            <p:nvPr/>
+          </p:nvSpPr>
+          <p:spPr>
+            <a:xfrm>
+              <a:off x="9799762" y="896763"/>
+              <a:ext cx="2131142" cy="626656"/>
+            </a:xfrm>
+            <a:prstGeom prst="roundRect">
+              <a:avLst/>
+            </a:prstGeom>
+            <a:solidFill>
+              <a:srgbClr val="77F348"/>
+            </a:solidFill>
+          </p:spPr>
+          <p:style>
+            <a:lnRef idx="2">
+              <a:schemeClr val="accent1">
+                <a:shade val="50000"/>
+              </a:schemeClr>
+            </a:lnRef>
+            <a:fillRef idx="1">
+              <a:schemeClr val="accent1"/>
+            </a:fillRef>
+            <a:effectRef idx="0">
+              <a:schemeClr val="accent1"/>
+            </a:effectRef>
+            <a:fontRef idx="minor">
+              <a:schemeClr val="lt1"/>
+            </a:fontRef>
+          </p:style>
+          <p:txBody>
+            <a:bodyPr rtlCol="0" anchor="ctr"/>
+            <a:lstStyle/>
+            <a:p>
+              <a:pPr algn="ctr"/>
+              <a:r>
+                <a:rPr lang="en-US" sz="1400" dirty="0">
+                  <a:solidFill>
+                    <a:schemeClr val="tx1"/>
+                  </a:solidFill>
+                </a:rPr>
+                <a:t>Fuzzy Logic Controller for LVDT</a:t>
+              </a:r>
+            </a:p>
+          </p:txBody>
+        </p:sp>
+        <p:sp>
+          <p:nvSpPr>
+            <p:cNvPr id="21" name="Rectangle: Rounded Corners 20">
+              <a:extLst>
+                <a:ext uri="{FF2B5EF4-FFF2-40B4-BE49-F238E27FC236}">
+                  <a16:creationId xmlns:a16="http://schemas.microsoft.com/office/drawing/2014/main" id="{A050CAE4-D1EC-4C9A-A2A7-A0A62C20F009}"/>
+                </a:ext>
+              </a:extLst>
+            </p:cNvPr>
+            <p:cNvSpPr/>
+            <p:nvPr/>
+          </p:nvSpPr>
+          <p:spPr>
+            <a:xfrm>
+              <a:off x="6615074" y="926299"/>
+              <a:ext cx="2664541" cy="509972"/>
+            </a:xfrm>
+            <a:prstGeom prst="roundRect">
+              <a:avLst/>
+            </a:prstGeom>
+            <a:solidFill>
+              <a:srgbClr val="77F348"/>
+            </a:solidFill>
+          </p:spPr>
+          <p:style>
+            <a:lnRef idx="2">
+              <a:schemeClr val="accent1">
+                <a:shade val="50000"/>
+              </a:schemeClr>
+            </a:lnRef>
+            <a:fillRef idx="1">
+              <a:schemeClr val="accent1"/>
+            </a:fillRef>
+            <a:effectRef idx="0">
+              <a:schemeClr val="accent1"/>
+            </a:effectRef>
+            <a:fontRef idx="minor">
+              <a:schemeClr val="lt1"/>
+            </a:fontRef>
+          </p:style>
+          <p:txBody>
+            <a:bodyPr rtlCol="0" anchor="ctr"/>
+            <a:lstStyle/>
+            <a:p>
+              <a:pPr algn="ctr"/>
+              <a:r>
+                <a:rPr lang="en-US" sz="1400" dirty="0">
+                  <a:solidFill>
+                    <a:schemeClr val="tx1"/>
+                  </a:solidFill>
+                </a:rPr>
+                <a:t>Conditions for Lossless Negative Imaginary Systems</a:t>
+              </a:r>
+            </a:p>
+          </p:txBody>
+        </p:sp>
+        <p:sp>
+          <p:nvSpPr>
+            <p:cNvPr id="22" name="Rectangle: Rounded Corners 21">
+              <a:extLst>
+                <a:ext uri="{FF2B5EF4-FFF2-40B4-BE49-F238E27FC236}">
+                  <a16:creationId xmlns:a16="http://schemas.microsoft.com/office/drawing/2014/main" id="{71F61C64-B7F5-48A3-9831-049FAB512C25}"/>
+                </a:ext>
+              </a:extLst>
+            </p:cNvPr>
+            <p:cNvSpPr/>
+            <p:nvPr/>
+          </p:nvSpPr>
+          <p:spPr>
+            <a:xfrm>
+              <a:off x="6637000" y="1621814"/>
+              <a:ext cx="2361372" cy="656646"/>
+            </a:xfrm>
+            <a:prstGeom prst="roundRect">
+              <a:avLst/>
+            </a:prstGeom>
+            <a:solidFill>
+              <a:srgbClr val="FFF84C"/>
+            </a:solidFill>
+          </p:spPr>
+          <p:style>
+            <a:lnRef idx="2">
+              <a:schemeClr val="accent1">
+                <a:shade val="50000"/>
+              </a:schemeClr>
+            </a:lnRef>
+            <a:fillRef idx="1">
+              <a:schemeClr val="accent1"/>
+            </a:fillRef>
+            <a:effectRef idx="0">
+              <a:schemeClr val="accent1"/>
+            </a:effectRef>
+            <a:fontRef idx="minor">
+              <a:schemeClr val="lt1"/>
+            </a:fontRef>
+          </p:style>
+          <p:txBody>
+            <a:bodyPr rtlCol="0" anchor="ctr"/>
+            <a:lstStyle/>
+            <a:p>
+              <a:pPr algn="ctr"/>
+              <a:r>
+                <a:rPr lang="en-US" sz="1600" dirty="0">
+                  <a:solidFill>
+                    <a:schemeClr val="tx1"/>
+                  </a:solidFill>
+                </a:rPr>
+                <a:t>Correct-by-Construction Approach for Self-Evolvable Robots</a:t>
+              </a:r>
+            </a:p>
+          </p:txBody>
+        </p:sp>
+        <p:cxnSp>
+          <p:nvCxnSpPr>
+            <p:cNvPr id="14" name="Straight Arrow Connector 13">
+              <a:extLst>
+                <a:ext uri="{FF2B5EF4-FFF2-40B4-BE49-F238E27FC236}">
+                  <a16:creationId xmlns:a16="http://schemas.microsoft.com/office/drawing/2014/main" id="{49AC7242-49F4-4AF5-BE71-13358D4EC5A2}"/>
+                </a:ext>
+              </a:extLst>
+            </p:cNvPr>
+            <p:cNvCxnSpPr/>
+            <p:nvPr/>
+          </p:nvCxnSpPr>
+          <p:spPr>
+            <a:xfrm flipH="1">
+              <a:off x="153307" y="2541776"/>
+              <a:ext cx="4908550" cy="0"/>
+            </a:xfrm>
+            <a:prstGeom prst="straightConnector1">
+              <a:avLst/>
+            </a:prstGeom>
+            <a:ln w="28575">
+              <a:prstDash val="dashDot"/>
+              <a:tailEnd type="triangle"/>
+            </a:ln>
+          </p:spPr>
+          <p:style>
+            <a:lnRef idx="1">
+              <a:schemeClr val="accent1"/>
+            </a:lnRef>
+            <a:fillRef idx="0">
+              <a:schemeClr val="accent1"/>
+            </a:fillRef>
+            <a:effectRef idx="0">
+              <a:schemeClr val="accent1"/>
+            </a:effectRef>
+            <a:fontRef idx="minor">
+              <a:schemeClr val="tx1"/>
+            </a:fontRef>
+          </p:style>
+        </p:cxnSp>
+        <p:cxnSp>
+          <p:nvCxnSpPr>
+            <p:cNvPr id="25" name="Straight Arrow Connector 24">
+              <a:extLst>
+                <a:ext uri="{FF2B5EF4-FFF2-40B4-BE49-F238E27FC236}">
+                  <a16:creationId xmlns:a16="http://schemas.microsoft.com/office/drawing/2014/main" id="{EC4294C0-5035-4934-9BAB-FBE640B477BB}"/>
+                </a:ext>
+              </a:extLst>
+            </p:cNvPr>
+            <p:cNvCxnSpPr>
+              <a:cxnSpLocks/>
+            </p:cNvCxnSpPr>
+            <p:nvPr/>
+          </p:nvCxnSpPr>
+          <p:spPr>
+            <a:xfrm>
+              <a:off x="6349952" y="4886530"/>
+              <a:ext cx="5522845" cy="0"/>
+            </a:xfrm>
+            <a:prstGeom prst="straightConnector1">
+              <a:avLst/>
+            </a:prstGeom>
+            <a:ln w="28575">
+              <a:prstDash val="dashDot"/>
+              <a:tailEnd type="triangle"/>
+            </a:ln>
+          </p:spPr>
+          <p:style>
+            <a:lnRef idx="1">
+              <a:schemeClr val="accent1"/>
+            </a:lnRef>
+            <a:fillRef idx="0">
+              <a:schemeClr val="accent1"/>
+            </a:fillRef>
+            <a:effectRef idx="0">
+              <a:schemeClr val="accent1"/>
+            </a:effectRef>
+            <a:fontRef idx="minor">
+              <a:schemeClr val="tx1"/>
+            </a:fontRef>
+          </p:style>
+        </p:cxnSp>
+        <p:cxnSp>
+          <p:nvCxnSpPr>
+            <p:cNvPr id="28" name="Straight Arrow Connector 27">
+              <a:extLst>
+                <a:ext uri="{FF2B5EF4-FFF2-40B4-BE49-F238E27FC236}">
+                  <a16:creationId xmlns:a16="http://schemas.microsoft.com/office/drawing/2014/main" id="{4CA59E87-B72B-472E-BE23-6D54C8E59A54}"/>
+                </a:ext>
+              </a:extLst>
+            </p:cNvPr>
+            <p:cNvCxnSpPr>
+              <a:cxnSpLocks/>
+            </p:cNvCxnSpPr>
+            <p:nvPr/>
+          </p:nvCxnSpPr>
+          <p:spPr>
+            <a:xfrm flipV="1">
+              <a:off x="6349952" y="917132"/>
+              <a:ext cx="0" cy="1556423"/>
+            </a:xfrm>
+            <a:prstGeom prst="straightConnector1">
+              <a:avLst/>
+            </a:prstGeom>
+            <a:ln w="28575">
+              <a:prstDash val="dashDot"/>
+              <a:tailEnd type="triangle"/>
+            </a:ln>
+          </p:spPr>
+          <p:style>
+            <a:lnRef idx="1">
+              <a:schemeClr val="accent1"/>
+            </a:lnRef>
+            <a:fillRef idx="0">
+              <a:schemeClr val="accent1"/>
+            </a:fillRef>
+            <a:effectRef idx="0">
+              <a:schemeClr val="accent1"/>
+            </a:effectRef>
+            <a:fontRef idx="minor">
+              <a:schemeClr val="tx1"/>
+            </a:fontRef>
+          </p:style>
+        </p:cxnSp>
+        <p:cxnSp>
+          <p:nvCxnSpPr>
+            <p:cNvPr id="31" name="Straight Arrow Connector 30">
+              <a:extLst>
+                <a:ext uri="{FF2B5EF4-FFF2-40B4-BE49-F238E27FC236}">
+                  <a16:creationId xmlns:a16="http://schemas.microsoft.com/office/drawing/2014/main" id="{9DAB27D2-AE0E-4B3F-96C3-DADC379FF09F}"/>
+                </a:ext>
+              </a:extLst>
+            </p:cNvPr>
+            <p:cNvCxnSpPr>
+              <a:cxnSpLocks/>
+            </p:cNvCxnSpPr>
+            <p:nvPr/>
+          </p:nvCxnSpPr>
+          <p:spPr>
+            <a:xfrm>
+              <a:off x="6349952" y="4710609"/>
+              <a:ext cx="0" cy="2034008"/>
+            </a:xfrm>
+            <a:prstGeom prst="straightConnector1">
+              <a:avLst/>
+            </a:prstGeom>
+            <a:ln w="28575">
+              <a:prstDash val="dashDot"/>
+              <a:tailEnd type="triangle"/>
+            </a:ln>
+          </p:spPr>
+          <p:style>
+            <a:lnRef idx="1">
+              <a:schemeClr val="accent1"/>
+            </a:lnRef>
+            <a:fillRef idx="0">
+              <a:schemeClr val="accent1"/>
+            </a:fillRef>
+            <a:effectRef idx="0">
+              <a:schemeClr val="accent1"/>
+            </a:effectRef>
+            <a:fontRef idx="minor">
+              <a:schemeClr val="tx1"/>
+            </a:fontRef>
+          </p:style>
+        </p:cxnSp>
+        <p:sp>
+          <p:nvSpPr>
+            <p:cNvPr id="34" name="Rectangle: Rounded Corners 33">
+              <a:extLst>
+                <a:ext uri="{FF2B5EF4-FFF2-40B4-BE49-F238E27FC236}">
+                  <a16:creationId xmlns:a16="http://schemas.microsoft.com/office/drawing/2014/main" id="{9C7059BA-0F83-4618-A8ED-C8F7F35893E4}"/>
+                </a:ext>
+              </a:extLst>
+            </p:cNvPr>
+            <p:cNvSpPr/>
+            <p:nvPr/>
+          </p:nvSpPr>
+          <p:spPr>
+            <a:xfrm>
+              <a:off x="9413776" y="1648580"/>
+              <a:ext cx="2664543" cy="626656"/>
+            </a:xfrm>
+            <a:prstGeom prst="roundRect">
+              <a:avLst/>
+            </a:prstGeom>
+            <a:solidFill>
+              <a:srgbClr val="75FAFE"/>
+            </a:solidFill>
+          </p:spPr>
+          <p:style>
+            <a:lnRef idx="2">
+              <a:schemeClr val="accent1">
+                <a:shade val="50000"/>
+              </a:schemeClr>
+            </a:lnRef>
+            <a:fillRef idx="1">
+              <a:schemeClr val="accent1"/>
+            </a:fillRef>
+            <a:effectRef idx="0">
+              <a:schemeClr val="accent1"/>
+            </a:effectRef>
+            <a:fontRef idx="minor">
+              <a:schemeClr val="lt1"/>
+            </a:fontRef>
+          </p:style>
+          <p:txBody>
+            <a:bodyPr rtlCol="0" anchor="ctr"/>
+            <a:lstStyle/>
+            <a:p>
+              <a:pPr algn="ctr"/>
+              <a:r>
+                <a:rPr lang="en-US" sz="1600" dirty="0">
+                  <a:solidFill>
+                    <a:schemeClr val="tx1"/>
+                  </a:solidFill>
+                </a:rPr>
+                <a:t>Co-design with Spectral Logic Specifications</a:t>
+              </a:r>
+            </a:p>
+          </p:txBody>
+        </p:sp>
+        <p:sp>
+          <p:nvSpPr>
+            <p:cNvPr id="35" name="Rectangle: Rounded Corners 34">
+              <a:extLst>
+                <a:ext uri="{FF2B5EF4-FFF2-40B4-BE49-F238E27FC236}">
+                  <a16:creationId xmlns:a16="http://schemas.microsoft.com/office/drawing/2014/main" id="{2F748F0C-6122-498E-ABD6-2C04FB210CE2}"/>
+                </a:ext>
+              </a:extLst>
+            </p:cNvPr>
+            <p:cNvSpPr/>
+            <p:nvPr/>
+          </p:nvSpPr>
+          <p:spPr>
+            <a:xfrm>
+              <a:off x="3345224" y="1698575"/>
+              <a:ext cx="1664684" cy="551683"/>
+            </a:xfrm>
+            <a:prstGeom prst="roundRect">
+              <a:avLst/>
+            </a:prstGeom>
+            <a:solidFill>
+              <a:srgbClr val="0066FF"/>
+            </a:solidFill>
+          </p:spPr>
+          <p:style>
+            <a:lnRef idx="2">
+              <a:schemeClr val="accent1">
+                <a:shade val="50000"/>
+              </a:schemeClr>
+            </a:lnRef>
+            <a:fillRef idx="1">
+              <a:schemeClr val="accent1"/>
+            </a:fillRef>
+            <a:effectRef idx="0">
+              <a:schemeClr val="accent1"/>
+            </a:effectRef>
+            <a:fontRef idx="minor">
+              <a:schemeClr val="lt1"/>
+            </a:fontRef>
+          </p:style>
+          <p:txBody>
+            <a:bodyPr rtlCol="0" anchor="ctr"/>
+            <a:lstStyle/>
+            <a:p>
+              <a:pPr algn="ctr"/>
+              <a:r>
+                <a:rPr lang="en-US" sz="1600" dirty="0">
+                  <a:solidFill>
+                    <a:schemeClr val="bg1"/>
+                  </a:solidFill>
+                </a:rPr>
+                <a:t>Spectral Logic </a:t>
+              </a:r>
+            </a:p>
+          </p:txBody>
+        </p:sp>
+        <p:sp>
+          <p:nvSpPr>
+            <p:cNvPr id="36" name="Rectangle: Rounded Corners 35">
+              <a:extLst>
+                <a:ext uri="{FF2B5EF4-FFF2-40B4-BE49-F238E27FC236}">
+                  <a16:creationId xmlns:a16="http://schemas.microsoft.com/office/drawing/2014/main" id="{560804EB-0917-44F1-A592-78DFBA237CAD}"/>
+                </a:ext>
+              </a:extLst>
+            </p:cNvPr>
+            <p:cNvSpPr/>
+            <p:nvPr/>
+          </p:nvSpPr>
+          <p:spPr>
+            <a:xfrm>
+              <a:off x="9681029" y="2411709"/>
+              <a:ext cx="2406701" cy="702388"/>
+            </a:xfrm>
+            <a:prstGeom prst="roundRect">
+              <a:avLst/>
+            </a:prstGeom>
+            <a:solidFill>
+              <a:srgbClr val="75FAFE"/>
+            </a:solidFill>
+          </p:spPr>
+          <p:style>
+            <a:lnRef idx="2">
+              <a:schemeClr val="accent1">
+                <a:shade val="50000"/>
+              </a:schemeClr>
+            </a:lnRef>
+            <a:fillRef idx="1">
+              <a:schemeClr val="accent1"/>
+            </a:fillRef>
+            <a:effectRef idx="0">
+              <a:schemeClr val="accent1"/>
+            </a:effectRef>
+            <a:fontRef idx="minor">
+              <a:schemeClr val="lt1"/>
+            </a:fontRef>
+          </p:style>
+          <p:txBody>
+            <a:bodyPr rtlCol="0" anchor="ctr"/>
+            <a:lstStyle/>
+            <a:p>
+              <a:pPr algn="ctr"/>
+              <a:r>
+                <a:rPr lang="en-US" sz="1600" dirty="0">
+                  <a:solidFill>
+                    <a:schemeClr val="tx1"/>
+                  </a:solidFill>
+                </a:rPr>
+                <a:t>Synthesis for Negative Imaginary Systems with Spectral Logic</a:t>
+              </a:r>
+            </a:p>
+          </p:txBody>
+        </p:sp>
+        <p:sp>
+          <p:nvSpPr>
+            <p:cNvPr id="37" name="Rectangle: Rounded Corners 36">
+              <a:extLst>
+                <a:ext uri="{FF2B5EF4-FFF2-40B4-BE49-F238E27FC236}">
+                  <a16:creationId xmlns:a16="http://schemas.microsoft.com/office/drawing/2014/main" id="{8880C64C-CF5B-41E4-89AE-127768D01E76}"/>
+                </a:ext>
+              </a:extLst>
+            </p:cNvPr>
+            <p:cNvSpPr/>
+            <p:nvPr/>
+          </p:nvSpPr>
+          <p:spPr>
+            <a:xfrm>
+              <a:off x="336998" y="3532257"/>
+              <a:ext cx="2270584" cy="613749"/>
+            </a:xfrm>
+            <a:prstGeom prst="roundRect">
+              <a:avLst/>
+            </a:prstGeom>
+            <a:solidFill>
+              <a:srgbClr val="FF66FF"/>
+            </a:solidFill>
+          </p:spPr>
+          <p:style>
+            <a:lnRef idx="2">
+              <a:schemeClr val="accent1">
+                <a:shade val="50000"/>
+              </a:schemeClr>
+            </a:lnRef>
+            <a:fillRef idx="1">
+              <a:schemeClr val="accent1"/>
+            </a:fillRef>
+            <a:effectRef idx="0">
+              <a:schemeClr val="accent1"/>
+            </a:effectRef>
+            <a:fontRef idx="minor">
+              <a:schemeClr val="lt1"/>
+            </a:fontRef>
+          </p:style>
+          <p:txBody>
+            <a:bodyPr rtlCol="0" anchor="ctr"/>
+            <a:lstStyle/>
+            <a:p>
+              <a:pPr algn="ctr"/>
+              <a:r>
+                <a:rPr lang="en-US" sz="1400" dirty="0">
+                  <a:solidFill>
+                    <a:schemeClr val="tx1"/>
+                  </a:solidFill>
+                </a:rPr>
+                <a:t>Semantic Parsing of Cyber-physical System</a:t>
+              </a:r>
+            </a:p>
+          </p:txBody>
+        </p:sp>
+        <p:sp>
+          <p:nvSpPr>
+            <p:cNvPr id="38" name="Rectangle: Rounded Corners 37">
+              <a:extLst>
+                <a:ext uri="{FF2B5EF4-FFF2-40B4-BE49-F238E27FC236}">
+                  <a16:creationId xmlns:a16="http://schemas.microsoft.com/office/drawing/2014/main" id="{55245350-3F34-440D-A684-D3A7E5C8ED68}"/>
+                </a:ext>
+              </a:extLst>
+            </p:cNvPr>
+            <p:cNvSpPr/>
+            <p:nvPr/>
+          </p:nvSpPr>
+          <p:spPr>
+            <a:xfrm>
+              <a:off x="336998" y="4403734"/>
+              <a:ext cx="2270584" cy="613749"/>
+            </a:xfrm>
+            <a:prstGeom prst="roundRect">
+              <a:avLst/>
+            </a:prstGeom>
+            <a:solidFill>
+              <a:srgbClr val="FF66FF"/>
+            </a:solidFill>
+          </p:spPr>
+          <p:style>
+            <a:lnRef idx="2">
+              <a:schemeClr val="accent1">
+                <a:shade val="50000"/>
+              </a:schemeClr>
+            </a:lnRef>
+            <a:fillRef idx="1">
+              <a:schemeClr val="accent1"/>
+            </a:fillRef>
+            <a:effectRef idx="0">
+              <a:schemeClr val="accent1"/>
+            </a:effectRef>
+            <a:fontRef idx="minor">
+              <a:schemeClr val="lt1"/>
+            </a:fontRef>
+          </p:style>
+          <p:txBody>
+            <a:bodyPr rtlCol="0" anchor="ctr"/>
+            <a:lstStyle/>
+            <a:p>
+              <a:pPr algn="ctr"/>
+              <a:r>
+                <a:rPr lang="en-US" sz="1400" dirty="0">
+                  <a:solidFill>
+                    <a:schemeClr val="tx1"/>
+                  </a:solidFill>
+                </a:rPr>
+                <a:t>Semantic Fault Diagnosis for Industrial  </a:t>
+              </a:r>
+              <a:r>
+                <a:rPr lang="en-US" sz="1400" dirty="0" err="1">
+                  <a:solidFill>
+                    <a:schemeClr val="tx1"/>
+                  </a:solidFill>
+                </a:rPr>
+                <a:t>IIoT</a:t>
+              </a:r>
+              <a:endParaRPr lang="en-US" sz="1400" dirty="0">
                 <a:solidFill>
                   <a:schemeClr val="tx1"/>
                 </a:solidFill>
-              </a:rPr>
-              <a:t>Active Learning-based Verification</a:t>
-            </a:r>
-          </a:p>
-        </p:txBody>
-      </p:sp>
-      <p:sp>
-        <p:nvSpPr>
-          <p:cNvPr id="17" name="Rectangle: Rounded Corners 16">
-            <a:extLst>
-              <a:ext uri="{FF2B5EF4-FFF2-40B4-BE49-F238E27FC236}">
-                <a16:creationId xmlns:a16="http://schemas.microsoft.com/office/drawing/2014/main" id="{A874CBBD-F406-44EA-9CF7-B4660C4AAF02}"/>
-              </a:ext>
-            </a:extLst>
-          </p:cNvPr>
-          <p:cNvSpPr/>
-          <p:nvPr/>
-        </p:nvSpPr>
-        <p:spPr>
-          <a:xfrm>
-            <a:off x="2825197" y="948408"/>
-            <a:ext cx="2463800" cy="483485"/>
-          </a:xfrm>
-          <a:prstGeom prst="roundRect">
-            <a:avLst/>
-          </a:prstGeom>
-          <a:solidFill>
-            <a:srgbClr val="FF66FF"/>
-          </a:solidFill>
-        </p:spPr>
-        <p:style>
-          <a:lnRef idx="2">
-            <a:schemeClr val="accent1">
-              <a:shade val="50000"/>
-            </a:schemeClr>
-          </a:lnRef>
-          <a:fillRef idx="1">
-            <a:schemeClr val="accent1"/>
-          </a:fillRef>
-          <a:effectRef idx="0">
-            <a:schemeClr val="accent1"/>
-          </a:effectRef>
-          <a:fontRef idx="minor">
-            <a:schemeClr val="lt1"/>
-          </a:fontRef>
-        </p:style>
-        <p:txBody>
-          <a:bodyPr rtlCol="0" anchor="ctr"/>
-          <a:lstStyle/>
-          <a:p>
-            <a:pPr algn="ctr"/>
-            <a:r>
-              <a:rPr lang="en-US" sz="1400" dirty="0">
-                <a:solidFill>
-                  <a:schemeClr val="tx1"/>
-                </a:solidFill>
-              </a:rPr>
-              <a:t>Data-Driven Approximate Abstraction Systems</a:t>
-            </a:r>
-          </a:p>
-        </p:txBody>
-      </p:sp>
-      <p:sp>
-        <p:nvSpPr>
-          <p:cNvPr id="18" name="Rectangle: Rounded Corners 17">
-            <a:extLst>
-              <a:ext uri="{FF2B5EF4-FFF2-40B4-BE49-F238E27FC236}">
-                <a16:creationId xmlns:a16="http://schemas.microsoft.com/office/drawing/2014/main" id="{6B69DF7A-51C3-49CD-A5E6-33A0D04AC6DF}"/>
-              </a:ext>
-            </a:extLst>
-          </p:cNvPr>
-          <p:cNvSpPr/>
-          <p:nvPr/>
-        </p:nvSpPr>
-        <p:spPr>
-          <a:xfrm>
-            <a:off x="445336" y="1734643"/>
-            <a:ext cx="2463800" cy="500978"/>
-          </a:xfrm>
-          <a:prstGeom prst="roundRect">
-            <a:avLst/>
-          </a:prstGeom>
-          <a:solidFill>
-            <a:srgbClr val="0066FF"/>
-          </a:solidFill>
-        </p:spPr>
-        <p:style>
-          <a:lnRef idx="2">
-            <a:schemeClr val="accent1">
-              <a:shade val="50000"/>
-            </a:schemeClr>
-          </a:lnRef>
-          <a:fillRef idx="1">
-            <a:schemeClr val="accent1"/>
-          </a:fillRef>
-          <a:effectRef idx="0">
-            <a:schemeClr val="accent1"/>
-          </a:effectRef>
-          <a:fontRef idx="minor">
-            <a:schemeClr val="lt1"/>
-          </a:fontRef>
-        </p:style>
-        <p:txBody>
-          <a:bodyPr rtlCol="0" anchor="ctr"/>
-          <a:lstStyle/>
-          <a:p>
-            <a:pPr algn="ctr"/>
-            <a:r>
-              <a:rPr lang="en-US" sz="1400" dirty="0">
-                <a:solidFill>
-                  <a:schemeClr val="bg1"/>
-                </a:solidFill>
-              </a:rPr>
-              <a:t>Timed Failure Propagation Graph Inference</a:t>
-            </a:r>
-          </a:p>
-        </p:txBody>
-      </p:sp>
-      <p:sp>
-        <p:nvSpPr>
-          <p:cNvPr id="19" name="Rectangle: Rounded Corners 18">
-            <a:extLst>
-              <a:ext uri="{FF2B5EF4-FFF2-40B4-BE49-F238E27FC236}">
-                <a16:creationId xmlns:a16="http://schemas.microsoft.com/office/drawing/2014/main" id="{D37AD570-5DBA-449D-BB07-35E81C425301}"/>
-              </a:ext>
-            </a:extLst>
-          </p:cNvPr>
-          <p:cNvSpPr/>
-          <p:nvPr/>
-        </p:nvSpPr>
-        <p:spPr>
-          <a:xfrm>
-            <a:off x="336998" y="2711995"/>
-            <a:ext cx="2270584" cy="613749"/>
-          </a:xfrm>
-          <a:prstGeom prst="roundRect">
-            <a:avLst/>
-          </a:prstGeom>
-          <a:solidFill>
-            <a:srgbClr val="FF66FF"/>
-          </a:solidFill>
-        </p:spPr>
-        <p:style>
-          <a:lnRef idx="2">
-            <a:schemeClr val="accent1">
-              <a:shade val="50000"/>
-            </a:schemeClr>
-          </a:lnRef>
-          <a:fillRef idx="1">
-            <a:schemeClr val="accent1"/>
-          </a:fillRef>
-          <a:effectRef idx="0">
-            <a:schemeClr val="accent1"/>
-          </a:effectRef>
-          <a:fontRef idx="minor">
-            <a:schemeClr val="lt1"/>
-          </a:fontRef>
-        </p:style>
-        <p:txBody>
-          <a:bodyPr rtlCol="0" anchor="ctr"/>
-          <a:lstStyle/>
-          <a:p>
-            <a:pPr algn="ctr"/>
-            <a:r>
-              <a:rPr lang="en-US" sz="1400" dirty="0">
-                <a:solidFill>
-                  <a:schemeClr val="tx1"/>
-                </a:solidFill>
-              </a:rPr>
-              <a:t>Formal Interpretation of Cyber-physical system</a:t>
-            </a:r>
-          </a:p>
-        </p:txBody>
-      </p:sp>
-      <p:sp>
-        <p:nvSpPr>
-          <p:cNvPr id="20" name="Rectangle: Rounded Corners 19">
-            <a:extLst>
-              <a:ext uri="{FF2B5EF4-FFF2-40B4-BE49-F238E27FC236}">
-                <a16:creationId xmlns:a16="http://schemas.microsoft.com/office/drawing/2014/main" id="{9BA51953-7F3E-4DA3-B773-144B965C4308}"/>
-              </a:ext>
-            </a:extLst>
-          </p:cNvPr>
-          <p:cNvSpPr/>
-          <p:nvPr/>
-        </p:nvSpPr>
-        <p:spPr>
-          <a:xfrm>
-            <a:off x="9799762" y="896763"/>
-            <a:ext cx="2131142" cy="626656"/>
-          </a:xfrm>
-          <a:prstGeom prst="roundRect">
-            <a:avLst/>
-          </a:prstGeom>
-          <a:solidFill>
-            <a:srgbClr val="77F348"/>
-          </a:solidFill>
-        </p:spPr>
-        <p:style>
-          <a:lnRef idx="2">
-            <a:schemeClr val="accent1">
-              <a:shade val="50000"/>
-            </a:schemeClr>
-          </a:lnRef>
-          <a:fillRef idx="1">
-            <a:schemeClr val="accent1"/>
-          </a:fillRef>
-          <a:effectRef idx="0">
-            <a:schemeClr val="accent1"/>
-          </a:effectRef>
-          <a:fontRef idx="minor">
-            <a:schemeClr val="lt1"/>
-          </a:fontRef>
-        </p:style>
-        <p:txBody>
-          <a:bodyPr rtlCol="0" anchor="ctr"/>
-          <a:lstStyle/>
-          <a:p>
-            <a:pPr algn="ctr"/>
-            <a:r>
-              <a:rPr lang="en-US" sz="1400" dirty="0">
-                <a:solidFill>
-                  <a:schemeClr val="tx1"/>
-                </a:solidFill>
-              </a:rPr>
-              <a:t>Fuzzy Logic Controller for LVDT</a:t>
-            </a:r>
-          </a:p>
-        </p:txBody>
-      </p:sp>
-      <p:sp>
-        <p:nvSpPr>
-          <p:cNvPr id="21" name="Rectangle: Rounded Corners 20">
-            <a:extLst>
-              <a:ext uri="{FF2B5EF4-FFF2-40B4-BE49-F238E27FC236}">
-                <a16:creationId xmlns:a16="http://schemas.microsoft.com/office/drawing/2014/main" id="{A050CAE4-D1EC-4C9A-A2A7-A0A62C20F009}"/>
-              </a:ext>
-            </a:extLst>
-          </p:cNvPr>
-          <p:cNvSpPr/>
-          <p:nvPr/>
-        </p:nvSpPr>
-        <p:spPr>
-          <a:xfrm>
-            <a:off x="6615074" y="926299"/>
-            <a:ext cx="2664541" cy="509972"/>
-          </a:xfrm>
-          <a:prstGeom prst="roundRect">
-            <a:avLst/>
-          </a:prstGeom>
-          <a:solidFill>
-            <a:srgbClr val="77F348"/>
-          </a:solidFill>
-        </p:spPr>
-        <p:style>
-          <a:lnRef idx="2">
-            <a:schemeClr val="accent1">
-              <a:shade val="50000"/>
-            </a:schemeClr>
-          </a:lnRef>
-          <a:fillRef idx="1">
-            <a:schemeClr val="accent1"/>
-          </a:fillRef>
-          <a:effectRef idx="0">
-            <a:schemeClr val="accent1"/>
-          </a:effectRef>
-          <a:fontRef idx="minor">
-            <a:schemeClr val="lt1"/>
-          </a:fontRef>
-        </p:style>
-        <p:txBody>
-          <a:bodyPr rtlCol="0" anchor="ctr"/>
-          <a:lstStyle/>
-          <a:p>
-            <a:pPr algn="ctr"/>
-            <a:r>
-              <a:rPr lang="en-US" sz="1400" dirty="0">
-                <a:solidFill>
-                  <a:schemeClr val="tx1"/>
-                </a:solidFill>
-              </a:rPr>
-              <a:t>Conditions for Lossless Negative Imaginary Systems</a:t>
-            </a:r>
-          </a:p>
-        </p:txBody>
-      </p:sp>
-      <p:sp>
-        <p:nvSpPr>
-          <p:cNvPr id="22" name="Rectangle: Rounded Corners 21">
-            <a:extLst>
-              <a:ext uri="{FF2B5EF4-FFF2-40B4-BE49-F238E27FC236}">
-                <a16:creationId xmlns:a16="http://schemas.microsoft.com/office/drawing/2014/main" id="{71F61C64-B7F5-48A3-9831-049FAB512C25}"/>
-              </a:ext>
-            </a:extLst>
-          </p:cNvPr>
-          <p:cNvSpPr/>
-          <p:nvPr/>
-        </p:nvSpPr>
-        <p:spPr>
-          <a:xfrm>
-            <a:off x="6637000" y="1621814"/>
-            <a:ext cx="2361372" cy="656646"/>
-          </a:xfrm>
-          <a:prstGeom prst="roundRect">
-            <a:avLst/>
-          </a:prstGeom>
-          <a:solidFill>
-            <a:srgbClr val="FFF84C"/>
-          </a:solidFill>
-        </p:spPr>
-        <p:style>
-          <a:lnRef idx="2">
-            <a:schemeClr val="accent1">
-              <a:shade val="50000"/>
-            </a:schemeClr>
-          </a:lnRef>
-          <a:fillRef idx="1">
-            <a:schemeClr val="accent1"/>
-          </a:fillRef>
-          <a:effectRef idx="0">
-            <a:schemeClr val="accent1"/>
-          </a:effectRef>
-          <a:fontRef idx="minor">
-            <a:schemeClr val="lt1"/>
-          </a:fontRef>
-        </p:style>
-        <p:txBody>
-          <a:bodyPr rtlCol="0" anchor="ctr"/>
-          <a:lstStyle/>
-          <a:p>
-            <a:pPr algn="ctr"/>
-            <a:r>
-              <a:rPr lang="en-US" sz="1600" dirty="0">
-                <a:solidFill>
-                  <a:schemeClr val="tx1"/>
-                </a:solidFill>
-              </a:rPr>
-              <a:t>Correct-by-Construction Approach for Self-Evolvable Robots</a:t>
-            </a:r>
-          </a:p>
-        </p:txBody>
-      </p:sp>
-      <p:cxnSp>
-        <p:nvCxnSpPr>
-          <p:cNvPr id="14" name="Straight Arrow Connector 13">
-            <a:extLst>
-              <a:ext uri="{FF2B5EF4-FFF2-40B4-BE49-F238E27FC236}">
-                <a16:creationId xmlns:a16="http://schemas.microsoft.com/office/drawing/2014/main" id="{49AC7242-49F4-4AF5-BE71-13358D4EC5A2}"/>
-              </a:ext>
-            </a:extLst>
-          </p:cNvPr>
-          <p:cNvCxnSpPr/>
-          <p:nvPr/>
-        </p:nvCxnSpPr>
-        <p:spPr>
-          <a:xfrm flipH="1">
-            <a:off x="153307" y="2541776"/>
-            <a:ext cx="4908550" cy="0"/>
-          </a:xfrm>
-          <a:prstGeom prst="straightConnector1">
-            <a:avLst/>
-          </a:prstGeom>
-          <a:ln w="28575">
-            <a:prstDash val="dashDot"/>
-            <a:tailEnd type="triangle"/>
-          </a:ln>
-        </p:spPr>
-        <p:style>
-          <a:lnRef idx="1">
-            <a:schemeClr val="accent1"/>
-          </a:lnRef>
-          <a:fillRef idx="0">
-            <a:schemeClr val="accent1"/>
-          </a:fillRef>
-          <a:effectRef idx="0">
-            <a:schemeClr val="accent1"/>
-          </a:effectRef>
-          <a:fontRef idx="minor">
-            <a:schemeClr val="tx1"/>
-          </a:fontRef>
-        </p:style>
-      </p:cxnSp>
-      <p:cxnSp>
-        <p:nvCxnSpPr>
-          <p:cNvPr id="25" name="Straight Arrow Connector 24">
-            <a:extLst>
-              <a:ext uri="{FF2B5EF4-FFF2-40B4-BE49-F238E27FC236}">
-                <a16:creationId xmlns:a16="http://schemas.microsoft.com/office/drawing/2014/main" id="{EC4294C0-5035-4934-9BAB-FBE640B477BB}"/>
-              </a:ext>
-            </a:extLst>
-          </p:cNvPr>
-          <p:cNvCxnSpPr>
-            <a:cxnSpLocks/>
-          </p:cNvCxnSpPr>
-          <p:nvPr/>
-        </p:nvCxnSpPr>
-        <p:spPr>
-          <a:xfrm>
-            <a:off x="6349952" y="4886530"/>
-            <a:ext cx="5522845" cy="0"/>
-          </a:xfrm>
-          <a:prstGeom prst="straightConnector1">
-            <a:avLst/>
-          </a:prstGeom>
-          <a:ln w="28575">
-            <a:prstDash val="dashDot"/>
-            <a:tailEnd type="triangle"/>
-          </a:ln>
-        </p:spPr>
-        <p:style>
-          <a:lnRef idx="1">
-            <a:schemeClr val="accent1"/>
-          </a:lnRef>
-          <a:fillRef idx="0">
-            <a:schemeClr val="accent1"/>
-          </a:fillRef>
-          <a:effectRef idx="0">
-            <a:schemeClr val="accent1"/>
-          </a:effectRef>
-          <a:fontRef idx="minor">
-            <a:schemeClr val="tx1"/>
-          </a:fontRef>
-        </p:style>
-      </p:cxnSp>
-      <p:cxnSp>
-        <p:nvCxnSpPr>
-          <p:cNvPr id="28" name="Straight Arrow Connector 27">
-            <a:extLst>
-              <a:ext uri="{FF2B5EF4-FFF2-40B4-BE49-F238E27FC236}">
-                <a16:creationId xmlns:a16="http://schemas.microsoft.com/office/drawing/2014/main" id="{4CA59E87-B72B-472E-BE23-6D54C8E59A54}"/>
-              </a:ext>
-            </a:extLst>
-          </p:cNvPr>
-          <p:cNvCxnSpPr>
-            <a:cxnSpLocks/>
-          </p:cNvCxnSpPr>
-          <p:nvPr/>
-        </p:nvCxnSpPr>
-        <p:spPr>
-          <a:xfrm flipV="1">
-            <a:off x="6349952" y="917132"/>
-            <a:ext cx="0" cy="1556423"/>
-          </a:xfrm>
-          <a:prstGeom prst="straightConnector1">
-            <a:avLst/>
-          </a:prstGeom>
-          <a:ln w="28575">
-            <a:prstDash val="dashDot"/>
-            <a:tailEnd type="triangle"/>
-          </a:ln>
-        </p:spPr>
-        <p:style>
-          <a:lnRef idx="1">
-            <a:schemeClr val="accent1"/>
-          </a:lnRef>
-          <a:fillRef idx="0">
-            <a:schemeClr val="accent1"/>
-          </a:fillRef>
-          <a:effectRef idx="0">
-            <a:schemeClr val="accent1"/>
-          </a:effectRef>
-          <a:fontRef idx="minor">
-            <a:schemeClr val="tx1"/>
-          </a:fontRef>
-        </p:style>
-      </p:cxnSp>
-      <p:cxnSp>
-        <p:nvCxnSpPr>
-          <p:cNvPr id="31" name="Straight Arrow Connector 30">
-            <a:extLst>
-              <a:ext uri="{FF2B5EF4-FFF2-40B4-BE49-F238E27FC236}">
-                <a16:creationId xmlns:a16="http://schemas.microsoft.com/office/drawing/2014/main" id="{9DAB27D2-AE0E-4B3F-96C3-DADC379FF09F}"/>
-              </a:ext>
-            </a:extLst>
-          </p:cNvPr>
-          <p:cNvCxnSpPr>
-            <a:cxnSpLocks/>
-          </p:cNvCxnSpPr>
-          <p:nvPr/>
-        </p:nvCxnSpPr>
-        <p:spPr>
-          <a:xfrm>
-            <a:off x="6349952" y="4710609"/>
-            <a:ext cx="0" cy="2034008"/>
-          </a:xfrm>
-          <a:prstGeom prst="straightConnector1">
-            <a:avLst/>
-          </a:prstGeom>
-          <a:ln w="28575">
-            <a:prstDash val="dashDot"/>
-            <a:tailEnd type="triangle"/>
-          </a:ln>
-        </p:spPr>
-        <p:style>
-          <a:lnRef idx="1">
-            <a:schemeClr val="accent1"/>
-          </a:lnRef>
-          <a:fillRef idx="0">
-            <a:schemeClr val="accent1"/>
-          </a:fillRef>
-          <a:effectRef idx="0">
-            <a:schemeClr val="accent1"/>
-          </a:effectRef>
-          <a:fontRef idx="minor">
-            <a:schemeClr val="tx1"/>
-          </a:fontRef>
-        </p:style>
-      </p:cxnSp>
-      <p:sp>
-        <p:nvSpPr>
-          <p:cNvPr id="34" name="Rectangle: Rounded Corners 33">
-            <a:extLst>
-              <a:ext uri="{FF2B5EF4-FFF2-40B4-BE49-F238E27FC236}">
-                <a16:creationId xmlns:a16="http://schemas.microsoft.com/office/drawing/2014/main" id="{9C7059BA-0F83-4618-A8ED-C8F7F35893E4}"/>
-              </a:ext>
-            </a:extLst>
-          </p:cNvPr>
-          <p:cNvSpPr/>
-          <p:nvPr/>
-        </p:nvSpPr>
-        <p:spPr>
-          <a:xfrm>
-            <a:off x="9413776" y="1648580"/>
-            <a:ext cx="2664543" cy="626656"/>
-          </a:xfrm>
-          <a:prstGeom prst="roundRect">
-            <a:avLst/>
-          </a:prstGeom>
-          <a:solidFill>
-            <a:srgbClr val="75FAFE"/>
-          </a:solidFill>
-        </p:spPr>
-        <p:style>
-          <a:lnRef idx="2">
-            <a:schemeClr val="accent1">
-              <a:shade val="50000"/>
-            </a:schemeClr>
-          </a:lnRef>
-          <a:fillRef idx="1">
-            <a:schemeClr val="accent1"/>
-          </a:fillRef>
-          <a:effectRef idx="0">
-            <a:schemeClr val="accent1"/>
-          </a:effectRef>
-          <a:fontRef idx="minor">
-            <a:schemeClr val="lt1"/>
-          </a:fontRef>
-        </p:style>
-        <p:txBody>
-          <a:bodyPr rtlCol="0" anchor="ctr"/>
-          <a:lstStyle/>
-          <a:p>
-            <a:pPr algn="ctr"/>
-            <a:r>
-              <a:rPr lang="en-US" sz="1600" dirty="0">
-                <a:solidFill>
-                  <a:schemeClr val="tx1"/>
-                </a:solidFill>
-              </a:rPr>
-              <a:t>Co-design with Spectral Logic Specifications</a:t>
-            </a:r>
-          </a:p>
-        </p:txBody>
-      </p:sp>
-      <p:sp>
-        <p:nvSpPr>
-          <p:cNvPr id="35" name="Rectangle: Rounded Corners 34">
-            <a:extLst>
-              <a:ext uri="{FF2B5EF4-FFF2-40B4-BE49-F238E27FC236}">
-                <a16:creationId xmlns:a16="http://schemas.microsoft.com/office/drawing/2014/main" id="{2F748F0C-6122-498E-ABD6-2C04FB210CE2}"/>
-              </a:ext>
-            </a:extLst>
-          </p:cNvPr>
-          <p:cNvSpPr/>
-          <p:nvPr/>
-        </p:nvSpPr>
-        <p:spPr>
-          <a:xfrm>
-            <a:off x="3345224" y="1698575"/>
-            <a:ext cx="1664684" cy="551683"/>
-          </a:xfrm>
-          <a:prstGeom prst="roundRect">
-            <a:avLst/>
-          </a:prstGeom>
-          <a:solidFill>
-            <a:srgbClr val="0066FF"/>
-          </a:solidFill>
-        </p:spPr>
-        <p:style>
-          <a:lnRef idx="2">
-            <a:schemeClr val="accent1">
-              <a:shade val="50000"/>
-            </a:schemeClr>
-          </a:lnRef>
-          <a:fillRef idx="1">
-            <a:schemeClr val="accent1"/>
-          </a:fillRef>
-          <a:effectRef idx="0">
-            <a:schemeClr val="accent1"/>
-          </a:effectRef>
-          <a:fontRef idx="minor">
-            <a:schemeClr val="lt1"/>
-          </a:fontRef>
-        </p:style>
-        <p:txBody>
-          <a:bodyPr rtlCol="0" anchor="ctr"/>
-          <a:lstStyle/>
-          <a:p>
-            <a:pPr algn="ctr"/>
-            <a:r>
-              <a:rPr lang="en-US" sz="1600" dirty="0">
-                <a:solidFill>
-                  <a:schemeClr val="bg1"/>
-                </a:solidFill>
-              </a:rPr>
-              <a:t>Spectral Logic </a:t>
-            </a:r>
-          </a:p>
-        </p:txBody>
-      </p:sp>
-      <p:sp>
-        <p:nvSpPr>
-          <p:cNvPr id="36" name="Rectangle: Rounded Corners 35">
-            <a:extLst>
-              <a:ext uri="{FF2B5EF4-FFF2-40B4-BE49-F238E27FC236}">
-                <a16:creationId xmlns:a16="http://schemas.microsoft.com/office/drawing/2014/main" id="{560804EB-0917-44F1-A592-78DFBA237CAD}"/>
-              </a:ext>
-            </a:extLst>
-          </p:cNvPr>
-          <p:cNvSpPr/>
-          <p:nvPr/>
-        </p:nvSpPr>
-        <p:spPr>
-          <a:xfrm>
-            <a:off x="9681029" y="2411709"/>
-            <a:ext cx="2406701" cy="702388"/>
-          </a:xfrm>
-          <a:prstGeom prst="roundRect">
-            <a:avLst/>
-          </a:prstGeom>
-          <a:solidFill>
-            <a:srgbClr val="75FAFE"/>
-          </a:solidFill>
-        </p:spPr>
-        <p:style>
-          <a:lnRef idx="2">
-            <a:schemeClr val="accent1">
-              <a:shade val="50000"/>
-            </a:schemeClr>
-          </a:lnRef>
-          <a:fillRef idx="1">
-            <a:schemeClr val="accent1"/>
-          </a:fillRef>
-          <a:effectRef idx="0">
-            <a:schemeClr val="accent1"/>
-          </a:effectRef>
-          <a:fontRef idx="minor">
-            <a:schemeClr val="lt1"/>
-          </a:fontRef>
-        </p:style>
-        <p:txBody>
-          <a:bodyPr rtlCol="0" anchor="ctr"/>
-          <a:lstStyle/>
-          <a:p>
-            <a:pPr algn="ctr"/>
-            <a:r>
-              <a:rPr lang="en-US" sz="1600" dirty="0">
-                <a:solidFill>
-                  <a:schemeClr val="tx1"/>
-                </a:solidFill>
-              </a:rPr>
-              <a:t>Synthesis for Negative Imaginary Systems with Spectral Logic</a:t>
-            </a:r>
-          </a:p>
-        </p:txBody>
-      </p:sp>
-      <p:sp>
-        <p:nvSpPr>
-          <p:cNvPr id="37" name="Rectangle: Rounded Corners 36">
-            <a:extLst>
-              <a:ext uri="{FF2B5EF4-FFF2-40B4-BE49-F238E27FC236}">
-                <a16:creationId xmlns:a16="http://schemas.microsoft.com/office/drawing/2014/main" id="{8880C64C-CF5B-41E4-89AE-127768D01E76}"/>
-              </a:ext>
-            </a:extLst>
-          </p:cNvPr>
-          <p:cNvSpPr/>
-          <p:nvPr/>
-        </p:nvSpPr>
-        <p:spPr>
-          <a:xfrm>
-            <a:off x="336998" y="3532257"/>
-            <a:ext cx="2270584" cy="613749"/>
-          </a:xfrm>
-          <a:prstGeom prst="roundRect">
-            <a:avLst/>
-          </a:prstGeom>
-          <a:solidFill>
-            <a:srgbClr val="FF66FF"/>
-          </a:solidFill>
-        </p:spPr>
-        <p:style>
-          <a:lnRef idx="2">
-            <a:schemeClr val="accent1">
-              <a:shade val="50000"/>
-            </a:schemeClr>
-          </a:lnRef>
-          <a:fillRef idx="1">
-            <a:schemeClr val="accent1"/>
-          </a:fillRef>
-          <a:effectRef idx="0">
-            <a:schemeClr val="accent1"/>
-          </a:effectRef>
-          <a:fontRef idx="minor">
-            <a:schemeClr val="lt1"/>
-          </a:fontRef>
-        </p:style>
-        <p:txBody>
-          <a:bodyPr rtlCol="0" anchor="ctr"/>
-          <a:lstStyle/>
-          <a:p>
-            <a:pPr algn="ctr"/>
-            <a:r>
-              <a:rPr lang="en-US" sz="1400" dirty="0">
-                <a:solidFill>
-                  <a:schemeClr val="tx1"/>
-                </a:solidFill>
-              </a:rPr>
-              <a:t>Semantic Parsing of Cyber-physical System</a:t>
-            </a:r>
-          </a:p>
-        </p:txBody>
-      </p:sp>
-      <p:sp>
-        <p:nvSpPr>
-          <p:cNvPr id="38" name="Rectangle: Rounded Corners 37">
-            <a:extLst>
-              <a:ext uri="{FF2B5EF4-FFF2-40B4-BE49-F238E27FC236}">
-                <a16:creationId xmlns:a16="http://schemas.microsoft.com/office/drawing/2014/main" id="{55245350-3F34-440D-A684-D3A7E5C8ED68}"/>
-              </a:ext>
-            </a:extLst>
-          </p:cNvPr>
-          <p:cNvSpPr/>
-          <p:nvPr/>
-        </p:nvSpPr>
-        <p:spPr>
-          <a:xfrm>
-            <a:off x="336998" y="4403734"/>
-            <a:ext cx="2270584" cy="613749"/>
-          </a:xfrm>
-          <a:prstGeom prst="roundRect">
-            <a:avLst/>
-          </a:prstGeom>
-          <a:solidFill>
-            <a:srgbClr val="FF66FF"/>
-          </a:solidFill>
-        </p:spPr>
-        <p:style>
-          <a:lnRef idx="2">
-            <a:schemeClr val="accent1">
-              <a:shade val="50000"/>
-            </a:schemeClr>
-          </a:lnRef>
-          <a:fillRef idx="1">
-            <a:schemeClr val="accent1"/>
-          </a:fillRef>
-          <a:effectRef idx="0">
-            <a:schemeClr val="accent1"/>
-          </a:effectRef>
-          <a:fontRef idx="minor">
-            <a:schemeClr val="lt1"/>
-          </a:fontRef>
-        </p:style>
-        <p:txBody>
-          <a:bodyPr rtlCol="0" anchor="ctr"/>
-          <a:lstStyle/>
-          <a:p>
-            <a:pPr algn="ctr"/>
-            <a:r>
-              <a:rPr lang="en-US" sz="1400" dirty="0">
-                <a:solidFill>
-                  <a:schemeClr val="tx1"/>
-                </a:solidFill>
-              </a:rPr>
-              <a:t>Semantic Fault Diagnosis for Industrial  </a:t>
-            </a:r>
-            <a:r>
-              <a:rPr lang="en-US" sz="1400" dirty="0" err="1">
-                <a:solidFill>
-                  <a:schemeClr val="tx1"/>
-                </a:solidFill>
-              </a:rPr>
-              <a:t>IIoT</a:t>
-            </a:r>
-            <a:endParaRPr lang="en-US" sz="1400" dirty="0">
-              <a:solidFill>
-                <a:schemeClr val="tx1"/>
-              </a:solidFill>
-            </a:endParaRPr>
-          </a:p>
-        </p:txBody>
-      </p:sp>
-      <p:sp>
-        <p:nvSpPr>
-          <p:cNvPr id="39" name="Rectangle: Rounded Corners 38">
-            <a:extLst>
-              <a:ext uri="{FF2B5EF4-FFF2-40B4-BE49-F238E27FC236}">
-                <a16:creationId xmlns:a16="http://schemas.microsoft.com/office/drawing/2014/main" id="{436C8B05-A350-45AF-81AF-985532788375}"/>
-              </a:ext>
-            </a:extLst>
-          </p:cNvPr>
-          <p:cNvSpPr/>
-          <p:nvPr/>
-        </p:nvSpPr>
-        <p:spPr>
-          <a:xfrm>
-            <a:off x="2837641" y="2703452"/>
-            <a:ext cx="2270584" cy="613749"/>
-          </a:xfrm>
-          <a:prstGeom prst="roundRect">
-            <a:avLst/>
-          </a:prstGeom>
-          <a:solidFill>
-            <a:srgbClr val="FF66FF"/>
-          </a:solidFill>
-        </p:spPr>
-        <p:style>
-          <a:lnRef idx="2">
-            <a:schemeClr val="accent1">
-              <a:shade val="50000"/>
-            </a:schemeClr>
-          </a:lnRef>
-          <a:fillRef idx="1">
-            <a:schemeClr val="accent1"/>
-          </a:fillRef>
-          <a:effectRef idx="0">
-            <a:schemeClr val="accent1"/>
-          </a:effectRef>
-          <a:fontRef idx="minor">
-            <a:schemeClr val="lt1"/>
-          </a:fontRef>
-        </p:style>
-        <p:txBody>
-          <a:bodyPr rtlCol="0" anchor="ctr"/>
-          <a:lstStyle/>
-          <a:p>
-            <a:pPr algn="ctr"/>
-            <a:r>
-              <a:rPr lang="en-US" sz="1400" dirty="0" err="1">
-                <a:solidFill>
-                  <a:schemeClr val="tx1"/>
-                </a:solidFill>
-              </a:rPr>
-              <a:t>Shapelet</a:t>
-            </a:r>
-            <a:r>
-              <a:rPr lang="en-US" sz="1400" dirty="0">
-                <a:solidFill>
-                  <a:schemeClr val="tx1"/>
-                </a:solidFill>
-              </a:rPr>
-              <a:t> Temporal Logic for </a:t>
-            </a:r>
-          </a:p>
-          <a:p>
-            <a:pPr algn="ctr"/>
-            <a:r>
-              <a:rPr lang="en-US" sz="1400" dirty="0">
-                <a:solidFill>
-                  <a:schemeClr val="tx1"/>
-                </a:solidFill>
-              </a:rPr>
-              <a:t>Time Series Analysis</a:t>
-            </a:r>
-          </a:p>
-        </p:txBody>
-      </p:sp>
-      <p:sp>
-        <p:nvSpPr>
-          <p:cNvPr id="40" name="Rectangle: Rounded Corners 39">
-            <a:extLst>
-              <a:ext uri="{FF2B5EF4-FFF2-40B4-BE49-F238E27FC236}">
-                <a16:creationId xmlns:a16="http://schemas.microsoft.com/office/drawing/2014/main" id="{8EE5E55D-D469-422A-97C3-AAECC4AF15E5}"/>
-              </a:ext>
-            </a:extLst>
-          </p:cNvPr>
-          <p:cNvSpPr/>
-          <p:nvPr/>
-        </p:nvSpPr>
-        <p:spPr>
-          <a:xfrm>
-            <a:off x="2792401" y="3562708"/>
-            <a:ext cx="2270584" cy="613749"/>
-          </a:xfrm>
-          <a:prstGeom prst="roundRect">
-            <a:avLst/>
-          </a:prstGeom>
-          <a:solidFill>
-            <a:srgbClr val="FF66FF"/>
-          </a:solidFill>
-        </p:spPr>
-        <p:style>
-          <a:lnRef idx="2">
-            <a:schemeClr val="accent1">
-              <a:shade val="50000"/>
-            </a:schemeClr>
-          </a:lnRef>
-          <a:fillRef idx="1">
-            <a:schemeClr val="accent1"/>
-          </a:fillRef>
-          <a:effectRef idx="0">
-            <a:schemeClr val="accent1"/>
-          </a:effectRef>
-          <a:fontRef idx="minor">
-            <a:schemeClr val="lt1"/>
-          </a:fontRef>
-        </p:style>
-        <p:txBody>
-          <a:bodyPr rtlCol="0" anchor="ctr"/>
-          <a:lstStyle/>
-          <a:p>
-            <a:pPr algn="ctr"/>
-            <a:r>
-              <a:rPr lang="en-US" sz="1400" dirty="0">
-                <a:solidFill>
-                  <a:schemeClr val="tx1"/>
-                </a:solidFill>
-              </a:rPr>
-              <a:t>Stochastic Temporal Logic Inference for Fault Analysis</a:t>
-            </a:r>
-          </a:p>
-        </p:txBody>
-      </p:sp>
-      <p:sp>
-        <p:nvSpPr>
-          <p:cNvPr id="41" name="Rectangle: Rounded Corners 40">
-            <a:extLst>
-              <a:ext uri="{FF2B5EF4-FFF2-40B4-BE49-F238E27FC236}">
-                <a16:creationId xmlns:a16="http://schemas.microsoft.com/office/drawing/2014/main" id="{FA9ABDE5-EF47-44C1-B482-C7C88405E259}"/>
-              </a:ext>
-            </a:extLst>
-          </p:cNvPr>
-          <p:cNvSpPr/>
-          <p:nvPr/>
-        </p:nvSpPr>
-        <p:spPr>
-          <a:xfrm>
-            <a:off x="7575686" y="2430932"/>
-            <a:ext cx="1938428" cy="683163"/>
-          </a:xfrm>
-          <a:prstGeom prst="roundRect">
-            <a:avLst/>
-          </a:prstGeom>
-          <a:solidFill>
-            <a:schemeClr val="bg1"/>
-          </a:solidFill>
-        </p:spPr>
-        <p:style>
-          <a:lnRef idx="2">
-            <a:schemeClr val="accent1">
-              <a:shade val="50000"/>
-            </a:schemeClr>
-          </a:lnRef>
-          <a:fillRef idx="1">
-            <a:schemeClr val="accent1"/>
-          </a:fillRef>
-          <a:effectRef idx="0">
-            <a:schemeClr val="accent1"/>
-          </a:effectRef>
-          <a:fontRef idx="minor">
-            <a:schemeClr val="lt1"/>
-          </a:fontRef>
-        </p:style>
-        <p:txBody>
-          <a:bodyPr rtlCol="0" anchor="ctr"/>
-          <a:lstStyle/>
-          <a:p>
-            <a:pPr algn="ctr"/>
-            <a:r>
-              <a:rPr lang="en-US" sz="1600" dirty="0">
-                <a:solidFill>
-                  <a:schemeClr val="tx1"/>
-                </a:solidFill>
-              </a:rPr>
-              <a:t>Human-in-the-Loop Design of CPS</a:t>
-            </a:r>
-          </a:p>
-        </p:txBody>
-      </p:sp>
-      <p:sp>
-        <p:nvSpPr>
-          <p:cNvPr id="42" name="Rectangle: Rounded Corners 41">
-            <a:extLst>
-              <a:ext uri="{FF2B5EF4-FFF2-40B4-BE49-F238E27FC236}">
-                <a16:creationId xmlns:a16="http://schemas.microsoft.com/office/drawing/2014/main" id="{98B57BC7-F00F-408D-8B87-345A8FFDA599}"/>
-              </a:ext>
-            </a:extLst>
-          </p:cNvPr>
-          <p:cNvSpPr/>
-          <p:nvPr/>
-        </p:nvSpPr>
-        <p:spPr>
-          <a:xfrm>
-            <a:off x="6408059" y="5036089"/>
-            <a:ext cx="2727302" cy="624481"/>
-          </a:xfrm>
-          <a:prstGeom prst="roundRect">
-            <a:avLst/>
-          </a:prstGeom>
-          <a:solidFill>
-            <a:srgbClr val="FF0000"/>
-          </a:solidFill>
-        </p:spPr>
-        <p:style>
-          <a:lnRef idx="2">
-            <a:schemeClr val="accent1">
-              <a:shade val="50000"/>
-            </a:schemeClr>
-          </a:lnRef>
-          <a:fillRef idx="1">
-            <a:schemeClr val="accent1"/>
-          </a:fillRef>
-          <a:effectRef idx="0">
-            <a:schemeClr val="accent1"/>
-          </a:effectRef>
-          <a:fontRef idx="minor">
-            <a:schemeClr val="lt1"/>
-          </a:fontRef>
-        </p:style>
-        <p:txBody>
-          <a:bodyPr rtlCol="0" anchor="ctr"/>
-          <a:lstStyle/>
-          <a:p>
-            <a:pPr algn="ctr"/>
-            <a:r>
-              <a:rPr lang="en-US" sz="1400" dirty="0"/>
-              <a:t>A distribution pattern modelling with Gaussian Process</a:t>
-            </a:r>
-          </a:p>
-        </p:txBody>
-      </p:sp>
-      <p:sp>
-        <p:nvSpPr>
-          <p:cNvPr id="43" name="Rectangle: Rounded Corners 42">
-            <a:extLst>
-              <a:ext uri="{FF2B5EF4-FFF2-40B4-BE49-F238E27FC236}">
-                <a16:creationId xmlns:a16="http://schemas.microsoft.com/office/drawing/2014/main" id="{0EE94EE1-751F-46B4-A958-DA5EAE4BE5A7}"/>
-              </a:ext>
-            </a:extLst>
-          </p:cNvPr>
-          <p:cNvSpPr/>
-          <p:nvPr/>
-        </p:nvSpPr>
-        <p:spPr>
-          <a:xfrm>
-            <a:off x="7170604" y="4083911"/>
-            <a:ext cx="1999323" cy="584933"/>
-          </a:xfrm>
-          <a:prstGeom prst="roundRect">
-            <a:avLst/>
-          </a:prstGeom>
-          <a:solidFill>
-            <a:srgbClr val="75FAFE"/>
-          </a:solidFill>
-        </p:spPr>
-        <p:style>
-          <a:lnRef idx="2">
-            <a:schemeClr val="accent1">
-              <a:shade val="50000"/>
-            </a:schemeClr>
-          </a:lnRef>
-          <a:fillRef idx="1">
-            <a:schemeClr val="accent1"/>
-          </a:fillRef>
-          <a:effectRef idx="0">
-            <a:schemeClr val="accent1"/>
-          </a:effectRef>
-          <a:fontRef idx="minor">
-            <a:schemeClr val="lt1"/>
-          </a:fontRef>
-        </p:style>
-        <p:txBody>
-          <a:bodyPr rtlCol="0" anchor="ctr"/>
-          <a:lstStyle/>
-          <a:p>
-            <a:pPr algn="ctr"/>
-            <a:r>
-              <a:rPr lang="en-US" sz="1600" dirty="0">
-                <a:solidFill>
-                  <a:schemeClr val="tx1"/>
-                </a:solidFill>
-              </a:rPr>
-              <a:t>Reliance Control with Temporal Logic</a:t>
-            </a:r>
-          </a:p>
-        </p:txBody>
-      </p:sp>
-      <p:sp>
-        <p:nvSpPr>
-          <p:cNvPr id="44" name="Rectangle: Rounded Corners 43">
-            <a:extLst>
-              <a:ext uri="{FF2B5EF4-FFF2-40B4-BE49-F238E27FC236}">
-                <a16:creationId xmlns:a16="http://schemas.microsoft.com/office/drawing/2014/main" id="{775850C2-7D5E-48B3-840F-0AAB55563BB8}"/>
-              </a:ext>
-            </a:extLst>
-          </p:cNvPr>
-          <p:cNvSpPr/>
-          <p:nvPr/>
-        </p:nvSpPr>
-        <p:spPr>
-          <a:xfrm>
-            <a:off x="2954238" y="4421964"/>
-            <a:ext cx="2548614" cy="613749"/>
-          </a:xfrm>
-          <a:prstGeom prst="roundRect">
-            <a:avLst/>
-          </a:prstGeom>
-          <a:solidFill>
-            <a:srgbClr val="E95DF8"/>
-          </a:solidFill>
-        </p:spPr>
-        <p:style>
-          <a:lnRef idx="2">
-            <a:schemeClr val="accent1">
-              <a:shade val="50000"/>
-            </a:schemeClr>
-          </a:lnRef>
-          <a:fillRef idx="1">
-            <a:schemeClr val="accent1"/>
-          </a:fillRef>
-          <a:effectRef idx="0">
-            <a:schemeClr val="accent1"/>
-          </a:effectRef>
-          <a:fontRef idx="minor">
-            <a:schemeClr val="lt1"/>
-          </a:fontRef>
-        </p:style>
-        <p:txBody>
-          <a:bodyPr rtlCol="0" anchor="ctr"/>
-          <a:lstStyle/>
-          <a:p>
-            <a:pPr algn="ctr"/>
-            <a:r>
-              <a:rPr lang="en-US" sz="1600" dirty="0">
-                <a:solidFill>
-                  <a:schemeClr val="tx1"/>
-                </a:solidFill>
-              </a:rPr>
-              <a:t>Gradient Descent for Temporal Logic Inference</a:t>
-            </a:r>
-          </a:p>
-        </p:txBody>
-      </p:sp>
-      <p:sp>
-        <p:nvSpPr>
-          <p:cNvPr id="46" name="Rectangle: Rounded Corners 45">
-            <a:extLst>
-              <a:ext uri="{FF2B5EF4-FFF2-40B4-BE49-F238E27FC236}">
-                <a16:creationId xmlns:a16="http://schemas.microsoft.com/office/drawing/2014/main" id="{409EBE9E-4653-4CA0-8E9B-5B17A98C6983}"/>
-              </a:ext>
-            </a:extLst>
-          </p:cNvPr>
-          <p:cNvSpPr/>
-          <p:nvPr/>
-        </p:nvSpPr>
-        <p:spPr>
-          <a:xfrm>
-            <a:off x="336998" y="5239606"/>
-            <a:ext cx="2548614" cy="537080"/>
-          </a:xfrm>
-          <a:prstGeom prst="roundRect">
-            <a:avLst/>
-          </a:prstGeom>
-          <a:solidFill>
-            <a:srgbClr val="E95DF8"/>
-          </a:solidFill>
-        </p:spPr>
-        <p:style>
-          <a:lnRef idx="2">
-            <a:schemeClr val="accent1">
-              <a:shade val="50000"/>
-            </a:schemeClr>
-          </a:lnRef>
-          <a:fillRef idx="1">
-            <a:schemeClr val="accent1"/>
-          </a:fillRef>
-          <a:effectRef idx="0">
-            <a:schemeClr val="accent1"/>
-          </a:effectRef>
-          <a:fontRef idx="minor">
-            <a:schemeClr val="lt1"/>
-          </a:fontRef>
-        </p:style>
-        <p:txBody>
-          <a:bodyPr rtlCol="0" anchor="ctr"/>
-          <a:lstStyle/>
-          <a:p>
-            <a:pPr algn="ctr"/>
-            <a:r>
-              <a:rPr lang="en-US" sz="1600" dirty="0">
-                <a:solidFill>
-                  <a:schemeClr val="tx1"/>
-                </a:solidFill>
-              </a:rPr>
-              <a:t>Frequency Temporal Logic Inference with DNN</a:t>
-            </a:r>
-          </a:p>
-        </p:txBody>
-      </p:sp>
+              </a:endParaRPr>
+            </a:p>
+          </p:txBody>
+        </p:sp>
+        <p:sp>
+          <p:nvSpPr>
+            <p:cNvPr id="39" name="Rectangle: Rounded Corners 38">
+              <a:extLst>
+                <a:ext uri="{FF2B5EF4-FFF2-40B4-BE49-F238E27FC236}">
+                  <a16:creationId xmlns:a16="http://schemas.microsoft.com/office/drawing/2014/main" id="{436C8B05-A350-45AF-81AF-985532788375}"/>
+                </a:ext>
+              </a:extLst>
+            </p:cNvPr>
+            <p:cNvSpPr/>
+            <p:nvPr/>
+          </p:nvSpPr>
+          <p:spPr>
+            <a:xfrm>
+              <a:off x="2837641" y="2703452"/>
+              <a:ext cx="2270584" cy="613749"/>
+            </a:xfrm>
+            <a:prstGeom prst="roundRect">
+              <a:avLst/>
+            </a:prstGeom>
+            <a:solidFill>
+              <a:srgbClr val="FF66FF"/>
+            </a:solidFill>
+          </p:spPr>
+          <p:style>
+            <a:lnRef idx="2">
+              <a:schemeClr val="accent1">
+                <a:shade val="50000"/>
+              </a:schemeClr>
+            </a:lnRef>
+            <a:fillRef idx="1">
+              <a:schemeClr val="accent1"/>
+            </a:fillRef>
+            <a:effectRef idx="0">
+              <a:schemeClr val="accent1"/>
+            </a:effectRef>
+            <a:fontRef idx="minor">
+              <a:schemeClr val="lt1"/>
+            </a:fontRef>
+          </p:style>
+          <p:txBody>
+            <a:bodyPr rtlCol="0" anchor="ctr"/>
+            <a:lstStyle/>
+            <a:p>
+              <a:pPr algn="ctr"/>
+              <a:r>
+                <a:rPr lang="en-US" sz="1400" dirty="0" err="1">
+                  <a:solidFill>
+                    <a:schemeClr val="tx1"/>
+                  </a:solidFill>
+                </a:rPr>
+                <a:t>Shapelet</a:t>
+              </a:r>
+              <a:r>
+                <a:rPr lang="en-US" sz="1400" dirty="0">
+                  <a:solidFill>
+                    <a:schemeClr val="tx1"/>
+                  </a:solidFill>
+                </a:rPr>
+                <a:t> Temporal Logic for </a:t>
+              </a:r>
+            </a:p>
+            <a:p>
+              <a:pPr algn="ctr"/>
+              <a:r>
+                <a:rPr lang="en-US" sz="1400" dirty="0">
+                  <a:solidFill>
+                    <a:schemeClr val="tx1"/>
+                  </a:solidFill>
+                </a:rPr>
+                <a:t>Time Series Analysis</a:t>
+              </a:r>
+            </a:p>
+          </p:txBody>
+        </p:sp>
+        <p:sp>
+          <p:nvSpPr>
+            <p:cNvPr id="40" name="Rectangle: Rounded Corners 39">
+              <a:extLst>
+                <a:ext uri="{FF2B5EF4-FFF2-40B4-BE49-F238E27FC236}">
+                  <a16:creationId xmlns:a16="http://schemas.microsoft.com/office/drawing/2014/main" id="{8EE5E55D-D469-422A-97C3-AAECC4AF15E5}"/>
+                </a:ext>
+              </a:extLst>
+            </p:cNvPr>
+            <p:cNvSpPr/>
+            <p:nvPr/>
+          </p:nvSpPr>
+          <p:spPr>
+            <a:xfrm>
+              <a:off x="2792401" y="3562708"/>
+              <a:ext cx="2270584" cy="613749"/>
+            </a:xfrm>
+            <a:prstGeom prst="roundRect">
+              <a:avLst/>
+            </a:prstGeom>
+            <a:solidFill>
+              <a:srgbClr val="FF66FF"/>
+            </a:solidFill>
+          </p:spPr>
+          <p:style>
+            <a:lnRef idx="2">
+              <a:schemeClr val="accent1">
+                <a:shade val="50000"/>
+              </a:schemeClr>
+            </a:lnRef>
+            <a:fillRef idx="1">
+              <a:schemeClr val="accent1"/>
+            </a:fillRef>
+            <a:effectRef idx="0">
+              <a:schemeClr val="accent1"/>
+            </a:effectRef>
+            <a:fontRef idx="minor">
+              <a:schemeClr val="lt1"/>
+            </a:fontRef>
+          </p:style>
+          <p:txBody>
+            <a:bodyPr rtlCol="0" anchor="ctr"/>
+            <a:lstStyle/>
+            <a:p>
+              <a:pPr algn="ctr"/>
+              <a:r>
+                <a:rPr lang="en-US" sz="1400" dirty="0">
+                  <a:solidFill>
+                    <a:schemeClr val="tx1"/>
+                  </a:solidFill>
+                </a:rPr>
+                <a:t>Stochastic Temporal Logic Inference for Fault Analysis</a:t>
+              </a:r>
+            </a:p>
+          </p:txBody>
+        </p:sp>
+        <p:sp>
+          <p:nvSpPr>
+            <p:cNvPr id="41" name="Rectangle: Rounded Corners 40">
+              <a:extLst>
+                <a:ext uri="{FF2B5EF4-FFF2-40B4-BE49-F238E27FC236}">
+                  <a16:creationId xmlns:a16="http://schemas.microsoft.com/office/drawing/2014/main" id="{FA9ABDE5-EF47-44C1-B482-C7C88405E259}"/>
+                </a:ext>
+              </a:extLst>
+            </p:cNvPr>
+            <p:cNvSpPr/>
+            <p:nvPr/>
+          </p:nvSpPr>
+          <p:spPr>
+            <a:xfrm>
+              <a:off x="7575686" y="2430932"/>
+              <a:ext cx="1938428" cy="683163"/>
+            </a:xfrm>
+            <a:prstGeom prst="roundRect">
+              <a:avLst/>
+            </a:prstGeom>
+            <a:solidFill>
+              <a:schemeClr val="bg1"/>
+            </a:solidFill>
+          </p:spPr>
+          <p:style>
+            <a:lnRef idx="2">
+              <a:schemeClr val="accent1">
+                <a:shade val="50000"/>
+              </a:schemeClr>
+            </a:lnRef>
+            <a:fillRef idx="1">
+              <a:schemeClr val="accent1"/>
+            </a:fillRef>
+            <a:effectRef idx="0">
+              <a:schemeClr val="accent1"/>
+            </a:effectRef>
+            <a:fontRef idx="minor">
+              <a:schemeClr val="lt1"/>
+            </a:fontRef>
+          </p:style>
+          <p:txBody>
+            <a:bodyPr rtlCol="0" anchor="ctr"/>
+            <a:lstStyle/>
+            <a:p>
+              <a:pPr algn="ctr"/>
+              <a:r>
+                <a:rPr lang="en-US" sz="1600" dirty="0">
+                  <a:solidFill>
+                    <a:schemeClr val="tx1"/>
+                  </a:solidFill>
+                </a:rPr>
+                <a:t>Human-in-the-Loop Design of CPS</a:t>
+              </a:r>
+            </a:p>
+          </p:txBody>
+        </p:sp>
+        <p:sp>
+          <p:nvSpPr>
+            <p:cNvPr id="42" name="Rectangle: Rounded Corners 41">
+              <a:extLst>
+                <a:ext uri="{FF2B5EF4-FFF2-40B4-BE49-F238E27FC236}">
+                  <a16:creationId xmlns:a16="http://schemas.microsoft.com/office/drawing/2014/main" id="{98B57BC7-F00F-408D-8B87-345A8FFDA599}"/>
+                </a:ext>
+              </a:extLst>
+            </p:cNvPr>
+            <p:cNvSpPr/>
+            <p:nvPr/>
+          </p:nvSpPr>
+          <p:spPr>
+            <a:xfrm>
+              <a:off x="6408059" y="5036089"/>
+              <a:ext cx="2727302" cy="624481"/>
+            </a:xfrm>
+            <a:prstGeom prst="roundRect">
+              <a:avLst/>
+            </a:prstGeom>
+            <a:solidFill>
+              <a:srgbClr val="FF0000"/>
+            </a:solidFill>
+          </p:spPr>
+          <p:style>
+            <a:lnRef idx="2">
+              <a:schemeClr val="accent1">
+                <a:shade val="50000"/>
+              </a:schemeClr>
+            </a:lnRef>
+            <a:fillRef idx="1">
+              <a:schemeClr val="accent1"/>
+            </a:fillRef>
+            <a:effectRef idx="0">
+              <a:schemeClr val="accent1"/>
+            </a:effectRef>
+            <a:fontRef idx="minor">
+              <a:schemeClr val="lt1"/>
+            </a:fontRef>
+          </p:style>
+          <p:txBody>
+            <a:bodyPr rtlCol="0" anchor="ctr"/>
+            <a:lstStyle/>
+            <a:p>
+              <a:pPr algn="ctr"/>
+              <a:r>
+                <a:rPr lang="en-US" sz="1400" dirty="0"/>
+                <a:t>A distribution pattern modelling with Gaussian Process</a:t>
+              </a:r>
+            </a:p>
+          </p:txBody>
+        </p:sp>
+        <p:sp>
+          <p:nvSpPr>
+            <p:cNvPr id="43" name="Rectangle: Rounded Corners 42">
+              <a:extLst>
+                <a:ext uri="{FF2B5EF4-FFF2-40B4-BE49-F238E27FC236}">
+                  <a16:creationId xmlns:a16="http://schemas.microsoft.com/office/drawing/2014/main" id="{0EE94EE1-751F-46B4-A958-DA5EAE4BE5A7}"/>
+                </a:ext>
+              </a:extLst>
+            </p:cNvPr>
+            <p:cNvSpPr/>
+            <p:nvPr/>
+          </p:nvSpPr>
+          <p:spPr>
+            <a:xfrm>
+              <a:off x="7170604" y="4083911"/>
+              <a:ext cx="1999323" cy="584933"/>
+            </a:xfrm>
+            <a:prstGeom prst="roundRect">
+              <a:avLst/>
+            </a:prstGeom>
+            <a:solidFill>
+              <a:srgbClr val="75FAFE"/>
+            </a:solidFill>
+          </p:spPr>
+          <p:style>
+            <a:lnRef idx="2">
+              <a:schemeClr val="accent1">
+                <a:shade val="50000"/>
+              </a:schemeClr>
+            </a:lnRef>
+            <a:fillRef idx="1">
+              <a:schemeClr val="accent1"/>
+            </a:fillRef>
+            <a:effectRef idx="0">
+              <a:schemeClr val="accent1"/>
+            </a:effectRef>
+            <a:fontRef idx="minor">
+              <a:schemeClr val="lt1"/>
+            </a:fontRef>
+          </p:style>
+          <p:txBody>
+            <a:bodyPr rtlCol="0" anchor="ctr"/>
+            <a:lstStyle/>
+            <a:p>
+              <a:pPr algn="ctr"/>
+              <a:r>
+                <a:rPr lang="en-US" sz="1600" dirty="0">
+                  <a:solidFill>
+                    <a:schemeClr val="tx1"/>
+                  </a:solidFill>
+                </a:rPr>
+                <a:t>Reliance Control with Temporal Logic</a:t>
+              </a:r>
+            </a:p>
+          </p:txBody>
+        </p:sp>
+        <p:sp>
+          <p:nvSpPr>
+            <p:cNvPr id="44" name="Rectangle: Rounded Corners 43">
+              <a:extLst>
+                <a:ext uri="{FF2B5EF4-FFF2-40B4-BE49-F238E27FC236}">
+                  <a16:creationId xmlns:a16="http://schemas.microsoft.com/office/drawing/2014/main" id="{775850C2-7D5E-48B3-840F-0AAB55563BB8}"/>
+                </a:ext>
+              </a:extLst>
+            </p:cNvPr>
+            <p:cNvSpPr/>
+            <p:nvPr/>
+          </p:nvSpPr>
+          <p:spPr>
+            <a:xfrm>
+              <a:off x="2954238" y="4421964"/>
+              <a:ext cx="2548614" cy="613749"/>
+            </a:xfrm>
+            <a:prstGeom prst="roundRect">
+              <a:avLst/>
+            </a:prstGeom>
+            <a:solidFill>
+              <a:srgbClr val="E95DF8"/>
+            </a:solidFill>
+          </p:spPr>
+          <p:style>
+            <a:lnRef idx="2">
+              <a:schemeClr val="accent1">
+                <a:shade val="50000"/>
+              </a:schemeClr>
+            </a:lnRef>
+            <a:fillRef idx="1">
+              <a:schemeClr val="accent1"/>
+            </a:fillRef>
+            <a:effectRef idx="0">
+              <a:schemeClr val="accent1"/>
+            </a:effectRef>
+            <a:fontRef idx="minor">
+              <a:schemeClr val="lt1"/>
+            </a:fontRef>
+          </p:style>
+          <p:txBody>
+            <a:bodyPr rtlCol="0" anchor="ctr"/>
+            <a:lstStyle/>
+            <a:p>
+              <a:pPr algn="ctr"/>
+              <a:r>
+                <a:rPr lang="en-US" sz="1600" dirty="0">
+                  <a:solidFill>
+                    <a:schemeClr val="tx1"/>
+                  </a:solidFill>
+                </a:rPr>
+                <a:t>Gradient Descent for Temporal Logic Inference</a:t>
+              </a:r>
+            </a:p>
+          </p:txBody>
+        </p:sp>
+        <p:sp>
+          <p:nvSpPr>
+            <p:cNvPr id="46" name="Rectangle: Rounded Corners 45">
+              <a:extLst>
+                <a:ext uri="{FF2B5EF4-FFF2-40B4-BE49-F238E27FC236}">
+                  <a16:creationId xmlns:a16="http://schemas.microsoft.com/office/drawing/2014/main" id="{409EBE9E-4653-4CA0-8E9B-5B17A98C6983}"/>
+                </a:ext>
+              </a:extLst>
+            </p:cNvPr>
+            <p:cNvSpPr/>
+            <p:nvPr/>
+          </p:nvSpPr>
+          <p:spPr>
+            <a:xfrm>
+              <a:off x="336998" y="5239606"/>
+              <a:ext cx="2548614" cy="537080"/>
+            </a:xfrm>
+            <a:prstGeom prst="roundRect">
+              <a:avLst/>
+            </a:prstGeom>
+            <a:solidFill>
+              <a:srgbClr val="E95DF8"/>
+            </a:solidFill>
+          </p:spPr>
+          <p:style>
+            <a:lnRef idx="2">
+              <a:schemeClr val="accent1">
+                <a:shade val="50000"/>
+              </a:schemeClr>
+            </a:lnRef>
+            <a:fillRef idx="1">
+              <a:schemeClr val="accent1"/>
+            </a:fillRef>
+            <a:effectRef idx="0">
+              <a:schemeClr val="accent1"/>
+            </a:effectRef>
+            <a:fontRef idx="minor">
+              <a:schemeClr val="lt1"/>
+            </a:fontRef>
+          </p:style>
+          <p:txBody>
+            <a:bodyPr rtlCol="0" anchor="ctr"/>
+            <a:lstStyle/>
+            <a:p>
+              <a:pPr algn="ctr"/>
+              <a:r>
+                <a:rPr lang="en-US" sz="1600" dirty="0">
+                  <a:solidFill>
+                    <a:schemeClr val="tx1"/>
+                  </a:solidFill>
+                </a:rPr>
+                <a:t>Frequency Temporal Logic Inference with DNN</a:t>
+              </a:r>
+            </a:p>
+          </p:txBody>
+        </p:sp>
+      </p:grpSp>
     </p:spTree>
     <p:extLst>
       <p:ext uri="{BB962C8B-B14F-4D97-AF65-F5344CB8AC3E}">

--- a/project/PIC.pptx
+++ b/project/PIC.pptx
@@ -4,6 +4,9 @@
   <p:sldMasterIdLst>
     <p:sldMasterId id="2147483648" r:id="rId1"/>
   </p:sldMasterIdLst>
+  <p:notesMasterIdLst>
+    <p:notesMasterId r:id="rId4"/>
+  </p:notesMasterIdLst>
   <p:sldIdLst>
     <p:sldId id="256" r:id="rId2"/>
     <p:sldId id="257" r:id="rId3"/>
@@ -113,6 +116,439 @@
 </p:presentation>
 </file>
 
+<file path=ppt/notesMasters/notesMaster1.xml><?xml version="1.0" encoding="utf-8"?>
+<p:notesMaster xmlns:a="http://schemas.openxmlformats.org/drawingml/2006/main" xmlns:r="http://schemas.openxmlformats.org/officeDocument/2006/relationships" xmlns:p="http://schemas.openxmlformats.org/presentationml/2006/main">
+  <p:cSld>
+    <p:bg>
+      <p:bgRef idx="1001">
+        <a:schemeClr val="bg1"/>
+      </p:bgRef>
+    </p:bg>
+    <p:spTree>
+      <p:nvGrpSpPr>
+        <p:cNvPr id="1" name=""/>
+        <p:cNvGrpSpPr/>
+        <p:nvPr/>
+      </p:nvGrpSpPr>
+      <p:grpSpPr>
+        <a:xfrm>
+          <a:off x="0" y="0"/>
+          <a:ext cx="0" cy="0"/>
+          <a:chOff x="0" y="0"/>
+          <a:chExt cx="0" cy="0"/>
+        </a:xfrm>
+      </p:grpSpPr>
+      <p:sp>
+        <p:nvSpPr>
+          <p:cNvPr id="2" name="Header Placeholder 1"/>
+          <p:cNvSpPr>
+            <a:spLocks noGrp="1"/>
+          </p:cNvSpPr>
+          <p:nvPr>
+            <p:ph type="hdr" sz="quarter"/>
+          </p:nvPr>
+        </p:nvSpPr>
+        <p:spPr>
+          <a:xfrm>
+            <a:off x="0" y="0"/>
+            <a:ext cx="2971800" cy="458788"/>
+          </a:xfrm>
+          <a:prstGeom prst="rect">
+            <a:avLst/>
+          </a:prstGeom>
+        </p:spPr>
+        <p:txBody>
+          <a:bodyPr vert="horz" lIns="91440" tIns="45720" rIns="91440" bIns="45720" rtlCol="0"/>
+          <a:lstStyle>
+            <a:lvl1pPr algn="l">
+              <a:defRPr sz="1200"/>
+            </a:lvl1pPr>
+          </a:lstStyle>
+          <a:p>
+            <a:endParaRPr lang="en-US"/>
+          </a:p>
+        </p:txBody>
+      </p:sp>
+      <p:sp>
+        <p:nvSpPr>
+          <p:cNvPr id="3" name="Date Placeholder 2"/>
+          <p:cNvSpPr>
+            <a:spLocks noGrp="1"/>
+          </p:cNvSpPr>
+          <p:nvPr>
+            <p:ph type="dt" idx="1"/>
+          </p:nvPr>
+        </p:nvSpPr>
+        <p:spPr>
+          <a:xfrm>
+            <a:off x="3884613" y="0"/>
+            <a:ext cx="2971800" cy="458788"/>
+          </a:xfrm>
+          <a:prstGeom prst="rect">
+            <a:avLst/>
+          </a:prstGeom>
+        </p:spPr>
+        <p:txBody>
+          <a:bodyPr vert="horz" lIns="91440" tIns="45720" rIns="91440" bIns="45720" rtlCol="0"/>
+          <a:lstStyle>
+            <a:lvl1pPr algn="r">
+              <a:defRPr sz="1200"/>
+            </a:lvl1pPr>
+          </a:lstStyle>
+          <a:p>
+            <a:fld id="{9259F992-2BE5-4BC1-8AF7-D04BB1E3BC58}" type="datetimeFigureOut">
+              <a:rPr lang="en-US" smtClean="0"/>
+              <a:t>2/29/2020</a:t>
+            </a:fld>
+            <a:endParaRPr lang="en-US"/>
+          </a:p>
+        </p:txBody>
+      </p:sp>
+      <p:sp>
+        <p:nvSpPr>
+          <p:cNvPr id="4" name="Slide Image Placeholder 3"/>
+          <p:cNvSpPr>
+            <a:spLocks noGrp="1" noRot="1" noChangeAspect="1"/>
+          </p:cNvSpPr>
+          <p:nvPr>
+            <p:ph type="sldImg" idx="2"/>
+          </p:nvPr>
+        </p:nvSpPr>
+        <p:spPr>
+          <a:xfrm>
+            <a:off x="685800" y="1143000"/>
+            <a:ext cx="5486400" cy="3086100"/>
+          </a:xfrm>
+          <a:prstGeom prst="rect">
+            <a:avLst/>
+          </a:prstGeom>
+          <a:noFill/>
+          <a:ln w="12700">
+            <a:solidFill>
+              <a:prstClr val="black"/>
+            </a:solidFill>
+          </a:ln>
+        </p:spPr>
+        <p:txBody>
+          <a:bodyPr vert="horz" lIns="91440" tIns="45720" rIns="91440" bIns="45720" rtlCol="0" anchor="ctr"/>
+          <a:lstStyle/>
+          <a:p>
+            <a:endParaRPr lang="en-US"/>
+          </a:p>
+        </p:txBody>
+      </p:sp>
+      <p:sp>
+        <p:nvSpPr>
+          <p:cNvPr id="5" name="Notes Placeholder 4"/>
+          <p:cNvSpPr>
+            <a:spLocks noGrp="1"/>
+          </p:cNvSpPr>
+          <p:nvPr>
+            <p:ph type="body" sz="quarter" idx="3"/>
+          </p:nvPr>
+        </p:nvSpPr>
+        <p:spPr>
+          <a:xfrm>
+            <a:off x="685800" y="4400550"/>
+            <a:ext cx="5486400" cy="3600450"/>
+          </a:xfrm>
+          <a:prstGeom prst="rect">
+            <a:avLst/>
+          </a:prstGeom>
+        </p:spPr>
+        <p:txBody>
+          <a:bodyPr vert="horz" lIns="91440" tIns="45720" rIns="91440" bIns="45720" rtlCol="0"/>
+          <a:lstStyle/>
+          <a:p>
+            <a:pPr lvl="0"/>
+            <a:r>
+              <a:rPr lang="en-US"/>
+              <a:t>Click to edit Master text styles</a:t>
+            </a:r>
+          </a:p>
+          <a:p>
+            <a:pPr lvl="1"/>
+            <a:r>
+              <a:rPr lang="en-US"/>
+              <a:t>Second level</a:t>
+            </a:r>
+          </a:p>
+          <a:p>
+            <a:pPr lvl="2"/>
+            <a:r>
+              <a:rPr lang="en-US"/>
+              <a:t>Third level</a:t>
+            </a:r>
+          </a:p>
+          <a:p>
+            <a:pPr lvl="3"/>
+            <a:r>
+              <a:rPr lang="en-US"/>
+              <a:t>Fourth level</a:t>
+            </a:r>
+          </a:p>
+          <a:p>
+            <a:pPr lvl="4"/>
+            <a:r>
+              <a:rPr lang="en-US"/>
+              <a:t>Fifth level</a:t>
+            </a:r>
+          </a:p>
+        </p:txBody>
+      </p:sp>
+      <p:sp>
+        <p:nvSpPr>
+          <p:cNvPr id="6" name="Footer Placeholder 5"/>
+          <p:cNvSpPr>
+            <a:spLocks noGrp="1"/>
+          </p:cNvSpPr>
+          <p:nvPr>
+            <p:ph type="ftr" sz="quarter" idx="4"/>
+          </p:nvPr>
+        </p:nvSpPr>
+        <p:spPr>
+          <a:xfrm>
+            <a:off x="0" y="8685213"/>
+            <a:ext cx="2971800" cy="458787"/>
+          </a:xfrm>
+          <a:prstGeom prst="rect">
+            <a:avLst/>
+          </a:prstGeom>
+        </p:spPr>
+        <p:txBody>
+          <a:bodyPr vert="horz" lIns="91440" tIns="45720" rIns="91440" bIns="45720" rtlCol="0" anchor="b"/>
+          <a:lstStyle>
+            <a:lvl1pPr algn="l">
+              <a:defRPr sz="1200"/>
+            </a:lvl1pPr>
+          </a:lstStyle>
+          <a:p>
+            <a:endParaRPr lang="en-US"/>
+          </a:p>
+        </p:txBody>
+      </p:sp>
+      <p:sp>
+        <p:nvSpPr>
+          <p:cNvPr id="7" name="Slide Number Placeholder 6"/>
+          <p:cNvSpPr>
+            <a:spLocks noGrp="1"/>
+          </p:cNvSpPr>
+          <p:nvPr>
+            <p:ph type="sldNum" sz="quarter" idx="5"/>
+          </p:nvPr>
+        </p:nvSpPr>
+        <p:spPr>
+          <a:xfrm>
+            <a:off x="3884613" y="8685213"/>
+            <a:ext cx="2971800" cy="458787"/>
+          </a:xfrm>
+          <a:prstGeom prst="rect">
+            <a:avLst/>
+          </a:prstGeom>
+        </p:spPr>
+        <p:txBody>
+          <a:bodyPr vert="horz" lIns="91440" tIns="45720" rIns="91440" bIns="45720" rtlCol="0" anchor="b"/>
+          <a:lstStyle>
+            <a:lvl1pPr algn="r">
+              <a:defRPr sz="1200"/>
+            </a:lvl1pPr>
+          </a:lstStyle>
+          <a:p>
+            <a:fld id="{D150A9C9-4436-4AE5-A7C6-554E11B7C3C1}" type="slidenum">
+              <a:rPr lang="en-US" smtClean="0"/>
+              <a:t>‹#›</a:t>
+            </a:fld>
+            <a:endParaRPr lang="en-US"/>
+          </a:p>
+        </p:txBody>
+      </p:sp>
+    </p:spTree>
+    <p:extLst>
+      <p:ext uri="{BB962C8B-B14F-4D97-AF65-F5344CB8AC3E}">
+        <p14:creationId xmlns:p14="http://schemas.microsoft.com/office/powerpoint/2010/main" val="2653403785"/>
+      </p:ext>
+    </p:extLst>
+  </p:cSld>
+  <p:clrMap bg1="lt1" tx1="dk1" bg2="lt2" tx2="dk2" accent1="accent1" accent2="accent2" accent3="accent3" accent4="accent4" accent5="accent5" accent6="accent6" hlink="hlink" folHlink="folHlink"/>
+  <p:notesStyle>
+    <a:lvl1pPr marL="0" algn="l" defTabSz="914400" rtl="0" eaLnBrk="1" latinLnBrk="0" hangingPunct="1">
+      <a:defRPr sz="1200" kern="1200">
+        <a:solidFill>
+          <a:schemeClr val="tx1"/>
+        </a:solidFill>
+        <a:latin typeface="+mn-lt"/>
+        <a:ea typeface="+mn-ea"/>
+        <a:cs typeface="+mn-cs"/>
+      </a:defRPr>
+    </a:lvl1pPr>
+    <a:lvl2pPr marL="457200" algn="l" defTabSz="914400" rtl="0" eaLnBrk="1" latinLnBrk="0" hangingPunct="1">
+      <a:defRPr sz="1200" kern="1200">
+        <a:solidFill>
+          <a:schemeClr val="tx1"/>
+        </a:solidFill>
+        <a:latin typeface="+mn-lt"/>
+        <a:ea typeface="+mn-ea"/>
+        <a:cs typeface="+mn-cs"/>
+      </a:defRPr>
+    </a:lvl2pPr>
+    <a:lvl3pPr marL="914400" algn="l" defTabSz="914400" rtl="0" eaLnBrk="1" latinLnBrk="0" hangingPunct="1">
+      <a:defRPr sz="1200" kern="1200">
+        <a:solidFill>
+          <a:schemeClr val="tx1"/>
+        </a:solidFill>
+        <a:latin typeface="+mn-lt"/>
+        <a:ea typeface="+mn-ea"/>
+        <a:cs typeface="+mn-cs"/>
+      </a:defRPr>
+    </a:lvl3pPr>
+    <a:lvl4pPr marL="1371600" algn="l" defTabSz="914400" rtl="0" eaLnBrk="1" latinLnBrk="0" hangingPunct="1">
+      <a:defRPr sz="1200" kern="1200">
+        <a:solidFill>
+          <a:schemeClr val="tx1"/>
+        </a:solidFill>
+        <a:latin typeface="+mn-lt"/>
+        <a:ea typeface="+mn-ea"/>
+        <a:cs typeface="+mn-cs"/>
+      </a:defRPr>
+    </a:lvl4pPr>
+    <a:lvl5pPr marL="1828800" algn="l" defTabSz="914400" rtl="0" eaLnBrk="1" latinLnBrk="0" hangingPunct="1">
+      <a:defRPr sz="1200" kern="1200">
+        <a:solidFill>
+          <a:schemeClr val="tx1"/>
+        </a:solidFill>
+        <a:latin typeface="+mn-lt"/>
+        <a:ea typeface="+mn-ea"/>
+        <a:cs typeface="+mn-cs"/>
+      </a:defRPr>
+    </a:lvl5pPr>
+    <a:lvl6pPr marL="2286000" algn="l" defTabSz="914400" rtl="0" eaLnBrk="1" latinLnBrk="0" hangingPunct="1">
+      <a:defRPr sz="1200" kern="1200">
+        <a:solidFill>
+          <a:schemeClr val="tx1"/>
+        </a:solidFill>
+        <a:latin typeface="+mn-lt"/>
+        <a:ea typeface="+mn-ea"/>
+        <a:cs typeface="+mn-cs"/>
+      </a:defRPr>
+    </a:lvl6pPr>
+    <a:lvl7pPr marL="2743200" algn="l" defTabSz="914400" rtl="0" eaLnBrk="1" latinLnBrk="0" hangingPunct="1">
+      <a:defRPr sz="1200" kern="1200">
+        <a:solidFill>
+          <a:schemeClr val="tx1"/>
+        </a:solidFill>
+        <a:latin typeface="+mn-lt"/>
+        <a:ea typeface="+mn-ea"/>
+        <a:cs typeface="+mn-cs"/>
+      </a:defRPr>
+    </a:lvl7pPr>
+    <a:lvl8pPr marL="3200400" algn="l" defTabSz="914400" rtl="0" eaLnBrk="1" latinLnBrk="0" hangingPunct="1">
+      <a:defRPr sz="1200" kern="1200">
+        <a:solidFill>
+          <a:schemeClr val="tx1"/>
+        </a:solidFill>
+        <a:latin typeface="+mn-lt"/>
+        <a:ea typeface="+mn-ea"/>
+        <a:cs typeface="+mn-cs"/>
+      </a:defRPr>
+    </a:lvl8pPr>
+    <a:lvl9pPr marL="3657600" algn="l" defTabSz="914400" rtl="0" eaLnBrk="1" latinLnBrk="0" hangingPunct="1">
+      <a:defRPr sz="1200" kern="1200">
+        <a:solidFill>
+          <a:schemeClr val="tx1"/>
+        </a:solidFill>
+        <a:latin typeface="+mn-lt"/>
+        <a:ea typeface="+mn-ea"/>
+        <a:cs typeface="+mn-cs"/>
+      </a:defRPr>
+    </a:lvl9pPr>
+  </p:notesStyle>
+</p:notesMaster>
+</file>
+
+<file path=ppt/notesSlides/notesSlide1.xml><?xml version="1.0" encoding="utf-8"?>
+<p:notes xmlns:a="http://schemas.openxmlformats.org/drawingml/2006/main" xmlns:r="http://schemas.openxmlformats.org/officeDocument/2006/relationships" xmlns:p="http://schemas.openxmlformats.org/presentationml/2006/main">
+  <p:cSld>
+    <p:spTree>
+      <p:nvGrpSpPr>
+        <p:cNvPr id="1" name=""/>
+        <p:cNvGrpSpPr/>
+        <p:nvPr/>
+      </p:nvGrpSpPr>
+      <p:grpSpPr>
+        <a:xfrm>
+          <a:off x="0" y="0"/>
+          <a:ext cx="0" cy="0"/>
+          <a:chOff x="0" y="0"/>
+          <a:chExt cx="0" cy="0"/>
+        </a:xfrm>
+      </p:grpSpPr>
+      <p:sp>
+        <p:nvSpPr>
+          <p:cNvPr id="2" name="Slide Image Placeholder 1"/>
+          <p:cNvSpPr>
+            <a:spLocks noGrp="1" noRot="1" noChangeAspect="1"/>
+          </p:cNvSpPr>
+          <p:nvPr>
+            <p:ph type="sldImg"/>
+          </p:nvPr>
+        </p:nvSpPr>
+        <p:spPr/>
+      </p:sp>
+      <p:sp>
+        <p:nvSpPr>
+          <p:cNvPr id="3" name="Notes Placeholder 2"/>
+          <p:cNvSpPr>
+            <a:spLocks noGrp="1"/>
+          </p:cNvSpPr>
+          <p:nvPr>
+            <p:ph type="body" idx="1"/>
+          </p:nvPr>
+        </p:nvSpPr>
+        <p:spPr/>
+        <p:txBody>
+          <a:bodyPr/>
+          <a:lstStyle/>
+          <a:p>
+            <a:endParaRPr lang="en-US" dirty="0"/>
+          </a:p>
+        </p:txBody>
+      </p:sp>
+      <p:sp>
+        <p:nvSpPr>
+          <p:cNvPr id="4" name="Slide Number Placeholder 3"/>
+          <p:cNvSpPr>
+            <a:spLocks noGrp="1"/>
+          </p:cNvSpPr>
+          <p:nvPr>
+            <p:ph type="sldNum" sz="quarter" idx="5"/>
+          </p:nvPr>
+        </p:nvSpPr>
+        <p:spPr/>
+        <p:txBody>
+          <a:bodyPr/>
+          <a:lstStyle/>
+          <a:p>
+            <a:fld id="{D150A9C9-4436-4AE5-A7C6-554E11B7C3C1}" type="slidenum">
+              <a:rPr lang="en-US" smtClean="0"/>
+              <a:t>2</a:t>
+            </a:fld>
+            <a:endParaRPr lang="en-US"/>
+          </a:p>
+        </p:txBody>
+      </p:sp>
+    </p:spTree>
+    <p:extLst>
+      <p:ext uri="{BB962C8B-B14F-4D97-AF65-F5344CB8AC3E}">
+        <p14:creationId xmlns:p14="http://schemas.microsoft.com/office/powerpoint/2010/main" val="281372330"/>
+      </p:ext>
+    </p:extLst>
+  </p:cSld>
+  <p:clrMapOvr>
+    <a:masterClrMapping/>
+  </p:clrMapOvr>
+</p:notes>
+</file>
+
 <file path=ppt/slideLayouts/slideLayout1.xml><?xml version="1.0" encoding="utf-8"?>
 <p:sldLayout xmlns:a="http://schemas.openxmlformats.org/drawingml/2006/main" xmlns:r="http://schemas.openxmlformats.org/officeDocument/2006/relationships" xmlns:p="http://schemas.openxmlformats.org/presentationml/2006/main" type="title" preserve="1">
   <p:cSld name="Title Slide">
@@ -260,7 +696,7 @@
           <a:p>
             <a:fld id="{C3F4075E-195E-44E9-B1C7-0163535A80E4}" type="datetimeFigureOut">
               <a:rPr lang="en-US" smtClean="0"/>
-              <a:t>2/28/2020</a:t>
+              <a:t>2/29/2020</a:t>
             </a:fld>
             <a:endParaRPr lang="en-US"/>
           </a:p>
@@ -458,7 +894,7 @@
           <a:p>
             <a:fld id="{C3F4075E-195E-44E9-B1C7-0163535A80E4}" type="datetimeFigureOut">
               <a:rPr lang="en-US" smtClean="0"/>
-              <a:t>2/28/2020</a:t>
+              <a:t>2/29/2020</a:t>
             </a:fld>
             <a:endParaRPr lang="en-US"/>
           </a:p>
@@ -666,7 +1102,7 @@
           <a:p>
             <a:fld id="{C3F4075E-195E-44E9-B1C7-0163535A80E4}" type="datetimeFigureOut">
               <a:rPr lang="en-US" smtClean="0"/>
-              <a:t>2/28/2020</a:t>
+              <a:t>2/29/2020</a:t>
             </a:fld>
             <a:endParaRPr lang="en-US"/>
           </a:p>
@@ -864,7 +1300,7 @@
           <a:p>
             <a:fld id="{C3F4075E-195E-44E9-B1C7-0163535A80E4}" type="datetimeFigureOut">
               <a:rPr lang="en-US" smtClean="0"/>
-              <a:t>2/28/2020</a:t>
+              <a:t>2/29/2020</a:t>
             </a:fld>
             <a:endParaRPr lang="en-US"/>
           </a:p>
@@ -1139,7 +1575,7 @@
           <a:p>
             <a:fld id="{C3F4075E-195E-44E9-B1C7-0163535A80E4}" type="datetimeFigureOut">
               <a:rPr lang="en-US" smtClean="0"/>
-              <a:t>2/28/2020</a:t>
+              <a:t>2/29/2020</a:t>
             </a:fld>
             <a:endParaRPr lang="en-US"/>
           </a:p>
@@ -1404,7 +1840,7 @@
           <a:p>
             <a:fld id="{C3F4075E-195E-44E9-B1C7-0163535A80E4}" type="datetimeFigureOut">
               <a:rPr lang="en-US" smtClean="0"/>
-              <a:t>2/28/2020</a:t>
+              <a:t>2/29/2020</a:t>
             </a:fld>
             <a:endParaRPr lang="en-US"/>
           </a:p>
@@ -1816,7 +2252,7 @@
           <a:p>
             <a:fld id="{C3F4075E-195E-44E9-B1C7-0163535A80E4}" type="datetimeFigureOut">
               <a:rPr lang="en-US" smtClean="0"/>
-              <a:t>2/28/2020</a:t>
+              <a:t>2/29/2020</a:t>
             </a:fld>
             <a:endParaRPr lang="en-US"/>
           </a:p>
@@ -1957,7 +2393,7 @@
           <a:p>
             <a:fld id="{C3F4075E-195E-44E9-B1C7-0163535A80E4}" type="datetimeFigureOut">
               <a:rPr lang="en-US" smtClean="0"/>
-              <a:t>2/28/2020</a:t>
+              <a:t>2/29/2020</a:t>
             </a:fld>
             <a:endParaRPr lang="en-US"/>
           </a:p>
@@ -2070,7 +2506,7 @@
           <a:p>
             <a:fld id="{C3F4075E-195E-44E9-B1C7-0163535A80E4}" type="datetimeFigureOut">
               <a:rPr lang="en-US" smtClean="0"/>
-              <a:t>2/28/2020</a:t>
+              <a:t>2/29/2020</a:t>
             </a:fld>
             <a:endParaRPr lang="en-US"/>
           </a:p>
@@ -2381,7 +2817,7 @@
           <a:p>
             <a:fld id="{C3F4075E-195E-44E9-B1C7-0163535A80E4}" type="datetimeFigureOut">
               <a:rPr lang="en-US" smtClean="0"/>
-              <a:t>2/28/2020</a:t>
+              <a:t>2/29/2020</a:t>
             </a:fld>
             <a:endParaRPr lang="en-US"/>
           </a:p>
@@ -2669,7 +3105,7 @@
           <a:p>
             <a:fld id="{C3F4075E-195E-44E9-B1C7-0163535A80E4}" type="datetimeFigureOut">
               <a:rPr lang="en-US" smtClean="0"/>
-              <a:t>2/28/2020</a:t>
+              <a:t>2/29/2020</a:t>
             </a:fld>
             <a:endParaRPr lang="en-US"/>
           </a:p>
@@ -2910,7 +3346,7 @@
           <a:p>
             <a:fld id="{C3F4075E-195E-44E9-B1C7-0163535A80E4}" type="datetimeFigureOut">
               <a:rPr lang="en-US" smtClean="0"/>
-              <a:t>2/28/2020</a:t>
+              <a:t>2/29/2020</a:t>
             </a:fld>
             <a:endParaRPr lang="en-US"/>
           </a:p>
@@ -3523,1671 +3959,1620 @@
           <a:chExt cx="0" cy="0"/>
         </a:xfrm>
       </p:grpSpPr>
-      <p:grpSp>
-        <p:nvGrpSpPr>
-          <p:cNvPr id="2" name="Group 1">
-            <a:extLst>
-              <a:ext uri="{FF2B5EF4-FFF2-40B4-BE49-F238E27FC236}">
-                <a16:creationId xmlns:a16="http://schemas.microsoft.com/office/drawing/2014/main" id="{8CB43DDF-5CE8-479F-93B9-7238E47C18B1}"/>
-              </a:ext>
-            </a:extLst>
-          </p:cNvPr>
-          <p:cNvGrpSpPr/>
+      <p:pic>
+        <p:nvPicPr>
+          <p:cNvPr id="2054" name="Picture 6" descr="Image result for three circle">
+            <a:extLst>
+              <a:ext uri="{FF2B5EF4-FFF2-40B4-BE49-F238E27FC236}">
+                <a16:creationId xmlns:a16="http://schemas.microsoft.com/office/drawing/2014/main" id="{DA81129D-01CA-4CFE-8CD4-8C927B454024}"/>
+              </a:ext>
+            </a:extLst>
+          </p:cNvPr>
+          <p:cNvPicPr>
+            <a:picLocks noChangeAspect="1" noChangeArrowheads="1"/>
+          </p:cNvPicPr>
           <p:nvPr/>
-        </p:nvGrpSpPr>
-        <p:grpSpPr>
+        </p:nvPicPr>
+        <p:blipFill>
+          <a:blip r:embed="rId3">
+            <a:extLst>
+              <a:ext uri="{28A0092B-C50C-407E-A947-70E740481C1C}">
+                <a14:useLocalDpi xmlns:a14="http://schemas.microsoft.com/office/drawing/2010/main" val="0"/>
+              </a:ext>
+            </a:extLst>
+          </a:blip>
+          <a:srcRect/>
+          <a:stretch>
+            <a:fillRect/>
+          </a:stretch>
+        </p:blipFill>
+        <p:spPr bwMode="auto">
           <a:xfrm>
-            <a:off x="153307" y="284380"/>
-            <a:ext cx="11934423" cy="6460237"/>
-            <a:chOff x="153307" y="284380"/>
-            <a:chExt cx="11934423" cy="6460237"/>
-          </a:xfrm>
-        </p:grpSpPr>
-        <p:pic>
-          <p:nvPicPr>
-            <p:cNvPr id="2054" name="Picture 6" descr="Image result for three circle">
-              <a:extLst>
-                <a:ext uri="{FF2B5EF4-FFF2-40B4-BE49-F238E27FC236}">
-                  <a16:creationId xmlns:a16="http://schemas.microsoft.com/office/drawing/2014/main" id="{DA81129D-01CA-4CFE-8CD4-8C927B454024}"/>
-                </a:ext>
-              </a:extLst>
-            </p:cNvPr>
-            <p:cNvPicPr>
-              <a:picLocks noChangeAspect="1" noChangeArrowheads="1"/>
-            </p:cNvPicPr>
-            <p:nvPr/>
-          </p:nvPicPr>
-          <p:blipFill>
-            <a:blip r:embed="rId2">
-              <a:extLst>
-                <a:ext uri="{28A0092B-C50C-407E-A947-70E740481C1C}">
-                  <a14:useLocalDpi xmlns:a14="http://schemas.microsoft.com/office/drawing/2010/main" val="0"/>
-                </a:ext>
-              </a:extLst>
-            </a:blip>
-            <a:srcRect/>
-            <a:stretch>
-              <a:fillRect/>
-            </a:stretch>
-          </p:blipFill>
-          <p:spPr bwMode="auto">
-            <a:xfrm>
-              <a:off x="5061857" y="2275236"/>
-              <a:ext cx="2635342" cy="2460339"/>
-            </a:xfrm>
-            <a:prstGeom prst="rect">
-              <a:avLst/>
-            </a:prstGeom>
-            <a:noFill/>
-            <a:extLst>
-              <a:ext uri="{909E8E84-426E-40DD-AFC4-6F175D3DCCD1}">
-                <a14:hiddenFill xmlns:a14="http://schemas.microsoft.com/office/drawing/2010/main">
-                  <a:solidFill>
-                    <a:srgbClr val="FFFFFF"/>
-                  </a:solidFill>
-                </a14:hiddenFill>
-              </a:ext>
-            </a:extLst>
-          </p:spPr>
-        </p:pic>
-        <p:sp>
-          <p:nvSpPr>
-            <p:cNvPr id="4" name="TextBox 3">
-              <a:extLst>
-                <a:ext uri="{FF2B5EF4-FFF2-40B4-BE49-F238E27FC236}">
-                  <a16:creationId xmlns:a16="http://schemas.microsoft.com/office/drawing/2014/main" id="{05E3EF1B-3351-4D78-84AA-0088D2FCAD71}"/>
-                </a:ext>
-              </a:extLst>
-            </p:cNvPr>
-            <p:cNvSpPr txBox="1"/>
-            <p:nvPr/>
-          </p:nvSpPr>
-          <p:spPr>
-            <a:xfrm>
-              <a:off x="5848903" y="3841086"/>
-              <a:ext cx="1067921" cy="646331"/>
-            </a:xfrm>
-            <a:prstGeom prst="rect">
-              <a:avLst/>
-            </a:prstGeom>
-            <a:noFill/>
-          </p:spPr>
-          <p:txBody>
-            <a:bodyPr wrap="none" rtlCol="0">
-              <a:spAutoFit/>
-            </a:bodyPr>
-            <a:lstStyle/>
-            <a:p>
-              <a:r>
-                <a:rPr lang="en-US" b="1" dirty="0">
-                  <a:solidFill>
-                    <a:schemeClr val="bg1"/>
-                  </a:solidFill>
-                </a:rPr>
-                <a:t>Machine </a:t>
-              </a:r>
-            </a:p>
-            <a:p>
-              <a:r>
-                <a:rPr lang="en-US" b="1" dirty="0">
-                  <a:solidFill>
-                    <a:schemeClr val="bg1"/>
-                  </a:solidFill>
-                </a:rPr>
-                <a:t>Learning</a:t>
-              </a:r>
-            </a:p>
-          </p:txBody>
-        </p:sp>
-        <p:sp>
-          <p:nvSpPr>
-            <p:cNvPr id="8" name="TextBox 7">
-              <a:extLst>
-                <a:ext uri="{FF2B5EF4-FFF2-40B4-BE49-F238E27FC236}">
-                  <a16:creationId xmlns:a16="http://schemas.microsoft.com/office/drawing/2014/main" id="{7A03EB02-F01B-4EF2-AD43-075A3F20BE1E}"/>
-                </a:ext>
-              </a:extLst>
-            </p:cNvPr>
-            <p:cNvSpPr txBox="1"/>
-            <p:nvPr/>
-          </p:nvSpPr>
-          <p:spPr>
-            <a:xfrm>
-              <a:off x="5201826" y="2667182"/>
-              <a:ext cx="1042273" cy="646331"/>
-            </a:xfrm>
-            <a:prstGeom prst="rect">
-              <a:avLst/>
-            </a:prstGeom>
-            <a:noFill/>
-          </p:spPr>
-          <p:txBody>
-            <a:bodyPr wrap="none" rtlCol="0">
-              <a:spAutoFit/>
-            </a:bodyPr>
-            <a:lstStyle/>
-            <a:p>
-              <a:r>
-                <a:rPr lang="en-US" b="1" dirty="0">
-                  <a:solidFill>
-                    <a:schemeClr val="bg1"/>
-                  </a:solidFill>
-                </a:rPr>
-                <a:t>Formal</a:t>
-              </a:r>
-            </a:p>
-            <a:p>
-              <a:r>
-                <a:rPr lang="en-US" b="1" dirty="0">
-                  <a:solidFill>
-                    <a:schemeClr val="bg1"/>
-                  </a:solidFill>
-                </a:rPr>
-                <a:t>Methods</a:t>
-              </a:r>
-            </a:p>
-          </p:txBody>
-        </p:sp>
-        <p:sp>
-          <p:nvSpPr>
-            <p:cNvPr id="9" name="TextBox 8">
-              <a:extLst>
-                <a:ext uri="{FF2B5EF4-FFF2-40B4-BE49-F238E27FC236}">
-                  <a16:creationId xmlns:a16="http://schemas.microsoft.com/office/drawing/2014/main" id="{90FD259E-18AF-4788-B67C-351629FFCA98}"/>
-                </a:ext>
-              </a:extLst>
-            </p:cNvPr>
-            <p:cNvSpPr txBox="1"/>
-            <p:nvPr/>
-          </p:nvSpPr>
-          <p:spPr>
-            <a:xfrm>
-              <a:off x="6585956" y="2705278"/>
-              <a:ext cx="889859" cy="646331"/>
-            </a:xfrm>
-            <a:prstGeom prst="rect">
-              <a:avLst/>
-            </a:prstGeom>
-            <a:noFill/>
-          </p:spPr>
-          <p:txBody>
-            <a:bodyPr wrap="none" rtlCol="0">
-              <a:spAutoFit/>
-            </a:bodyPr>
-            <a:lstStyle/>
-            <a:p>
-              <a:r>
-                <a:rPr lang="en-US" b="1" dirty="0">
-                  <a:solidFill>
-                    <a:schemeClr val="bg1"/>
-                  </a:solidFill>
-                </a:rPr>
-                <a:t>Control</a:t>
-              </a:r>
-            </a:p>
-            <a:p>
-              <a:r>
-                <a:rPr lang="en-US" b="1" dirty="0">
-                  <a:solidFill>
-                    <a:schemeClr val="bg1"/>
-                  </a:solidFill>
-                </a:rPr>
-                <a:t>Theory</a:t>
-              </a:r>
-            </a:p>
-          </p:txBody>
-        </p:sp>
-        <p:sp>
-          <p:nvSpPr>
-            <p:cNvPr id="5" name="TextBox 4">
-              <a:extLst>
-                <a:ext uri="{FF2B5EF4-FFF2-40B4-BE49-F238E27FC236}">
-                  <a16:creationId xmlns:a16="http://schemas.microsoft.com/office/drawing/2014/main" id="{735C8FD6-A567-4DF6-BE13-24461AF5AA59}"/>
-                </a:ext>
-              </a:extLst>
-            </p:cNvPr>
-            <p:cNvSpPr txBox="1"/>
-            <p:nvPr/>
-          </p:nvSpPr>
-          <p:spPr>
-            <a:xfrm>
-              <a:off x="1857757" y="285052"/>
-              <a:ext cx="2000356" cy="369332"/>
-            </a:xfrm>
-            <a:prstGeom prst="rect">
-              <a:avLst/>
-            </a:prstGeom>
-            <a:noFill/>
-          </p:spPr>
-          <p:txBody>
-            <a:bodyPr wrap="none" rtlCol="0">
-              <a:spAutoFit/>
-            </a:bodyPr>
-            <a:lstStyle/>
-            <a:p>
-              <a:r>
-                <a:rPr lang="en-US" b="1" dirty="0"/>
-                <a:t>Formal Verification</a:t>
-              </a:r>
-            </a:p>
-          </p:txBody>
-        </p:sp>
-        <p:sp>
-          <p:nvSpPr>
-            <p:cNvPr id="11" name="TextBox 10">
-              <a:extLst>
-                <a:ext uri="{FF2B5EF4-FFF2-40B4-BE49-F238E27FC236}">
-                  <a16:creationId xmlns:a16="http://schemas.microsoft.com/office/drawing/2014/main" id="{767BE31B-1416-4022-BD70-6D6022C482F4}"/>
-                </a:ext>
-              </a:extLst>
-            </p:cNvPr>
-            <p:cNvSpPr txBox="1"/>
-            <p:nvPr/>
-          </p:nvSpPr>
-          <p:spPr>
-            <a:xfrm>
-              <a:off x="1585482" y="6375285"/>
-              <a:ext cx="3252365" cy="369332"/>
-            </a:xfrm>
-            <a:prstGeom prst="rect">
-              <a:avLst/>
-            </a:prstGeom>
-            <a:noFill/>
-          </p:spPr>
-          <p:txBody>
-            <a:bodyPr wrap="none" rtlCol="0">
-              <a:spAutoFit/>
-            </a:bodyPr>
-            <a:lstStyle/>
-            <a:p>
-              <a:r>
-                <a:rPr lang="en-US" b="1" dirty="0"/>
-                <a:t>High Level Knowledge Discovery</a:t>
-              </a:r>
-            </a:p>
-          </p:txBody>
-        </p:sp>
-        <p:sp>
-          <p:nvSpPr>
-            <p:cNvPr id="12" name="TextBox 11">
-              <a:extLst>
-                <a:ext uri="{FF2B5EF4-FFF2-40B4-BE49-F238E27FC236}">
-                  <a16:creationId xmlns:a16="http://schemas.microsoft.com/office/drawing/2014/main" id="{86397E63-A160-44F5-846B-56FDB4B09B7D}"/>
-                </a:ext>
-              </a:extLst>
-            </p:cNvPr>
-            <p:cNvSpPr txBox="1"/>
-            <p:nvPr/>
-          </p:nvSpPr>
-          <p:spPr>
-            <a:xfrm>
-              <a:off x="8002942" y="284380"/>
-              <a:ext cx="3171125" cy="369332"/>
-            </a:xfrm>
-            <a:prstGeom prst="rect">
-              <a:avLst/>
-            </a:prstGeom>
-            <a:noFill/>
-          </p:spPr>
-          <p:txBody>
-            <a:bodyPr wrap="none" rtlCol="0">
-              <a:spAutoFit/>
-            </a:bodyPr>
-            <a:lstStyle/>
-            <a:p>
-              <a:r>
-                <a:rPr lang="en-US" b="1" dirty="0"/>
-                <a:t>Correct-by-Construction Design</a:t>
-              </a:r>
-            </a:p>
-          </p:txBody>
-        </p:sp>
-        <p:sp>
-          <p:nvSpPr>
-            <p:cNvPr id="13" name="TextBox 12">
-              <a:extLst>
-                <a:ext uri="{FF2B5EF4-FFF2-40B4-BE49-F238E27FC236}">
-                  <a16:creationId xmlns:a16="http://schemas.microsoft.com/office/drawing/2014/main" id="{258CC1F0-9333-4E25-B06F-99D7D8E171A4}"/>
-                </a:ext>
-              </a:extLst>
-            </p:cNvPr>
-            <p:cNvSpPr txBox="1"/>
-            <p:nvPr/>
-          </p:nvSpPr>
-          <p:spPr>
-            <a:xfrm>
-              <a:off x="8584397" y="6375285"/>
-              <a:ext cx="1888659" cy="369332"/>
-            </a:xfrm>
-            <a:prstGeom prst="rect">
-              <a:avLst/>
-            </a:prstGeom>
-            <a:noFill/>
-          </p:spPr>
-          <p:txBody>
-            <a:bodyPr wrap="none" rtlCol="0">
-              <a:spAutoFit/>
-            </a:bodyPr>
-            <a:lstStyle/>
-            <a:p>
-              <a:r>
-                <a:rPr lang="en-US" b="1" dirty="0"/>
-                <a:t>Machine Learning</a:t>
-              </a:r>
-            </a:p>
-          </p:txBody>
-        </p:sp>
-        <p:sp>
-          <p:nvSpPr>
-            <p:cNvPr id="7" name="Rectangle: Rounded Corners 6">
-              <a:extLst>
-                <a:ext uri="{FF2B5EF4-FFF2-40B4-BE49-F238E27FC236}">
-                  <a16:creationId xmlns:a16="http://schemas.microsoft.com/office/drawing/2014/main" id="{188687E8-E6D1-44AA-93B9-DCA802AD2F1C}"/>
-                </a:ext>
-              </a:extLst>
-            </p:cNvPr>
-            <p:cNvSpPr/>
-            <p:nvPr/>
-          </p:nvSpPr>
-          <p:spPr>
-            <a:xfrm>
-              <a:off x="9890803" y="5017482"/>
-              <a:ext cx="1964199" cy="643083"/>
-            </a:xfrm>
-            <a:prstGeom prst="roundRect">
-              <a:avLst/>
-            </a:prstGeom>
-            <a:solidFill>
-              <a:srgbClr val="FF0000"/>
-            </a:solidFill>
-          </p:spPr>
-          <p:style>
-            <a:lnRef idx="2">
-              <a:schemeClr val="accent1">
-                <a:shade val="50000"/>
-              </a:schemeClr>
-            </a:lnRef>
-            <a:fillRef idx="1">
-              <a:schemeClr val="accent1"/>
-            </a:fillRef>
-            <a:effectRef idx="0">
-              <a:schemeClr val="accent1"/>
-            </a:effectRef>
-            <a:fontRef idx="minor">
-              <a:schemeClr val="lt1"/>
-            </a:fontRef>
-          </p:style>
-          <p:txBody>
-            <a:bodyPr rtlCol="0" anchor="ctr"/>
-            <a:lstStyle/>
-            <a:p>
-              <a:pPr algn="ctr"/>
-              <a:r>
-                <a:rPr lang="en-US" sz="1400" dirty="0"/>
-                <a:t>Cosine Similarity Feature Selection</a:t>
-              </a:r>
-            </a:p>
-          </p:txBody>
-        </p:sp>
-        <p:sp>
-          <p:nvSpPr>
-            <p:cNvPr id="16" name="Rectangle: Rounded Corners 15">
-              <a:extLst>
-                <a:ext uri="{FF2B5EF4-FFF2-40B4-BE49-F238E27FC236}">
-                  <a16:creationId xmlns:a16="http://schemas.microsoft.com/office/drawing/2014/main" id="{407FE671-D4C8-4119-B6B1-7595AB1DD2E8}"/>
-                </a:ext>
-              </a:extLst>
-            </p:cNvPr>
-            <p:cNvSpPr/>
-            <p:nvPr/>
-          </p:nvSpPr>
-          <p:spPr>
-            <a:xfrm>
-              <a:off x="456442" y="955665"/>
-              <a:ext cx="1797050" cy="459478"/>
-            </a:xfrm>
-            <a:prstGeom prst="roundRect">
-              <a:avLst/>
-            </a:prstGeom>
-            <a:solidFill>
-              <a:srgbClr val="FF66FF"/>
-            </a:solidFill>
-          </p:spPr>
-          <p:style>
-            <a:lnRef idx="2">
-              <a:schemeClr val="accent1">
-                <a:shade val="50000"/>
-              </a:schemeClr>
-            </a:lnRef>
-            <a:fillRef idx="1">
-              <a:schemeClr val="accent1"/>
-            </a:fillRef>
-            <a:effectRef idx="0">
-              <a:schemeClr val="accent1"/>
-            </a:effectRef>
-            <a:fontRef idx="minor">
-              <a:schemeClr val="lt1"/>
-            </a:fontRef>
-          </p:style>
-          <p:txBody>
-            <a:bodyPr rtlCol="0" anchor="ctr"/>
-            <a:lstStyle/>
-            <a:p>
-              <a:pPr algn="ctr"/>
-              <a:r>
-                <a:rPr lang="en-US" sz="1400" dirty="0">
-                  <a:solidFill>
-                    <a:schemeClr val="tx1"/>
-                  </a:solidFill>
-                </a:rPr>
-                <a:t>Active Learning-based Verification</a:t>
-              </a:r>
-            </a:p>
-          </p:txBody>
-        </p:sp>
-        <p:sp>
-          <p:nvSpPr>
-            <p:cNvPr id="17" name="Rectangle: Rounded Corners 16">
-              <a:extLst>
-                <a:ext uri="{FF2B5EF4-FFF2-40B4-BE49-F238E27FC236}">
-                  <a16:creationId xmlns:a16="http://schemas.microsoft.com/office/drawing/2014/main" id="{A874CBBD-F406-44EA-9CF7-B4660C4AAF02}"/>
-                </a:ext>
-              </a:extLst>
-            </p:cNvPr>
-            <p:cNvSpPr/>
-            <p:nvPr/>
-          </p:nvSpPr>
-          <p:spPr>
-            <a:xfrm>
-              <a:off x="2825197" y="948408"/>
-              <a:ext cx="2463800" cy="483485"/>
-            </a:xfrm>
-            <a:prstGeom prst="roundRect">
-              <a:avLst/>
-            </a:prstGeom>
-            <a:solidFill>
-              <a:srgbClr val="FF66FF"/>
-            </a:solidFill>
-          </p:spPr>
-          <p:style>
-            <a:lnRef idx="2">
-              <a:schemeClr val="accent1">
-                <a:shade val="50000"/>
-              </a:schemeClr>
-            </a:lnRef>
-            <a:fillRef idx="1">
-              <a:schemeClr val="accent1"/>
-            </a:fillRef>
-            <a:effectRef idx="0">
-              <a:schemeClr val="accent1"/>
-            </a:effectRef>
-            <a:fontRef idx="minor">
-              <a:schemeClr val="lt1"/>
-            </a:fontRef>
-          </p:style>
-          <p:txBody>
-            <a:bodyPr rtlCol="0" anchor="ctr"/>
-            <a:lstStyle/>
-            <a:p>
-              <a:pPr algn="ctr"/>
-              <a:r>
-                <a:rPr lang="en-US" sz="1400" dirty="0">
-                  <a:solidFill>
-                    <a:schemeClr val="tx1"/>
-                  </a:solidFill>
-                </a:rPr>
-                <a:t>Data-Driven Approximate Abstraction Systems</a:t>
-              </a:r>
-            </a:p>
-          </p:txBody>
-        </p:sp>
-        <p:sp>
-          <p:nvSpPr>
-            <p:cNvPr id="18" name="Rectangle: Rounded Corners 17">
-              <a:extLst>
-                <a:ext uri="{FF2B5EF4-FFF2-40B4-BE49-F238E27FC236}">
-                  <a16:creationId xmlns:a16="http://schemas.microsoft.com/office/drawing/2014/main" id="{6B69DF7A-51C3-49CD-A5E6-33A0D04AC6DF}"/>
-                </a:ext>
-              </a:extLst>
-            </p:cNvPr>
-            <p:cNvSpPr/>
-            <p:nvPr/>
-          </p:nvSpPr>
-          <p:spPr>
-            <a:xfrm>
-              <a:off x="445336" y="1734643"/>
-              <a:ext cx="2463800" cy="500978"/>
-            </a:xfrm>
-            <a:prstGeom prst="roundRect">
-              <a:avLst/>
-            </a:prstGeom>
-            <a:solidFill>
-              <a:srgbClr val="0066FF"/>
-            </a:solidFill>
-          </p:spPr>
-          <p:style>
-            <a:lnRef idx="2">
-              <a:schemeClr val="accent1">
-                <a:shade val="50000"/>
-              </a:schemeClr>
-            </a:lnRef>
-            <a:fillRef idx="1">
-              <a:schemeClr val="accent1"/>
-            </a:fillRef>
-            <a:effectRef idx="0">
-              <a:schemeClr val="accent1"/>
-            </a:effectRef>
-            <a:fontRef idx="minor">
-              <a:schemeClr val="lt1"/>
-            </a:fontRef>
-          </p:style>
-          <p:txBody>
-            <a:bodyPr rtlCol="0" anchor="ctr"/>
-            <a:lstStyle/>
-            <a:p>
-              <a:pPr algn="ctr"/>
-              <a:r>
-                <a:rPr lang="en-US" sz="1400" dirty="0">
-                  <a:solidFill>
-                    <a:schemeClr val="bg1"/>
-                  </a:solidFill>
-                </a:rPr>
-                <a:t>Timed Failure Propagation Graph Inference</a:t>
-              </a:r>
-            </a:p>
-          </p:txBody>
-        </p:sp>
-        <p:sp>
-          <p:nvSpPr>
-            <p:cNvPr id="19" name="Rectangle: Rounded Corners 18">
-              <a:extLst>
-                <a:ext uri="{FF2B5EF4-FFF2-40B4-BE49-F238E27FC236}">
-                  <a16:creationId xmlns:a16="http://schemas.microsoft.com/office/drawing/2014/main" id="{D37AD570-5DBA-449D-BB07-35E81C425301}"/>
-                </a:ext>
-              </a:extLst>
-            </p:cNvPr>
-            <p:cNvSpPr/>
-            <p:nvPr/>
-          </p:nvSpPr>
-          <p:spPr>
-            <a:xfrm>
-              <a:off x="336998" y="2711995"/>
-              <a:ext cx="2270584" cy="613749"/>
-            </a:xfrm>
-            <a:prstGeom prst="roundRect">
-              <a:avLst/>
-            </a:prstGeom>
-            <a:solidFill>
-              <a:srgbClr val="FF66FF"/>
-            </a:solidFill>
-          </p:spPr>
-          <p:style>
-            <a:lnRef idx="2">
-              <a:schemeClr val="accent1">
-                <a:shade val="50000"/>
-              </a:schemeClr>
-            </a:lnRef>
-            <a:fillRef idx="1">
-              <a:schemeClr val="accent1"/>
-            </a:fillRef>
-            <a:effectRef idx="0">
-              <a:schemeClr val="accent1"/>
-            </a:effectRef>
-            <a:fontRef idx="minor">
-              <a:schemeClr val="lt1"/>
-            </a:fontRef>
-          </p:style>
-          <p:txBody>
-            <a:bodyPr rtlCol="0" anchor="ctr"/>
-            <a:lstStyle/>
-            <a:p>
-              <a:pPr algn="ctr"/>
-              <a:r>
-                <a:rPr lang="en-US" sz="1400" dirty="0">
-                  <a:solidFill>
-                    <a:schemeClr val="tx1"/>
-                  </a:solidFill>
-                </a:rPr>
-                <a:t>Formal Interpretation of Cyber-physical system</a:t>
-              </a:r>
-            </a:p>
-          </p:txBody>
-        </p:sp>
-        <p:sp>
-          <p:nvSpPr>
-            <p:cNvPr id="20" name="Rectangle: Rounded Corners 19">
-              <a:extLst>
-                <a:ext uri="{FF2B5EF4-FFF2-40B4-BE49-F238E27FC236}">
-                  <a16:creationId xmlns:a16="http://schemas.microsoft.com/office/drawing/2014/main" id="{9BA51953-7F3E-4DA3-B773-144B965C4308}"/>
-                </a:ext>
-              </a:extLst>
-            </p:cNvPr>
-            <p:cNvSpPr/>
-            <p:nvPr/>
-          </p:nvSpPr>
-          <p:spPr>
-            <a:xfrm>
-              <a:off x="9799762" y="896763"/>
-              <a:ext cx="2131142" cy="626656"/>
-            </a:xfrm>
-            <a:prstGeom prst="roundRect">
-              <a:avLst/>
-            </a:prstGeom>
-            <a:solidFill>
-              <a:srgbClr val="77F348"/>
-            </a:solidFill>
-          </p:spPr>
-          <p:style>
-            <a:lnRef idx="2">
-              <a:schemeClr val="accent1">
-                <a:shade val="50000"/>
-              </a:schemeClr>
-            </a:lnRef>
-            <a:fillRef idx="1">
-              <a:schemeClr val="accent1"/>
-            </a:fillRef>
-            <a:effectRef idx="0">
-              <a:schemeClr val="accent1"/>
-            </a:effectRef>
-            <a:fontRef idx="minor">
-              <a:schemeClr val="lt1"/>
-            </a:fontRef>
-          </p:style>
-          <p:txBody>
-            <a:bodyPr rtlCol="0" anchor="ctr"/>
-            <a:lstStyle/>
-            <a:p>
-              <a:pPr algn="ctr"/>
-              <a:r>
-                <a:rPr lang="en-US" sz="1400" dirty="0">
-                  <a:solidFill>
-                    <a:schemeClr val="tx1"/>
-                  </a:solidFill>
-                </a:rPr>
-                <a:t>Fuzzy Logic Controller for LVDT</a:t>
-              </a:r>
-            </a:p>
-          </p:txBody>
-        </p:sp>
-        <p:sp>
-          <p:nvSpPr>
-            <p:cNvPr id="21" name="Rectangle: Rounded Corners 20">
-              <a:extLst>
-                <a:ext uri="{FF2B5EF4-FFF2-40B4-BE49-F238E27FC236}">
-                  <a16:creationId xmlns:a16="http://schemas.microsoft.com/office/drawing/2014/main" id="{A050CAE4-D1EC-4C9A-A2A7-A0A62C20F009}"/>
-                </a:ext>
-              </a:extLst>
-            </p:cNvPr>
-            <p:cNvSpPr/>
-            <p:nvPr/>
-          </p:nvSpPr>
-          <p:spPr>
-            <a:xfrm>
-              <a:off x="6615074" y="926299"/>
-              <a:ext cx="2664541" cy="509972"/>
-            </a:xfrm>
-            <a:prstGeom prst="roundRect">
-              <a:avLst/>
-            </a:prstGeom>
-            <a:solidFill>
-              <a:srgbClr val="77F348"/>
-            </a:solidFill>
-          </p:spPr>
-          <p:style>
-            <a:lnRef idx="2">
-              <a:schemeClr val="accent1">
-                <a:shade val="50000"/>
-              </a:schemeClr>
-            </a:lnRef>
-            <a:fillRef idx="1">
-              <a:schemeClr val="accent1"/>
-            </a:fillRef>
-            <a:effectRef idx="0">
-              <a:schemeClr val="accent1"/>
-            </a:effectRef>
-            <a:fontRef idx="minor">
-              <a:schemeClr val="lt1"/>
-            </a:fontRef>
-          </p:style>
-          <p:txBody>
-            <a:bodyPr rtlCol="0" anchor="ctr"/>
-            <a:lstStyle/>
-            <a:p>
-              <a:pPr algn="ctr"/>
-              <a:r>
-                <a:rPr lang="en-US" sz="1400" dirty="0">
-                  <a:solidFill>
-                    <a:schemeClr val="tx1"/>
-                  </a:solidFill>
-                </a:rPr>
-                <a:t>Conditions for Lossless Negative Imaginary Systems</a:t>
-              </a:r>
-            </a:p>
-          </p:txBody>
-        </p:sp>
-        <p:sp>
-          <p:nvSpPr>
-            <p:cNvPr id="22" name="Rectangle: Rounded Corners 21">
-              <a:extLst>
-                <a:ext uri="{FF2B5EF4-FFF2-40B4-BE49-F238E27FC236}">
-                  <a16:creationId xmlns:a16="http://schemas.microsoft.com/office/drawing/2014/main" id="{71F61C64-B7F5-48A3-9831-049FAB512C25}"/>
-                </a:ext>
-              </a:extLst>
-            </p:cNvPr>
-            <p:cNvSpPr/>
-            <p:nvPr/>
-          </p:nvSpPr>
-          <p:spPr>
-            <a:xfrm>
-              <a:off x="6637000" y="1621814"/>
-              <a:ext cx="2361372" cy="656646"/>
-            </a:xfrm>
-            <a:prstGeom prst="roundRect">
-              <a:avLst/>
-            </a:prstGeom>
-            <a:solidFill>
-              <a:srgbClr val="FFF84C"/>
-            </a:solidFill>
-          </p:spPr>
-          <p:style>
-            <a:lnRef idx="2">
-              <a:schemeClr val="accent1">
-                <a:shade val="50000"/>
-              </a:schemeClr>
-            </a:lnRef>
-            <a:fillRef idx="1">
-              <a:schemeClr val="accent1"/>
-            </a:fillRef>
-            <a:effectRef idx="0">
-              <a:schemeClr val="accent1"/>
-            </a:effectRef>
-            <a:fontRef idx="minor">
-              <a:schemeClr val="lt1"/>
-            </a:fontRef>
-          </p:style>
-          <p:txBody>
-            <a:bodyPr rtlCol="0" anchor="ctr"/>
-            <a:lstStyle/>
-            <a:p>
-              <a:pPr algn="ctr"/>
-              <a:r>
-                <a:rPr lang="en-US" sz="1600" dirty="0">
-                  <a:solidFill>
-                    <a:schemeClr val="tx1"/>
-                  </a:solidFill>
-                </a:rPr>
-                <a:t>Correct-by-Construction Approach for Self-Evolvable Robots</a:t>
-              </a:r>
-            </a:p>
-          </p:txBody>
-        </p:sp>
-        <p:cxnSp>
-          <p:nvCxnSpPr>
-            <p:cNvPr id="14" name="Straight Arrow Connector 13">
-              <a:extLst>
-                <a:ext uri="{FF2B5EF4-FFF2-40B4-BE49-F238E27FC236}">
-                  <a16:creationId xmlns:a16="http://schemas.microsoft.com/office/drawing/2014/main" id="{49AC7242-49F4-4AF5-BE71-13358D4EC5A2}"/>
-                </a:ext>
-              </a:extLst>
-            </p:cNvPr>
-            <p:cNvCxnSpPr/>
-            <p:nvPr/>
-          </p:nvCxnSpPr>
-          <p:spPr>
-            <a:xfrm flipH="1">
-              <a:off x="153307" y="2541776"/>
-              <a:ext cx="4908550" cy="0"/>
-            </a:xfrm>
-            <a:prstGeom prst="straightConnector1">
-              <a:avLst/>
-            </a:prstGeom>
-            <a:ln w="28575">
-              <a:prstDash val="dashDot"/>
-              <a:tailEnd type="triangle"/>
-            </a:ln>
-          </p:spPr>
-          <p:style>
-            <a:lnRef idx="1">
-              <a:schemeClr val="accent1"/>
-            </a:lnRef>
-            <a:fillRef idx="0">
-              <a:schemeClr val="accent1"/>
-            </a:fillRef>
-            <a:effectRef idx="0">
-              <a:schemeClr val="accent1"/>
-            </a:effectRef>
-            <a:fontRef idx="minor">
-              <a:schemeClr val="tx1"/>
-            </a:fontRef>
-          </p:style>
-        </p:cxnSp>
-        <p:cxnSp>
-          <p:nvCxnSpPr>
-            <p:cNvPr id="25" name="Straight Arrow Connector 24">
-              <a:extLst>
-                <a:ext uri="{FF2B5EF4-FFF2-40B4-BE49-F238E27FC236}">
-                  <a16:creationId xmlns:a16="http://schemas.microsoft.com/office/drawing/2014/main" id="{EC4294C0-5035-4934-9BAB-FBE640B477BB}"/>
-                </a:ext>
-              </a:extLst>
-            </p:cNvPr>
-            <p:cNvCxnSpPr>
-              <a:cxnSpLocks/>
-            </p:cNvCxnSpPr>
-            <p:nvPr/>
-          </p:nvCxnSpPr>
-          <p:spPr>
-            <a:xfrm>
-              <a:off x="6349952" y="4886530"/>
-              <a:ext cx="5522845" cy="0"/>
-            </a:xfrm>
-            <a:prstGeom prst="straightConnector1">
-              <a:avLst/>
-            </a:prstGeom>
-            <a:ln w="28575">
-              <a:prstDash val="dashDot"/>
-              <a:tailEnd type="triangle"/>
-            </a:ln>
-          </p:spPr>
-          <p:style>
-            <a:lnRef idx="1">
-              <a:schemeClr val="accent1"/>
-            </a:lnRef>
-            <a:fillRef idx="0">
-              <a:schemeClr val="accent1"/>
-            </a:fillRef>
-            <a:effectRef idx="0">
-              <a:schemeClr val="accent1"/>
-            </a:effectRef>
-            <a:fontRef idx="minor">
-              <a:schemeClr val="tx1"/>
-            </a:fontRef>
-          </p:style>
-        </p:cxnSp>
-        <p:cxnSp>
-          <p:nvCxnSpPr>
-            <p:cNvPr id="28" name="Straight Arrow Connector 27">
-              <a:extLst>
-                <a:ext uri="{FF2B5EF4-FFF2-40B4-BE49-F238E27FC236}">
-                  <a16:creationId xmlns:a16="http://schemas.microsoft.com/office/drawing/2014/main" id="{4CA59E87-B72B-472E-BE23-6D54C8E59A54}"/>
-                </a:ext>
-              </a:extLst>
-            </p:cNvPr>
-            <p:cNvCxnSpPr>
-              <a:cxnSpLocks/>
-            </p:cNvCxnSpPr>
-            <p:nvPr/>
-          </p:nvCxnSpPr>
-          <p:spPr>
-            <a:xfrm flipV="1">
-              <a:off x="6349952" y="917132"/>
-              <a:ext cx="0" cy="1556423"/>
-            </a:xfrm>
-            <a:prstGeom prst="straightConnector1">
-              <a:avLst/>
-            </a:prstGeom>
-            <a:ln w="28575">
-              <a:prstDash val="dashDot"/>
-              <a:tailEnd type="triangle"/>
-            </a:ln>
-          </p:spPr>
-          <p:style>
-            <a:lnRef idx="1">
-              <a:schemeClr val="accent1"/>
-            </a:lnRef>
-            <a:fillRef idx="0">
-              <a:schemeClr val="accent1"/>
-            </a:fillRef>
-            <a:effectRef idx="0">
-              <a:schemeClr val="accent1"/>
-            </a:effectRef>
-            <a:fontRef idx="minor">
-              <a:schemeClr val="tx1"/>
-            </a:fontRef>
-          </p:style>
-        </p:cxnSp>
-        <p:cxnSp>
-          <p:nvCxnSpPr>
-            <p:cNvPr id="31" name="Straight Arrow Connector 30">
-              <a:extLst>
-                <a:ext uri="{FF2B5EF4-FFF2-40B4-BE49-F238E27FC236}">
-                  <a16:creationId xmlns:a16="http://schemas.microsoft.com/office/drawing/2014/main" id="{9DAB27D2-AE0E-4B3F-96C3-DADC379FF09F}"/>
-                </a:ext>
-              </a:extLst>
-            </p:cNvPr>
-            <p:cNvCxnSpPr>
-              <a:cxnSpLocks/>
-            </p:cNvCxnSpPr>
-            <p:nvPr/>
-          </p:nvCxnSpPr>
-          <p:spPr>
-            <a:xfrm>
-              <a:off x="6349952" y="4710609"/>
-              <a:ext cx="0" cy="2034008"/>
-            </a:xfrm>
-            <a:prstGeom prst="straightConnector1">
-              <a:avLst/>
-            </a:prstGeom>
-            <a:ln w="28575">
-              <a:prstDash val="dashDot"/>
-              <a:tailEnd type="triangle"/>
-            </a:ln>
-          </p:spPr>
-          <p:style>
-            <a:lnRef idx="1">
-              <a:schemeClr val="accent1"/>
-            </a:lnRef>
-            <a:fillRef idx="0">
-              <a:schemeClr val="accent1"/>
-            </a:fillRef>
-            <a:effectRef idx="0">
-              <a:schemeClr val="accent1"/>
-            </a:effectRef>
-            <a:fontRef idx="minor">
-              <a:schemeClr val="tx1"/>
-            </a:fontRef>
-          </p:style>
-        </p:cxnSp>
-        <p:sp>
-          <p:nvSpPr>
-            <p:cNvPr id="34" name="Rectangle: Rounded Corners 33">
-              <a:extLst>
-                <a:ext uri="{FF2B5EF4-FFF2-40B4-BE49-F238E27FC236}">
-                  <a16:creationId xmlns:a16="http://schemas.microsoft.com/office/drawing/2014/main" id="{9C7059BA-0F83-4618-A8ED-C8F7F35893E4}"/>
-                </a:ext>
-              </a:extLst>
-            </p:cNvPr>
-            <p:cNvSpPr/>
-            <p:nvPr/>
-          </p:nvSpPr>
-          <p:spPr>
-            <a:xfrm>
-              <a:off x="9413776" y="1648580"/>
-              <a:ext cx="2664543" cy="626656"/>
-            </a:xfrm>
-            <a:prstGeom prst="roundRect">
-              <a:avLst/>
-            </a:prstGeom>
-            <a:solidFill>
-              <a:srgbClr val="75FAFE"/>
-            </a:solidFill>
-          </p:spPr>
-          <p:style>
-            <a:lnRef idx="2">
-              <a:schemeClr val="accent1">
-                <a:shade val="50000"/>
-              </a:schemeClr>
-            </a:lnRef>
-            <a:fillRef idx="1">
-              <a:schemeClr val="accent1"/>
-            </a:fillRef>
-            <a:effectRef idx="0">
-              <a:schemeClr val="accent1"/>
-            </a:effectRef>
-            <a:fontRef idx="minor">
-              <a:schemeClr val="lt1"/>
-            </a:fontRef>
-          </p:style>
-          <p:txBody>
-            <a:bodyPr rtlCol="0" anchor="ctr"/>
-            <a:lstStyle/>
-            <a:p>
-              <a:pPr algn="ctr"/>
-              <a:r>
-                <a:rPr lang="en-US" sz="1600" dirty="0">
-                  <a:solidFill>
-                    <a:schemeClr val="tx1"/>
-                  </a:solidFill>
-                </a:rPr>
-                <a:t>Co-design with Spectral Logic Specifications</a:t>
-              </a:r>
-            </a:p>
-          </p:txBody>
-        </p:sp>
-        <p:sp>
-          <p:nvSpPr>
-            <p:cNvPr id="35" name="Rectangle: Rounded Corners 34">
-              <a:extLst>
-                <a:ext uri="{FF2B5EF4-FFF2-40B4-BE49-F238E27FC236}">
-                  <a16:creationId xmlns:a16="http://schemas.microsoft.com/office/drawing/2014/main" id="{2F748F0C-6122-498E-ABD6-2C04FB210CE2}"/>
-                </a:ext>
-              </a:extLst>
-            </p:cNvPr>
-            <p:cNvSpPr/>
-            <p:nvPr/>
-          </p:nvSpPr>
-          <p:spPr>
-            <a:xfrm>
-              <a:off x="3345224" y="1698575"/>
-              <a:ext cx="1664684" cy="551683"/>
-            </a:xfrm>
-            <a:prstGeom prst="roundRect">
-              <a:avLst/>
-            </a:prstGeom>
-            <a:solidFill>
-              <a:srgbClr val="0066FF"/>
-            </a:solidFill>
-          </p:spPr>
-          <p:style>
-            <a:lnRef idx="2">
-              <a:schemeClr val="accent1">
-                <a:shade val="50000"/>
-              </a:schemeClr>
-            </a:lnRef>
-            <a:fillRef idx="1">
-              <a:schemeClr val="accent1"/>
-            </a:fillRef>
-            <a:effectRef idx="0">
-              <a:schemeClr val="accent1"/>
-            </a:effectRef>
-            <a:fontRef idx="minor">
-              <a:schemeClr val="lt1"/>
-            </a:fontRef>
-          </p:style>
-          <p:txBody>
-            <a:bodyPr rtlCol="0" anchor="ctr"/>
-            <a:lstStyle/>
-            <a:p>
-              <a:pPr algn="ctr"/>
-              <a:r>
-                <a:rPr lang="en-US" sz="1600" dirty="0">
-                  <a:solidFill>
-                    <a:schemeClr val="bg1"/>
-                  </a:solidFill>
-                </a:rPr>
-                <a:t>Spectral Logic </a:t>
-              </a:r>
-            </a:p>
-          </p:txBody>
-        </p:sp>
-        <p:sp>
-          <p:nvSpPr>
-            <p:cNvPr id="36" name="Rectangle: Rounded Corners 35">
-              <a:extLst>
-                <a:ext uri="{FF2B5EF4-FFF2-40B4-BE49-F238E27FC236}">
-                  <a16:creationId xmlns:a16="http://schemas.microsoft.com/office/drawing/2014/main" id="{560804EB-0917-44F1-A592-78DFBA237CAD}"/>
-                </a:ext>
-              </a:extLst>
-            </p:cNvPr>
-            <p:cNvSpPr/>
-            <p:nvPr/>
-          </p:nvSpPr>
-          <p:spPr>
-            <a:xfrm>
-              <a:off x="9681029" y="2411709"/>
-              <a:ext cx="2406701" cy="702388"/>
-            </a:xfrm>
-            <a:prstGeom prst="roundRect">
-              <a:avLst/>
-            </a:prstGeom>
-            <a:solidFill>
-              <a:srgbClr val="75FAFE"/>
-            </a:solidFill>
-          </p:spPr>
-          <p:style>
-            <a:lnRef idx="2">
-              <a:schemeClr val="accent1">
-                <a:shade val="50000"/>
-              </a:schemeClr>
-            </a:lnRef>
-            <a:fillRef idx="1">
-              <a:schemeClr val="accent1"/>
-            </a:fillRef>
-            <a:effectRef idx="0">
-              <a:schemeClr val="accent1"/>
-            </a:effectRef>
-            <a:fontRef idx="minor">
-              <a:schemeClr val="lt1"/>
-            </a:fontRef>
-          </p:style>
-          <p:txBody>
-            <a:bodyPr rtlCol="0" anchor="ctr"/>
-            <a:lstStyle/>
-            <a:p>
-              <a:pPr algn="ctr"/>
-              <a:r>
-                <a:rPr lang="en-US" sz="1600" dirty="0">
-                  <a:solidFill>
-                    <a:schemeClr val="tx1"/>
-                  </a:solidFill>
-                </a:rPr>
-                <a:t>Synthesis for Negative Imaginary Systems with Spectral Logic</a:t>
-              </a:r>
-            </a:p>
-          </p:txBody>
-        </p:sp>
-        <p:sp>
-          <p:nvSpPr>
-            <p:cNvPr id="37" name="Rectangle: Rounded Corners 36">
-              <a:extLst>
-                <a:ext uri="{FF2B5EF4-FFF2-40B4-BE49-F238E27FC236}">
-                  <a16:creationId xmlns:a16="http://schemas.microsoft.com/office/drawing/2014/main" id="{8880C64C-CF5B-41E4-89AE-127768D01E76}"/>
-                </a:ext>
-              </a:extLst>
-            </p:cNvPr>
-            <p:cNvSpPr/>
-            <p:nvPr/>
-          </p:nvSpPr>
-          <p:spPr>
-            <a:xfrm>
-              <a:off x="336998" y="3532257"/>
-              <a:ext cx="2270584" cy="613749"/>
-            </a:xfrm>
-            <a:prstGeom prst="roundRect">
-              <a:avLst/>
-            </a:prstGeom>
-            <a:solidFill>
-              <a:srgbClr val="FF66FF"/>
-            </a:solidFill>
-          </p:spPr>
-          <p:style>
-            <a:lnRef idx="2">
-              <a:schemeClr val="accent1">
-                <a:shade val="50000"/>
-              </a:schemeClr>
-            </a:lnRef>
-            <a:fillRef idx="1">
-              <a:schemeClr val="accent1"/>
-            </a:fillRef>
-            <a:effectRef idx="0">
-              <a:schemeClr val="accent1"/>
-            </a:effectRef>
-            <a:fontRef idx="minor">
-              <a:schemeClr val="lt1"/>
-            </a:fontRef>
-          </p:style>
-          <p:txBody>
-            <a:bodyPr rtlCol="0" anchor="ctr"/>
-            <a:lstStyle/>
-            <a:p>
-              <a:pPr algn="ctr"/>
-              <a:r>
-                <a:rPr lang="en-US" sz="1400" dirty="0">
-                  <a:solidFill>
-                    <a:schemeClr val="tx1"/>
-                  </a:solidFill>
-                </a:rPr>
-                <a:t>Semantic Parsing of Cyber-physical System</a:t>
-              </a:r>
-            </a:p>
-          </p:txBody>
-        </p:sp>
-        <p:sp>
-          <p:nvSpPr>
-            <p:cNvPr id="38" name="Rectangle: Rounded Corners 37">
-              <a:extLst>
-                <a:ext uri="{FF2B5EF4-FFF2-40B4-BE49-F238E27FC236}">
-                  <a16:creationId xmlns:a16="http://schemas.microsoft.com/office/drawing/2014/main" id="{55245350-3F34-440D-A684-D3A7E5C8ED68}"/>
-                </a:ext>
-              </a:extLst>
-            </p:cNvPr>
-            <p:cNvSpPr/>
-            <p:nvPr/>
-          </p:nvSpPr>
-          <p:spPr>
-            <a:xfrm>
-              <a:off x="336998" y="4403734"/>
-              <a:ext cx="2270584" cy="613749"/>
-            </a:xfrm>
-            <a:prstGeom prst="roundRect">
-              <a:avLst/>
-            </a:prstGeom>
-            <a:solidFill>
-              <a:srgbClr val="FF66FF"/>
-            </a:solidFill>
-          </p:spPr>
-          <p:style>
-            <a:lnRef idx="2">
-              <a:schemeClr val="accent1">
-                <a:shade val="50000"/>
-              </a:schemeClr>
-            </a:lnRef>
-            <a:fillRef idx="1">
-              <a:schemeClr val="accent1"/>
-            </a:fillRef>
-            <a:effectRef idx="0">
-              <a:schemeClr val="accent1"/>
-            </a:effectRef>
-            <a:fontRef idx="minor">
-              <a:schemeClr val="lt1"/>
-            </a:fontRef>
-          </p:style>
-          <p:txBody>
-            <a:bodyPr rtlCol="0" anchor="ctr"/>
-            <a:lstStyle/>
-            <a:p>
-              <a:pPr algn="ctr"/>
-              <a:r>
-                <a:rPr lang="en-US" sz="1400" dirty="0">
-                  <a:solidFill>
-                    <a:schemeClr val="tx1"/>
-                  </a:solidFill>
-                </a:rPr>
-                <a:t>Semantic Fault Diagnosis for Industrial  </a:t>
-              </a:r>
-              <a:r>
-                <a:rPr lang="en-US" sz="1400" dirty="0" err="1">
-                  <a:solidFill>
-                    <a:schemeClr val="tx1"/>
-                  </a:solidFill>
-                </a:rPr>
-                <a:t>IIoT</a:t>
-              </a:r>
-              <a:endParaRPr lang="en-US" sz="1400" dirty="0">
+            <a:off x="5061857" y="2275236"/>
+            <a:ext cx="2635342" cy="2460339"/>
+          </a:xfrm>
+          <a:prstGeom prst="rect">
+            <a:avLst/>
+          </a:prstGeom>
+          <a:noFill/>
+          <a:extLst>
+            <a:ext uri="{909E8E84-426E-40DD-AFC4-6F175D3DCCD1}">
+              <a14:hiddenFill xmlns:a14="http://schemas.microsoft.com/office/drawing/2010/main">
+                <a:solidFill>
+                  <a:srgbClr val="FFFFFF"/>
+                </a:solidFill>
+              </a14:hiddenFill>
+            </a:ext>
+          </a:extLst>
+        </p:spPr>
+      </p:pic>
+      <p:sp>
+        <p:nvSpPr>
+          <p:cNvPr id="4" name="TextBox 3">
+            <a:extLst>
+              <a:ext uri="{FF2B5EF4-FFF2-40B4-BE49-F238E27FC236}">
+                <a16:creationId xmlns:a16="http://schemas.microsoft.com/office/drawing/2014/main" id="{05E3EF1B-3351-4D78-84AA-0088D2FCAD71}"/>
+              </a:ext>
+            </a:extLst>
+          </p:cNvPr>
+          <p:cNvSpPr txBox="1"/>
+          <p:nvPr/>
+        </p:nvSpPr>
+        <p:spPr>
+          <a:xfrm>
+            <a:off x="5848903" y="3841086"/>
+            <a:ext cx="1067921" cy="646331"/>
+          </a:xfrm>
+          <a:prstGeom prst="rect">
+            <a:avLst/>
+          </a:prstGeom>
+          <a:noFill/>
+        </p:spPr>
+        <p:txBody>
+          <a:bodyPr wrap="none" rtlCol="0">
+            <a:spAutoFit/>
+          </a:bodyPr>
+          <a:lstStyle/>
+          <a:p>
+            <a:r>
+              <a:rPr lang="en-US" b="1" dirty="0">
+                <a:solidFill>
+                  <a:schemeClr val="bg1"/>
+                </a:solidFill>
+              </a:rPr>
+              <a:t>Machine </a:t>
+            </a:r>
+          </a:p>
+          <a:p>
+            <a:r>
+              <a:rPr lang="en-US" b="1" dirty="0">
+                <a:solidFill>
+                  <a:schemeClr val="bg1"/>
+                </a:solidFill>
+              </a:rPr>
+              <a:t>Learning</a:t>
+            </a:r>
+          </a:p>
+        </p:txBody>
+      </p:sp>
+      <p:sp>
+        <p:nvSpPr>
+          <p:cNvPr id="8" name="TextBox 7">
+            <a:extLst>
+              <a:ext uri="{FF2B5EF4-FFF2-40B4-BE49-F238E27FC236}">
+                <a16:creationId xmlns:a16="http://schemas.microsoft.com/office/drawing/2014/main" id="{7A03EB02-F01B-4EF2-AD43-075A3F20BE1E}"/>
+              </a:ext>
+            </a:extLst>
+          </p:cNvPr>
+          <p:cNvSpPr txBox="1"/>
+          <p:nvPr/>
+        </p:nvSpPr>
+        <p:spPr>
+          <a:xfrm>
+            <a:off x="5201826" y="2667182"/>
+            <a:ext cx="1042273" cy="646331"/>
+          </a:xfrm>
+          <a:prstGeom prst="rect">
+            <a:avLst/>
+          </a:prstGeom>
+          <a:noFill/>
+        </p:spPr>
+        <p:txBody>
+          <a:bodyPr wrap="none" rtlCol="0">
+            <a:spAutoFit/>
+          </a:bodyPr>
+          <a:lstStyle/>
+          <a:p>
+            <a:r>
+              <a:rPr lang="en-US" b="1" dirty="0">
+                <a:solidFill>
+                  <a:schemeClr val="bg1"/>
+                </a:solidFill>
+              </a:rPr>
+              <a:t>Formal</a:t>
+            </a:r>
+          </a:p>
+          <a:p>
+            <a:r>
+              <a:rPr lang="en-US" b="1" dirty="0">
+                <a:solidFill>
+                  <a:schemeClr val="bg1"/>
+                </a:solidFill>
+              </a:rPr>
+              <a:t>Methods</a:t>
+            </a:r>
+          </a:p>
+        </p:txBody>
+      </p:sp>
+      <p:sp>
+        <p:nvSpPr>
+          <p:cNvPr id="9" name="TextBox 8">
+            <a:extLst>
+              <a:ext uri="{FF2B5EF4-FFF2-40B4-BE49-F238E27FC236}">
+                <a16:creationId xmlns:a16="http://schemas.microsoft.com/office/drawing/2014/main" id="{90FD259E-18AF-4788-B67C-351629FFCA98}"/>
+              </a:ext>
+            </a:extLst>
+          </p:cNvPr>
+          <p:cNvSpPr txBox="1"/>
+          <p:nvPr/>
+        </p:nvSpPr>
+        <p:spPr>
+          <a:xfrm>
+            <a:off x="6585956" y="2705278"/>
+            <a:ext cx="889859" cy="646331"/>
+          </a:xfrm>
+          <a:prstGeom prst="rect">
+            <a:avLst/>
+          </a:prstGeom>
+          <a:noFill/>
+        </p:spPr>
+        <p:txBody>
+          <a:bodyPr wrap="none" rtlCol="0">
+            <a:spAutoFit/>
+          </a:bodyPr>
+          <a:lstStyle/>
+          <a:p>
+            <a:r>
+              <a:rPr lang="en-US" b="1" dirty="0">
+                <a:solidFill>
+                  <a:schemeClr val="bg1"/>
+                </a:solidFill>
+              </a:rPr>
+              <a:t>Control</a:t>
+            </a:r>
+          </a:p>
+          <a:p>
+            <a:r>
+              <a:rPr lang="en-US" b="1" dirty="0">
+                <a:solidFill>
+                  <a:schemeClr val="bg1"/>
+                </a:solidFill>
+              </a:rPr>
+              <a:t>Theory</a:t>
+            </a:r>
+          </a:p>
+        </p:txBody>
+      </p:sp>
+      <p:sp>
+        <p:nvSpPr>
+          <p:cNvPr id="5" name="TextBox 4">
+            <a:extLst>
+              <a:ext uri="{FF2B5EF4-FFF2-40B4-BE49-F238E27FC236}">
+                <a16:creationId xmlns:a16="http://schemas.microsoft.com/office/drawing/2014/main" id="{735C8FD6-A567-4DF6-BE13-24461AF5AA59}"/>
+              </a:ext>
+            </a:extLst>
+          </p:cNvPr>
+          <p:cNvSpPr txBox="1"/>
+          <p:nvPr/>
+        </p:nvSpPr>
+        <p:spPr>
+          <a:xfrm>
+            <a:off x="1857757" y="285052"/>
+            <a:ext cx="2000356" cy="369332"/>
+          </a:xfrm>
+          <a:prstGeom prst="rect">
+            <a:avLst/>
+          </a:prstGeom>
+          <a:noFill/>
+        </p:spPr>
+        <p:txBody>
+          <a:bodyPr wrap="none" rtlCol="0">
+            <a:spAutoFit/>
+          </a:bodyPr>
+          <a:lstStyle/>
+          <a:p>
+            <a:r>
+              <a:rPr lang="en-US" b="1" dirty="0"/>
+              <a:t>Formal Verification</a:t>
+            </a:r>
+          </a:p>
+        </p:txBody>
+      </p:sp>
+      <p:sp>
+        <p:nvSpPr>
+          <p:cNvPr id="11" name="TextBox 10">
+            <a:extLst>
+              <a:ext uri="{FF2B5EF4-FFF2-40B4-BE49-F238E27FC236}">
+                <a16:creationId xmlns:a16="http://schemas.microsoft.com/office/drawing/2014/main" id="{767BE31B-1416-4022-BD70-6D6022C482F4}"/>
+              </a:ext>
+            </a:extLst>
+          </p:cNvPr>
+          <p:cNvSpPr txBox="1"/>
+          <p:nvPr/>
+        </p:nvSpPr>
+        <p:spPr>
+          <a:xfrm>
+            <a:off x="1585482" y="6375285"/>
+            <a:ext cx="3252365" cy="369332"/>
+          </a:xfrm>
+          <a:prstGeom prst="rect">
+            <a:avLst/>
+          </a:prstGeom>
+          <a:noFill/>
+        </p:spPr>
+        <p:txBody>
+          <a:bodyPr wrap="none" rtlCol="0">
+            <a:spAutoFit/>
+          </a:bodyPr>
+          <a:lstStyle/>
+          <a:p>
+            <a:r>
+              <a:rPr lang="en-US" b="1" dirty="0"/>
+              <a:t>High Level Knowledge Discovery</a:t>
+            </a:r>
+          </a:p>
+        </p:txBody>
+      </p:sp>
+      <p:sp>
+        <p:nvSpPr>
+          <p:cNvPr id="12" name="TextBox 11">
+            <a:extLst>
+              <a:ext uri="{FF2B5EF4-FFF2-40B4-BE49-F238E27FC236}">
+                <a16:creationId xmlns:a16="http://schemas.microsoft.com/office/drawing/2014/main" id="{86397E63-A160-44F5-846B-56FDB4B09B7D}"/>
+              </a:ext>
+            </a:extLst>
+          </p:cNvPr>
+          <p:cNvSpPr txBox="1"/>
+          <p:nvPr/>
+        </p:nvSpPr>
+        <p:spPr>
+          <a:xfrm>
+            <a:off x="8002942" y="284380"/>
+            <a:ext cx="3171125" cy="369332"/>
+          </a:xfrm>
+          <a:prstGeom prst="rect">
+            <a:avLst/>
+          </a:prstGeom>
+          <a:noFill/>
+        </p:spPr>
+        <p:txBody>
+          <a:bodyPr wrap="none" rtlCol="0">
+            <a:spAutoFit/>
+          </a:bodyPr>
+          <a:lstStyle/>
+          <a:p>
+            <a:r>
+              <a:rPr lang="en-US" b="1" dirty="0"/>
+              <a:t>Correct-by-Construction Design</a:t>
+            </a:r>
+          </a:p>
+        </p:txBody>
+      </p:sp>
+      <p:sp>
+        <p:nvSpPr>
+          <p:cNvPr id="13" name="TextBox 12">
+            <a:extLst>
+              <a:ext uri="{FF2B5EF4-FFF2-40B4-BE49-F238E27FC236}">
+                <a16:creationId xmlns:a16="http://schemas.microsoft.com/office/drawing/2014/main" id="{258CC1F0-9333-4E25-B06F-99D7D8E171A4}"/>
+              </a:ext>
+            </a:extLst>
+          </p:cNvPr>
+          <p:cNvSpPr txBox="1"/>
+          <p:nvPr/>
+        </p:nvSpPr>
+        <p:spPr>
+          <a:xfrm>
+            <a:off x="8584397" y="6375285"/>
+            <a:ext cx="1888659" cy="369332"/>
+          </a:xfrm>
+          <a:prstGeom prst="rect">
+            <a:avLst/>
+          </a:prstGeom>
+          <a:noFill/>
+        </p:spPr>
+        <p:txBody>
+          <a:bodyPr wrap="none" rtlCol="0">
+            <a:spAutoFit/>
+          </a:bodyPr>
+          <a:lstStyle/>
+          <a:p>
+            <a:r>
+              <a:rPr lang="en-US" b="1" dirty="0"/>
+              <a:t>Machine Learning</a:t>
+            </a:r>
+          </a:p>
+        </p:txBody>
+      </p:sp>
+      <p:sp>
+        <p:nvSpPr>
+          <p:cNvPr id="7" name="Rectangle: Rounded Corners 6">
+            <a:extLst>
+              <a:ext uri="{FF2B5EF4-FFF2-40B4-BE49-F238E27FC236}">
+                <a16:creationId xmlns:a16="http://schemas.microsoft.com/office/drawing/2014/main" id="{188687E8-E6D1-44AA-93B9-DCA802AD2F1C}"/>
+              </a:ext>
+            </a:extLst>
+          </p:cNvPr>
+          <p:cNvSpPr/>
+          <p:nvPr/>
+        </p:nvSpPr>
+        <p:spPr>
+          <a:xfrm>
+            <a:off x="9544735" y="5043179"/>
+            <a:ext cx="2302698" cy="621438"/>
+          </a:xfrm>
+          <a:prstGeom prst="roundRect">
+            <a:avLst/>
+          </a:prstGeom>
+          <a:solidFill>
+            <a:srgbClr val="FF5050"/>
+          </a:solidFill>
+        </p:spPr>
+        <p:style>
+          <a:lnRef idx="2">
+            <a:schemeClr val="accent1">
+              <a:shade val="50000"/>
+            </a:schemeClr>
+          </a:lnRef>
+          <a:fillRef idx="1">
+            <a:schemeClr val="accent1"/>
+          </a:fillRef>
+          <a:effectRef idx="0">
+            <a:schemeClr val="accent1"/>
+          </a:effectRef>
+          <a:fontRef idx="minor">
+            <a:schemeClr val="lt1"/>
+          </a:fontRef>
+        </p:style>
+        <p:txBody>
+          <a:bodyPr rtlCol="0" anchor="ctr"/>
+          <a:lstStyle/>
+          <a:p>
+            <a:pPr algn="ctr"/>
+            <a:r>
+              <a:rPr lang="en-US" sz="1600" dirty="0">
                 <a:solidFill>
                   <a:schemeClr val="tx1"/>
                 </a:solidFill>
-              </a:endParaRPr>
-            </a:p>
-          </p:txBody>
-        </p:sp>
-        <p:sp>
-          <p:nvSpPr>
-            <p:cNvPr id="39" name="Rectangle: Rounded Corners 38">
-              <a:extLst>
-                <a:ext uri="{FF2B5EF4-FFF2-40B4-BE49-F238E27FC236}">
-                  <a16:creationId xmlns:a16="http://schemas.microsoft.com/office/drawing/2014/main" id="{436C8B05-A350-45AF-81AF-985532788375}"/>
-                </a:ext>
-              </a:extLst>
-            </p:cNvPr>
-            <p:cNvSpPr/>
-            <p:nvPr/>
-          </p:nvSpPr>
-          <p:spPr>
-            <a:xfrm>
-              <a:off x="2837641" y="2703452"/>
-              <a:ext cx="2270584" cy="613749"/>
-            </a:xfrm>
-            <a:prstGeom prst="roundRect">
-              <a:avLst/>
-            </a:prstGeom>
-            <a:solidFill>
-              <a:srgbClr val="FF66FF"/>
-            </a:solidFill>
-          </p:spPr>
-          <p:style>
-            <a:lnRef idx="2">
-              <a:schemeClr val="accent1">
-                <a:shade val="50000"/>
-              </a:schemeClr>
-            </a:lnRef>
-            <a:fillRef idx="1">
-              <a:schemeClr val="accent1"/>
-            </a:fillRef>
-            <a:effectRef idx="0">
-              <a:schemeClr val="accent1"/>
-            </a:effectRef>
-            <a:fontRef idx="minor">
-              <a:schemeClr val="lt1"/>
-            </a:fontRef>
-          </p:style>
-          <p:txBody>
-            <a:bodyPr rtlCol="0" anchor="ctr"/>
-            <a:lstStyle/>
-            <a:p>
-              <a:pPr algn="ctr"/>
-              <a:r>
-                <a:rPr lang="en-US" sz="1400" dirty="0" err="1">
-                  <a:solidFill>
-                    <a:schemeClr val="tx1"/>
-                  </a:solidFill>
-                </a:rPr>
-                <a:t>Shapelet</a:t>
-              </a:r>
-              <a:r>
-                <a:rPr lang="en-US" sz="1400" dirty="0">
-                  <a:solidFill>
-                    <a:schemeClr val="tx1"/>
-                  </a:solidFill>
-                </a:rPr>
-                <a:t> Temporal Logic for </a:t>
-              </a:r>
-            </a:p>
-            <a:p>
-              <a:pPr algn="ctr"/>
-              <a:r>
-                <a:rPr lang="en-US" sz="1400" dirty="0">
-                  <a:solidFill>
-                    <a:schemeClr val="tx1"/>
-                  </a:solidFill>
-                </a:rPr>
-                <a:t>Time Series Analysis</a:t>
-              </a:r>
-            </a:p>
-          </p:txBody>
-        </p:sp>
-        <p:sp>
-          <p:nvSpPr>
-            <p:cNvPr id="40" name="Rectangle: Rounded Corners 39">
-              <a:extLst>
-                <a:ext uri="{FF2B5EF4-FFF2-40B4-BE49-F238E27FC236}">
-                  <a16:creationId xmlns:a16="http://schemas.microsoft.com/office/drawing/2014/main" id="{8EE5E55D-D469-422A-97C3-AAECC4AF15E5}"/>
-                </a:ext>
-              </a:extLst>
-            </p:cNvPr>
-            <p:cNvSpPr/>
-            <p:nvPr/>
-          </p:nvSpPr>
-          <p:spPr>
-            <a:xfrm>
-              <a:off x="2792401" y="3562708"/>
-              <a:ext cx="2270584" cy="613749"/>
-            </a:xfrm>
-            <a:prstGeom prst="roundRect">
-              <a:avLst/>
-            </a:prstGeom>
-            <a:solidFill>
-              <a:srgbClr val="FF66FF"/>
-            </a:solidFill>
-          </p:spPr>
-          <p:style>
-            <a:lnRef idx="2">
-              <a:schemeClr val="accent1">
-                <a:shade val="50000"/>
-              </a:schemeClr>
-            </a:lnRef>
-            <a:fillRef idx="1">
-              <a:schemeClr val="accent1"/>
-            </a:fillRef>
-            <a:effectRef idx="0">
-              <a:schemeClr val="accent1"/>
-            </a:effectRef>
-            <a:fontRef idx="minor">
-              <a:schemeClr val="lt1"/>
-            </a:fontRef>
-          </p:style>
-          <p:txBody>
-            <a:bodyPr rtlCol="0" anchor="ctr"/>
-            <a:lstStyle/>
-            <a:p>
-              <a:pPr algn="ctr"/>
-              <a:r>
-                <a:rPr lang="en-US" sz="1400" dirty="0">
-                  <a:solidFill>
-                    <a:schemeClr val="tx1"/>
-                  </a:solidFill>
-                </a:rPr>
-                <a:t>Stochastic Temporal Logic Inference for Fault Analysis</a:t>
-              </a:r>
-            </a:p>
-          </p:txBody>
-        </p:sp>
-        <p:sp>
-          <p:nvSpPr>
-            <p:cNvPr id="41" name="Rectangle: Rounded Corners 40">
-              <a:extLst>
-                <a:ext uri="{FF2B5EF4-FFF2-40B4-BE49-F238E27FC236}">
-                  <a16:creationId xmlns:a16="http://schemas.microsoft.com/office/drawing/2014/main" id="{FA9ABDE5-EF47-44C1-B482-C7C88405E259}"/>
-                </a:ext>
-              </a:extLst>
-            </p:cNvPr>
-            <p:cNvSpPr/>
-            <p:nvPr/>
-          </p:nvSpPr>
-          <p:spPr>
-            <a:xfrm>
-              <a:off x="7575686" y="2430932"/>
-              <a:ext cx="1938428" cy="683163"/>
-            </a:xfrm>
-            <a:prstGeom prst="roundRect">
-              <a:avLst/>
-            </a:prstGeom>
-            <a:solidFill>
-              <a:schemeClr val="bg1"/>
-            </a:solidFill>
-          </p:spPr>
-          <p:style>
-            <a:lnRef idx="2">
-              <a:schemeClr val="accent1">
-                <a:shade val="50000"/>
-              </a:schemeClr>
-            </a:lnRef>
-            <a:fillRef idx="1">
-              <a:schemeClr val="accent1"/>
-            </a:fillRef>
-            <a:effectRef idx="0">
-              <a:schemeClr val="accent1"/>
-            </a:effectRef>
-            <a:fontRef idx="minor">
-              <a:schemeClr val="lt1"/>
-            </a:fontRef>
-          </p:style>
-          <p:txBody>
-            <a:bodyPr rtlCol="0" anchor="ctr"/>
-            <a:lstStyle/>
-            <a:p>
-              <a:pPr algn="ctr"/>
-              <a:r>
-                <a:rPr lang="en-US" sz="1600" dirty="0">
-                  <a:solidFill>
-                    <a:schemeClr val="tx1"/>
-                  </a:solidFill>
-                </a:rPr>
-                <a:t>Human-in-the-Loop Design of CPS</a:t>
-              </a:r>
-            </a:p>
-          </p:txBody>
-        </p:sp>
-        <p:sp>
-          <p:nvSpPr>
-            <p:cNvPr id="42" name="Rectangle: Rounded Corners 41">
-              <a:extLst>
-                <a:ext uri="{FF2B5EF4-FFF2-40B4-BE49-F238E27FC236}">
-                  <a16:creationId xmlns:a16="http://schemas.microsoft.com/office/drawing/2014/main" id="{98B57BC7-F00F-408D-8B87-345A8FFDA599}"/>
-                </a:ext>
-              </a:extLst>
-            </p:cNvPr>
-            <p:cNvSpPr/>
-            <p:nvPr/>
-          </p:nvSpPr>
-          <p:spPr>
-            <a:xfrm>
-              <a:off x="6408059" y="5036089"/>
-              <a:ext cx="2727302" cy="624481"/>
-            </a:xfrm>
-            <a:prstGeom prst="roundRect">
-              <a:avLst/>
-            </a:prstGeom>
-            <a:solidFill>
-              <a:srgbClr val="FF0000"/>
-            </a:solidFill>
-          </p:spPr>
-          <p:style>
-            <a:lnRef idx="2">
-              <a:schemeClr val="accent1">
-                <a:shade val="50000"/>
-              </a:schemeClr>
-            </a:lnRef>
-            <a:fillRef idx="1">
-              <a:schemeClr val="accent1"/>
-            </a:fillRef>
-            <a:effectRef idx="0">
-              <a:schemeClr val="accent1"/>
-            </a:effectRef>
-            <a:fontRef idx="minor">
-              <a:schemeClr val="lt1"/>
-            </a:fontRef>
-          </p:style>
-          <p:txBody>
-            <a:bodyPr rtlCol="0" anchor="ctr"/>
-            <a:lstStyle/>
-            <a:p>
-              <a:pPr algn="ctr"/>
-              <a:r>
-                <a:rPr lang="en-US" sz="1400" dirty="0"/>
-                <a:t>A distribution pattern modelling with Gaussian Process</a:t>
-              </a:r>
-            </a:p>
-          </p:txBody>
-        </p:sp>
-        <p:sp>
-          <p:nvSpPr>
-            <p:cNvPr id="43" name="Rectangle: Rounded Corners 42">
-              <a:extLst>
-                <a:ext uri="{FF2B5EF4-FFF2-40B4-BE49-F238E27FC236}">
-                  <a16:creationId xmlns:a16="http://schemas.microsoft.com/office/drawing/2014/main" id="{0EE94EE1-751F-46B4-A958-DA5EAE4BE5A7}"/>
-                </a:ext>
-              </a:extLst>
-            </p:cNvPr>
-            <p:cNvSpPr/>
-            <p:nvPr/>
-          </p:nvSpPr>
-          <p:spPr>
-            <a:xfrm>
-              <a:off x="7170604" y="4083911"/>
-              <a:ext cx="1999323" cy="584933"/>
-            </a:xfrm>
-            <a:prstGeom prst="roundRect">
-              <a:avLst/>
-            </a:prstGeom>
-            <a:solidFill>
-              <a:srgbClr val="75FAFE"/>
-            </a:solidFill>
-          </p:spPr>
-          <p:style>
-            <a:lnRef idx="2">
-              <a:schemeClr val="accent1">
-                <a:shade val="50000"/>
-              </a:schemeClr>
-            </a:lnRef>
-            <a:fillRef idx="1">
-              <a:schemeClr val="accent1"/>
-            </a:fillRef>
-            <a:effectRef idx="0">
-              <a:schemeClr val="accent1"/>
-            </a:effectRef>
-            <a:fontRef idx="minor">
-              <a:schemeClr val="lt1"/>
-            </a:fontRef>
-          </p:style>
-          <p:txBody>
-            <a:bodyPr rtlCol="0" anchor="ctr"/>
-            <a:lstStyle/>
-            <a:p>
-              <a:pPr algn="ctr"/>
-              <a:r>
-                <a:rPr lang="en-US" sz="1600" dirty="0">
-                  <a:solidFill>
-                    <a:schemeClr val="tx1"/>
-                  </a:solidFill>
-                </a:rPr>
-                <a:t>Reliance Control with Temporal Logic</a:t>
-              </a:r>
-            </a:p>
-          </p:txBody>
-        </p:sp>
-        <p:sp>
-          <p:nvSpPr>
-            <p:cNvPr id="44" name="Rectangle: Rounded Corners 43">
-              <a:extLst>
-                <a:ext uri="{FF2B5EF4-FFF2-40B4-BE49-F238E27FC236}">
-                  <a16:creationId xmlns:a16="http://schemas.microsoft.com/office/drawing/2014/main" id="{775850C2-7D5E-48B3-840F-0AAB55563BB8}"/>
-                </a:ext>
-              </a:extLst>
-            </p:cNvPr>
-            <p:cNvSpPr/>
-            <p:nvPr/>
-          </p:nvSpPr>
-          <p:spPr>
-            <a:xfrm>
-              <a:off x="2954238" y="4421964"/>
-              <a:ext cx="2548614" cy="613749"/>
-            </a:xfrm>
-            <a:prstGeom prst="roundRect">
-              <a:avLst/>
-            </a:prstGeom>
-            <a:solidFill>
-              <a:srgbClr val="E95DF8"/>
-            </a:solidFill>
-          </p:spPr>
-          <p:style>
-            <a:lnRef idx="2">
-              <a:schemeClr val="accent1">
-                <a:shade val="50000"/>
-              </a:schemeClr>
-            </a:lnRef>
-            <a:fillRef idx="1">
-              <a:schemeClr val="accent1"/>
-            </a:fillRef>
-            <a:effectRef idx="0">
-              <a:schemeClr val="accent1"/>
-            </a:effectRef>
-            <a:fontRef idx="minor">
-              <a:schemeClr val="lt1"/>
-            </a:fontRef>
-          </p:style>
-          <p:txBody>
-            <a:bodyPr rtlCol="0" anchor="ctr"/>
-            <a:lstStyle/>
-            <a:p>
-              <a:pPr algn="ctr"/>
-              <a:r>
-                <a:rPr lang="en-US" sz="1600" dirty="0">
-                  <a:solidFill>
-                    <a:schemeClr val="tx1"/>
-                  </a:solidFill>
-                </a:rPr>
-                <a:t>Gradient Descent for Temporal Logic Inference</a:t>
-              </a:r>
-            </a:p>
-          </p:txBody>
-        </p:sp>
-        <p:sp>
-          <p:nvSpPr>
-            <p:cNvPr id="46" name="Rectangle: Rounded Corners 45">
-              <a:extLst>
-                <a:ext uri="{FF2B5EF4-FFF2-40B4-BE49-F238E27FC236}">
-                  <a16:creationId xmlns:a16="http://schemas.microsoft.com/office/drawing/2014/main" id="{409EBE9E-4653-4CA0-8E9B-5B17A98C6983}"/>
-                </a:ext>
-              </a:extLst>
-            </p:cNvPr>
-            <p:cNvSpPr/>
-            <p:nvPr/>
-          </p:nvSpPr>
-          <p:spPr>
-            <a:xfrm>
-              <a:off x="336998" y="5239606"/>
-              <a:ext cx="2548614" cy="537080"/>
-            </a:xfrm>
-            <a:prstGeom prst="roundRect">
-              <a:avLst/>
-            </a:prstGeom>
-            <a:solidFill>
-              <a:srgbClr val="E95DF8"/>
-            </a:solidFill>
-          </p:spPr>
-          <p:style>
-            <a:lnRef idx="2">
-              <a:schemeClr val="accent1">
-                <a:shade val="50000"/>
-              </a:schemeClr>
-            </a:lnRef>
-            <a:fillRef idx="1">
-              <a:schemeClr val="accent1"/>
-            </a:fillRef>
-            <a:effectRef idx="0">
-              <a:schemeClr val="accent1"/>
-            </a:effectRef>
-            <a:fontRef idx="minor">
-              <a:schemeClr val="lt1"/>
-            </a:fontRef>
-          </p:style>
-          <p:txBody>
-            <a:bodyPr rtlCol="0" anchor="ctr"/>
-            <a:lstStyle/>
-            <a:p>
-              <a:pPr algn="ctr"/>
-              <a:r>
-                <a:rPr lang="en-US" sz="1600" dirty="0">
-                  <a:solidFill>
-                    <a:schemeClr val="tx1"/>
-                  </a:solidFill>
-                </a:rPr>
-                <a:t>Frequency Temporal Logic Inference with DNN</a:t>
-              </a:r>
-            </a:p>
-          </p:txBody>
-        </p:sp>
-      </p:grpSp>
+              </a:rPr>
+              <a:t>Cosine Similarity Feature Selection</a:t>
+            </a:r>
+          </a:p>
+        </p:txBody>
+      </p:sp>
+      <p:sp>
+        <p:nvSpPr>
+          <p:cNvPr id="16" name="Rectangle: Rounded Corners 15">
+            <a:extLst>
+              <a:ext uri="{FF2B5EF4-FFF2-40B4-BE49-F238E27FC236}">
+                <a16:creationId xmlns:a16="http://schemas.microsoft.com/office/drawing/2014/main" id="{407FE671-D4C8-4119-B6B1-7595AB1DD2E8}"/>
+              </a:ext>
+            </a:extLst>
+          </p:cNvPr>
+          <p:cNvSpPr/>
+          <p:nvPr/>
+        </p:nvSpPr>
+        <p:spPr>
+          <a:xfrm>
+            <a:off x="449538" y="899899"/>
+            <a:ext cx="2213691" cy="592619"/>
+          </a:xfrm>
+          <a:prstGeom prst="roundRect">
+            <a:avLst/>
+          </a:prstGeom>
+          <a:solidFill>
+            <a:srgbClr val="FF66FF"/>
+          </a:solidFill>
+        </p:spPr>
+        <p:style>
+          <a:lnRef idx="2">
+            <a:schemeClr val="accent1">
+              <a:shade val="50000"/>
+            </a:schemeClr>
+          </a:lnRef>
+          <a:fillRef idx="1">
+            <a:schemeClr val="accent1"/>
+          </a:fillRef>
+          <a:effectRef idx="0">
+            <a:schemeClr val="accent1"/>
+          </a:effectRef>
+          <a:fontRef idx="minor">
+            <a:schemeClr val="lt1"/>
+          </a:fontRef>
+        </p:style>
+        <p:txBody>
+          <a:bodyPr rtlCol="0" anchor="ctr"/>
+          <a:lstStyle/>
+          <a:p>
+            <a:pPr algn="ctr"/>
+            <a:r>
+              <a:rPr lang="en-US" sz="1600" dirty="0">
+                <a:solidFill>
+                  <a:schemeClr val="tx1"/>
+                </a:solidFill>
+              </a:rPr>
+              <a:t>Active Learning-based Verification</a:t>
+            </a:r>
+          </a:p>
+        </p:txBody>
+      </p:sp>
+      <p:sp>
+        <p:nvSpPr>
+          <p:cNvPr id="17" name="Rectangle: Rounded Corners 16">
+            <a:extLst>
+              <a:ext uri="{FF2B5EF4-FFF2-40B4-BE49-F238E27FC236}">
+                <a16:creationId xmlns:a16="http://schemas.microsoft.com/office/drawing/2014/main" id="{A874CBBD-F406-44EA-9CF7-B4660C4AAF02}"/>
+              </a:ext>
+            </a:extLst>
+          </p:cNvPr>
+          <p:cNvSpPr/>
+          <p:nvPr/>
+        </p:nvSpPr>
+        <p:spPr>
+          <a:xfrm>
+            <a:off x="2857110" y="896731"/>
+            <a:ext cx="2463800" cy="583230"/>
+          </a:xfrm>
+          <a:prstGeom prst="roundRect">
+            <a:avLst/>
+          </a:prstGeom>
+          <a:solidFill>
+            <a:srgbClr val="FF66FF"/>
+          </a:solidFill>
+        </p:spPr>
+        <p:style>
+          <a:lnRef idx="2">
+            <a:schemeClr val="accent1">
+              <a:shade val="50000"/>
+            </a:schemeClr>
+          </a:lnRef>
+          <a:fillRef idx="1">
+            <a:schemeClr val="accent1"/>
+          </a:fillRef>
+          <a:effectRef idx="0">
+            <a:schemeClr val="accent1"/>
+          </a:effectRef>
+          <a:fontRef idx="minor">
+            <a:schemeClr val="lt1"/>
+          </a:fontRef>
+        </p:style>
+        <p:txBody>
+          <a:bodyPr rtlCol="0" anchor="ctr"/>
+          <a:lstStyle/>
+          <a:p>
+            <a:pPr algn="ctr"/>
+            <a:r>
+              <a:rPr lang="en-US" sz="1400" dirty="0">
+                <a:solidFill>
+                  <a:schemeClr val="tx1"/>
+                </a:solidFill>
+              </a:rPr>
+              <a:t>Data-Driven Approximate </a:t>
+            </a:r>
+            <a:r>
+              <a:rPr lang="en-US" sz="1600" dirty="0">
+                <a:solidFill>
+                  <a:schemeClr val="tx1"/>
+                </a:solidFill>
+              </a:rPr>
+              <a:t>Abstraction</a:t>
+            </a:r>
+            <a:r>
+              <a:rPr lang="en-US" sz="1400" dirty="0">
+                <a:solidFill>
+                  <a:schemeClr val="tx1"/>
+                </a:solidFill>
+              </a:rPr>
+              <a:t> Systems</a:t>
+            </a:r>
+          </a:p>
+        </p:txBody>
+      </p:sp>
+      <p:sp>
+        <p:nvSpPr>
+          <p:cNvPr id="18" name="Rectangle: Rounded Corners 17">
+            <a:extLst>
+              <a:ext uri="{FF2B5EF4-FFF2-40B4-BE49-F238E27FC236}">
+                <a16:creationId xmlns:a16="http://schemas.microsoft.com/office/drawing/2014/main" id="{6B69DF7A-51C3-49CD-A5E6-33A0D04AC6DF}"/>
+              </a:ext>
+            </a:extLst>
+          </p:cNvPr>
+          <p:cNvSpPr/>
+          <p:nvPr/>
+        </p:nvSpPr>
+        <p:spPr>
+          <a:xfrm>
+            <a:off x="445336" y="1698575"/>
+            <a:ext cx="2463800" cy="537046"/>
+          </a:xfrm>
+          <a:prstGeom prst="roundRect">
+            <a:avLst/>
+          </a:prstGeom>
+          <a:solidFill>
+            <a:srgbClr val="0066FF"/>
+          </a:solidFill>
+        </p:spPr>
+        <p:style>
+          <a:lnRef idx="2">
+            <a:schemeClr val="accent1">
+              <a:shade val="50000"/>
+            </a:schemeClr>
+          </a:lnRef>
+          <a:fillRef idx="1">
+            <a:schemeClr val="accent1"/>
+          </a:fillRef>
+          <a:effectRef idx="0">
+            <a:schemeClr val="accent1"/>
+          </a:effectRef>
+          <a:fontRef idx="minor">
+            <a:schemeClr val="lt1"/>
+          </a:fontRef>
+        </p:style>
+        <p:txBody>
+          <a:bodyPr rtlCol="0" anchor="ctr"/>
+          <a:lstStyle/>
+          <a:p>
+            <a:pPr algn="ctr"/>
+            <a:r>
+              <a:rPr lang="en-US" sz="1600" dirty="0">
+                <a:solidFill>
+                  <a:schemeClr val="bg1"/>
+                </a:solidFill>
+              </a:rPr>
+              <a:t>Timed Failure Propagation Graph Inference</a:t>
+            </a:r>
+          </a:p>
+        </p:txBody>
+      </p:sp>
+      <p:sp>
+        <p:nvSpPr>
+          <p:cNvPr id="19" name="Rectangle: Rounded Corners 18">
+            <a:extLst>
+              <a:ext uri="{FF2B5EF4-FFF2-40B4-BE49-F238E27FC236}">
+                <a16:creationId xmlns:a16="http://schemas.microsoft.com/office/drawing/2014/main" id="{D37AD570-5DBA-449D-BB07-35E81C425301}"/>
+              </a:ext>
+            </a:extLst>
+          </p:cNvPr>
+          <p:cNvSpPr/>
+          <p:nvPr/>
+        </p:nvSpPr>
+        <p:spPr>
+          <a:xfrm>
+            <a:off x="323280" y="2498690"/>
+            <a:ext cx="2270584" cy="613749"/>
+          </a:xfrm>
+          <a:prstGeom prst="roundRect">
+            <a:avLst/>
+          </a:prstGeom>
+          <a:solidFill>
+            <a:srgbClr val="FF66FF"/>
+          </a:solidFill>
+        </p:spPr>
+        <p:style>
+          <a:lnRef idx="2">
+            <a:schemeClr val="accent1">
+              <a:shade val="50000"/>
+            </a:schemeClr>
+          </a:lnRef>
+          <a:fillRef idx="1">
+            <a:schemeClr val="accent1"/>
+          </a:fillRef>
+          <a:effectRef idx="0">
+            <a:schemeClr val="accent1"/>
+          </a:effectRef>
+          <a:fontRef idx="minor">
+            <a:schemeClr val="lt1"/>
+          </a:fontRef>
+        </p:style>
+        <p:txBody>
+          <a:bodyPr rtlCol="0" anchor="ctr"/>
+          <a:lstStyle/>
+          <a:p>
+            <a:pPr algn="ctr"/>
+            <a:r>
+              <a:rPr lang="en-US" sz="1600" dirty="0">
+                <a:solidFill>
+                  <a:schemeClr val="tx1"/>
+                </a:solidFill>
+              </a:rPr>
+              <a:t>Formal Interpretation of Cyber-physical system</a:t>
+            </a:r>
+          </a:p>
+        </p:txBody>
+      </p:sp>
+      <p:sp>
+        <p:nvSpPr>
+          <p:cNvPr id="20" name="Rectangle: Rounded Corners 19">
+            <a:extLst>
+              <a:ext uri="{FF2B5EF4-FFF2-40B4-BE49-F238E27FC236}">
+                <a16:creationId xmlns:a16="http://schemas.microsoft.com/office/drawing/2014/main" id="{9BA51953-7F3E-4DA3-B773-144B965C4308}"/>
+              </a:ext>
+            </a:extLst>
+          </p:cNvPr>
+          <p:cNvSpPr/>
+          <p:nvPr/>
+        </p:nvSpPr>
+        <p:spPr>
+          <a:xfrm>
+            <a:off x="9883233" y="896763"/>
+            <a:ext cx="2131142" cy="626656"/>
+          </a:xfrm>
+          <a:prstGeom prst="roundRect">
+            <a:avLst/>
+          </a:prstGeom>
+          <a:solidFill>
+            <a:srgbClr val="77F348"/>
+          </a:solidFill>
+        </p:spPr>
+        <p:style>
+          <a:lnRef idx="2">
+            <a:schemeClr val="accent1">
+              <a:shade val="50000"/>
+            </a:schemeClr>
+          </a:lnRef>
+          <a:fillRef idx="1">
+            <a:schemeClr val="accent1"/>
+          </a:fillRef>
+          <a:effectRef idx="0">
+            <a:schemeClr val="accent1"/>
+          </a:effectRef>
+          <a:fontRef idx="minor">
+            <a:schemeClr val="lt1"/>
+          </a:fontRef>
+        </p:style>
+        <p:txBody>
+          <a:bodyPr rtlCol="0" anchor="ctr"/>
+          <a:lstStyle/>
+          <a:p>
+            <a:pPr algn="ctr"/>
+            <a:r>
+              <a:rPr lang="en-US" sz="1400" dirty="0">
+                <a:solidFill>
+                  <a:schemeClr val="tx1"/>
+                </a:solidFill>
+              </a:rPr>
+              <a:t>Fuzzy Logic Controller for LVDT</a:t>
+            </a:r>
+          </a:p>
+        </p:txBody>
+      </p:sp>
+      <p:sp>
+        <p:nvSpPr>
+          <p:cNvPr id="21" name="Rectangle: Rounded Corners 20">
+            <a:extLst>
+              <a:ext uri="{FF2B5EF4-FFF2-40B4-BE49-F238E27FC236}">
+                <a16:creationId xmlns:a16="http://schemas.microsoft.com/office/drawing/2014/main" id="{A050CAE4-D1EC-4C9A-A2A7-A0A62C20F009}"/>
+              </a:ext>
+            </a:extLst>
+          </p:cNvPr>
+          <p:cNvSpPr/>
+          <p:nvPr/>
+        </p:nvSpPr>
+        <p:spPr>
+          <a:xfrm>
+            <a:off x="6615074" y="894874"/>
+            <a:ext cx="2664541" cy="626655"/>
+          </a:xfrm>
+          <a:prstGeom prst="roundRect">
+            <a:avLst/>
+          </a:prstGeom>
+          <a:solidFill>
+            <a:srgbClr val="77F348"/>
+          </a:solidFill>
+        </p:spPr>
+        <p:style>
+          <a:lnRef idx="2">
+            <a:schemeClr val="accent1">
+              <a:shade val="50000"/>
+            </a:schemeClr>
+          </a:lnRef>
+          <a:fillRef idx="1">
+            <a:schemeClr val="accent1"/>
+          </a:fillRef>
+          <a:effectRef idx="0">
+            <a:schemeClr val="accent1"/>
+          </a:effectRef>
+          <a:fontRef idx="minor">
+            <a:schemeClr val="lt1"/>
+          </a:fontRef>
+        </p:style>
+        <p:txBody>
+          <a:bodyPr rtlCol="0" anchor="ctr"/>
+          <a:lstStyle/>
+          <a:p>
+            <a:pPr algn="ctr"/>
+            <a:r>
+              <a:rPr lang="en-US" sz="1600" dirty="0">
+                <a:solidFill>
+                  <a:schemeClr val="tx1"/>
+                </a:solidFill>
+              </a:rPr>
+              <a:t>Conditions for Lossless Negative Imaginary Systems</a:t>
+            </a:r>
+          </a:p>
+        </p:txBody>
+      </p:sp>
+      <p:sp>
+        <p:nvSpPr>
+          <p:cNvPr id="22" name="Rectangle: Rounded Corners 21">
+            <a:extLst>
+              <a:ext uri="{FF2B5EF4-FFF2-40B4-BE49-F238E27FC236}">
+                <a16:creationId xmlns:a16="http://schemas.microsoft.com/office/drawing/2014/main" id="{71F61C64-B7F5-48A3-9831-049FAB512C25}"/>
+              </a:ext>
+            </a:extLst>
+          </p:cNvPr>
+          <p:cNvSpPr/>
+          <p:nvPr/>
+        </p:nvSpPr>
+        <p:spPr>
+          <a:xfrm>
+            <a:off x="6637000" y="1576724"/>
+            <a:ext cx="2642615" cy="656646"/>
+          </a:xfrm>
+          <a:prstGeom prst="roundRect">
+            <a:avLst/>
+          </a:prstGeom>
+          <a:solidFill>
+            <a:srgbClr val="FFF84C"/>
+          </a:solidFill>
+        </p:spPr>
+        <p:style>
+          <a:lnRef idx="2">
+            <a:schemeClr val="accent1">
+              <a:shade val="50000"/>
+            </a:schemeClr>
+          </a:lnRef>
+          <a:fillRef idx="1">
+            <a:schemeClr val="accent1"/>
+          </a:fillRef>
+          <a:effectRef idx="0">
+            <a:schemeClr val="accent1"/>
+          </a:effectRef>
+          <a:fontRef idx="minor">
+            <a:schemeClr val="lt1"/>
+          </a:fontRef>
+        </p:style>
+        <p:txBody>
+          <a:bodyPr rtlCol="0" anchor="ctr"/>
+          <a:lstStyle/>
+          <a:p>
+            <a:pPr algn="ctr"/>
+            <a:r>
+              <a:rPr lang="en-US" sz="1600" dirty="0">
+                <a:solidFill>
+                  <a:schemeClr val="tx1"/>
+                </a:solidFill>
+              </a:rPr>
+              <a:t>Correct-by-Construction Approach for Self-Evolvable Robots</a:t>
+            </a:r>
+          </a:p>
+        </p:txBody>
+      </p:sp>
+      <p:cxnSp>
+        <p:nvCxnSpPr>
+          <p:cNvPr id="14" name="Straight Arrow Connector 13">
+            <a:extLst>
+              <a:ext uri="{FF2B5EF4-FFF2-40B4-BE49-F238E27FC236}">
+                <a16:creationId xmlns:a16="http://schemas.microsoft.com/office/drawing/2014/main" id="{49AC7242-49F4-4AF5-BE71-13358D4EC5A2}"/>
+              </a:ext>
+            </a:extLst>
+          </p:cNvPr>
+          <p:cNvCxnSpPr>
+            <a:cxnSpLocks/>
+          </p:cNvCxnSpPr>
+          <p:nvPr/>
+        </p:nvCxnSpPr>
+        <p:spPr>
+          <a:xfrm flipH="1">
+            <a:off x="189524" y="2363976"/>
+            <a:ext cx="6160428" cy="0"/>
+          </a:xfrm>
+          <a:prstGeom prst="straightConnector1">
+            <a:avLst/>
+          </a:prstGeom>
+          <a:ln w="28575">
+            <a:prstDash val="dashDot"/>
+            <a:tailEnd type="triangle"/>
+          </a:ln>
+        </p:spPr>
+        <p:style>
+          <a:lnRef idx="1">
+            <a:schemeClr val="accent1"/>
+          </a:lnRef>
+          <a:fillRef idx="0">
+            <a:schemeClr val="accent1"/>
+          </a:fillRef>
+          <a:effectRef idx="0">
+            <a:schemeClr val="accent1"/>
+          </a:effectRef>
+          <a:fontRef idx="minor">
+            <a:schemeClr val="tx1"/>
+          </a:fontRef>
+        </p:style>
+      </p:cxnSp>
+      <p:cxnSp>
+        <p:nvCxnSpPr>
+          <p:cNvPr id="25" name="Straight Arrow Connector 24">
+            <a:extLst>
+              <a:ext uri="{FF2B5EF4-FFF2-40B4-BE49-F238E27FC236}">
+                <a16:creationId xmlns:a16="http://schemas.microsoft.com/office/drawing/2014/main" id="{EC4294C0-5035-4934-9BAB-FBE640B477BB}"/>
+              </a:ext>
+            </a:extLst>
+          </p:cNvPr>
+          <p:cNvCxnSpPr>
+            <a:cxnSpLocks/>
+          </p:cNvCxnSpPr>
+          <p:nvPr/>
+        </p:nvCxnSpPr>
+        <p:spPr>
+          <a:xfrm>
+            <a:off x="6349952" y="4886530"/>
+            <a:ext cx="5522845" cy="0"/>
+          </a:xfrm>
+          <a:prstGeom prst="straightConnector1">
+            <a:avLst/>
+          </a:prstGeom>
+          <a:ln w="28575">
+            <a:prstDash val="dashDot"/>
+            <a:tailEnd type="triangle"/>
+          </a:ln>
+        </p:spPr>
+        <p:style>
+          <a:lnRef idx="1">
+            <a:schemeClr val="accent1"/>
+          </a:lnRef>
+          <a:fillRef idx="0">
+            <a:schemeClr val="accent1"/>
+          </a:fillRef>
+          <a:effectRef idx="0">
+            <a:schemeClr val="accent1"/>
+          </a:effectRef>
+          <a:fontRef idx="minor">
+            <a:schemeClr val="tx1"/>
+          </a:fontRef>
+        </p:style>
+      </p:cxnSp>
+      <p:cxnSp>
+        <p:nvCxnSpPr>
+          <p:cNvPr id="28" name="Straight Arrow Connector 27">
+            <a:extLst>
+              <a:ext uri="{FF2B5EF4-FFF2-40B4-BE49-F238E27FC236}">
+                <a16:creationId xmlns:a16="http://schemas.microsoft.com/office/drawing/2014/main" id="{4CA59E87-B72B-472E-BE23-6D54C8E59A54}"/>
+              </a:ext>
+            </a:extLst>
+          </p:cNvPr>
+          <p:cNvCxnSpPr>
+            <a:cxnSpLocks/>
+          </p:cNvCxnSpPr>
+          <p:nvPr/>
+        </p:nvCxnSpPr>
+        <p:spPr>
+          <a:xfrm flipV="1">
+            <a:off x="6349952" y="917132"/>
+            <a:ext cx="0" cy="1556423"/>
+          </a:xfrm>
+          <a:prstGeom prst="straightConnector1">
+            <a:avLst/>
+          </a:prstGeom>
+          <a:ln w="28575">
+            <a:prstDash val="dashDot"/>
+            <a:tailEnd type="triangle"/>
+          </a:ln>
+        </p:spPr>
+        <p:style>
+          <a:lnRef idx="1">
+            <a:schemeClr val="accent1"/>
+          </a:lnRef>
+          <a:fillRef idx="0">
+            <a:schemeClr val="accent1"/>
+          </a:fillRef>
+          <a:effectRef idx="0">
+            <a:schemeClr val="accent1"/>
+          </a:effectRef>
+          <a:fontRef idx="minor">
+            <a:schemeClr val="tx1"/>
+          </a:fontRef>
+        </p:style>
+      </p:cxnSp>
+      <p:cxnSp>
+        <p:nvCxnSpPr>
+          <p:cNvPr id="31" name="Straight Arrow Connector 30">
+            <a:extLst>
+              <a:ext uri="{FF2B5EF4-FFF2-40B4-BE49-F238E27FC236}">
+                <a16:creationId xmlns:a16="http://schemas.microsoft.com/office/drawing/2014/main" id="{9DAB27D2-AE0E-4B3F-96C3-DADC379FF09F}"/>
+              </a:ext>
+            </a:extLst>
+          </p:cNvPr>
+          <p:cNvCxnSpPr>
+            <a:cxnSpLocks/>
+          </p:cNvCxnSpPr>
+          <p:nvPr/>
+        </p:nvCxnSpPr>
+        <p:spPr>
+          <a:xfrm>
+            <a:off x="6349952" y="4710609"/>
+            <a:ext cx="0" cy="2034008"/>
+          </a:xfrm>
+          <a:prstGeom prst="straightConnector1">
+            <a:avLst/>
+          </a:prstGeom>
+          <a:ln w="28575">
+            <a:prstDash val="dashDot"/>
+            <a:tailEnd type="triangle"/>
+          </a:ln>
+        </p:spPr>
+        <p:style>
+          <a:lnRef idx="1">
+            <a:schemeClr val="accent1"/>
+          </a:lnRef>
+          <a:fillRef idx="0">
+            <a:schemeClr val="accent1"/>
+          </a:fillRef>
+          <a:effectRef idx="0">
+            <a:schemeClr val="accent1"/>
+          </a:effectRef>
+          <a:fontRef idx="minor">
+            <a:schemeClr val="tx1"/>
+          </a:fontRef>
+        </p:style>
+      </p:cxnSp>
+      <p:sp>
+        <p:nvSpPr>
+          <p:cNvPr id="34" name="Rectangle: Rounded Corners 33">
+            <a:extLst>
+              <a:ext uri="{FF2B5EF4-FFF2-40B4-BE49-F238E27FC236}">
+                <a16:creationId xmlns:a16="http://schemas.microsoft.com/office/drawing/2014/main" id="{9C7059BA-0F83-4618-A8ED-C8F7F35893E4}"/>
+              </a:ext>
+            </a:extLst>
+          </p:cNvPr>
+          <p:cNvSpPr/>
+          <p:nvPr/>
+        </p:nvSpPr>
+        <p:spPr>
+          <a:xfrm>
+            <a:off x="9423187" y="1597059"/>
+            <a:ext cx="2664543" cy="626656"/>
+          </a:xfrm>
+          <a:prstGeom prst="roundRect">
+            <a:avLst/>
+          </a:prstGeom>
+          <a:solidFill>
+            <a:srgbClr val="75FAFE"/>
+          </a:solidFill>
+        </p:spPr>
+        <p:style>
+          <a:lnRef idx="2">
+            <a:schemeClr val="accent1">
+              <a:shade val="50000"/>
+            </a:schemeClr>
+          </a:lnRef>
+          <a:fillRef idx="1">
+            <a:schemeClr val="accent1"/>
+          </a:fillRef>
+          <a:effectRef idx="0">
+            <a:schemeClr val="accent1"/>
+          </a:effectRef>
+          <a:fontRef idx="minor">
+            <a:schemeClr val="lt1"/>
+          </a:fontRef>
+        </p:style>
+        <p:txBody>
+          <a:bodyPr rtlCol="0" anchor="ctr"/>
+          <a:lstStyle/>
+          <a:p>
+            <a:pPr algn="ctr"/>
+            <a:r>
+              <a:rPr lang="en-US" sz="1600" dirty="0">
+                <a:solidFill>
+                  <a:schemeClr val="tx1"/>
+                </a:solidFill>
+              </a:rPr>
+              <a:t>Co-design with Spectral Logic Specifications</a:t>
+            </a:r>
+          </a:p>
+        </p:txBody>
+      </p:sp>
+      <p:sp>
+        <p:nvSpPr>
+          <p:cNvPr id="35" name="Rectangle: Rounded Corners 34">
+            <a:extLst>
+              <a:ext uri="{FF2B5EF4-FFF2-40B4-BE49-F238E27FC236}">
+                <a16:creationId xmlns:a16="http://schemas.microsoft.com/office/drawing/2014/main" id="{2F748F0C-6122-498E-ABD6-2C04FB210CE2}"/>
+              </a:ext>
+            </a:extLst>
+          </p:cNvPr>
+          <p:cNvSpPr/>
+          <p:nvPr/>
+        </p:nvSpPr>
+        <p:spPr>
+          <a:xfrm>
+            <a:off x="3865689" y="1722201"/>
+            <a:ext cx="1664684" cy="551683"/>
+          </a:xfrm>
+          <a:prstGeom prst="roundRect">
+            <a:avLst/>
+          </a:prstGeom>
+          <a:solidFill>
+            <a:srgbClr val="0066FF"/>
+          </a:solidFill>
+        </p:spPr>
+        <p:style>
+          <a:lnRef idx="2">
+            <a:schemeClr val="accent1">
+              <a:shade val="50000"/>
+            </a:schemeClr>
+          </a:lnRef>
+          <a:fillRef idx="1">
+            <a:schemeClr val="accent1"/>
+          </a:fillRef>
+          <a:effectRef idx="0">
+            <a:schemeClr val="accent1"/>
+          </a:effectRef>
+          <a:fontRef idx="minor">
+            <a:schemeClr val="lt1"/>
+          </a:fontRef>
+        </p:style>
+        <p:txBody>
+          <a:bodyPr rtlCol="0" anchor="ctr"/>
+          <a:lstStyle/>
+          <a:p>
+            <a:pPr algn="ctr"/>
+            <a:r>
+              <a:rPr lang="en-US" sz="1600" dirty="0">
+                <a:solidFill>
+                  <a:schemeClr val="bg1"/>
+                </a:solidFill>
+              </a:rPr>
+              <a:t>Spectral Logic </a:t>
+            </a:r>
+          </a:p>
+        </p:txBody>
+      </p:sp>
+      <p:sp>
+        <p:nvSpPr>
+          <p:cNvPr id="36" name="Rectangle: Rounded Corners 35">
+            <a:extLst>
+              <a:ext uri="{FF2B5EF4-FFF2-40B4-BE49-F238E27FC236}">
+                <a16:creationId xmlns:a16="http://schemas.microsoft.com/office/drawing/2014/main" id="{560804EB-0917-44F1-A592-78DFBA237CAD}"/>
+              </a:ext>
+            </a:extLst>
+          </p:cNvPr>
+          <p:cNvSpPr/>
+          <p:nvPr/>
+        </p:nvSpPr>
+        <p:spPr>
+          <a:xfrm>
+            <a:off x="9681029" y="2297355"/>
+            <a:ext cx="2406701" cy="702388"/>
+          </a:xfrm>
+          <a:prstGeom prst="roundRect">
+            <a:avLst/>
+          </a:prstGeom>
+          <a:solidFill>
+            <a:srgbClr val="75FAFE"/>
+          </a:solidFill>
+        </p:spPr>
+        <p:style>
+          <a:lnRef idx="2">
+            <a:schemeClr val="accent1">
+              <a:shade val="50000"/>
+            </a:schemeClr>
+          </a:lnRef>
+          <a:fillRef idx="1">
+            <a:schemeClr val="accent1"/>
+          </a:fillRef>
+          <a:effectRef idx="0">
+            <a:schemeClr val="accent1"/>
+          </a:effectRef>
+          <a:fontRef idx="minor">
+            <a:schemeClr val="lt1"/>
+          </a:fontRef>
+        </p:style>
+        <p:txBody>
+          <a:bodyPr rtlCol="0" anchor="ctr"/>
+          <a:lstStyle/>
+          <a:p>
+            <a:pPr algn="ctr"/>
+            <a:r>
+              <a:rPr lang="en-US" sz="1600" dirty="0">
+                <a:solidFill>
+                  <a:schemeClr val="tx1"/>
+                </a:solidFill>
+              </a:rPr>
+              <a:t>Synthesis for Negative Imaginary Systems with Spectral Logic</a:t>
+            </a:r>
+          </a:p>
+        </p:txBody>
+      </p:sp>
+      <p:sp>
+        <p:nvSpPr>
+          <p:cNvPr id="37" name="Rectangle: Rounded Corners 36">
+            <a:extLst>
+              <a:ext uri="{FF2B5EF4-FFF2-40B4-BE49-F238E27FC236}">
+                <a16:creationId xmlns:a16="http://schemas.microsoft.com/office/drawing/2014/main" id="{8880C64C-CF5B-41E4-89AE-127768D01E76}"/>
+              </a:ext>
+            </a:extLst>
+          </p:cNvPr>
+          <p:cNvSpPr/>
+          <p:nvPr/>
+        </p:nvSpPr>
+        <p:spPr>
+          <a:xfrm>
+            <a:off x="336998" y="3255833"/>
+            <a:ext cx="2270584" cy="613749"/>
+          </a:xfrm>
+          <a:prstGeom prst="roundRect">
+            <a:avLst/>
+          </a:prstGeom>
+          <a:solidFill>
+            <a:srgbClr val="FF66FF"/>
+          </a:solidFill>
+        </p:spPr>
+        <p:style>
+          <a:lnRef idx="2">
+            <a:schemeClr val="accent1">
+              <a:shade val="50000"/>
+            </a:schemeClr>
+          </a:lnRef>
+          <a:fillRef idx="1">
+            <a:schemeClr val="accent1"/>
+          </a:fillRef>
+          <a:effectRef idx="0">
+            <a:schemeClr val="accent1"/>
+          </a:effectRef>
+          <a:fontRef idx="minor">
+            <a:schemeClr val="lt1"/>
+          </a:fontRef>
+        </p:style>
+        <p:txBody>
+          <a:bodyPr rtlCol="0" anchor="ctr"/>
+          <a:lstStyle/>
+          <a:p>
+            <a:pPr algn="ctr"/>
+            <a:r>
+              <a:rPr lang="en-US" sz="1600" dirty="0">
+                <a:solidFill>
+                  <a:schemeClr val="tx1"/>
+                </a:solidFill>
+              </a:rPr>
+              <a:t>Semantic Parsing of Cyber-physical System</a:t>
+            </a:r>
+          </a:p>
+        </p:txBody>
+      </p:sp>
+      <p:sp>
+        <p:nvSpPr>
+          <p:cNvPr id="38" name="Rectangle: Rounded Corners 37">
+            <a:extLst>
+              <a:ext uri="{FF2B5EF4-FFF2-40B4-BE49-F238E27FC236}">
+                <a16:creationId xmlns:a16="http://schemas.microsoft.com/office/drawing/2014/main" id="{55245350-3F34-440D-A684-D3A7E5C8ED68}"/>
+              </a:ext>
+            </a:extLst>
+          </p:cNvPr>
+          <p:cNvSpPr/>
+          <p:nvPr/>
+        </p:nvSpPr>
+        <p:spPr>
+          <a:xfrm>
+            <a:off x="337007" y="3983897"/>
+            <a:ext cx="2333128" cy="613749"/>
+          </a:xfrm>
+          <a:prstGeom prst="roundRect">
+            <a:avLst/>
+          </a:prstGeom>
+          <a:solidFill>
+            <a:srgbClr val="FF66FF"/>
+          </a:solidFill>
+        </p:spPr>
+        <p:style>
+          <a:lnRef idx="2">
+            <a:schemeClr val="accent1">
+              <a:shade val="50000"/>
+            </a:schemeClr>
+          </a:lnRef>
+          <a:fillRef idx="1">
+            <a:schemeClr val="accent1"/>
+          </a:fillRef>
+          <a:effectRef idx="0">
+            <a:schemeClr val="accent1"/>
+          </a:effectRef>
+          <a:fontRef idx="minor">
+            <a:schemeClr val="lt1"/>
+          </a:fontRef>
+        </p:style>
+        <p:txBody>
+          <a:bodyPr rtlCol="0" anchor="ctr"/>
+          <a:lstStyle/>
+          <a:p>
+            <a:pPr algn="ctr"/>
+            <a:r>
+              <a:rPr lang="en-US" sz="1600" dirty="0">
+                <a:solidFill>
+                  <a:schemeClr val="tx1"/>
+                </a:solidFill>
+              </a:rPr>
+              <a:t>Semantic Fault Diagnosis for Industrial  </a:t>
+            </a:r>
+            <a:r>
+              <a:rPr lang="en-US" sz="1600" dirty="0" err="1">
+                <a:solidFill>
+                  <a:schemeClr val="tx1"/>
+                </a:solidFill>
+              </a:rPr>
+              <a:t>IIoT</a:t>
+            </a:r>
+            <a:endParaRPr lang="en-US" sz="1600" dirty="0">
+              <a:solidFill>
+                <a:schemeClr val="tx1"/>
+              </a:solidFill>
+            </a:endParaRPr>
+          </a:p>
+        </p:txBody>
+      </p:sp>
+      <p:sp>
+        <p:nvSpPr>
+          <p:cNvPr id="39" name="Rectangle: Rounded Corners 38">
+            <a:extLst>
+              <a:ext uri="{FF2B5EF4-FFF2-40B4-BE49-F238E27FC236}">
+                <a16:creationId xmlns:a16="http://schemas.microsoft.com/office/drawing/2014/main" id="{436C8B05-A350-45AF-81AF-985532788375}"/>
+              </a:ext>
+            </a:extLst>
+          </p:cNvPr>
+          <p:cNvSpPr/>
+          <p:nvPr/>
+        </p:nvSpPr>
+        <p:spPr>
+          <a:xfrm>
+            <a:off x="2661044" y="3274330"/>
+            <a:ext cx="2548614" cy="613749"/>
+          </a:xfrm>
+          <a:prstGeom prst="roundRect">
+            <a:avLst/>
+          </a:prstGeom>
+          <a:solidFill>
+            <a:srgbClr val="FF66FF"/>
+          </a:solidFill>
+        </p:spPr>
+        <p:style>
+          <a:lnRef idx="2">
+            <a:schemeClr val="accent1">
+              <a:shade val="50000"/>
+            </a:schemeClr>
+          </a:lnRef>
+          <a:fillRef idx="1">
+            <a:schemeClr val="accent1"/>
+          </a:fillRef>
+          <a:effectRef idx="0">
+            <a:schemeClr val="accent1"/>
+          </a:effectRef>
+          <a:fontRef idx="minor">
+            <a:schemeClr val="lt1"/>
+          </a:fontRef>
+        </p:style>
+        <p:txBody>
+          <a:bodyPr rtlCol="0" anchor="ctr"/>
+          <a:lstStyle/>
+          <a:p>
+            <a:pPr algn="ctr"/>
+            <a:r>
+              <a:rPr lang="en-US" sz="1600" dirty="0" err="1">
+                <a:solidFill>
+                  <a:schemeClr val="tx1"/>
+                </a:solidFill>
+              </a:rPr>
+              <a:t>Shapelet</a:t>
+            </a:r>
+            <a:r>
+              <a:rPr lang="en-US" sz="1600" dirty="0">
+                <a:solidFill>
+                  <a:schemeClr val="tx1"/>
+                </a:solidFill>
+              </a:rPr>
+              <a:t> Temporal Logic for </a:t>
+            </a:r>
+          </a:p>
+          <a:p>
+            <a:pPr algn="ctr"/>
+            <a:r>
+              <a:rPr lang="en-US" sz="1600" dirty="0">
+                <a:solidFill>
+                  <a:schemeClr val="tx1"/>
+                </a:solidFill>
+              </a:rPr>
+              <a:t>Time Series Analysis</a:t>
+            </a:r>
+          </a:p>
+        </p:txBody>
+      </p:sp>
+      <p:sp>
+        <p:nvSpPr>
+          <p:cNvPr id="40" name="Rectangle: Rounded Corners 39">
+            <a:extLst>
+              <a:ext uri="{FF2B5EF4-FFF2-40B4-BE49-F238E27FC236}">
+                <a16:creationId xmlns:a16="http://schemas.microsoft.com/office/drawing/2014/main" id="{8EE5E55D-D469-422A-97C3-AAECC4AF15E5}"/>
+              </a:ext>
+            </a:extLst>
+          </p:cNvPr>
+          <p:cNvSpPr/>
+          <p:nvPr/>
+        </p:nvSpPr>
+        <p:spPr>
+          <a:xfrm>
+            <a:off x="2670134" y="2495042"/>
+            <a:ext cx="2496596" cy="613749"/>
+          </a:xfrm>
+          <a:prstGeom prst="roundRect">
+            <a:avLst/>
+          </a:prstGeom>
+          <a:solidFill>
+            <a:srgbClr val="FF66FF"/>
+          </a:solidFill>
+        </p:spPr>
+        <p:style>
+          <a:lnRef idx="2">
+            <a:schemeClr val="accent1">
+              <a:shade val="50000"/>
+            </a:schemeClr>
+          </a:lnRef>
+          <a:fillRef idx="1">
+            <a:schemeClr val="accent1"/>
+          </a:fillRef>
+          <a:effectRef idx="0">
+            <a:schemeClr val="accent1"/>
+          </a:effectRef>
+          <a:fontRef idx="minor">
+            <a:schemeClr val="lt1"/>
+          </a:fontRef>
+        </p:style>
+        <p:txBody>
+          <a:bodyPr rtlCol="0" anchor="ctr"/>
+          <a:lstStyle/>
+          <a:p>
+            <a:pPr algn="ctr"/>
+            <a:r>
+              <a:rPr lang="en-US" sz="1600" dirty="0">
+                <a:solidFill>
+                  <a:schemeClr val="tx1"/>
+                </a:solidFill>
+              </a:rPr>
+              <a:t>Stochastic Temporal Logic Inference for Fault Analysis</a:t>
+            </a:r>
+          </a:p>
+        </p:txBody>
+      </p:sp>
+      <p:sp>
+        <p:nvSpPr>
+          <p:cNvPr id="41" name="Rectangle: Rounded Corners 40">
+            <a:extLst>
+              <a:ext uri="{FF2B5EF4-FFF2-40B4-BE49-F238E27FC236}">
+                <a16:creationId xmlns:a16="http://schemas.microsoft.com/office/drawing/2014/main" id="{FA9ABDE5-EF47-44C1-B482-C7C88405E259}"/>
+              </a:ext>
+            </a:extLst>
+          </p:cNvPr>
+          <p:cNvSpPr/>
+          <p:nvPr/>
+        </p:nvSpPr>
+        <p:spPr>
+          <a:xfrm>
+            <a:off x="7532194" y="2307184"/>
+            <a:ext cx="1938428" cy="683163"/>
+          </a:xfrm>
+          <a:prstGeom prst="roundRect">
+            <a:avLst/>
+          </a:prstGeom>
+          <a:solidFill>
+            <a:schemeClr val="bg1"/>
+          </a:solidFill>
+        </p:spPr>
+        <p:style>
+          <a:lnRef idx="2">
+            <a:schemeClr val="accent1">
+              <a:shade val="50000"/>
+            </a:schemeClr>
+          </a:lnRef>
+          <a:fillRef idx="1">
+            <a:schemeClr val="accent1"/>
+          </a:fillRef>
+          <a:effectRef idx="0">
+            <a:schemeClr val="accent1"/>
+          </a:effectRef>
+          <a:fontRef idx="minor">
+            <a:schemeClr val="lt1"/>
+          </a:fontRef>
+        </p:style>
+        <p:txBody>
+          <a:bodyPr rtlCol="0" anchor="ctr"/>
+          <a:lstStyle/>
+          <a:p>
+            <a:pPr algn="ctr"/>
+            <a:r>
+              <a:rPr lang="en-US" sz="1600" dirty="0">
+                <a:solidFill>
+                  <a:schemeClr val="tx1"/>
+                </a:solidFill>
+              </a:rPr>
+              <a:t>Human-in-the-Loop Design of CPS</a:t>
+            </a:r>
+          </a:p>
+        </p:txBody>
+      </p:sp>
+      <p:sp>
+        <p:nvSpPr>
+          <p:cNvPr id="42" name="Rectangle: Rounded Corners 41">
+            <a:extLst>
+              <a:ext uri="{FF2B5EF4-FFF2-40B4-BE49-F238E27FC236}">
+                <a16:creationId xmlns:a16="http://schemas.microsoft.com/office/drawing/2014/main" id="{98B57BC7-F00F-408D-8B87-345A8FFDA599}"/>
+              </a:ext>
+            </a:extLst>
+          </p:cNvPr>
+          <p:cNvSpPr/>
+          <p:nvPr/>
+        </p:nvSpPr>
+        <p:spPr>
+          <a:xfrm>
+            <a:off x="6511580" y="5040136"/>
+            <a:ext cx="2871527" cy="624481"/>
+          </a:xfrm>
+          <a:prstGeom prst="roundRect">
+            <a:avLst/>
+          </a:prstGeom>
+          <a:solidFill>
+            <a:srgbClr val="FF5050"/>
+          </a:solidFill>
+        </p:spPr>
+        <p:style>
+          <a:lnRef idx="2">
+            <a:schemeClr val="accent1">
+              <a:shade val="50000"/>
+            </a:schemeClr>
+          </a:lnRef>
+          <a:fillRef idx="1">
+            <a:schemeClr val="accent1"/>
+          </a:fillRef>
+          <a:effectRef idx="0">
+            <a:schemeClr val="accent1"/>
+          </a:effectRef>
+          <a:fontRef idx="minor">
+            <a:schemeClr val="lt1"/>
+          </a:fontRef>
+        </p:style>
+        <p:txBody>
+          <a:bodyPr rtlCol="0" anchor="ctr"/>
+          <a:lstStyle/>
+          <a:p>
+            <a:pPr algn="ctr"/>
+            <a:r>
+              <a:rPr lang="en-US" sz="1600" dirty="0">
+                <a:solidFill>
+                  <a:schemeClr val="tx1"/>
+                </a:solidFill>
+              </a:rPr>
+              <a:t>A distribution pattern modelling with GP</a:t>
+            </a:r>
+          </a:p>
+        </p:txBody>
+      </p:sp>
+      <p:sp>
+        <p:nvSpPr>
+          <p:cNvPr id="44" name="Rectangle: Rounded Corners 43">
+            <a:extLst>
+              <a:ext uri="{FF2B5EF4-FFF2-40B4-BE49-F238E27FC236}">
+                <a16:creationId xmlns:a16="http://schemas.microsoft.com/office/drawing/2014/main" id="{775850C2-7D5E-48B3-840F-0AAB55563BB8}"/>
+              </a:ext>
+            </a:extLst>
+          </p:cNvPr>
+          <p:cNvSpPr/>
+          <p:nvPr/>
+        </p:nvSpPr>
+        <p:spPr>
+          <a:xfrm>
+            <a:off x="2980667" y="3975768"/>
+            <a:ext cx="2548614" cy="636834"/>
+          </a:xfrm>
+          <a:prstGeom prst="roundRect">
+            <a:avLst/>
+          </a:prstGeom>
+          <a:solidFill>
+            <a:srgbClr val="FF66FF"/>
+          </a:solidFill>
+        </p:spPr>
+        <p:style>
+          <a:lnRef idx="2">
+            <a:schemeClr val="accent1">
+              <a:shade val="50000"/>
+            </a:schemeClr>
+          </a:lnRef>
+          <a:fillRef idx="1">
+            <a:schemeClr val="accent1"/>
+          </a:fillRef>
+          <a:effectRef idx="0">
+            <a:schemeClr val="accent1"/>
+          </a:effectRef>
+          <a:fontRef idx="minor">
+            <a:schemeClr val="lt1"/>
+          </a:fontRef>
+        </p:style>
+        <p:txBody>
+          <a:bodyPr rtlCol="0" anchor="ctr"/>
+          <a:lstStyle/>
+          <a:p>
+            <a:pPr algn="ctr"/>
+            <a:r>
+              <a:rPr lang="en-US" sz="1600" dirty="0">
+                <a:solidFill>
+                  <a:schemeClr val="tx1"/>
+                </a:solidFill>
+              </a:rPr>
+              <a:t>Gradient Descent for Temporal Logic Inference</a:t>
+            </a:r>
+          </a:p>
+        </p:txBody>
+      </p:sp>
+      <p:sp>
+        <p:nvSpPr>
+          <p:cNvPr id="46" name="Rectangle: Rounded Corners 45">
+            <a:extLst>
+              <a:ext uri="{FF2B5EF4-FFF2-40B4-BE49-F238E27FC236}">
+                <a16:creationId xmlns:a16="http://schemas.microsoft.com/office/drawing/2014/main" id="{409EBE9E-4653-4CA0-8E9B-5B17A98C6983}"/>
+              </a:ext>
+            </a:extLst>
+          </p:cNvPr>
+          <p:cNvSpPr/>
+          <p:nvPr/>
+        </p:nvSpPr>
+        <p:spPr>
+          <a:xfrm>
+            <a:off x="319203" y="4789281"/>
+            <a:ext cx="2548614" cy="613737"/>
+          </a:xfrm>
+          <a:prstGeom prst="roundRect">
+            <a:avLst/>
+          </a:prstGeom>
+          <a:solidFill>
+            <a:srgbClr val="FF66FF"/>
+          </a:solidFill>
+        </p:spPr>
+        <p:style>
+          <a:lnRef idx="2">
+            <a:schemeClr val="accent1">
+              <a:shade val="50000"/>
+            </a:schemeClr>
+          </a:lnRef>
+          <a:fillRef idx="1">
+            <a:schemeClr val="accent1"/>
+          </a:fillRef>
+          <a:effectRef idx="0">
+            <a:schemeClr val="accent1"/>
+          </a:effectRef>
+          <a:fontRef idx="minor">
+            <a:schemeClr val="lt1"/>
+          </a:fontRef>
+        </p:style>
+        <p:txBody>
+          <a:bodyPr rtlCol="0" anchor="ctr"/>
+          <a:lstStyle/>
+          <a:p>
+            <a:pPr algn="ctr"/>
+            <a:r>
+              <a:rPr lang="en-US" sz="1600" dirty="0">
+                <a:solidFill>
+                  <a:schemeClr val="tx1"/>
+                </a:solidFill>
+              </a:rPr>
+              <a:t>Frequency Temporal Logic Inference with DNN</a:t>
+            </a:r>
+          </a:p>
+        </p:txBody>
+      </p:sp>
     </p:spTree>
     <p:extLst>
       <p:ext uri="{BB962C8B-B14F-4D97-AF65-F5344CB8AC3E}">
@@ -5494,4 +5879,299 @@
     </a:ext>
   </a:extLst>
 </a:theme>
+</file>
+
+<file path=ppt/theme/theme2.xml><?xml version="1.0" encoding="utf-8"?>
+<a:theme xmlns:a="http://schemas.openxmlformats.org/drawingml/2006/main" name="Office Theme">
+  <a:themeElements>
+    <a:clrScheme name="Office">
+      <a:dk1>
+        <a:sysClr val="windowText" lastClr="000000"/>
+      </a:dk1>
+      <a:lt1>
+        <a:sysClr val="window" lastClr="FFFFFF"/>
+      </a:lt1>
+      <a:dk2>
+        <a:srgbClr val="44546A"/>
+      </a:dk2>
+      <a:lt2>
+        <a:srgbClr val="E7E6E6"/>
+      </a:lt2>
+      <a:accent1>
+        <a:srgbClr val="4472C4"/>
+      </a:accent1>
+      <a:accent2>
+        <a:srgbClr val="ED7D31"/>
+      </a:accent2>
+      <a:accent3>
+        <a:srgbClr val="A5A5A5"/>
+      </a:accent3>
+      <a:accent4>
+        <a:srgbClr val="FFC000"/>
+      </a:accent4>
+      <a:accent5>
+        <a:srgbClr val="5B9BD5"/>
+      </a:accent5>
+      <a:accent6>
+        <a:srgbClr val="70AD47"/>
+      </a:accent6>
+      <a:hlink>
+        <a:srgbClr val="0563C1"/>
+      </a:hlink>
+      <a:folHlink>
+        <a:srgbClr val="954F72"/>
+      </a:folHlink>
+    </a:clrScheme>
+    <a:fontScheme name="Office">
+      <a:majorFont>
+        <a:latin typeface="Calibri Light" panose="020F0302020204030204"/>
+        <a:ea typeface=""/>
+        <a:cs typeface=""/>
+        <a:font script="Jpan" typeface="游ゴシック Light"/>
+        <a:font script="Hang" typeface="맑은 고딕"/>
+        <a:font script="Hans" typeface="等线 Light"/>
+        <a:font script="Hant" typeface="新細明體"/>
+        <a:font script="Arab" typeface="Times New Roman"/>
+        <a:font script="Hebr" typeface="Times New Roman"/>
+        <a:font script="Thai" typeface="Angsana New"/>
+        <a:font script="Ethi" typeface="Nyala"/>
+        <a:font script="Beng" typeface="Vrinda"/>
+        <a:font script="Gujr" typeface="Shruti"/>
+        <a:font script="Khmr" typeface="MoolBoran"/>
+        <a:font script="Knda" typeface="Tunga"/>
+        <a:font script="Guru" typeface="Raavi"/>
+        <a:font script="Cans" typeface="Euphemia"/>
+        <a:font script="Cher" typeface="Plantagenet Cherokee"/>
+        <a:font script="Yiii" typeface="Microsoft Yi Baiti"/>
+        <a:font script="Tibt" typeface="Microsoft Himalaya"/>
+        <a:font script="Thaa" typeface="MV Boli"/>
+        <a:font script="Deva" typeface="Mangal"/>
+        <a:font script="Telu" typeface="Gautami"/>
+        <a:font script="Taml" typeface="Latha"/>
+        <a:font script="Syrc" typeface="Estrangelo Edessa"/>
+        <a:font script="Orya" typeface="Kalinga"/>
+        <a:font script="Mlym" typeface="Kartika"/>
+        <a:font script="Laoo" typeface="DokChampa"/>
+        <a:font script="Sinh" typeface="Iskoola Pota"/>
+        <a:font script="Mong" typeface="Mongolian Baiti"/>
+        <a:font script="Viet" typeface="Times New Roman"/>
+        <a:font script="Uigh" typeface="Microsoft Uighur"/>
+        <a:font script="Geor" typeface="Sylfaen"/>
+        <a:font script="Armn" typeface="Arial"/>
+        <a:font script="Bugi" typeface="Leelawadee UI"/>
+        <a:font script="Bopo" typeface="Microsoft JhengHei"/>
+        <a:font script="Java" typeface="Javanese Text"/>
+        <a:font script="Lisu" typeface="Segoe UI"/>
+        <a:font script="Mymr" typeface="Myanmar Text"/>
+        <a:font script="Nkoo" typeface="Ebrima"/>
+        <a:font script="Olck" typeface="Nirmala UI"/>
+        <a:font script="Osma" typeface="Ebrima"/>
+        <a:font script="Phag" typeface="Phagspa"/>
+        <a:font script="Syrn" typeface="Estrangelo Edessa"/>
+        <a:font script="Syrj" typeface="Estrangelo Edessa"/>
+        <a:font script="Syre" typeface="Estrangelo Edessa"/>
+        <a:font script="Sora" typeface="Nirmala UI"/>
+        <a:font script="Tale" typeface="Microsoft Tai Le"/>
+        <a:font script="Talu" typeface="Microsoft New Tai Lue"/>
+        <a:font script="Tfng" typeface="Ebrima"/>
+      </a:majorFont>
+      <a:minorFont>
+        <a:latin typeface="Calibri" panose="020F0502020204030204"/>
+        <a:ea typeface=""/>
+        <a:cs typeface=""/>
+        <a:font script="Jpan" typeface="游ゴシック"/>
+        <a:font script="Hang" typeface="맑은 고딕"/>
+        <a:font script="Hans" typeface="等线"/>
+        <a:font script="Hant" typeface="新細明體"/>
+        <a:font script="Arab" typeface="Arial"/>
+        <a:font script="Hebr" typeface="Arial"/>
+        <a:font script="Thai" typeface="Cordia New"/>
+        <a:font script="Ethi" typeface="Nyala"/>
+        <a:font script="Beng" typeface="Vrinda"/>
+        <a:font script="Gujr" typeface="Shruti"/>
+        <a:font script="Khmr" typeface="DaunPenh"/>
+        <a:font script="Knda" typeface="Tunga"/>
+        <a:font script="Guru" typeface="Raavi"/>
+        <a:font script="Cans" typeface="Euphemia"/>
+        <a:font script="Cher" typeface="Plantagenet Cherokee"/>
+        <a:font script="Yiii" typeface="Microsoft Yi Baiti"/>
+        <a:font script="Tibt" typeface="Microsoft Himalaya"/>
+        <a:font script="Thaa" typeface="MV Boli"/>
+        <a:font script="Deva" typeface="Mangal"/>
+        <a:font script="Telu" typeface="Gautami"/>
+        <a:font script="Taml" typeface="Latha"/>
+        <a:font script="Syrc" typeface="Estrangelo Edessa"/>
+        <a:font script="Orya" typeface="Kalinga"/>
+        <a:font script="Mlym" typeface="Kartika"/>
+        <a:font script="Laoo" typeface="DokChampa"/>
+        <a:font script="Sinh" typeface="Iskoola Pota"/>
+        <a:font script="Mong" typeface="Mongolian Baiti"/>
+        <a:font script="Viet" typeface="Arial"/>
+        <a:font script="Uigh" typeface="Microsoft Uighur"/>
+        <a:font script="Geor" typeface="Sylfaen"/>
+        <a:font script="Armn" typeface="Arial"/>
+        <a:font script="Bugi" typeface="Leelawadee UI"/>
+        <a:font script="Bopo" typeface="Microsoft JhengHei"/>
+        <a:font script="Java" typeface="Javanese Text"/>
+        <a:font script="Lisu" typeface="Segoe UI"/>
+        <a:font script="Mymr" typeface="Myanmar Text"/>
+        <a:font script="Nkoo" typeface="Ebrima"/>
+        <a:font script="Olck" typeface="Nirmala UI"/>
+        <a:font script="Osma" typeface="Ebrima"/>
+        <a:font script="Phag" typeface="Phagspa"/>
+        <a:font script="Syrn" typeface="Estrangelo Edessa"/>
+        <a:font script="Syrj" typeface="Estrangelo Edessa"/>
+        <a:font script="Syre" typeface="Estrangelo Edessa"/>
+        <a:font script="Sora" typeface="Nirmala UI"/>
+        <a:font script="Tale" typeface="Microsoft Tai Le"/>
+        <a:font script="Talu" typeface="Microsoft New Tai Lue"/>
+        <a:font script="Tfng" typeface="Ebrima"/>
+      </a:minorFont>
+    </a:fontScheme>
+    <a:fmtScheme name="Office">
+      <a:fillStyleLst>
+        <a:solidFill>
+          <a:schemeClr val="phClr"/>
+        </a:solidFill>
+        <a:gradFill rotWithShape="1">
+          <a:gsLst>
+            <a:gs pos="0">
+              <a:schemeClr val="phClr">
+                <a:lumMod val="110000"/>
+                <a:satMod val="105000"/>
+                <a:tint val="67000"/>
+              </a:schemeClr>
+            </a:gs>
+            <a:gs pos="50000">
+              <a:schemeClr val="phClr">
+                <a:lumMod val="105000"/>
+                <a:satMod val="103000"/>
+                <a:tint val="73000"/>
+              </a:schemeClr>
+            </a:gs>
+            <a:gs pos="100000">
+              <a:schemeClr val="phClr">
+                <a:lumMod val="105000"/>
+                <a:satMod val="109000"/>
+                <a:tint val="81000"/>
+              </a:schemeClr>
+            </a:gs>
+          </a:gsLst>
+          <a:lin ang="5400000" scaled="0"/>
+        </a:gradFill>
+        <a:gradFill rotWithShape="1">
+          <a:gsLst>
+            <a:gs pos="0">
+              <a:schemeClr val="phClr">
+                <a:satMod val="103000"/>
+                <a:lumMod val="102000"/>
+                <a:tint val="94000"/>
+              </a:schemeClr>
+            </a:gs>
+            <a:gs pos="50000">
+              <a:schemeClr val="phClr">
+                <a:satMod val="110000"/>
+                <a:lumMod val="100000"/>
+                <a:shade val="100000"/>
+              </a:schemeClr>
+            </a:gs>
+            <a:gs pos="100000">
+              <a:schemeClr val="phClr">
+                <a:lumMod val="99000"/>
+                <a:satMod val="120000"/>
+                <a:shade val="78000"/>
+              </a:schemeClr>
+            </a:gs>
+          </a:gsLst>
+          <a:lin ang="5400000" scaled="0"/>
+        </a:gradFill>
+      </a:fillStyleLst>
+      <a:lnStyleLst>
+        <a:ln w="6350" cap="flat" cmpd="sng" algn="ctr">
+          <a:solidFill>
+            <a:schemeClr val="phClr"/>
+          </a:solidFill>
+          <a:prstDash val="solid"/>
+          <a:miter lim="800000"/>
+        </a:ln>
+        <a:ln w="12700" cap="flat" cmpd="sng" algn="ctr">
+          <a:solidFill>
+            <a:schemeClr val="phClr"/>
+          </a:solidFill>
+          <a:prstDash val="solid"/>
+          <a:miter lim="800000"/>
+        </a:ln>
+        <a:ln w="19050" cap="flat" cmpd="sng" algn="ctr">
+          <a:solidFill>
+            <a:schemeClr val="phClr"/>
+          </a:solidFill>
+          <a:prstDash val="solid"/>
+          <a:miter lim="800000"/>
+        </a:ln>
+      </a:lnStyleLst>
+      <a:effectStyleLst>
+        <a:effectStyle>
+          <a:effectLst/>
+        </a:effectStyle>
+        <a:effectStyle>
+          <a:effectLst/>
+        </a:effectStyle>
+        <a:effectStyle>
+          <a:effectLst>
+            <a:outerShdw blurRad="57150" dist="19050" dir="5400000" algn="ctr" rotWithShape="0">
+              <a:srgbClr val="000000">
+                <a:alpha val="63000"/>
+              </a:srgbClr>
+            </a:outerShdw>
+          </a:effectLst>
+        </a:effectStyle>
+      </a:effectStyleLst>
+      <a:bgFillStyleLst>
+        <a:solidFill>
+          <a:schemeClr val="phClr"/>
+        </a:solidFill>
+        <a:solidFill>
+          <a:schemeClr val="phClr">
+            <a:tint val="95000"/>
+            <a:satMod val="170000"/>
+          </a:schemeClr>
+        </a:solidFill>
+        <a:gradFill rotWithShape="1">
+          <a:gsLst>
+            <a:gs pos="0">
+              <a:schemeClr val="phClr">
+                <a:tint val="93000"/>
+                <a:satMod val="150000"/>
+                <a:shade val="98000"/>
+                <a:lumMod val="102000"/>
+              </a:schemeClr>
+            </a:gs>
+            <a:gs pos="50000">
+              <a:schemeClr val="phClr">
+                <a:tint val="98000"/>
+                <a:satMod val="130000"/>
+                <a:shade val="90000"/>
+                <a:lumMod val="103000"/>
+              </a:schemeClr>
+            </a:gs>
+            <a:gs pos="100000">
+              <a:schemeClr val="phClr">
+                <a:shade val="63000"/>
+                <a:satMod val="120000"/>
+              </a:schemeClr>
+            </a:gs>
+          </a:gsLst>
+          <a:lin ang="5400000" scaled="0"/>
+        </a:gradFill>
+      </a:bgFillStyleLst>
+    </a:fmtScheme>
+  </a:themeElements>
+  <a:objectDefaults/>
+  <a:extraClrSchemeLst/>
+  <a:extLst>
+    <a:ext uri="{05A4C25C-085E-4340-85A3-A5531E510DB2}">
+      <thm15:themeFamily xmlns:thm15="http://schemas.microsoft.com/office/thememl/2012/main" name="Office Theme" id="{62F939B6-93AF-4DB8-9C6B-D6C7DFDC589F}" vid="{4A3C46E8-61CC-4603-A589-7422A47A8E4A}"/>
+    </a:ext>
+  </a:extLst>
+</a:theme>
 </file>
--- a/project/PIC.pptx
+++ b/project/PIC.pptx
@@ -5,11 +5,12 @@
     <p:sldMasterId id="2147483648" r:id="rId1"/>
   </p:sldMasterIdLst>
   <p:notesMasterIdLst>
-    <p:notesMasterId r:id="rId4"/>
+    <p:notesMasterId r:id="rId5"/>
   </p:notesMasterIdLst>
   <p:sldIdLst>
     <p:sldId id="256" r:id="rId2"/>
     <p:sldId id="257" r:id="rId3"/>
+    <p:sldId id="258" r:id="rId4"/>
   </p:sldIdLst>
   <p:sldSz cx="12192000" cy="6858000"/>
   <p:notesSz cx="6858000" cy="9144000"/>
@@ -198,7 +199,7 @@
           <a:p>
             <a:fld id="{9259F992-2BE5-4BC1-8AF7-D04BB1E3BC58}" type="datetimeFigureOut">
               <a:rPr lang="en-US" smtClean="0"/>
-              <a:t>2/29/2020</a:t>
+              <a:t>3/6/2020</a:t>
             </a:fld>
             <a:endParaRPr lang="en-US"/>
           </a:p>
@@ -696,7 +697,7 @@
           <a:p>
             <a:fld id="{C3F4075E-195E-44E9-B1C7-0163535A80E4}" type="datetimeFigureOut">
               <a:rPr lang="en-US" smtClean="0"/>
-              <a:t>2/29/2020</a:t>
+              <a:t>3/6/2020</a:t>
             </a:fld>
             <a:endParaRPr lang="en-US"/>
           </a:p>
@@ -894,7 +895,7 @@
           <a:p>
             <a:fld id="{C3F4075E-195E-44E9-B1C7-0163535A80E4}" type="datetimeFigureOut">
               <a:rPr lang="en-US" smtClean="0"/>
-              <a:t>2/29/2020</a:t>
+              <a:t>3/6/2020</a:t>
             </a:fld>
             <a:endParaRPr lang="en-US"/>
           </a:p>
@@ -1102,7 +1103,7 @@
           <a:p>
             <a:fld id="{C3F4075E-195E-44E9-B1C7-0163535A80E4}" type="datetimeFigureOut">
               <a:rPr lang="en-US" smtClean="0"/>
-              <a:t>2/29/2020</a:t>
+              <a:t>3/6/2020</a:t>
             </a:fld>
             <a:endParaRPr lang="en-US"/>
           </a:p>
@@ -1300,7 +1301,7 @@
           <a:p>
             <a:fld id="{C3F4075E-195E-44E9-B1C7-0163535A80E4}" type="datetimeFigureOut">
               <a:rPr lang="en-US" smtClean="0"/>
-              <a:t>2/29/2020</a:t>
+              <a:t>3/6/2020</a:t>
             </a:fld>
             <a:endParaRPr lang="en-US"/>
           </a:p>
@@ -1575,7 +1576,7 @@
           <a:p>
             <a:fld id="{C3F4075E-195E-44E9-B1C7-0163535A80E4}" type="datetimeFigureOut">
               <a:rPr lang="en-US" smtClean="0"/>
-              <a:t>2/29/2020</a:t>
+              <a:t>3/6/2020</a:t>
             </a:fld>
             <a:endParaRPr lang="en-US"/>
           </a:p>
@@ -1840,7 +1841,7 @@
           <a:p>
             <a:fld id="{C3F4075E-195E-44E9-B1C7-0163535A80E4}" type="datetimeFigureOut">
               <a:rPr lang="en-US" smtClean="0"/>
-              <a:t>2/29/2020</a:t>
+              <a:t>3/6/2020</a:t>
             </a:fld>
             <a:endParaRPr lang="en-US"/>
           </a:p>
@@ -2252,7 +2253,7 @@
           <a:p>
             <a:fld id="{C3F4075E-195E-44E9-B1C7-0163535A80E4}" type="datetimeFigureOut">
               <a:rPr lang="en-US" smtClean="0"/>
-              <a:t>2/29/2020</a:t>
+              <a:t>3/6/2020</a:t>
             </a:fld>
             <a:endParaRPr lang="en-US"/>
           </a:p>
@@ -2393,7 +2394,7 @@
           <a:p>
             <a:fld id="{C3F4075E-195E-44E9-B1C7-0163535A80E4}" type="datetimeFigureOut">
               <a:rPr lang="en-US" smtClean="0"/>
-              <a:t>2/29/2020</a:t>
+              <a:t>3/6/2020</a:t>
             </a:fld>
             <a:endParaRPr lang="en-US"/>
           </a:p>
@@ -2506,7 +2507,7 @@
           <a:p>
             <a:fld id="{C3F4075E-195E-44E9-B1C7-0163535A80E4}" type="datetimeFigureOut">
               <a:rPr lang="en-US" smtClean="0"/>
-              <a:t>2/29/2020</a:t>
+              <a:t>3/6/2020</a:t>
             </a:fld>
             <a:endParaRPr lang="en-US"/>
           </a:p>
@@ -2817,7 +2818,7 @@
           <a:p>
             <a:fld id="{C3F4075E-195E-44E9-B1C7-0163535A80E4}" type="datetimeFigureOut">
               <a:rPr lang="en-US" smtClean="0"/>
-              <a:t>2/29/2020</a:t>
+              <a:t>3/6/2020</a:t>
             </a:fld>
             <a:endParaRPr lang="en-US"/>
           </a:p>
@@ -3105,7 +3106,7 @@
           <a:p>
             <a:fld id="{C3F4075E-195E-44E9-B1C7-0163535A80E4}" type="datetimeFigureOut">
               <a:rPr lang="en-US" smtClean="0"/>
-              <a:t>2/29/2020</a:t>
+              <a:t>3/6/2020</a:t>
             </a:fld>
             <a:endParaRPr lang="en-US"/>
           </a:p>
@@ -3346,7 +3347,7 @@
           <a:p>
             <a:fld id="{C3F4075E-195E-44E9-B1C7-0163535A80E4}" type="datetimeFigureOut">
               <a:rPr lang="en-US" smtClean="0"/>
-              <a:t>2/29/2020</a:t>
+              <a:t>3/6/2020</a:t>
             </a:fld>
             <a:endParaRPr lang="en-US"/>
           </a:p>
@@ -5577,6 +5578,243 @@
     <p:extLst>
       <p:ext uri="{BB962C8B-B14F-4D97-AF65-F5344CB8AC3E}">
         <p14:creationId xmlns:p14="http://schemas.microsoft.com/office/powerpoint/2010/main" val="437262140"/>
+      </p:ext>
+    </p:extLst>
+  </p:cSld>
+  <p:clrMapOvr>
+    <a:masterClrMapping/>
+  </p:clrMapOvr>
+</p:sld>
+</file>
+
+<file path=ppt/slides/slide3.xml><?xml version="1.0" encoding="utf-8"?>
+<p:sld xmlns:a="http://schemas.openxmlformats.org/drawingml/2006/main" xmlns:r="http://schemas.openxmlformats.org/officeDocument/2006/relationships" xmlns:p="http://schemas.openxmlformats.org/presentationml/2006/main">
+  <p:cSld>
+    <p:spTree>
+      <p:nvGrpSpPr>
+        <p:cNvPr id="1" name=""/>
+        <p:cNvGrpSpPr/>
+        <p:nvPr/>
+      </p:nvGrpSpPr>
+      <p:grpSpPr>
+        <a:xfrm>
+          <a:off x="0" y="0"/>
+          <a:ext cx="0" cy="0"/>
+          <a:chOff x="0" y="0"/>
+          <a:chExt cx="0" cy="0"/>
+        </a:xfrm>
+      </p:grpSpPr>
+      <p:grpSp>
+        <p:nvGrpSpPr>
+          <p:cNvPr id="8" name="Group 7">
+            <a:extLst>
+              <a:ext uri="{FF2B5EF4-FFF2-40B4-BE49-F238E27FC236}">
+                <a16:creationId xmlns:a16="http://schemas.microsoft.com/office/drawing/2014/main" id="{095F9416-2BDF-495B-BF30-9F9E3E12270D}"/>
+              </a:ext>
+            </a:extLst>
+          </p:cNvPr>
+          <p:cNvGrpSpPr/>
+          <p:nvPr/>
+        </p:nvGrpSpPr>
+        <p:grpSpPr>
+          <a:xfrm>
+            <a:off x="4303682" y="1674194"/>
+            <a:ext cx="3455543" cy="3226073"/>
+            <a:chOff x="4062382" y="1375744"/>
+            <a:chExt cx="4067235" cy="3797145"/>
+          </a:xfrm>
+        </p:grpSpPr>
+        <p:pic>
+          <p:nvPicPr>
+            <p:cNvPr id="4" name="Picture 6" descr="Image result for three circle">
+              <a:extLst>
+                <a:ext uri="{FF2B5EF4-FFF2-40B4-BE49-F238E27FC236}">
+                  <a16:creationId xmlns:a16="http://schemas.microsoft.com/office/drawing/2014/main" id="{8A946EAB-A18D-4BEC-A05A-D8626EF2C1D8}"/>
+                </a:ext>
+              </a:extLst>
+            </p:cNvPr>
+            <p:cNvPicPr>
+              <a:picLocks noChangeAspect="1" noChangeArrowheads="1"/>
+            </p:cNvPicPr>
+            <p:nvPr/>
+          </p:nvPicPr>
+          <p:blipFill>
+            <a:blip r:embed="rId2">
+              <a:extLst>
+                <a:ext uri="{28A0092B-C50C-407E-A947-70E740481C1C}">
+                  <a14:useLocalDpi xmlns:a14="http://schemas.microsoft.com/office/drawing/2010/main" val="0"/>
+                </a:ext>
+              </a:extLst>
+            </a:blip>
+            <a:srcRect/>
+            <a:stretch>
+              <a:fillRect/>
+            </a:stretch>
+          </p:blipFill>
+          <p:spPr bwMode="auto">
+            <a:xfrm>
+              <a:off x="4062382" y="1375744"/>
+              <a:ext cx="4067235" cy="3797145"/>
+            </a:xfrm>
+            <a:prstGeom prst="rect">
+              <a:avLst/>
+            </a:prstGeom>
+            <a:noFill/>
+            <a:extLst>
+              <a:ext uri="{909E8E84-426E-40DD-AFC4-6F175D3DCCD1}">
+                <a14:hiddenFill xmlns:a14="http://schemas.microsoft.com/office/drawing/2010/main">
+                  <a:solidFill>
+                    <a:srgbClr val="FFFFFF"/>
+                  </a:solidFill>
+                </a14:hiddenFill>
+              </a:ext>
+            </a:extLst>
+          </p:spPr>
+        </p:pic>
+        <p:sp>
+          <p:nvSpPr>
+            <p:cNvPr id="5" name="TextBox 4">
+              <a:extLst>
+                <a:ext uri="{FF2B5EF4-FFF2-40B4-BE49-F238E27FC236}">
+                  <a16:creationId xmlns:a16="http://schemas.microsoft.com/office/drawing/2014/main" id="{8B86E62C-60B9-4E1D-B61D-1FDAA5EBCD5E}"/>
+                </a:ext>
+              </a:extLst>
+            </p:cNvPr>
+            <p:cNvSpPr txBox="1"/>
+            <p:nvPr/>
+          </p:nvSpPr>
+          <p:spPr>
+            <a:xfrm>
+              <a:off x="5562038" y="3935508"/>
+              <a:ext cx="1067921" cy="646331"/>
+            </a:xfrm>
+            <a:prstGeom prst="rect">
+              <a:avLst/>
+            </a:prstGeom>
+            <a:noFill/>
+          </p:spPr>
+          <p:txBody>
+            <a:bodyPr wrap="none" rtlCol="0">
+              <a:spAutoFit/>
+            </a:bodyPr>
+            <a:lstStyle/>
+            <a:p>
+              <a:r>
+                <a:rPr lang="en-US" b="1" dirty="0">
+                  <a:solidFill>
+                    <a:schemeClr val="bg1"/>
+                  </a:solidFill>
+                </a:rPr>
+                <a:t>Machine </a:t>
+              </a:r>
+            </a:p>
+            <a:p>
+              <a:r>
+                <a:rPr lang="en-US" b="1" dirty="0">
+                  <a:solidFill>
+                    <a:schemeClr val="bg1"/>
+                  </a:solidFill>
+                </a:rPr>
+                <a:t>Learning</a:t>
+              </a:r>
+            </a:p>
+          </p:txBody>
+        </p:sp>
+        <p:sp>
+          <p:nvSpPr>
+            <p:cNvPr id="6" name="TextBox 5">
+              <a:extLst>
+                <a:ext uri="{FF2B5EF4-FFF2-40B4-BE49-F238E27FC236}">
+                  <a16:creationId xmlns:a16="http://schemas.microsoft.com/office/drawing/2014/main" id="{63CE87CC-3BD3-49D6-B9B9-865AC6D413D0}"/>
+                </a:ext>
+              </a:extLst>
+            </p:cNvPr>
+            <p:cNvSpPr txBox="1"/>
+            <p:nvPr/>
+          </p:nvSpPr>
+          <p:spPr>
+            <a:xfrm>
+              <a:off x="4519765" y="2229860"/>
+              <a:ext cx="1042273" cy="646331"/>
+            </a:xfrm>
+            <a:prstGeom prst="rect">
+              <a:avLst/>
+            </a:prstGeom>
+            <a:noFill/>
+          </p:spPr>
+          <p:txBody>
+            <a:bodyPr wrap="none" rtlCol="0">
+              <a:spAutoFit/>
+            </a:bodyPr>
+            <a:lstStyle/>
+            <a:p>
+              <a:r>
+                <a:rPr lang="en-US" b="1" dirty="0">
+                  <a:solidFill>
+                    <a:schemeClr val="bg1"/>
+                  </a:solidFill>
+                </a:rPr>
+                <a:t>Formal</a:t>
+              </a:r>
+            </a:p>
+            <a:p>
+              <a:r>
+                <a:rPr lang="en-US" b="1" dirty="0">
+                  <a:solidFill>
+                    <a:schemeClr val="bg1"/>
+                  </a:solidFill>
+                </a:rPr>
+                <a:t>Methods</a:t>
+              </a:r>
+            </a:p>
+          </p:txBody>
+        </p:sp>
+        <p:sp>
+          <p:nvSpPr>
+            <p:cNvPr id="7" name="TextBox 6">
+              <a:extLst>
+                <a:ext uri="{FF2B5EF4-FFF2-40B4-BE49-F238E27FC236}">
+                  <a16:creationId xmlns:a16="http://schemas.microsoft.com/office/drawing/2014/main" id="{8B0D8069-14C5-4C45-A1BB-206BB84C4028}"/>
+                </a:ext>
+              </a:extLst>
+            </p:cNvPr>
+            <p:cNvSpPr txBox="1"/>
+            <p:nvPr/>
+          </p:nvSpPr>
+          <p:spPr>
+            <a:xfrm>
+              <a:off x="6702849" y="2229860"/>
+              <a:ext cx="889859" cy="646331"/>
+            </a:xfrm>
+            <a:prstGeom prst="rect">
+              <a:avLst/>
+            </a:prstGeom>
+            <a:noFill/>
+          </p:spPr>
+          <p:txBody>
+            <a:bodyPr wrap="none" rtlCol="0">
+              <a:spAutoFit/>
+            </a:bodyPr>
+            <a:lstStyle/>
+            <a:p>
+              <a:r>
+                <a:rPr lang="en-US" b="1" dirty="0"/>
+                <a:t>Control</a:t>
+              </a:r>
+            </a:p>
+            <a:p>
+              <a:r>
+                <a:rPr lang="en-US" b="1" dirty="0"/>
+                <a:t>Theory</a:t>
+              </a:r>
+            </a:p>
+          </p:txBody>
+        </p:sp>
+      </p:grpSp>
+    </p:spTree>
+    <p:extLst>
+      <p:ext uri="{BB962C8B-B14F-4D97-AF65-F5344CB8AC3E}">
+        <p14:creationId xmlns:p14="http://schemas.microsoft.com/office/powerpoint/2010/main" val="3239198065"/>
       </p:ext>
     </p:extLst>
   </p:cSld>

--- a/project/PIC.pptx
+++ b/project/PIC.pptx
@@ -467,6 +467,90 @@
 </file>
 
 <file path=ppt/notesSlides/notesSlide1.xml><?xml version="1.0" encoding="utf-8"?>
+<p:notes xmlns:a="http://schemas.openxmlformats.org/drawingml/2006/main" xmlns:r="http://schemas.openxmlformats.org/officeDocument/2006/relationships" xmlns:p="http://schemas.openxmlformats.org/presentationml/2006/main">
+  <p:cSld>
+    <p:spTree>
+      <p:nvGrpSpPr>
+        <p:cNvPr id="1" name=""/>
+        <p:cNvGrpSpPr/>
+        <p:nvPr/>
+      </p:nvGrpSpPr>
+      <p:grpSpPr>
+        <a:xfrm>
+          <a:off x="0" y="0"/>
+          <a:ext cx="0" cy="0"/>
+          <a:chOff x="0" y="0"/>
+          <a:chExt cx="0" cy="0"/>
+        </a:xfrm>
+      </p:grpSpPr>
+      <p:sp>
+        <p:nvSpPr>
+          <p:cNvPr id="2" name="Slide Image Placeholder 1"/>
+          <p:cNvSpPr>
+            <a:spLocks noGrp="1" noRot="1" noChangeAspect="1"/>
+          </p:cNvSpPr>
+          <p:nvPr>
+            <p:ph type="sldImg"/>
+          </p:nvPr>
+        </p:nvSpPr>
+        <p:spPr/>
+      </p:sp>
+      <p:sp>
+        <p:nvSpPr>
+          <p:cNvPr id="3" name="Notes Placeholder 2"/>
+          <p:cNvSpPr>
+            <a:spLocks noGrp="1"/>
+          </p:cNvSpPr>
+          <p:nvPr>
+            <p:ph type="body" idx="1"/>
+          </p:nvPr>
+        </p:nvSpPr>
+        <p:spPr/>
+        <p:txBody>
+          <a:bodyPr/>
+          <a:lstStyle/>
+          <a:p>
+            <a:endParaRPr lang="en-US" dirty="0"/>
+          </a:p>
+        </p:txBody>
+      </p:sp>
+      <p:sp>
+        <p:nvSpPr>
+          <p:cNvPr id="4" name="Slide Number Placeholder 3"/>
+          <p:cNvSpPr>
+            <a:spLocks noGrp="1"/>
+          </p:cNvSpPr>
+          <p:nvPr>
+            <p:ph type="sldNum" sz="quarter" idx="5"/>
+          </p:nvPr>
+        </p:nvSpPr>
+        <p:spPr/>
+        <p:txBody>
+          <a:bodyPr/>
+          <a:lstStyle/>
+          <a:p>
+            <a:fld id="{D150A9C9-4436-4AE5-A7C6-554E11B7C3C1}" type="slidenum">
+              <a:rPr lang="en-US" smtClean="0"/>
+              <a:t>1</a:t>
+            </a:fld>
+            <a:endParaRPr lang="en-US"/>
+          </a:p>
+        </p:txBody>
+      </p:sp>
+    </p:spTree>
+    <p:extLst>
+      <p:ext uri="{BB962C8B-B14F-4D97-AF65-F5344CB8AC3E}">
+        <p14:creationId xmlns:p14="http://schemas.microsoft.com/office/powerpoint/2010/main" val="1545795724"/>
+      </p:ext>
+    </p:extLst>
+  </p:cSld>
+  <p:clrMapOvr>
+    <a:masterClrMapping/>
+  </p:clrMapOvr>
+</p:notes>
+</file>
+
+<file path=ppt/notesSlides/notesSlide2.xml><?xml version="1.0" encoding="utf-8"?>
 <p:notes xmlns:a="http://schemas.openxmlformats.org/drawingml/2006/main" xmlns:r="http://schemas.openxmlformats.org/officeDocument/2006/relationships" xmlns:p="http://schemas.openxmlformats.org/presentationml/2006/main">
   <p:cSld>
     <p:spTree>
@@ -3764,172 +3848,1719 @@
           <a:chExt cx="0" cy="0"/>
         </a:xfrm>
       </p:grpSpPr>
-      <p:sp>
-        <p:nvSpPr>
-          <p:cNvPr id="4" name="Oval 3">
-            <a:extLst>
-              <a:ext uri="{FF2B5EF4-FFF2-40B4-BE49-F238E27FC236}">
-                <a16:creationId xmlns:a16="http://schemas.microsoft.com/office/drawing/2014/main" id="{E56CDA17-08A4-4D9B-9BA6-DB25E9D641CA}"/>
-              </a:ext>
-            </a:extLst>
-          </p:cNvPr>
-          <p:cNvSpPr/>
+      <p:grpSp>
+        <p:nvGrpSpPr>
+          <p:cNvPr id="47" name="Group 46">
+            <a:extLst>
+              <a:ext uri="{FF2B5EF4-FFF2-40B4-BE49-F238E27FC236}">
+                <a16:creationId xmlns:a16="http://schemas.microsoft.com/office/drawing/2014/main" id="{A48E9F4B-8C95-4147-B95C-E126C895DECB}"/>
+              </a:ext>
+            </a:extLst>
+          </p:cNvPr>
+          <p:cNvGrpSpPr/>
           <p:nvPr/>
-        </p:nvSpPr>
-        <p:spPr>
+        </p:nvGrpSpPr>
+        <p:grpSpPr>
           <a:xfrm>
-            <a:off x="5465170" y="3054763"/>
-            <a:ext cx="1560443" cy="1560443"/>
+            <a:off x="273860" y="139148"/>
+            <a:ext cx="11813717" cy="6674126"/>
+            <a:chOff x="273860" y="139148"/>
+            <a:chExt cx="11813717" cy="6674126"/>
           </a:xfrm>
-          <a:prstGeom prst="ellipse">
-            <a:avLst/>
-          </a:prstGeom>
-          <a:solidFill>
-            <a:srgbClr val="FF3399">
-              <a:alpha val="85000"/>
-            </a:srgbClr>
-          </a:solidFill>
-        </p:spPr>
-        <p:style>
-          <a:lnRef idx="3">
-            <a:schemeClr val="lt1"/>
-          </a:lnRef>
-          <a:fillRef idx="1">
-            <a:schemeClr val="accent6"/>
-          </a:fillRef>
-          <a:effectRef idx="1">
-            <a:schemeClr val="accent6"/>
-          </a:effectRef>
-          <a:fontRef idx="minor">
-            <a:schemeClr val="lt1"/>
-          </a:fontRef>
-        </p:style>
-        <p:txBody>
-          <a:bodyPr rtlCol="0" anchor="ctr"/>
-          <a:lstStyle/>
-          <a:p>
-            <a:pPr algn="ctr"/>
-            <a:r>
-              <a:rPr lang="en-US" dirty="0"/>
-              <a:t>Machine Learning</a:t>
-            </a:r>
-          </a:p>
-        </p:txBody>
-      </p:sp>
-      <p:sp>
-        <p:nvSpPr>
-          <p:cNvPr id="5" name="Oval 4">
-            <a:extLst>
-              <a:ext uri="{FF2B5EF4-FFF2-40B4-BE49-F238E27FC236}">
-                <a16:creationId xmlns:a16="http://schemas.microsoft.com/office/drawing/2014/main" id="{EBA363B6-FE08-4F6D-8BAE-EF0968E16415}"/>
-              </a:ext>
-            </a:extLst>
-          </p:cNvPr>
-          <p:cNvSpPr/>
-          <p:nvPr/>
-        </p:nvSpPr>
-        <p:spPr>
-          <a:xfrm>
-            <a:off x="4840459" y="2122040"/>
-            <a:ext cx="1560443" cy="1560443"/>
-          </a:xfrm>
-          <a:prstGeom prst="ellipse">
-            <a:avLst/>
-          </a:prstGeom>
-          <a:solidFill>
-            <a:srgbClr val="00B0F0">
-              <a:alpha val="85000"/>
-            </a:srgbClr>
-          </a:solidFill>
-          <a:ln>
+        </p:grpSpPr>
+        <p:grpSp>
+          <p:nvGrpSpPr>
+            <p:cNvPr id="18" name="Group 17">
+              <a:extLst>
+                <a:ext uri="{FF2B5EF4-FFF2-40B4-BE49-F238E27FC236}">
+                  <a16:creationId xmlns:a16="http://schemas.microsoft.com/office/drawing/2014/main" id="{E6F0293A-9ECD-41AE-89CC-6864931AFABC}"/>
+                </a:ext>
+              </a:extLst>
+            </p:cNvPr>
+            <p:cNvGrpSpPr/>
+            <p:nvPr/>
+          </p:nvGrpSpPr>
+          <p:grpSpPr>
+            <a:xfrm>
+              <a:off x="4231171" y="1720506"/>
+              <a:ext cx="4044410" cy="3416988"/>
+              <a:chOff x="4062382" y="1375744"/>
+              <a:chExt cx="4067235" cy="3797145"/>
+            </a:xfrm>
+          </p:grpSpPr>
+          <p:pic>
+            <p:nvPicPr>
+              <p:cNvPr id="19" name="Picture 6" descr="Image result for three circle">
+                <a:extLst>
+                  <a:ext uri="{FF2B5EF4-FFF2-40B4-BE49-F238E27FC236}">
+                    <a16:creationId xmlns:a16="http://schemas.microsoft.com/office/drawing/2014/main" id="{53630DA2-DE62-4FEF-90C6-2FF1681F950C}"/>
+                  </a:ext>
+                </a:extLst>
+              </p:cNvPr>
+              <p:cNvPicPr>
+                <a:picLocks noChangeAspect="1" noChangeArrowheads="1"/>
+              </p:cNvPicPr>
+              <p:nvPr/>
+            </p:nvPicPr>
+            <p:blipFill>
+              <a:blip r:embed="rId3">
+                <a:extLst>
+                  <a:ext uri="{28A0092B-C50C-407E-A947-70E740481C1C}">
+                    <a14:useLocalDpi xmlns:a14="http://schemas.microsoft.com/office/drawing/2010/main" val="0"/>
+                  </a:ext>
+                </a:extLst>
+              </a:blip>
+              <a:srcRect/>
+              <a:stretch>
+                <a:fillRect/>
+              </a:stretch>
+            </p:blipFill>
+            <p:spPr bwMode="auto">
+              <a:xfrm>
+                <a:off x="4062382" y="1375744"/>
+                <a:ext cx="4067235" cy="3797145"/>
+              </a:xfrm>
+              <a:prstGeom prst="rect">
+                <a:avLst/>
+              </a:prstGeom>
+              <a:noFill/>
+              <a:extLst>
+                <a:ext uri="{909E8E84-426E-40DD-AFC4-6F175D3DCCD1}">
+                  <a14:hiddenFill xmlns:a14="http://schemas.microsoft.com/office/drawing/2010/main">
+                    <a:solidFill>
+                      <a:srgbClr val="FFFFFF"/>
+                    </a:solidFill>
+                  </a14:hiddenFill>
+                </a:ext>
+              </a:extLst>
+            </p:spPr>
+          </p:pic>
+          <p:sp>
+            <p:nvSpPr>
+              <p:cNvPr id="20" name="TextBox 19">
+                <a:extLst>
+                  <a:ext uri="{FF2B5EF4-FFF2-40B4-BE49-F238E27FC236}">
+                    <a16:creationId xmlns:a16="http://schemas.microsoft.com/office/drawing/2014/main" id="{2778619B-8140-4698-A100-3FF9A57D5193}"/>
+                  </a:ext>
+                </a:extLst>
+              </p:cNvPr>
+              <p:cNvSpPr txBox="1"/>
+              <p:nvPr/>
+            </p:nvSpPr>
+            <p:spPr>
+              <a:xfrm>
+                <a:off x="5562038" y="3935508"/>
+                <a:ext cx="1067921" cy="646331"/>
+              </a:xfrm>
+              <a:prstGeom prst="rect">
+                <a:avLst/>
+              </a:prstGeom>
+              <a:noFill/>
+            </p:spPr>
+            <p:txBody>
+              <a:bodyPr wrap="none" rtlCol="0">
+                <a:spAutoFit/>
+              </a:bodyPr>
+              <a:lstStyle/>
+              <a:p>
+                <a:r>
+                  <a:rPr lang="en-US" b="1" dirty="0">
+                    <a:solidFill>
+                      <a:schemeClr val="bg1"/>
+                    </a:solidFill>
+                  </a:rPr>
+                  <a:t>Machine </a:t>
+                </a:r>
+              </a:p>
+              <a:p>
+                <a:r>
+                  <a:rPr lang="en-US" b="1" dirty="0">
+                    <a:solidFill>
+                      <a:schemeClr val="bg1"/>
+                    </a:solidFill>
+                  </a:rPr>
+                  <a:t>Learning</a:t>
+                </a:r>
+              </a:p>
+            </p:txBody>
+          </p:sp>
+          <p:sp>
+            <p:nvSpPr>
+              <p:cNvPr id="21" name="TextBox 20">
+                <a:extLst>
+                  <a:ext uri="{FF2B5EF4-FFF2-40B4-BE49-F238E27FC236}">
+                    <a16:creationId xmlns:a16="http://schemas.microsoft.com/office/drawing/2014/main" id="{C799B4AA-E09B-4C29-97BC-9A9D749AD482}"/>
+                  </a:ext>
+                </a:extLst>
+              </p:cNvPr>
+              <p:cNvSpPr txBox="1"/>
+              <p:nvPr/>
+            </p:nvSpPr>
+            <p:spPr>
+              <a:xfrm>
+                <a:off x="4519765" y="2229860"/>
+                <a:ext cx="1042273" cy="646331"/>
+              </a:xfrm>
+              <a:prstGeom prst="rect">
+                <a:avLst/>
+              </a:prstGeom>
+              <a:noFill/>
+            </p:spPr>
+            <p:txBody>
+              <a:bodyPr wrap="none" rtlCol="0">
+                <a:spAutoFit/>
+              </a:bodyPr>
+              <a:lstStyle/>
+              <a:p>
+                <a:r>
+                  <a:rPr lang="en-US" b="1" dirty="0">
+                    <a:solidFill>
+                      <a:schemeClr val="bg1"/>
+                    </a:solidFill>
+                  </a:rPr>
+                  <a:t>Formal</a:t>
+                </a:r>
+              </a:p>
+              <a:p>
+                <a:r>
+                  <a:rPr lang="en-US" b="1" dirty="0">
+                    <a:solidFill>
+                      <a:schemeClr val="bg1"/>
+                    </a:solidFill>
+                  </a:rPr>
+                  <a:t>Methods</a:t>
+                </a:r>
+              </a:p>
+            </p:txBody>
+          </p:sp>
+          <p:sp>
+            <p:nvSpPr>
+              <p:cNvPr id="22" name="TextBox 21">
+                <a:extLst>
+                  <a:ext uri="{FF2B5EF4-FFF2-40B4-BE49-F238E27FC236}">
+                    <a16:creationId xmlns:a16="http://schemas.microsoft.com/office/drawing/2014/main" id="{0BDD11DD-EAC8-4014-A2FE-7D35336EA0DD}"/>
+                  </a:ext>
+                </a:extLst>
+              </p:cNvPr>
+              <p:cNvSpPr txBox="1"/>
+              <p:nvPr/>
+            </p:nvSpPr>
+            <p:spPr>
+              <a:xfrm>
+                <a:off x="6702849" y="2229860"/>
+                <a:ext cx="889859" cy="646331"/>
+              </a:xfrm>
+              <a:prstGeom prst="rect">
+                <a:avLst/>
+              </a:prstGeom>
+              <a:noFill/>
+            </p:spPr>
+            <p:txBody>
+              <a:bodyPr wrap="none" rtlCol="0">
+                <a:spAutoFit/>
+              </a:bodyPr>
+              <a:lstStyle/>
+              <a:p>
+                <a:r>
+                  <a:rPr lang="en-US" b="1" dirty="0"/>
+                  <a:t>Control</a:t>
+                </a:r>
+              </a:p>
+              <a:p>
+                <a:r>
+                  <a:rPr lang="en-US" b="1" dirty="0"/>
+                  <a:t>Theory</a:t>
+                </a:r>
+              </a:p>
+            </p:txBody>
+          </p:sp>
+        </p:grpSp>
+        <p:cxnSp>
+          <p:nvCxnSpPr>
+            <p:cNvPr id="3" name="Straight Arrow Connector 2">
+              <a:extLst>
+                <a:ext uri="{FF2B5EF4-FFF2-40B4-BE49-F238E27FC236}">
+                  <a16:creationId xmlns:a16="http://schemas.microsoft.com/office/drawing/2014/main" id="{4BFE7700-F2E1-4808-82F8-33D082245218}"/>
+                </a:ext>
+              </a:extLst>
+            </p:cNvPr>
+            <p:cNvCxnSpPr>
+              <a:cxnSpLocks/>
+            </p:cNvCxnSpPr>
+            <p:nvPr/>
+          </p:nvCxnSpPr>
+          <p:spPr>
+            <a:xfrm flipV="1">
+              <a:off x="6266622" y="139148"/>
+              <a:ext cx="0" cy="2151822"/>
+            </a:xfrm>
+            <a:prstGeom prst="straightConnector1">
+              <a:avLst/>
+            </a:prstGeom>
+            <a:ln>
+              <a:prstDash val="dashDot"/>
+              <a:tailEnd type="triangle"/>
+            </a:ln>
+          </p:spPr>
+          <p:style>
+            <a:lnRef idx="3">
+              <a:schemeClr val="dk1"/>
+            </a:lnRef>
+            <a:fillRef idx="0">
+              <a:schemeClr val="dk1"/>
+            </a:fillRef>
+            <a:effectRef idx="2">
+              <a:schemeClr val="dk1"/>
+            </a:effectRef>
+            <a:fontRef idx="minor">
+              <a:schemeClr val="tx1"/>
+            </a:fontRef>
+          </p:style>
+        </p:cxnSp>
+        <p:cxnSp>
+          <p:nvCxnSpPr>
+            <p:cNvPr id="8" name="Straight Arrow Connector 7">
+              <a:extLst>
+                <a:ext uri="{FF2B5EF4-FFF2-40B4-BE49-F238E27FC236}">
+                  <a16:creationId xmlns:a16="http://schemas.microsoft.com/office/drawing/2014/main" id="{3E7388D2-F16B-4A77-A131-E87FC52B7D6F}"/>
+                </a:ext>
+              </a:extLst>
+            </p:cNvPr>
+            <p:cNvCxnSpPr>
+              <a:cxnSpLocks/>
+            </p:cNvCxnSpPr>
+            <p:nvPr/>
+          </p:nvCxnSpPr>
+          <p:spPr>
+            <a:xfrm>
+              <a:off x="6241774" y="4995008"/>
+              <a:ext cx="0" cy="1818266"/>
+            </a:xfrm>
+            <a:prstGeom prst="straightConnector1">
+              <a:avLst/>
+            </a:prstGeom>
+            <a:ln>
+              <a:prstDash val="dashDot"/>
+              <a:tailEnd type="triangle"/>
+            </a:ln>
+          </p:spPr>
+          <p:style>
+            <a:lnRef idx="3">
+              <a:schemeClr val="dk1"/>
+            </a:lnRef>
+            <a:fillRef idx="0">
+              <a:schemeClr val="dk1"/>
+            </a:fillRef>
+            <a:effectRef idx="2">
+              <a:schemeClr val="dk1"/>
+            </a:effectRef>
+            <a:fontRef idx="minor">
+              <a:schemeClr val="tx1"/>
+            </a:fontRef>
+          </p:style>
+        </p:cxnSp>
+        <p:cxnSp>
+          <p:nvCxnSpPr>
+            <p:cNvPr id="11" name="Straight Arrow Connector 10">
+              <a:extLst>
+                <a:ext uri="{FF2B5EF4-FFF2-40B4-BE49-F238E27FC236}">
+                  <a16:creationId xmlns:a16="http://schemas.microsoft.com/office/drawing/2014/main" id="{BDAC05ED-07FE-49D0-8809-1811365FEFD8}"/>
+                </a:ext>
+              </a:extLst>
+            </p:cNvPr>
+            <p:cNvCxnSpPr/>
+            <p:nvPr/>
+          </p:nvCxnSpPr>
+          <p:spPr>
+            <a:xfrm flipH="1">
+              <a:off x="377687" y="1878969"/>
+              <a:ext cx="5864087" cy="0"/>
+            </a:xfrm>
+            <a:prstGeom prst="straightConnector1">
+              <a:avLst/>
+            </a:prstGeom>
+            <a:ln>
+              <a:prstDash val="dashDot"/>
+              <a:tailEnd type="triangle"/>
+            </a:ln>
+          </p:spPr>
+          <p:style>
+            <a:lnRef idx="3">
+              <a:schemeClr val="dk1"/>
+            </a:lnRef>
+            <a:fillRef idx="0">
+              <a:schemeClr val="dk1"/>
+            </a:fillRef>
+            <a:effectRef idx="2">
+              <a:schemeClr val="dk1"/>
+            </a:effectRef>
+            <a:fontRef idx="minor">
+              <a:schemeClr val="tx1"/>
+            </a:fontRef>
+          </p:style>
+        </p:cxnSp>
+        <p:cxnSp>
+          <p:nvCxnSpPr>
+            <p:cNvPr id="13" name="Straight Arrow Connector 12">
+              <a:extLst>
+                <a:ext uri="{FF2B5EF4-FFF2-40B4-BE49-F238E27FC236}">
+                  <a16:creationId xmlns:a16="http://schemas.microsoft.com/office/drawing/2014/main" id="{5B0E245E-3627-4659-AD0A-46042F2C671A}"/>
+                </a:ext>
+              </a:extLst>
+            </p:cNvPr>
+            <p:cNvCxnSpPr/>
+            <p:nvPr/>
+          </p:nvCxnSpPr>
+          <p:spPr>
+            <a:xfrm>
+              <a:off x="6241774" y="5042036"/>
+              <a:ext cx="5789543" cy="0"/>
+            </a:xfrm>
+            <a:prstGeom prst="straightConnector1">
+              <a:avLst/>
+            </a:prstGeom>
+            <a:ln>
+              <a:prstDash val="dashDot"/>
+              <a:tailEnd type="triangle"/>
+            </a:ln>
+          </p:spPr>
+          <p:style>
+            <a:lnRef idx="3">
+              <a:schemeClr val="dk1"/>
+            </a:lnRef>
+            <a:fillRef idx="0">
+              <a:schemeClr val="dk1"/>
+            </a:fillRef>
+            <a:effectRef idx="2">
+              <a:schemeClr val="dk1"/>
+            </a:effectRef>
+            <a:fontRef idx="minor">
+              <a:schemeClr val="tx1"/>
+            </a:fontRef>
+          </p:style>
+        </p:cxnSp>
+        <p:sp>
+          <p:nvSpPr>
+            <p:cNvPr id="14" name="TextBox 13">
+              <a:extLst>
+                <a:ext uri="{FF2B5EF4-FFF2-40B4-BE49-F238E27FC236}">
+                  <a16:creationId xmlns:a16="http://schemas.microsoft.com/office/drawing/2014/main" id="{D28991A5-1B60-4BDC-8C5E-C1B517BCEFDD}"/>
+                </a:ext>
+              </a:extLst>
+            </p:cNvPr>
+            <p:cNvSpPr txBox="1"/>
+            <p:nvPr/>
+          </p:nvSpPr>
+          <p:spPr>
+            <a:xfrm>
+              <a:off x="1857757" y="285052"/>
+              <a:ext cx="2000356" cy="369332"/>
+            </a:xfrm>
+            <a:prstGeom prst="rect">
+              <a:avLst/>
+            </a:prstGeom>
             <a:noFill/>
-          </a:ln>
-        </p:spPr>
-        <p:style>
-          <a:lnRef idx="2">
-            <a:schemeClr val="accent1">
-              <a:shade val="50000"/>
-            </a:schemeClr>
-          </a:lnRef>
-          <a:fillRef idx="1">
-            <a:schemeClr val="accent1"/>
-          </a:fillRef>
-          <a:effectRef idx="0">
-            <a:schemeClr val="accent1"/>
-          </a:effectRef>
-          <a:fontRef idx="minor">
-            <a:schemeClr val="lt1"/>
-          </a:fontRef>
-        </p:style>
-        <p:txBody>
-          <a:bodyPr rtlCol="0" anchor="ctr"/>
-          <a:lstStyle/>
-          <a:p>
-            <a:pPr algn="ctr"/>
-            <a:r>
-              <a:rPr lang="en-US" dirty="0"/>
-              <a:t>Formal Methods</a:t>
-            </a:r>
-          </a:p>
-        </p:txBody>
-      </p:sp>
-      <p:sp>
-        <p:nvSpPr>
-          <p:cNvPr id="6" name="Oval 5">
-            <a:extLst>
-              <a:ext uri="{FF2B5EF4-FFF2-40B4-BE49-F238E27FC236}">
-                <a16:creationId xmlns:a16="http://schemas.microsoft.com/office/drawing/2014/main" id="{1C5B4F09-5E22-43F6-8E76-E78223C00D2E}"/>
-              </a:ext>
-            </a:extLst>
-          </p:cNvPr>
-          <p:cNvSpPr/>
-          <p:nvPr/>
-        </p:nvSpPr>
-        <p:spPr>
-          <a:xfrm>
-            <a:off x="6139543" y="2122040"/>
-            <a:ext cx="1560443" cy="1560443"/>
-          </a:xfrm>
-          <a:prstGeom prst="ellipse">
-            <a:avLst/>
-          </a:prstGeom>
-          <a:solidFill>
-            <a:srgbClr val="FFC000">
-              <a:alpha val="85000"/>
-            </a:srgbClr>
-          </a:solidFill>
-          <a:ln>
+          </p:spPr>
+          <p:txBody>
+            <a:bodyPr wrap="none" rtlCol="0">
+              <a:spAutoFit/>
+            </a:bodyPr>
+            <a:lstStyle/>
+            <a:p>
+              <a:r>
+                <a:rPr lang="en-US" b="1" dirty="0"/>
+                <a:t>Formal Verification</a:t>
+              </a:r>
+            </a:p>
+          </p:txBody>
+        </p:sp>
+        <p:sp>
+          <p:nvSpPr>
+            <p:cNvPr id="15" name="TextBox 14">
+              <a:extLst>
+                <a:ext uri="{FF2B5EF4-FFF2-40B4-BE49-F238E27FC236}">
+                  <a16:creationId xmlns:a16="http://schemas.microsoft.com/office/drawing/2014/main" id="{C652EB39-889A-4CD2-8C2B-C1919BBD7007}"/>
+                </a:ext>
+              </a:extLst>
+            </p:cNvPr>
+            <p:cNvSpPr txBox="1"/>
+            <p:nvPr/>
+          </p:nvSpPr>
+          <p:spPr>
+            <a:xfrm>
+              <a:off x="1585482" y="6375285"/>
+              <a:ext cx="3252365" cy="369332"/>
+            </a:xfrm>
+            <a:prstGeom prst="rect">
+              <a:avLst/>
+            </a:prstGeom>
             <a:noFill/>
-          </a:ln>
-        </p:spPr>
-        <p:style>
-          <a:lnRef idx="2">
-            <a:schemeClr val="accent1">
-              <a:shade val="50000"/>
-            </a:schemeClr>
-          </a:lnRef>
-          <a:fillRef idx="1">
-            <a:schemeClr val="accent1"/>
-          </a:fillRef>
-          <a:effectRef idx="0">
-            <a:schemeClr val="accent1"/>
-          </a:effectRef>
-          <a:fontRef idx="minor">
-            <a:schemeClr val="lt1"/>
-          </a:fontRef>
-        </p:style>
-        <p:txBody>
-          <a:bodyPr rtlCol="0" anchor="ctr"/>
-          <a:lstStyle/>
-          <a:p>
-            <a:pPr algn="ctr"/>
-            <a:r>
-              <a:rPr lang="en-US" dirty="0"/>
-              <a:t>Control Theory</a:t>
-            </a:r>
-          </a:p>
-        </p:txBody>
-      </p:sp>
+          </p:spPr>
+          <p:txBody>
+            <a:bodyPr wrap="none" rtlCol="0">
+              <a:spAutoFit/>
+            </a:bodyPr>
+            <a:lstStyle/>
+            <a:p>
+              <a:r>
+                <a:rPr lang="en-US" b="1" dirty="0"/>
+                <a:t>High Level Knowledge Discovery</a:t>
+              </a:r>
+            </a:p>
+          </p:txBody>
+        </p:sp>
+        <p:sp>
+          <p:nvSpPr>
+            <p:cNvPr id="16" name="TextBox 15">
+              <a:extLst>
+                <a:ext uri="{FF2B5EF4-FFF2-40B4-BE49-F238E27FC236}">
+                  <a16:creationId xmlns:a16="http://schemas.microsoft.com/office/drawing/2014/main" id="{3BFB5E2C-0D78-409A-9017-C65873E819D3}"/>
+                </a:ext>
+              </a:extLst>
+            </p:cNvPr>
+            <p:cNvSpPr txBox="1"/>
+            <p:nvPr/>
+          </p:nvSpPr>
+          <p:spPr>
+            <a:xfrm>
+              <a:off x="8002942" y="284380"/>
+              <a:ext cx="3171125" cy="369332"/>
+            </a:xfrm>
+            <a:prstGeom prst="rect">
+              <a:avLst/>
+            </a:prstGeom>
+            <a:noFill/>
+          </p:spPr>
+          <p:txBody>
+            <a:bodyPr wrap="none" rtlCol="0">
+              <a:spAutoFit/>
+            </a:bodyPr>
+            <a:lstStyle/>
+            <a:p>
+              <a:r>
+                <a:rPr lang="en-US" b="1" dirty="0"/>
+                <a:t>Correct-by-Construction Design</a:t>
+              </a:r>
+            </a:p>
+          </p:txBody>
+        </p:sp>
+        <p:sp>
+          <p:nvSpPr>
+            <p:cNvPr id="17" name="TextBox 16">
+              <a:extLst>
+                <a:ext uri="{FF2B5EF4-FFF2-40B4-BE49-F238E27FC236}">
+                  <a16:creationId xmlns:a16="http://schemas.microsoft.com/office/drawing/2014/main" id="{5CCAF762-9210-411B-8517-913AED7B50EB}"/>
+                </a:ext>
+              </a:extLst>
+            </p:cNvPr>
+            <p:cNvSpPr txBox="1"/>
+            <p:nvPr/>
+          </p:nvSpPr>
+          <p:spPr>
+            <a:xfrm>
+              <a:off x="8584397" y="6375285"/>
+              <a:ext cx="1888659" cy="369332"/>
+            </a:xfrm>
+            <a:prstGeom prst="rect">
+              <a:avLst/>
+            </a:prstGeom>
+            <a:noFill/>
+          </p:spPr>
+          <p:txBody>
+            <a:bodyPr wrap="none" rtlCol="0">
+              <a:spAutoFit/>
+            </a:bodyPr>
+            <a:lstStyle/>
+            <a:p>
+              <a:r>
+                <a:rPr lang="en-US" b="1" dirty="0"/>
+                <a:t>Machine Learning</a:t>
+              </a:r>
+            </a:p>
+          </p:txBody>
+        </p:sp>
+        <p:sp>
+          <p:nvSpPr>
+            <p:cNvPr id="27" name="Oval 26">
+              <a:extLst>
+                <a:ext uri="{FF2B5EF4-FFF2-40B4-BE49-F238E27FC236}">
+                  <a16:creationId xmlns:a16="http://schemas.microsoft.com/office/drawing/2014/main" id="{3230CB37-8EC1-42D5-A2C4-4C11D3FA417C}"/>
+                </a:ext>
+              </a:extLst>
+            </p:cNvPr>
+            <p:cNvSpPr/>
+            <p:nvPr/>
+          </p:nvSpPr>
+          <p:spPr>
+            <a:xfrm>
+              <a:off x="765503" y="777151"/>
+              <a:ext cx="1939595" cy="770268"/>
+            </a:xfrm>
+            <a:prstGeom prst="ellipse">
+              <a:avLst/>
+            </a:prstGeom>
+            <a:solidFill>
+              <a:srgbClr val="0047F7"/>
+            </a:solidFill>
+            <a:ln>
+              <a:noFill/>
+            </a:ln>
+          </p:spPr>
+          <p:style>
+            <a:lnRef idx="2">
+              <a:schemeClr val="accent1">
+                <a:shade val="50000"/>
+              </a:schemeClr>
+            </a:lnRef>
+            <a:fillRef idx="1">
+              <a:schemeClr val="accent1"/>
+            </a:fillRef>
+            <a:effectRef idx="0">
+              <a:schemeClr val="accent1"/>
+            </a:effectRef>
+            <a:fontRef idx="minor">
+              <a:schemeClr val="lt1"/>
+            </a:fontRef>
+          </p:style>
+          <p:txBody>
+            <a:bodyPr rtlCol="0" anchor="ctr"/>
+            <a:lstStyle/>
+            <a:p>
+              <a:pPr algn="ctr"/>
+              <a:r>
+                <a:rPr lang="en-US" dirty="0"/>
+                <a:t>Verification</a:t>
+              </a:r>
+            </a:p>
+          </p:txBody>
+        </p:sp>
+        <p:sp>
+          <p:nvSpPr>
+            <p:cNvPr id="28" name="Oval 27">
+              <a:extLst>
+                <a:ext uri="{FF2B5EF4-FFF2-40B4-BE49-F238E27FC236}">
+                  <a16:creationId xmlns:a16="http://schemas.microsoft.com/office/drawing/2014/main" id="{52193EB8-CAA8-438D-BDBE-3F2F84A97508}"/>
+                </a:ext>
+              </a:extLst>
+            </p:cNvPr>
+            <p:cNvSpPr/>
+            <p:nvPr/>
+          </p:nvSpPr>
+          <p:spPr>
+            <a:xfrm>
+              <a:off x="3165211" y="762547"/>
+              <a:ext cx="2000356" cy="770268"/>
+            </a:xfrm>
+            <a:prstGeom prst="ellipse">
+              <a:avLst/>
+            </a:prstGeom>
+            <a:solidFill>
+              <a:srgbClr val="0047F7"/>
+            </a:solidFill>
+            <a:ln>
+              <a:noFill/>
+            </a:ln>
+          </p:spPr>
+          <p:style>
+            <a:lnRef idx="2">
+              <a:schemeClr val="accent1">
+                <a:shade val="50000"/>
+              </a:schemeClr>
+            </a:lnRef>
+            <a:fillRef idx="1">
+              <a:schemeClr val="accent1"/>
+            </a:fillRef>
+            <a:effectRef idx="0">
+              <a:schemeClr val="accent1"/>
+            </a:effectRef>
+            <a:fontRef idx="minor">
+              <a:schemeClr val="lt1"/>
+            </a:fontRef>
+          </p:style>
+          <p:txBody>
+            <a:bodyPr rtlCol="0" anchor="ctr"/>
+            <a:lstStyle/>
+            <a:p>
+              <a:pPr algn="ctr"/>
+              <a:r>
+                <a:rPr lang="en-US" dirty="0"/>
+                <a:t>Abstraction</a:t>
+              </a:r>
+            </a:p>
+          </p:txBody>
+        </p:sp>
+        <p:sp>
+          <p:nvSpPr>
+            <p:cNvPr id="29" name="Oval 28">
+              <a:extLst>
+                <a:ext uri="{FF2B5EF4-FFF2-40B4-BE49-F238E27FC236}">
+                  <a16:creationId xmlns:a16="http://schemas.microsoft.com/office/drawing/2014/main" id="{2EA293B8-124C-48F2-AC13-FE9700FF5F9A}"/>
+                </a:ext>
+              </a:extLst>
+            </p:cNvPr>
+            <p:cNvSpPr/>
+            <p:nvPr/>
+          </p:nvSpPr>
+          <p:spPr>
+            <a:xfrm>
+              <a:off x="436488" y="2165856"/>
+              <a:ext cx="1851305" cy="1097933"/>
+            </a:xfrm>
+            <a:prstGeom prst="ellipse">
+              <a:avLst/>
+            </a:prstGeom>
+            <a:solidFill>
+              <a:srgbClr val="E95DF8"/>
+            </a:solidFill>
+            <a:ln>
+              <a:noFill/>
+            </a:ln>
+          </p:spPr>
+          <p:style>
+            <a:lnRef idx="2">
+              <a:schemeClr val="accent1">
+                <a:shade val="50000"/>
+              </a:schemeClr>
+            </a:lnRef>
+            <a:fillRef idx="1">
+              <a:schemeClr val="accent1"/>
+            </a:fillRef>
+            <a:effectRef idx="0">
+              <a:schemeClr val="accent1"/>
+            </a:effectRef>
+            <a:fontRef idx="minor">
+              <a:schemeClr val="lt1"/>
+            </a:fontRef>
+          </p:style>
+          <p:txBody>
+            <a:bodyPr rtlCol="0" anchor="ctr"/>
+            <a:lstStyle/>
+            <a:p>
+              <a:pPr algn="ctr"/>
+              <a:r>
+                <a:rPr lang="en-US" dirty="0">
+                  <a:solidFill>
+                    <a:schemeClr val="tx1"/>
+                  </a:solidFill>
+                </a:rPr>
+                <a:t>Data-driven Abstraction</a:t>
+              </a:r>
+            </a:p>
+          </p:txBody>
+        </p:sp>
+        <p:sp>
+          <p:nvSpPr>
+            <p:cNvPr id="30" name="Oval 29">
+              <a:extLst>
+                <a:ext uri="{FF2B5EF4-FFF2-40B4-BE49-F238E27FC236}">
+                  <a16:creationId xmlns:a16="http://schemas.microsoft.com/office/drawing/2014/main" id="{5062DD0D-393C-4FC2-8FCB-5A14CD3E3FA7}"/>
+                </a:ext>
+              </a:extLst>
+            </p:cNvPr>
+            <p:cNvSpPr/>
+            <p:nvPr/>
+          </p:nvSpPr>
+          <p:spPr>
+            <a:xfrm>
+              <a:off x="2488102" y="2021114"/>
+              <a:ext cx="1966625" cy="990935"/>
+            </a:xfrm>
+            <a:prstGeom prst="ellipse">
+              <a:avLst/>
+            </a:prstGeom>
+            <a:solidFill>
+              <a:srgbClr val="E95DF8"/>
+            </a:solidFill>
+            <a:ln>
+              <a:noFill/>
+            </a:ln>
+          </p:spPr>
+          <p:style>
+            <a:lnRef idx="2">
+              <a:schemeClr val="accent1">
+                <a:shade val="50000"/>
+              </a:schemeClr>
+            </a:lnRef>
+            <a:fillRef idx="1">
+              <a:schemeClr val="accent1"/>
+            </a:fillRef>
+            <a:effectRef idx="0">
+              <a:schemeClr val="accent1"/>
+            </a:effectRef>
+            <a:fontRef idx="minor">
+              <a:schemeClr val="lt1"/>
+            </a:fontRef>
+          </p:style>
+          <p:txBody>
+            <a:bodyPr rtlCol="0" anchor="ctr"/>
+            <a:lstStyle/>
+            <a:p>
+              <a:pPr algn="ctr"/>
+              <a:r>
+                <a:rPr lang="en-US" dirty="0">
+                  <a:solidFill>
+                    <a:schemeClr val="tx1"/>
+                  </a:solidFill>
+                </a:rPr>
+                <a:t>Specification Inference </a:t>
+              </a:r>
+            </a:p>
+          </p:txBody>
+        </p:sp>
+        <p:sp>
+          <p:nvSpPr>
+            <p:cNvPr id="31" name="Oval 30">
+              <a:extLst>
+                <a:ext uri="{FF2B5EF4-FFF2-40B4-BE49-F238E27FC236}">
+                  <a16:creationId xmlns:a16="http://schemas.microsoft.com/office/drawing/2014/main" id="{A9D4C97B-CCDA-4DDA-B4AA-D449BF81A39B}"/>
+                </a:ext>
+              </a:extLst>
+            </p:cNvPr>
+            <p:cNvSpPr/>
+            <p:nvPr/>
+          </p:nvSpPr>
+          <p:spPr>
+            <a:xfrm>
+              <a:off x="516583" y="3356858"/>
+              <a:ext cx="1845546" cy="1054015"/>
+            </a:xfrm>
+            <a:prstGeom prst="ellipse">
+              <a:avLst/>
+            </a:prstGeom>
+            <a:solidFill>
+              <a:srgbClr val="E95DF8"/>
+            </a:solidFill>
+            <a:ln>
+              <a:noFill/>
+            </a:ln>
+          </p:spPr>
+          <p:style>
+            <a:lnRef idx="2">
+              <a:schemeClr val="accent1">
+                <a:shade val="50000"/>
+              </a:schemeClr>
+            </a:lnRef>
+            <a:fillRef idx="1">
+              <a:schemeClr val="accent1"/>
+            </a:fillRef>
+            <a:effectRef idx="0">
+              <a:schemeClr val="accent1"/>
+            </a:effectRef>
+            <a:fontRef idx="minor">
+              <a:schemeClr val="lt1"/>
+            </a:fontRef>
+          </p:style>
+          <p:txBody>
+            <a:bodyPr rtlCol="0" anchor="ctr"/>
+            <a:lstStyle/>
+            <a:p>
+              <a:pPr algn="ctr"/>
+              <a:r>
+                <a:rPr lang="en-US" dirty="0">
+                  <a:solidFill>
+                    <a:schemeClr val="tx1"/>
+                  </a:solidFill>
+                </a:rPr>
+                <a:t>Learning Based Verification</a:t>
+              </a:r>
+            </a:p>
+          </p:txBody>
+        </p:sp>
+        <p:sp>
+          <p:nvSpPr>
+            <p:cNvPr id="32" name="Oval 31">
+              <a:extLst>
+                <a:ext uri="{FF2B5EF4-FFF2-40B4-BE49-F238E27FC236}">
+                  <a16:creationId xmlns:a16="http://schemas.microsoft.com/office/drawing/2014/main" id="{8EA9DA56-2B16-4D13-B5A9-5CC5F290DDB5}"/>
+                </a:ext>
+              </a:extLst>
+            </p:cNvPr>
+            <p:cNvSpPr/>
+            <p:nvPr/>
+          </p:nvSpPr>
+          <p:spPr>
+            <a:xfrm>
+              <a:off x="2622229" y="3318041"/>
+              <a:ext cx="1845546" cy="1366366"/>
+            </a:xfrm>
+            <a:prstGeom prst="ellipse">
+              <a:avLst/>
+            </a:prstGeom>
+            <a:solidFill>
+              <a:srgbClr val="E95DF8"/>
+            </a:solidFill>
+            <a:ln>
+              <a:noFill/>
+            </a:ln>
+          </p:spPr>
+          <p:style>
+            <a:lnRef idx="2">
+              <a:schemeClr val="accent1">
+                <a:shade val="50000"/>
+              </a:schemeClr>
+            </a:lnRef>
+            <a:fillRef idx="1">
+              <a:schemeClr val="accent1"/>
+            </a:fillRef>
+            <a:effectRef idx="0">
+              <a:schemeClr val="accent1"/>
+            </a:effectRef>
+            <a:fontRef idx="minor">
+              <a:schemeClr val="lt1"/>
+            </a:fontRef>
+          </p:style>
+          <p:txBody>
+            <a:bodyPr rtlCol="0" anchor="ctr"/>
+            <a:lstStyle/>
+            <a:p>
+              <a:pPr algn="ctr"/>
+              <a:r>
+                <a:rPr lang="en-US" dirty="0">
+                  <a:solidFill>
+                    <a:schemeClr val="tx1"/>
+                  </a:solidFill>
+                </a:rPr>
+                <a:t>Language Guided Learning</a:t>
+              </a:r>
+            </a:p>
+          </p:txBody>
+        </p:sp>
+        <p:sp>
+          <p:nvSpPr>
+            <p:cNvPr id="33" name="Oval 32">
+              <a:extLst>
+                <a:ext uri="{FF2B5EF4-FFF2-40B4-BE49-F238E27FC236}">
+                  <a16:creationId xmlns:a16="http://schemas.microsoft.com/office/drawing/2014/main" id="{EEC223C3-44B0-4925-B567-BA0F95FABB1E}"/>
+                </a:ext>
+              </a:extLst>
+            </p:cNvPr>
+            <p:cNvSpPr/>
+            <p:nvPr/>
+          </p:nvSpPr>
+          <p:spPr>
+            <a:xfrm>
+              <a:off x="273860" y="4826668"/>
+              <a:ext cx="1634985" cy="906582"/>
+            </a:xfrm>
+            <a:prstGeom prst="ellipse">
+              <a:avLst/>
+            </a:prstGeom>
+            <a:solidFill>
+              <a:srgbClr val="E95DF8"/>
+            </a:solidFill>
+            <a:ln>
+              <a:noFill/>
+            </a:ln>
+          </p:spPr>
+          <p:style>
+            <a:lnRef idx="2">
+              <a:schemeClr val="accent1">
+                <a:shade val="50000"/>
+              </a:schemeClr>
+            </a:lnRef>
+            <a:fillRef idx="1">
+              <a:schemeClr val="accent1"/>
+            </a:fillRef>
+            <a:effectRef idx="0">
+              <a:schemeClr val="accent1"/>
+            </a:effectRef>
+            <a:fontRef idx="minor">
+              <a:schemeClr val="lt1"/>
+            </a:fontRef>
+          </p:style>
+          <p:txBody>
+            <a:bodyPr rtlCol="0" anchor="ctr"/>
+            <a:lstStyle/>
+            <a:p>
+              <a:pPr algn="ctr"/>
+              <a:r>
+                <a:rPr lang="en-US" dirty="0">
+                  <a:solidFill>
+                    <a:schemeClr val="tx1"/>
+                  </a:solidFill>
+                </a:rPr>
+                <a:t>Safe Learning</a:t>
+              </a:r>
+            </a:p>
+          </p:txBody>
+        </p:sp>
+        <p:sp>
+          <p:nvSpPr>
+            <p:cNvPr id="34" name="Oval 33">
+              <a:extLst>
+                <a:ext uri="{FF2B5EF4-FFF2-40B4-BE49-F238E27FC236}">
+                  <a16:creationId xmlns:a16="http://schemas.microsoft.com/office/drawing/2014/main" id="{2DE4A3A2-DA01-4905-ACDC-83841CC2BCD9}"/>
+                </a:ext>
+              </a:extLst>
+            </p:cNvPr>
+            <p:cNvSpPr/>
+            <p:nvPr/>
+          </p:nvSpPr>
+          <p:spPr>
+            <a:xfrm>
+              <a:off x="3985189" y="4737141"/>
+              <a:ext cx="1851306" cy="1054009"/>
+            </a:xfrm>
+            <a:prstGeom prst="ellipse">
+              <a:avLst/>
+            </a:prstGeom>
+            <a:solidFill>
+              <a:srgbClr val="E95DF8"/>
+            </a:solidFill>
+            <a:ln>
+              <a:noFill/>
+            </a:ln>
+          </p:spPr>
+          <p:style>
+            <a:lnRef idx="2">
+              <a:schemeClr val="accent1">
+                <a:shade val="50000"/>
+              </a:schemeClr>
+            </a:lnRef>
+            <a:fillRef idx="1">
+              <a:schemeClr val="accent1"/>
+            </a:fillRef>
+            <a:effectRef idx="0">
+              <a:schemeClr val="accent1"/>
+            </a:effectRef>
+            <a:fontRef idx="minor">
+              <a:schemeClr val="lt1"/>
+            </a:fontRef>
+          </p:style>
+          <p:txBody>
+            <a:bodyPr rtlCol="0" anchor="ctr"/>
+            <a:lstStyle/>
+            <a:p>
+              <a:pPr algn="ctr"/>
+              <a:r>
+                <a:rPr lang="en-US" dirty="0">
+                  <a:solidFill>
+                    <a:schemeClr val="tx1"/>
+                  </a:solidFill>
+                </a:rPr>
+                <a:t>Monitoring with Formal  Language </a:t>
+              </a:r>
+            </a:p>
+          </p:txBody>
+        </p:sp>
+        <p:sp>
+          <p:nvSpPr>
+            <p:cNvPr id="35" name="Oval 34">
+              <a:extLst>
+                <a:ext uri="{FF2B5EF4-FFF2-40B4-BE49-F238E27FC236}">
+                  <a16:creationId xmlns:a16="http://schemas.microsoft.com/office/drawing/2014/main" id="{76EC658A-A879-4224-9BB2-F131850A050C}"/>
+                </a:ext>
+              </a:extLst>
+            </p:cNvPr>
+            <p:cNvSpPr/>
+            <p:nvPr/>
+          </p:nvSpPr>
+          <p:spPr>
+            <a:xfrm>
+              <a:off x="6548364" y="5155638"/>
+              <a:ext cx="2257706" cy="971753"/>
+            </a:xfrm>
+            <a:prstGeom prst="ellipse">
+              <a:avLst/>
+            </a:prstGeom>
+            <a:solidFill>
+              <a:srgbClr val="EA3D1D"/>
+            </a:solidFill>
+            <a:ln>
+              <a:noFill/>
+            </a:ln>
+          </p:spPr>
+          <p:style>
+            <a:lnRef idx="2">
+              <a:schemeClr val="accent1">
+                <a:shade val="50000"/>
+              </a:schemeClr>
+            </a:lnRef>
+            <a:fillRef idx="1">
+              <a:schemeClr val="accent1"/>
+            </a:fillRef>
+            <a:effectRef idx="0">
+              <a:schemeClr val="accent1"/>
+            </a:effectRef>
+            <a:fontRef idx="minor">
+              <a:schemeClr val="lt1"/>
+            </a:fontRef>
+          </p:style>
+          <p:txBody>
+            <a:bodyPr rtlCol="0" anchor="ctr"/>
+            <a:lstStyle/>
+            <a:p>
+              <a:pPr algn="ctr"/>
+              <a:r>
+                <a:rPr lang="en-US" dirty="0">
+                  <a:solidFill>
+                    <a:schemeClr val="bg1"/>
+                  </a:solidFill>
+                </a:rPr>
+                <a:t>Reinforcement Learning </a:t>
+              </a:r>
+            </a:p>
+          </p:txBody>
+        </p:sp>
+        <p:sp>
+          <p:nvSpPr>
+            <p:cNvPr id="36" name="Oval 35">
+              <a:extLst>
+                <a:ext uri="{FF2B5EF4-FFF2-40B4-BE49-F238E27FC236}">
+                  <a16:creationId xmlns:a16="http://schemas.microsoft.com/office/drawing/2014/main" id="{EC2E37F3-1AE5-4922-887E-D6DBF29E9FE2}"/>
+                </a:ext>
+              </a:extLst>
+            </p:cNvPr>
+            <p:cNvSpPr/>
+            <p:nvPr/>
+          </p:nvSpPr>
+          <p:spPr>
+            <a:xfrm>
+              <a:off x="9250151" y="5197678"/>
+              <a:ext cx="2257706" cy="971753"/>
+            </a:xfrm>
+            <a:prstGeom prst="ellipse">
+              <a:avLst/>
+            </a:prstGeom>
+            <a:solidFill>
+              <a:srgbClr val="EA3D1D"/>
+            </a:solidFill>
+            <a:ln>
+              <a:noFill/>
+            </a:ln>
+          </p:spPr>
+          <p:style>
+            <a:lnRef idx="2">
+              <a:schemeClr val="accent1">
+                <a:shade val="50000"/>
+              </a:schemeClr>
+            </a:lnRef>
+            <a:fillRef idx="1">
+              <a:schemeClr val="accent1"/>
+            </a:fillRef>
+            <a:effectRef idx="0">
+              <a:schemeClr val="accent1"/>
+            </a:effectRef>
+            <a:fontRef idx="minor">
+              <a:schemeClr val="lt1"/>
+            </a:fontRef>
+          </p:style>
+          <p:txBody>
+            <a:bodyPr rtlCol="0" anchor="ctr"/>
+            <a:lstStyle/>
+            <a:p>
+              <a:pPr algn="ctr"/>
+              <a:r>
+                <a:rPr lang="en-US" dirty="0">
+                  <a:solidFill>
+                    <a:schemeClr val="bg1"/>
+                  </a:solidFill>
+                </a:rPr>
+                <a:t>Feature Selection</a:t>
+              </a:r>
+            </a:p>
+          </p:txBody>
+        </p:sp>
+        <p:sp>
+          <p:nvSpPr>
+            <p:cNvPr id="37" name="Oval 36">
+              <a:extLst>
+                <a:ext uri="{FF2B5EF4-FFF2-40B4-BE49-F238E27FC236}">
+                  <a16:creationId xmlns:a16="http://schemas.microsoft.com/office/drawing/2014/main" id="{CD4DFD8E-E9DB-4BFD-82D7-745E136C8D53}"/>
+                </a:ext>
+              </a:extLst>
+            </p:cNvPr>
+            <p:cNvSpPr/>
+            <p:nvPr/>
+          </p:nvSpPr>
+          <p:spPr>
+            <a:xfrm>
+              <a:off x="6780813" y="787410"/>
+              <a:ext cx="2257706" cy="780660"/>
+            </a:xfrm>
+            <a:prstGeom prst="ellipse">
+              <a:avLst/>
+            </a:prstGeom>
+            <a:solidFill>
+              <a:srgbClr val="75FAFE"/>
+            </a:solidFill>
+            <a:ln>
+              <a:noFill/>
+            </a:ln>
+          </p:spPr>
+          <p:style>
+            <a:lnRef idx="2">
+              <a:schemeClr val="accent1">
+                <a:shade val="50000"/>
+              </a:schemeClr>
+            </a:lnRef>
+            <a:fillRef idx="1">
+              <a:schemeClr val="accent1"/>
+            </a:fillRef>
+            <a:effectRef idx="0">
+              <a:schemeClr val="accent1"/>
+            </a:effectRef>
+            <a:fontRef idx="minor">
+              <a:schemeClr val="lt1"/>
+            </a:fontRef>
+          </p:style>
+          <p:txBody>
+            <a:bodyPr rtlCol="0" anchor="ctr"/>
+            <a:lstStyle/>
+            <a:p>
+              <a:pPr algn="ctr"/>
+              <a:r>
+                <a:rPr lang="en-US" dirty="0">
+                  <a:solidFill>
+                    <a:schemeClr val="tx1"/>
+                  </a:solidFill>
+                </a:rPr>
+                <a:t>Control with STL</a:t>
+              </a:r>
+            </a:p>
+          </p:txBody>
+        </p:sp>
+        <p:sp>
+          <p:nvSpPr>
+            <p:cNvPr id="38" name="Oval 37">
+              <a:extLst>
+                <a:ext uri="{FF2B5EF4-FFF2-40B4-BE49-F238E27FC236}">
+                  <a16:creationId xmlns:a16="http://schemas.microsoft.com/office/drawing/2014/main" id="{64C37D24-F63B-4870-BCAE-AEFEE953D823}"/>
+                </a:ext>
+              </a:extLst>
+            </p:cNvPr>
+            <p:cNvSpPr/>
+            <p:nvPr/>
+          </p:nvSpPr>
+          <p:spPr>
+            <a:xfrm>
+              <a:off x="9294497" y="795758"/>
+              <a:ext cx="2257706" cy="829290"/>
+            </a:xfrm>
+            <a:prstGeom prst="ellipse">
+              <a:avLst/>
+            </a:prstGeom>
+            <a:solidFill>
+              <a:srgbClr val="75FAFE"/>
+            </a:solidFill>
+            <a:ln>
+              <a:noFill/>
+            </a:ln>
+          </p:spPr>
+          <p:style>
+            <a:lnRef idx="2">
+              <a:schemeClr val="accent1">
+                <a:shade val="50000"/>
+              </a:schemeClr>
+            </a:lnRef>
+            <a:fillRef idx="1">
+              <a:schemeClr val="accent1"/>
+            </a:fillRef>
+            <a:effectRef idx="0">
+              <a:schemeClr val="accent1"/>
+            </a:effectRef>
+            <a:fontRef idx="minor">
+              <a:schemeClr val="lt1"/>
+            </a:fontRef>
+          </p:style>
+          <p:txBody>
+            <a:bodyPr rtlCol="0" anchor="ctr"/>
+            <a:lstStyle/>
+            <a:p>
+              <a:pPr algn="ctr"/>
+              <a:r>
+                <a:rPr lang="en-US" dirty="0">
+                  <a:solidFill>
+                    <a:schemeClr val="tx1"/>
+                  </a:solidFill>
+                </a:rPr>
+                <a:t>Control with Spectral Logic</a:t>
+              </a:r>
+            </a:p>
+          </p:txBody>
+        </p:sp>
+        <p:sp>
+          <p:nvSpPr>
+            <p:cNvPr id="39" name="Oval 38">
+              <a:extLst>
+                <a:ext uri="{FF2B5EF4-FFF2-40B4-BE49-F238E27FC236}">
+                  <a16:creationId xmlns:a16="http://schemas.microsoft.com/office/drawing/2014/main" id="{0691AFB2-D94C-4F24-AFF6-6616F29D1CF6}"/>
+                </a:ext>
+              </a:extLst>
+            </p:cNvPr>
+            <p:cNvSpPr/>
+            <p:nvPr/>
+          </p:nvSpPr>
+          <p:spPr>
+            <a:xfrm>
+              <a:off x="7705872" y="1695488"/>
+              <a:ext cx="2257706" cy="780660"/>
+            </a:xfrm>
+            <a:prstGeom prst="ellipse">
+              <a:avLst/>
+            </a:prstGeom>
+            <a:solidFill>
+              <a:srgbClr val="75FAFE"/>
+            </a:solidFill>
+            <a:ln>
+              <a:noFill/>
+            </a:ln>
+          </p:spPr>
+          <p:style>
+            <a:lnRef idx="2">
+              <a:schemeClr val="accent1">
+                <a:shade val="50000"/>
+              </a:schemeClr>
+            </a:lnRef>
+            <a:fillRef idx="1">
+              <a:schemeClr val="accent1"/>
+            </a:fillRef>
+            <a:effectRef idx="0">
+              <a:schemeClr val="accent1"/>
+            </a:effectRef>
+            <a:fontRef idx="minor">
+              <a:schemeClr val="lt1"/>
+            </a:fontRef>
+          </p:style>
+          <p:txBody>
+            <a:bodyPr rtlCol="0" anchor="ctr"/>
+            <a:lstStyle/>
+            <a:p>
+              <a:pPr algn="ctr"/>
+              <a:r>
+                <a:rPr lang="en-US" dirty="0">
+                  <a:solidFill>
+                    <a:schemeClr val="tx1"/>
+                  </a:solidFill>
+                </a:rPr>
+                <a:t>Planning with STL</a:t>
+              </a:r>
+            </a:p>
+          </p:txBody>
+        </p:sp>
+        <p:sp>
+          <p:nvSpPr>
+            <p:cNvPr id="40" name="Oval 39">
+              <a:extLst>
+                <a:ext uri="{FF2B5EF4-FFF2-40B4-BE49-F238E27FC236}">
+                  <a16:creationId xmlns:a16="http://schemas.microsoft.com/office/drawing/2014/main" id="{2757202C-5955-4260-839A-012A263F3F70}"/>
+                </a:ext>
+              </a:extLst>
+            </p:cNvPr>
+            <p:cNvSpPr/>
+            <p:nvPr/>
+          </p:nvSpPr>
+          <p:spPr>
+            <a:xfrm>
+              <a:off x="9963578" y="1901342"/>
+              <a:ext cx="2109743" cy="780660"/>
+            </a:xfrm>
+            <a:prstGeom prst="ellipse">
+              <a:avLst/>
+            </a:prstGeom>
+            <a:solidFill>
+              <a:srgbClr val="77F348"/>
+            </a:solidFill>
+            <a:ln>
+              <a:noFill/>
+            </a:ln>
+          </p:spPr>
+          <p:style>
+            <a:lnRef idx="2">
+              <a:schemeClr val="accent1">
+                <a:shade val="50000"/>
+              </a:schemeClr>
+            </a:lnRef>
+            <a:fillRef idx="1">
+              <a:schemeClr val="accent1"/>
+            </a:fillRef>
+            <a:effectRef idx="0">
+              <a:schemeClr val="accent1"/>
+            </a:effectRef>
+            <a:fontRef idx="minor">
+              <a:schemeClr val="lt1"/>
+            </a:fontRef>
+          </p:style>
+          <p:txBody>
+            <a:bodyPr rtlCol="0" anchor="ctr"/>
+            <a:lstStyle/>
+            <a:p>
+              <a:pPr algn="ctr"/>
+              <a:r>
+                <a:rPr lang="en-US" dirty="0">
+                  <a:solidFill>
+                    <a:schemeClr val="tx1"/>
+                  </a:solidFill>
+                </a:rPr>
+                <a:t>NI Systems Control</a:t>
+              </a:r>
+            </a:p>
+          </p:txBody>
+        </p:sp>
+        <p:sp>
+          <p:nvSpPr>
+            <p:cNvPr id="41" name="Oval 40">
+              <a:extLst>
+                <a:ext uri="{FF2B5EF4-FFF2-40B4-BE49-F238E27FC236}">
+                  <a16:creationId xmlns:a16="http://schemas.microsoft.com/office/drawing/2014/main" id="{F562A36B-B45E-4324-87E4-A25CE5AF8284}"/>
+                </a:ext>
+              </a:extLst>
+            </p:cNvPr>
+            <p:cNvSpPr/>
+            <p:nvPr/>
+          </p:nvSpPr>
+          <p:spPr>
+            <a:xfrm>
+              <a:off x="8186666" y="2592736"/>
+              <a:ext cx="2257706" cy="780660"/>
+            </a:xfrm>
+            <a:prstGeom prst="ellipse">
+              <a:avLst/>
+            </a:prstGeom>
+            <a:solidFill>
+              <a:schemeClr val="bg1"/>
+            </a:solidFill>
+            <a:ln>
+              <a:solidFill>
+                <a:schemeClr val="tx1"/>
+              </a:solidFill>
+            </a:ln>
+          </p:spPr>
+          <p:style>
+            <a:lnRef idx="2">
+              <a:schemeClr val="accent1">
+                <a:shade val="50000"/>
+              </a:schemeClr>
+            </a:lnRef>
+            <a:fillRef idx="1">
+              <a:schemeClr val="accent1"/>
+            </a:fillRef>
+            <a:effectRef idx="0">
+              <a:schemeClr val="accent1"/>
+            </a:effectRef>
+            <a:fontRef idx="minor">
+              <a:schemeClr val="lt1"/>
+            </a:fontRef>
+          </p:style>
+          <p:txBody>
+            <a:bodyPr rtlCol="0" anchor="ctr"/>
+            <a:lstStyle/>
+            <a:p>
+              <a:pPr algn="ctr"/>
+              <a:r>
+                <a:rPr lang="en-US" dirty="0">
+                  <a:solidFill>
+                    <a:schemeClr val="tx1"/>
+                  </a:solidFill>
+                </a:rPr>
+                <a:t>Human-in-the-loop Design</a:t>
+              </a:r>
+            </a:p>
+          </p:txBody>
+        </p:sp>
+        <p:sp>
+          <p:nvSpPr>
+            <p:cNvPr id="42" name="Oval 41">
+              <a:extLst>
+                <a:ext uri="{FF2B5EF4-FFF2-40B4-BE49-F238E27FC236}">
+                  <a16:creationId xmlns:a16="http://schemas.microsoft.com/office/drawing/2014/main" id="{C1183A24-E853-4038-80F3-D5E0DA0D2DEE}"/>
+                </a:ext>
+              </a:extLst>
+            </p:cNvPr>
+            <p:cNvSpPr/>
+            <p:nvPr/>
+          </p:nvSpPr>
+          <p:spPr>
+            <a:xfrm>
+              <a:off x="7572165" y="3409484"/>
+              <a:ext cx="2257706" cy="780660"/>
+            </a:xfrm>
+            <a:prstGeom prst="ellipse">
+              <a:avLst/>
+            </a:prstGeom>
+            <a:solidFill>
+              <a:srgbClr val="FFF84C"/>
+            </a:solidFill>
+            <a:ln>
+              <a:noFill/>
+            </a:ln>
+          </p:spPr>
+          <p:style>
+            <a:lnRef idx="2">
+              <a:schemeClr val="accent1">
+                <a:shade val="50000"/>
+              </a:schemeClr>
+            </a:lnRef>
+            <a:fillRef idx="1">
+              <a:schemeClr val="accent1"/>
+            </a:fillRef>
+            <a:effectRef idx="0">
+              <a:schemeClr val="accent1"/>
+            </a:effectRef>
+            <a:fontRef idx="minor">
+              <a:schemeClr val="lt1"/>
+            </a:fontRef>
+          </p:style>
+          <p:txBody>
+            <a:bodyPr rtlCol="0" anchor="ctr"/>
+            <a:lstStyle/>
+            <a:p>
+              <a:pPr algn="ctr"/>
+              <a:r>
+                <a:rPr lang="en-US" dirty="0">
+                  <a:solidFill>
+                    <a:schemeClr val="tx1"/>
+                  </a:solidFill>
+                </a:rPr>
+                <a:t>RL Control with STL</a:t>
+              </a:r>
+            </a:p>
+          </p:txBody>
+        </p:sp>
+        <p:sp>
+          <p:nvSpPr>
+            <p:cNvPr id="43" name="Oval 42">
+              <a:extLst>
+                <a:ext uri="{FF2B5EF4-FFF2-40B4-BE49-F238E27FC236}">
+                  <a16:creationId xmlns:a16="http://schemas.microsoft.com/office/drawing/2014/main" id="{9263D769-DC71-455B-A2CF-B2C638B46C83}"/>
+                </a:ext>
+              </a:extLst>
+            </p:cNvPr>
+            <p:cNvSpPr/>
+            <p:nvPr/>
+          </p:nvSpPr>
+          <p:spPr>
+            <a:xfrm>
+              <a:off x="10118529" y="4105735"/>
+              <a:ext cx="1814978" cy="780660"/>
+            </a:xfrm>
+            <a:prstGeom prst="ellipse">
+              <a:avLst/>
+            </a:prstGeom>
+            <a:solidFill>
+              <a:srgbClr val="FFF84C"/>
+            </a:solidFill>
+            <a:ln>
+              <a:noFill/>
+            </a:ln>
+          </p:spPr>
+          <p:style>
+            <a:lnRef idx="2">
+              <a:schemeClr val="accent1">
+                <a:shade val="50000"/>
+              </a:schemeClr>
+            </a:lnRef>
+            <a:fillRef idx="1">
+              <a:schemeClr val="accent1"/>
+            </a:fillRef>
+            <a:effectRef idx="0">
+              <a:schemeClr val="accent1"/>
+            </a:effectRef>
+            <a:fontRef idx="minor">
+              <a:schemeClr val="lt1"/>
+            </a:fontRef>
+          </p:style>
+          <p:txBody>
+            <a:bodyPr rot="0" spcFirstLastPara="0" vertOverflow="overflow" horzOverflow="overflow" vert="horz" wrap="square" lIns="91440" tIns="45720" rIns="91440" bIns="45720" numCol="1" spcCol="0" rtlCol="0" fromWordArt="0" anchor="ctr" anchorCtr="0" forceAA="0" compatLnSpc="1">
+              <a:prstTxWarp prst="textNoShape">
+                <a:avLst/>
+              </a:prstTxWarp>
+              <a:noAutofit/>
+            </a:bodyPr>
+            <a:lstStyle/>
+            <a:p>
+              <a:pPr algn="ctr"/>
+              <a:r>
+                <a:rPr lang="en-US" dirty="0">
+                  <a:solidFill>
+                    <a:schemeClr val="tx1"/>
+                  </a:solidFill>
+                </a:rPr>
+                <a:t>MDP with STL</a:t>
+              </a:r>
+            </a:p>
+          </p:txBody>
+        </p:sp>
+        <p:sp>
+          <p:nvSpPr>
+            <p:cNvPr id="44" name="Oval 43">
+              <a:extLst>
+                <a:ext uri="{FF2B5EF4-FFF2-40B4-BE49-F238E27FC236}">
+                  <a16:creationId xmlns:a16="http://schemas.microsoft.com/office/drawing/2014/main" id="{339240F6-C186-4D73-B9A6-78C8F6A638CB}"/>
+                </a:ext>
+              </a:extLst>
+            </p:cNvPr>
+            <p:cNvSpPr/>
+            <p:nvPr/>
+          </p:nvSpPr>
+          <p:spPr>
+            <a:xfrm>
+              <a:off x="7455544" y="4232196"/>
+              <a:ext cx="2257706" cy="780660"/>
+            </a:xfrm>
+            <a:prstGeom prst="ellipse">
+              <a:avLst/>
+            </a:prstGeom>
+            <a:solidFill>
+              <a:srgbClr val="FFF84C"/>
+            </a:solidFill>
+            <a:ln>
+              <a:noFill/>
+            </a:ln>
+          </p:spPr>
+          <p:style>
+            <a:lnRef idx="2">
+              <a:schemeClr val="accent1">
+                <a:shade val="50000"/>
+              </a:schemeClr>
+            </a:lnRef>
+            <a:fillRef idx="1">
+              <a:schemeClr val="accent1"/>
+            </a:fillRef>
+            <a:effectRef idx="0">
+              <a:schemeClr val="accent1"/>
+            </a:effectRef>
+            <a:fontRef idx="minor">
+              <a:schemeClr val="lt1"/>
+            </a:fontRef>
+          </p:style>
+          <p:txBody>
+            <a:bodyPr rtlCol="0" anchor="ctr"/>
+            <a:lstStyle/>
+            <a:p>
+              <a:pPr algn="ctr"/>
+              <a:r>
+                <a:rPr lang="en-US" dirty="0">
+                  <a:solidFill>
+                    <a:schemeClr val="tx1"/>
+                  </a:solidFill>
+                </a:rPr>
+                <a:t>Safety RL</a:t>
+              </a:r>
+            </a:p>
+          </p:txBody>
+        </p:sp>
+        <p:sp>
+          <p:nvSpPr>
+            <p:cNvPr id="45" name="Oval 44">
+              <a:extLst>
+                <a:ext uri="{FF2B5EF4-FFF2-40B4-BE49-F238E27FC236}">
+                  <a16:creationId xmlns:a16="http://schemas.microsoft.com/office/drawing/2014/main" id="{3A03D119-B281-4DE0-BBB8-61F5BDBDBE7A}"/>
+                </a:ext>
+              </a:extLst>
+            </p:cNvPr>
+            <p:cNvSpPr/>
+            <p:nvPr/>
+          </p:nvSpPr>
+          <p:spPr>
+            <a:xfrm>
+              <a:off x="2148607" y="4995008"/>
+              <a:ext cx="1634985" cy="906582"/>
+            </a:xfrm>
+            <a:prstGeom prst="ellipse">
+              <a:avLst/>
+            </a:prstGeom>
+            <a:solidFill>
+              <a:srgbClr val="E95DF8"/>
+            </a:solidFill>
+            <a:ln>
+              <a:noFill/>
+            </a:ln>
+          </p:spPr>
+          <p:style>
+            <a:lnRef idx="2">
+              <a:schemeClr val="accent1">
+                <a:shade val="50000"/>
+              </a:schemeClr>
+            </a:lnRef>
+            <a:fillRef idx="1">
+              <a:schemeClr val="accent1"/>
+            </a:fillRef>
+            <a:effectRef idx="0">
+              <a:schemeClr val="accent1"/>
+            </a:effectRef>
+            <a:fontRef idx="minor">
+              <a:schemeClr val="lt1"/>
+            </a:fontRef>
+          </p:style>
+          <p:txBody>
+            <a:bodyPr rtlCol="0" anchor="ctr"/>
+            <a:lstStyle/>
+            <a:p>
+              <a:pPr algn="ctr"/>
+              <a:r>
+                <a:rPr lang="en-US" dirty="0">
+                  <a:solidFill>
+                    <a:schemeClr val="tx1"/>
+                  </a:solidFill>
+                </a:rPr>
+                <a:t>Provable Learning</a:t>
+              </a:r>
+            </a:p>
+          </p:txBody>
+        </p:sp>
+        <p:sp>
+          <p:nvSpPr>
+            <p:cNvPr id="46" name="Oval 45">
+              <a:extLst>
+                <a:ext uri="{FF2B5EF4-FFF2-40B4-BE49-F238E27FC236}">
+                  <a16:creationId xmlns:a16="http://schemas.microsoft.com/office/drawing/2014/main" id="{1E68F854-DD2E-43E9-9BE1-25DFE27BF013}"/>
+                </a:ext>
+              </a:extLst>
+            </p:cNvPr>
+            <p:cNvSpPr/>
+            <p:nvPr/>
+          </p:nvSpPr>
+          <p:spPr>
+            <a:xfrm>
+              <a:off x="9829871" y="3177290"/>
+              <a:ext cx="2257706" cy="780660"/>
+            </a:xfrm>
+            <a:prstGeom prst="ellipse">
+              <a:avLst/>
+            </a:prstGeom>
+            <a:solidFill>
+              <a:schemeClr val="bg1"/>
+            </a:solidFill>
+            <a:ln>
+              <a:solidFill>
+                <a:schemeClr val="tx1"/>
+              </a:solidFill>
+            </a:ln>
+          </p:spPr>
+          <p:style>
+            <a:lnRef idx="2">
+              <a:schemeClr val="accent1">
+                <a:shade val="50000"/>
+              </a:schemeClr>
+            </a:lnRef>
+            <a:fillRef idx="1">
+              <a:schemeClr val="accent1"/>
+            </a:fillRef>
+            <a:effectRef idx="0">
+              <a:schemeClr val="accent1"/>
+            </a:effectRef>
+            <a:fontRef idx="minor">
+              <a:schemeClr val="lt1"/>
+            </a:fontRef>
+          </p:style>
+          <p:txBody>
+            <a:bodyPr rtlCol="0" anchor="ctr"/>
+            <a:lstStyle/>
+            <a:p>
+              <a:pPr algn="ctr"/>
+              <a:r>
+                <a:rPr lang="en-US" dirty="0">
+                  <a:solidFill>
+                    <a:schemeClr val="tx1"/>
+                  </a:solidFill>
+                </a:rPr>
+                <a:t>Language Guided Design</a:t>
+              </a:r>
+            </a:p>
+          </p:txBody>
+        </p:sp>
+      </p:grpSp>
     </p:spTree>
     <p:extLst>
       <p:ext uri="{BB962C8B-B14F-4D97-AF65-F5344CB8AC3E}">

--- a/project/PIC.pptx
+++ b/project/PIC.pptx
@@ -199,7 +199,7 @@
           <a:p>
             <a:fld id="{9259F992-2BE5-4BC1-8AF7-D04BB1E3BC58}" type="datetimeFigureOut">
               <a:rPr lang="en-US" smtClean="0"/>
-              <a:t>3/6/2020</a:t>
+              <a:t>7/6/2020</a:t>
             </a:fld>
             <a:endParaRPr lang="en-US"/>
           </a:p>
@@ -781,7 +781,7 @@
           <a:p>
             <a:fld id="{C3F4075E-195E-44E9-B1C7-0163535A80E4}" type="datetimeFigureOut">
               <a:rPr lang="en-US" smtClean="0"/>
-              <a:t>3/6/2020</a:t>
+              <a:t>7/6/2020</a:t>
             </a:fld>
             <a:endParaRPr lang="en-US"/>
           </a:p>
@@ -979,7 +979,7 @@
           <a:p>
             <a:fld id="{C3F4075E-195E-44E9-B1C7-0163535A80E4}" type="datetimeFigureOut">
               <a:rPr lang="en-US" smtClean="0"/>
-              <a:t>3/6/2020</a:t>
+              <a:t>7/6/2020</a:t>
             </a:fld>
             <a:endParaRPr lang="en-US"/>
           </a:p>
@@ -1187,7 +1187,7 @@
           <a:p>
             <a:fld id="{C3F4075E-195E-44E9-B1C7-0163535A80E4}" type="datetimeFigureOut">
               <a:rPr lang="en-US" smtClean="0"/>
-              <a:t>3/6/2020</a:t>
+              <a:t>7/6/2020</a:t>
             </a:fld>
             <a:endParaRPr lang="en-US"/>
           </a:p>
@@ -1385,7 +1385,7 @@
           <a:p>
             <a:fld id="{C3F4075E-195E-44E9-B1C7-0163535A80E4}" type="datetimeFigureOut">
               <a:rPr lang="en-US" smtClean="0"/>
-              <a:t>3/6/2020</a:t>
+              <a:t>7/6/2020</a:t>
             </a:fld>
             <a:endParaRPr lang="en-US"/>
           </a:p>
@@ -1660,7 +1660,7 @@
           <a:p>
             <a:fld id="{C3F4075E-195E-44E9-B1C7-0163535A80E4}" type="datetimeFigureOut">
               <a:rPr lang="en-US" smtClean="0"/>
-              <a:t>3/6/2020</a:t>
+              <a:t>7/6/2020</a:t>
             </a:fld>
             <a:endParaRPr lang="en-US"/>
           </a:p>
@@ -1925,7 +1925,7 @@
           <a:p>
             <a:fld id="{C3F4075E-195E-44E9-B1C7-0163535A80E4}" type="datetimeFigureOut">
               <a:rPr lang="en-US" smtClean="0"/>
-              <a:t>3/6/2020</a:t>
+              <a:t>7/6/2020</a:t>
             </a:fld>
             <a:endParaRPr lang="en-US"/>
           </a:p>
@@ -2337,7 +2337,7 @@
           <a:p>
             <a:fld id="{C3F4075E-195E-44E9-B1C7-0163535A80E4}" type="datetimeFigureOut">
               <a:rPr lang="en-US" smtClean="0"/>
-              <a:t>3/6/2020</a:t>
+              <a:t>7/6/2020</a:t>
             </a:fld>
             <a:endParaRPr lang="en-US"/>
           </a:p>
@@ -2478,7 +2478,7 @@
           <a:p>
             <a:fld id="{C3F4075E-195E-44E9-B1C7-0163535A80E4}" type="datetimeFigureOut">
               <a:rPr lang="en-US" smtClean="0"/>
-              <a:t>3/6/2020</a:t>
+              <a:t>7/6/2020</a:t>
             </a:fld>
             <a:endParaRPr lang="en-US"/>
           </a:p>
@@ -2591,7 +2591,7 @@
           <a:p>
             <a:fld id="{C3F4075E-195E-44E9-B1C7-0163535A80E4}" type="datetimeFigureOut">
               <a:rPr lang="en-US" smtClean="0"/>
-              <a:t>3/6/2020</a:t>
+              <a:t>7/6/2020</a:t>
             </a:fld>
             <a:endParaRPr lang="en-US"/>
           </a:p>
@@ -2902,7 +2902,7 @@
           <a:p>
             <a:fld id="{C3F4075E-195E-44E9-B1C7-0163535A80E4}" type="datetimeFigureOut">
               <a:rPr lang="en-US" smtClean="0"/>
-              <a:t>3/6/2020</a:t>
+              <a:t>7/6/2020</a:t>
             </a:fld>
             <a:endParaRPr lang="en-US"/>
           </a:p>
@@ -3190,7 +3190,7 @@
           <a:p>
             <a:fld id="{C3F4075E-195E-44E9-B1C7-0163535A80E4}" type="datetimeFigureOut">
               <a:rPr lang="en-US" smtClean="0"/>
-              <a:t>3/6/2020</a:t>
+              <a:t>7/6/2020</a:t>
             </a:fld>
             <a:endParaRPr lang="en-US"/>
           </a:p>
@@ -3431,7 +3431,7 @@
           <a:p>
             <a:fld id="{C3F4075E-195E-44E9-B1C7-0163535A80E4}" type="datetimeFigureOut">
               <a:rPr lang="en-US" smtClean="0"/>
-              <a:t>3/6/2020</a:t>
+              <a:t>7/6/2020</a:t>
             </a:fld>
             <a:endParaRPr lang="en-US"/>
           </a:p>
@@ -3850,10 +3850,10 @@
       </p:grpSpPr>
       <p:grpSp>
         <p:nvGrpSpPr>
-          <p:cNvPr id="47" name="Group 46">
-            <a:extLst>
-              <a:ext uri="{FF2B5EF4-FFF2-40B4-BE49-F238E27FC236}">
-                <a16:creationId xmlns:a16="http://schemas.microsoft.com/office/drawing/2014/main" id="{A48E9F4B-8C95-4147-B95C-E126C895DECB}"/>
+          <p:cNvPr id="5" name="Group 4">
+            <a:extLst>
+              <a:ext uri="{FF2B5EF4-FFF2-40B4-BE49-F238E27FC236}">
+                <a16:creationId xmlns:a16="http://schemas.microsoft.com/office/drawing/2014/main" id="{659D53B6-F0A7-4BE2-948E-55CAEA667245}"/>
               </a:ext>
             </a:extLst>
           </p:cNvPr>
@@ -3862,10 +3862,10 @@
         </p:nvGrpSpPr>
         <p:grpSpPr>
           <a:xfrm>
-            <a:off x="273860" y="139148"/>
-            <a:ext cx="11813717" cy="6674126"/>
-            <a:chOff x="273860" y="139148"/>
-            <a:chExt cx="11813717" cy="6674126"/>
+            <a:off x="392539" y="91937"/>
+            <a:ext cx="11799461" cy="6674126"/>
+            <a:chOff x="392539" y="91937"/>
+            <a:chExt cx="11799461" cy="6674126"/>
           </a:xfrm>
         </p:grpSpPr>
         <p:grpSp>
@@ -3882,7 +3882,7 @@
           </p:nvGrpSpPr>
           <p:grpSpPr>
             <a:xfrm>
-              <a:off x="4231171" y="1720506"/>
+              <a:off x="4349850" y="1673295"/>
               <a:ext cx="4044410" cy="3416988"/>
               <a:chOff x="4062382" y="1375744"/>
               <a:chExt cx="4067235" cy="3797145"/>
@@ -4091,7 +4091,7 @@
           </p:nvCxnSpPr>
           <p:spPr>
             <a:xfrm flipV="1">
-              <a:off x="6266622" y="139148"/>
+              <a:off x="6385301" y="91937"/>
               <a:ext cx="0" cy="2151822"/>
             </a:xfrm>
             <a:prstGeom prst="straightConnector1">
@@ -4133,7 +4133,7 @@
           </p:nvCxnSpPr>
           <p:spPr>
             <a:xfrm>
-              <a:off x="6241774" y="4995008"/>
+              <a:off x="6360453" y="4947797"/>
               <a:ext cx="0" cy="1818266"/>
             </a:xfrm>
             <a:prstGeom prst="straightConnector1">
@@ -4173,7 +4173,7 @@
           </p:nvCxnSpPr>
           <p:spPr>
             <a:xfrm flipH="1">
-              <a:off x="377687" y="1878969"/>
+              <a:off x="496366" y="1831758"/>
               <a:ext cx="5864087" cy="0"/>
             </a:xfrm>
             <a:prstGeom prst="straightConnector1">
@@ -4208,13 +4208,15 @@
                 </a:ext>
               </a:extLst>
             </p:cNvPr>
-            <p:cNvCxnSpPr/>
+            <p:cNvCxnSpPr>
+              <a:cxnSpLocks/>
+            </p:cNvCxnSpPr>
             <p:nvPr/>
           </p:nvCxnSpPr>
           <p:spPr>
             <a:xfrm>
-              <a:off x="6241774" y="5042036"/>
-              <a:ext cx="5789543" cy="0"/>
+              <a:off x="7373007" y="4267595"/>
+              <a:ext cx="4818993" cy="0"/>
             </a:xfrm>
             <a:prstGeom prst="straightConnector1">
               <a:avLst/>
@@ -4253,8 +4255,8 @@
           </p:nvSpPr>
           <p:spPr>
             <a:xfrm>
-              <a:off x="1857757" y="285052"/>
-              <a:ext cx="2000356" cy="369332"/>
+              <a:off x="1976436" y="237841"/>
+              <a:ext cx="1813702" cy="369332"/>
             </a:xfrm>
             <a:prstGeom prst="rect">
               <a:avLst/>
@@ -4269,8 +4271,13 @@
             <a:p>
               <a:r>
                 <a:rPr lang="en-US" b="1" dirty="0"/>
-                <a:t>Formal Verification</a:t>
+                <a:t>S</a:t>
               </a:r>
+              <a:r>
+                <a:rPr lang="en-US" altLang="zh-CN" b="1" dirty="0"/>
+                <a:t>ignal Processing</a:t>
+              </a:r>
+              <a:endParaRPr lang="en-US" b="1" dirty="0"/>
             </a:p>
           </p:txBody>
         </p:sp>
@@ -4288,7 +4295,7 @@
           </p:nvSpPr>
           <p:spPr>
             <a:xfrm>
-              <a:off x="1585482" y="6375285"/>
+              <a:off x="1704161" y="6328074"/>
               <a:ext cx="3252365" cy="369332"/>
             </a:xfrm>
             <a:prstGeom prst="rect">
@@ -4323,8 +4330,8 @@
           </p:nvSpPr>
           <p:spPr>
             <a:xfrm>
-              <a:off x="8002942" y="284380"/>
-              <a:ext cx="3171125" cy="369332"/>
+              <a:off x="8121621" y="237169"/>
+              <a:ext cx="3456395" cy="369332"/>
             </a:xfrm>
             <a:prstGeom prst="rect">
               <a:avLst/>
@@ -4339,7 +4346,7 @@
             <a:p>
               <a:r>
                 <a:rPr lang="en-US" b="1" dirty="0"/>
-                <a:t>Correct-by-Construction Design</a:t>
+                <a:t>Control with Formal Specifications</a:t>
               </a:r>
             </a:p>
           </p:txBody>
@@ -4358,7 +4365,7 @@
           </p:nvSpPr>
           <p:spPr>
             <a:xfrm>
-              <a:off x="8584397" y="6375285"/>
+              <a:off x="8703076" y="6328074"/>
               <a:ext cx="1888659" cy="369332"/>
             </a:xfrm>
             <a:prstGeom prst="rect">
@@ -4393,7 +4400,7 @@
           </p:nvSpPr>
           <p:spPr>
             <a:xfrm>
-              <a:off x="765503" y="777151"/>
+              <a:off x="392539" y="637834"/>
               <a:ext cx="1939595" cy="770268"/>
             </a:xfrm>
             <a:prstGeom prst="ellipse">
@@ -4429,7 +4436,7 @@
               <a:pPr algn="ctr"/>
               <a:r>
                 <a:rPr lang="en-US" dirty="0"/>
-                <a:t>Verification</a:t>
+                <a:t>Denoise</a:t>
               </a:r>
             </a:p>
           </p:txBody>
@@ -4448,8 +4455,8 @@
           </p:nvSpPr>
           <p:spPr>
             <a:xfrm>
-              <a:off x="3165211" y="762547"/>
-              <a:ext cx="2000356" cy="770268"/>
+              <a:off x="3620295" y="430257"/>
+              <a:ext cx="2614003" cy="770268"/>
             </a:xfrm>
             <a:prstGeom prst="ellipse">
               <a:avLst/>
@@ -4484,7 +4491,7 @@
               <a:pPr algn="ctr"/>
               <a:r>
                 <a:rPr lang="en-US" dirty="0"/>
-                <a:t>Abstraction</a:t>
+                <a:t>Time-frequency Representation</a:t>
               </a:r>
             </a:p>
           </p:txBody>
@@ -4503,7 +4510,7 @@
           </p:nvSpPr>
           <p:spPr>
             <a:xfrm>
-              <a:off x="436488" y="2165856"/>
+              <a:off x="555167" y="2118645"/>
               <a:ext cx="1851305" cy="1097933"/>
             </a:xfrm>
             <a:prstGeom prst="ellipse">
@@ -4562,7 +4569,7 @@
           </p:nvSpPr>
           <p:spPr>
             <a:xfrm>
-              <a:off x="2488102" y="2021114"/>
+              <a:off x="2606781" y="1973903"/>
               <a:ext cx="1966625" cy="990935"/>
             </a:xfrm>
             <a:prstGeom prst="ellipse">
@@ -4621,7 +4628,7 @@
           </p:nvSpPr>
           <p:spPr>
             <a:xfrm>
-              <a:off x="516583" y="3356858"/>
+              <a:off x="635262" y="3309647"/>
               <a:ext cx="1845546" cy="1054015"/>
             </a:xfrm>
             <a:prstGeom prst="ellipse">
@@ -4680,7 +4687,7 @@
           </p:nvSpPr>
           <p:spPr>
             <a:xfrm>
-              <a:off x="2622229" y="3318041"/>
+              <a:off x="2740908" y="3270830"/>
               <a:ext cx="1845546" cy="1366366"/>
             </a:xfrm>
             <a:prstGeom prst="ellipse">
@@ -4739,7 +4746,7 @@
           </p:nvSpPr>
           <p:spPr>
             <a:xfrm>
-              <a:off x="273860" y="4826668"/>
+              <a:off x="392539" y="4779457"/>
               <a:ext cx="1634985" cy="906582"/>
             </a:xfrm>
             <a:prstGeom prst="ellipse">
@@ -4798,7 +4805,7 @@
           </p:nvSpPr>
           <p:spPr>
             <a:xfrm>
-              <a:off x="3985189" y="4737141"/>
+              <a:off x="4103868" y="4689930"/>
               <a:ext cx="1851306" cy="1054009"/>
             </a:xfrm>
             <a:prstGeom prst="ellipse">
@@ -4857,7 +4864,7 @@
           </p:nvSpPr>
           <p:spPr>
             <a:xfrm>
-              <a:off x="6548364" y="5155638"/>
+              <a:off x="7193386" y="4529873"/>
               <a:ext cx="2257706" cy="971753"/>
             </a:xfrm>
             <a:prstGeom prst="ellipse">
@@ -4916,7 +4923,7 @@
           </p:nvSpPr>
           <p:spPr>
             <a:xfrm>
-              <a:off x="9250151" y="5197678"/>
+              <a:off x="9798187" y="4489415"/>
               <a:ext cx="2257706" cy="971753"/>
             </a:xfrm>
             <a:prstGeom prst="ellipse">
@@ -4975,7 +4982,7 @@
           </p:nvSpPr>
           <p:spPr>
             <a:xfrm>
-              <a:off x="6780813" y="787410"/>
+              <a:off x="6899492" y="740199"/>
               <a:ext cx="2257706" cy="780660"/>
             </a:xfrm>
             <a:prstGeom prst="ellipse">
@@ -5034,7 +5041,7 @@
           </p:nvSpPr>
           <p:spPr>
             <a:xfrm>
-              <a:off x="9294497" y="795758"/>
+              <a:off x="9413176" y="748547"/>
               <a:ext cx="2257706" cy="829290"/>
             </a:xfrm>
             <a:prstGeom prst="ellipse">
@@ -5093,7 +5100,7 @@
           </p:nvSpPr>
           <p:spPr>
             <a:xfrm>
-              <a:off x="7705872" y="1695488"/>
+              <a:off x="7824551" y="1648277"/>
               <a:ext cx="2257706" cy="780660"/>
             </a:xfrm>
             <a:prstGeom prst="ellipse">
@@ -5152,7 +5159,7 @@
           </p:nvSpPr>
           <p:spPr>
             <a:xfrm>
-              <a:off x="9963578" y="1901342"/>
+              <a:off x="10082257" y="1854131"/>
               <a:ext cx="2109743" cy="780660"/>
             </a:xfrm>
             <a:prstGeom prst="ellipse">
@@ -5199,67 +5206,6 @@
         </p:sp>
         <p:sp>
           <p:nvSpPr>
-            <p:cNvPr id="41" name="Oval 40">
-              <a:extLst>
-                <a:ext uri="{FF2B5EF4-FFF2-40B4-BE49-F238E27FC236}">
-                  <a16:creationId xmlns:a16="http://schemas.microsoft.com/office/drawing/2014/main" id="{F562A36B-B45E-4324-87E4-A25CE5AF8284}"/>
-                </a:ext>
-              </a:extLst>
-            </p:cNvPr>
-            <p:cNvSpPr/>
-            <p:nvPr/>
-          </p:nvSpPr>
-          <p:spPr>
-            <a:xfrm>
-              <a:off x="8186666" y="2592736"/>
-              <a:ext cx="2257706" cy="780660"/>
-            </a:xfrm>
-            <a:prstGeom prst="ellipse">
-              <a:avLst/>
-            </a:prstGeom>
-            <a:solidFill>
-              <a:schemeClr val="bg1"/>
-            </a:solidFill>
-            <a:ln>
-              <a:solidFill>
-                <a:schemeClr val="tx1"/>
-              </a:solidFill>
-            </a:ln>
-          </p:spPr>
-          <p:style>
-            <a:lnRef idx="2">
-              <a:schemeClr val="accent1">
-                <a:shade val="50000"/>
-              </a:schemeClr>
-            </a:lnRef>
-            <a:fillRef idx="1">
-              <a:schemeClr val="accent1"/>
-            </a:fillRef>
-            <a:effectRef idx="0">
-              <a:schemeClr val="accent1"/>
-            </a:effectRef>
-            <a:fontRef idx="minor">
-              <a:schemeClr val="lt1"/>
-            </a:fontRef>
-          </p:style>
-          <p:txBody>
-            <a:bodyPr rtlCol="0" anchor="ctr"/>
-            <a:lstStyle/>
-            <a:p>
-              <a:pPr algn="ctr"/>
-              <a:r>
-                <a:rPr lang="en-US" dirty="0">
-                  <a:solidFill>
-                    <a:schemeClr val="tx1"/>
-                  </a:solidFill>
-                </a:rPr>
-                <a:t>Human-in-the-loop Design</a:t>
-              </a:r>
-            </a:p>
-          </p:txBody>
-        </p:sp>
-        <p:sp>
-          <p:nvSpPr>
             <p:cNvPr id="42" name="Oval 41">
               <a:extLst>
                 <a:ext uri="{FF2B5EF4-FFF2-40B4-BE49-F238E27FC236}">
@@ -5272,7 +5218,7 @@
           </p:nvSpPr>
           <p:spPr>
             <a:xfrm>
-              <a:off x="7572165" y="3409484"/>
+              <a:off x="8439938" y="2626575"/>
               <a:ext cx="2257706" cy="780660"/>
             </a:xfrm>
             <a:prstGeom prst="ellipse">
@@ -5331,7 +5277,7 @@
           </p:nvSpPr>
           <p:spPr>
             <a:xfrm>
-              <a:off x="10118529" y="4105735"/>
+              <a:off x="10280739" y="3259328"/>
               <a:ext cx="1814978" cy="780660"/>
             </a:xfrm>
             <a:prstGeom prst="ellipse">
@@ -5395,7 +5341,7 @@
           </p:nvSpPr>
           <p:spPr>
             <a:xfrm>
-              <a:off x="7455544" y="4232196"/>
+              <a:off x="7511389" y="3436464"/>
               <a:ext cx="2257706" cy="780660"/>
             </a:xfrm>
             <a:prstGeom prst="ellipse">
@@ -5454,7 +5400,7 @@
           </p:nvSpPr>
           <p:spPr>
             <a:xfrm>
-              <a:off x="2148607" y="4995008"/>
+              <a:off x="2267286" y="4947797"/>
               <a:ext cx="1634985" cy="906582"/>
             </a:xfrm>
             <a:prstGeom prst="ellipse">
@@ -5501,10 +5447,10 @@
         </p:sp>
         <p:sp>
           <p:nvSpPr>
-            <p:cNvPr id="46" name="Oval 45">
+            <p:cNvPr id="48" name="Oval 47">
               <a:extLst>
                 <a:ext uri="{FF2B5EF4-FFF2-40B4-BE49-F238E27FC236}">
-                  <a16:creationId xmlns:a16="http://schemas.microsoft.com/office/drawing/2014/main" id="{1E68F854-DD2E-43E9-9BE1-25DFE27BF013}"/>
+                  <a16:creationId xmlns:a16="http://schemas.microsoft.com/office/drawing/2014/main" id="{1D36538B-E9BB-48A4-8747-93AC79B8F891}"/>
                 </a:ext>
               </a:extLst>
             </p:cNvPr>
@@ -5513,19 +5459,17 @@
           </p:nvSpPr>
           <p:spPr>
             <a:xfrm>
-              <a:off x="9829871" y="3177290"/>
-              <a:ext cx="2257706" cy="780660"/>
+              <a:off x="6899492" y="5695281"/>
+              <a:ext cx="2257706" cy="696526"/>
             </a:xfrm>
             <a:prstGeom prst="ellipse">
               <a:avLst/>
             </a:prstGeom>
             <a:solidFill>
-              <a:schemeClr val="bg1"/>
+              <a:srgbClr val="EA3D1D"/>
             </a:solidFill>
             <a:ln>
-              <a:solidFill>
-                <a:schemeClr val="tx1"/>
-              </a:solidFill>
+              <a:noFill/>
             </a:ln>
           </p:spPr>
           <p:style>
@@ -5552,10 +5496,137 @@
               <a:r>
                 <a:rPr lang="en-US" dirty="0">
                   <a:solidFill>
-                    <a:schemeClr val="tx1"/>
+                    <a:schemeClr val="bg1"/>
                   </a:solidFill>
                 </a:rPr>
-                <a:t>Language Guided Design</a:t>
+                <a:t>D</a:t>
+              </a:r>
+              <a:r>
+                <a:rPr lang="en-US" altLang="zh-CN" dirty="0">
+                  <a:solidFill>
+                    <a:schemeClr val="bg1"/>
+                  </a:solidFill>
+                </a:rPr>
+                <a:t>eep Learning</a:t>
+              </a:r>
+              <a:endParaRPr lang="en-US" dirty="0">
+                <a:solidFill>
+                  <a:schemeClr val="bg1"/>
+                </a:solidFill>
+              </a:endParaRPr>
+            </a:p>
+          </p:txBody>
+        </p:sp>
+        <p:sp>
+          <p:nvSpPr>
+            <p:cNvPr id="49" name="Oval 48">
+              <a:extLst>
+                <a:ext uri="{FF2B5EF4-FFF2-40B4-BE49-F238E27FC236}">
+                  <a16:creationId xmlns:a16="http://schemas.microsoft.com/office/drawing/2014/main" id="{0A76CAF1-3647-4A26-ABFF-F949AC6CB055}"/>
+                </a:ext>
+              </a:extLst>
+            </p:cNvPr>
+            <p:cNvSpPr/>
+            <p:nvPr/>
+          </p:nvSpPr>
+          <p:spPr>
+            <a:xfrm>
+              <a:off x="9541755" y="5546358"/>
+              <a:ext cx="2257706" cy="696526"/>
+            </a:xfrm>
+            <a:prstGeom prst="ellipse">
+              <a:avLst/>
+            </a:prstGeom>
+            <a:solidFill>
+              <a:srgbClr val="EA3D1D"/>
+            </a:solidFill>
+            <a:ln>
+              <a:noFill/>
+            </a:ln>
+          </p:spPr>
+          <p:style>
+            <a:lnRef idx="2">
+              <a:schemeClr val="accent1">
+                <a:shade val="50000"/>
+              </a:schemeClr>
+            </a:lnRef>
+            <a:fillRef idx="1">
+              <a:schemeClr val="accent1"/>
+            </a:fillRef>
+            <a:effectRef idx="0">
+              <a:schemeClr val="accent1"/>
+            </a:effectRef>
+            <a:fontRef idx="minor">
+              <a:schemeClr val="lt1"/>
+            </a:fontRef>
+          </p:style>
+          <p:txBody>
+            <a:bodyPr rtlCol="0" anchor="ctr"/>
+            <a:lstStyle/>
+            <a:p>
+              <a:pPr algn="ctr"/>
+              <a:r>
+                <a:rPr lang="en-US" dirty="0">
+                  <a:solidFill>
+                    <a:schemeClr val="bg1"/>
+                  </a:solidFill>
+                </a:rPr>
+                <a:t>Adversarial Training</a:t>
+              </a:r>
+            </a:p>
+          </p:txBody>
+        </p:sp>
+        <p:sp>
+          <p:nvSpPr>
+            <p:cNvPr id="50" name="Oval 49">
+              <a:extLst>
+                <a:ext uri="{FF2B5EF4-FFF2-40B4-BE49-F238E27FC236}">
+                  <a16:creationId xmlns:a16="http://schemas.microsoft.com/office/drawing/2014/main" id="{9019C731-21DC-43F7-BA0B-EE370F836A8F}"/>
+                </a:ext>
+              </a:extLst>
+            </p:cNvPr>
+            <p:cNvSpPr/>
+            <p:nvPr/>
+          </p:nvSpPr>
+          <p:spPr>
+            <a:xfrm>
+              <a:off x="2259252" y="1055053"/>
+              <a:ext cx="1939595" cy="770268"/>
+            </a:xfrm>
+            <a:prstGeom prst="ellipse">
+              <a:avLst/>
+            </a:prstGeom>
+            <a:solidFill>
+              <a:srgbClr val="0047F7"/>
+            </a:solidFill>
+            <a:ln>
+              <a:noFill/>
+            </a:ln>
+          </p:spPr>
+          <p:style>
+            <a:lnRef idx="2">
+              <a:schemeClr val="accent1">
+                <a:shade val="50000"/>
+              </a:schemeClr>
+            </a:lnRef>
+            <a:fillRef idx="1">
+              <a:schemeClr val="accent1"/>
+            </a:fillRef>
+            <a:effectRef idx="0">
+              <a:schemeClr val="accent1"/>
+            </a:effectRef>
+            <a:fontRef idx="minor">
+              <a:schemeClr val="lt1"/>
+            </a:fontRef>
+          </p:style>
+          <p:txBody>
+            <a:bodyPr rtlCol="0" anchor="ctr"/>
+            <a:lstStyle/>
+            <a:p>
+              <a:pPr algn="ctr"/>
+              <a:r>
+                <a:rPr lang="en-US" dirty="0"/>
+                <a:t>Dictionary Learning</a:t>
               </a:r>
             </a:p>
           </p:txBody>

--- a/project/PIC.pptx
+++ b/project/PIC.pptx
@@ -3999,7 +3999,7 @@
             <p:spPr>
               <a:xfrm>
                 <a:off x="4519765" y="2229860"/>
-                <a:ext cx="1042273" cy="646331"/>
+                <a:ext cx="1200075" cy="718239"/>
               </a:xfrm>
               <a:prstGeom prst="rect">
                 <a:avLst/>
@@ -4018,7 +4018,7 @@
                       <a:schemeClr val="bg1"/>
                     </a:solidFill>
                   </a:rPr>
-                  <a:t>Formal</a:t>
+                  <a:t>Signal</a:t>
                 </a:r>
               </a:p>
               <a:p>
@@ -4028,7 +4028,7 @@
                       <a:schemeClr val="bg1"/>
                     </a:solidFill>
                   </a:rPr>
-                  <a:t>Methods</a:t>
+                  <a:t>Processing</a:t>
                 </a:r>
               </a:p>
             </p:txBody>
@@ -4048,7 +4048,7 @@
             <p:spPr>
               <a:xfrm>
                 <a:off x="6702849" y="2229860"/>
-                <a:ext cx="889859" cy="646331"/>
+                <a:ext cx="1048155" cy="718239"/>
               </a:xfrm>
               <a:prstGeom prst="rect">
                 <a:avLst/>
@@ -4063,13 +4063,13 @@
               <a:p>
                 <a:r>
                   <a:rPr lang="en-US" b="1" dirty="0"/>
-                  <a:t>Control</a:t>
+                  <a:t>Formal</a:t>
                 </a:r>
               </a:p>
               <a:p>
                 <a:r>
                   <a:rPr lang="en-US" b="1" dirty="0"/>
-                  <a:t>Theory</a:t>
+                  <a:t>Methods</a:t>
                 </a:r>
               </a:p>
             </p:txBody>
@@ -4516,27 +4516,20 @@
             <a:prstGeom prst="ellipse">
               <a:avLst/>
             </a:prstGeom>
-            <a:solidFill>
-              <a:srgbClr val="E95DF8"/>
-            </a:solidFill>
-            <a:ln>
-              <a:noFill/>
-            </a:ln>
+            <a:ln/>
           </p:spPr>
           <p:style>
             <a:lnRef idx="2">
-              <a:schemeClr val="accent1">
-                <a:shade val="50000"/>
-              </a:schemeClr>
+              <a:schemeClr val="dk1"/>
             </a:lnRef>
             <a:fillRef idx="1">
-              <a:schemeClr val="accent1"/>
+              <a:schemeClr val="lt1"/>
             </a:fillRef>
             <a:effectRef idx="0">
-              <a:schemeClr val="accent1"/>
+              <a:schemeClr val="dk1"/>
             </a:effectRef>
             <a:fontRef idx="minor">
-              <a:schemeClr val="lt1"/>
+              <a:schemeClr val="dk1"/>
             </a:fontRef>
           </p:style>
           <p:txBody>
@@ -4550,7 +4543,18 @@
                     <a:schemeClr val="tx1"/>
                   </a:solidFill>
                 </a:rPr>
-                <a:t>Data-driven Abstraction</a:t>
+                <a:t>TFPG</a:t>
+              </a:r>
+            </a:p>
+            <a:p>
+              <a:pPr algn="ctr"/>
+              <a:r>
+                <a:rPr lang="en-US" dirty="0">
+                  <a:solidFill>
+                    <a:schemeClr val="tx1"/>
+                  </a:solidFill>
+                </a:rPr>
+                <a:t>Generation</a:t>
               </a:r>
             </a:p>
           </p:txBody>
@@ -4576,7 +4580,7 @@
               <a:avLst/>
             </a:prstGeom>
             <a:solidFill>
-              <a:srgbClr val="E95DF8"/>
+              <a:srgbClr val="FFFF00"/>
             </a:solidFill>
             <a:ln>
               <a:noFill/>
@@ -4635,7 +4639,7 @@
               <a:avLst/>
             </a:prstGeom>
             <a:solidFill>
-              <a:srgbClr val="E95DF8"/>
+              <a:srgbClr val="FFFF00"/>
             </a:solidFill>
             <a:ln>
               <a:noFill/>
@@ -4687,33 +4691,26 @@
           </p:nvSpPr>
           <p:spPr>
             <a:xfrm>
-              <a:off x="2740908" y="3270830"/>
-              <a:ext cx="1845546" cy="1366366"/>
+              <a:off x="2768586" y="3061384"/>
+              <a:ext cx="1845546" cy="990934"/>
             </a:xfrm>
             <a:prstGeom prst="ellipse">
               <a:avLst/>
             </a:prstGeom>
-            <a:solidFill>
-              <a:srgbClr val="E95DF8"/>
-            </a:solidFill>
-            <a:ln>
-              <a:noFill/>
-            </a:ln>
+            <a:ln/>
           </p:spPr>
           <p:style>
             <a:lnRef idx="2">
-              <a:schemeClr val="accent1">
-                <a:shade val="50000"/>
-              </a:schemeClr>
+              <a:schemeClr val="dk1"/>
             </a:lnRef>
             <a:fillRef idx="1">
-              <a:schemeClr val="accent1"/>
+              <a:schemeClr val="lt1"/>
             </a:fillRef>
             <a:effectRef idx="0">
-              <a:schemeClr val="accent1"/>
+              <a:schemeClr val="dk1"/>
             </a:effectRef>
             <a:fontRef idx="minor">
-              <a:schemeClr val="lt1"/>
+              <a:schemeClr val="dk1"/>
             </a:fontRef>
           </p:style>
           <p:txBody>
@@ -4752,27 +4749,20 @@
             <a:prstGeom prst="ellipse">
               <a:avLst/>
             </a:prstGeom>
-            <a:solidFill>
-              <a:srgbClr val="E95DF8"/>
-            </a:solidFill>
-            <a:ln>
-              <a:noFill/>
-            </a:ln>
+            <a:ln/>
           </p:spPr>
           <p:style>
             <a:lnRef idx="2">
-              <a:schemeClr val="accent1">
-                <a:shade val="50000"/>
-              </a:schemeClr>
+              <a:schemeClr val="dk1"/>
             </a:lnRef>
             <a:fillRef idx="1">
-              <a:schemeClr val="accent1"/>
+              <a:schemeClr val="lt1"/>
             </a:fillRef>
             <a:effectRef idx="0">
-              <a:schemeClr val="accent1"/>
+              <a:schemeClr val="dk1"/>
             </a:effectRef>
             <a:fontRef idx="minor">
-              <a:schemeClr val="lt1"/>
+              <a:schemeClr val="dk1"/>
             </a:fontRef>
           </p:style>
           <p:txBody>
@@ -4811,27 +4801,20 @@
             <a:prstGeom prst="ellipse">
               <a:avLst/>
             </a:prstGeom>
-            <a:solidFill>
-              <a:srgbClr val="E95DF8"/>
-            </a:solidFill>
-            <a:ln>
-              <a:noFill/>
-            </a:ln>
+            <a:ln/>
           </p:spPr>
           <p:style>
             <a:lnRef idx="2">
-              <a:schemeClr val="accent1">
-                <a:shade val="50000"/>
-              </a:schemeClr>
+              <a:schemeClr val="dk1"/>
             </a:lnRef>
             <a:fillRef idx="1">
-              <a:schemeClr val="accent1"/>
+              <a:schemeClr val="lt1"/>
             </a:fillRef>
             <a:effectRef idx="0">
-              <a:schemeClr val="accent1"/>
+              <a:schemeClr val="dk1"/>
             </a:effectRef>
             <a:fontRef idx="minor">
-              <a:schemeClr val="lt1"/>
+              <a:schemeClr val="dk1"/>
             </a:fontRef>
           </p:style>
           <p:txBody>
@@ -4923,14 +4906,14 @@
           </p:nvSpPr>
           <p:spPr>
             <a:xfrm>
-              <a:off x="9798187" y="4489415"/>
+              <a:off x="2097576" y="4170512"/>
               <a:ext cx="2257706" cy="971753"/>
             </a:xfrm>
             <a:prstGeom prst="ellipse">
               <a:avLst/>
             </a:prstGeom>
             <a:solidFill>
-              <a:srgbClr val="EA3D1D"/>
+              <a:srgbClr val="FF66FF"/>
             </a:solidFill>
             <a:ln>
               <a:noFill/>
@@ -4958,7 +4941,7 @@
             <a:p>
               <a:pPr algn="ctr"/>
               <a:r>
-                <a:rPr lang="en-US" dirty="0">
+                <a:rPr lang="en-US" b="1" dirty="0">
                   <a:solidFill>
                     <a:schemeClr val="bg1"/>
                   </a:solidFill>
@@ -4989,7 +4972,7 @@
               <a:avLst/>
             </a:prstGeom>
             <a:solidFill>
-              <a:srgbClr val="75FAFE"/>
+              <a:srgbClr val="FFFF00"/>
             </a:solidFill>
             <a:ln>
               <a:noFill/>
@@ -5048,7 +5031,7 @@
               <a:avLst/>
             </a:prstGeom>
             <a:solidFill>
-              <a:srgbClr val="75FAFE"/>
+              <a:srgbClr val="77F348"/>
             </a:solidFill>
             <a:ln>
               <a:noFill/>
@@ -5107,7 +5090,7 @@
               <a:avLst/>
             </a:prstGeom>
             <a:solidFill>
-              <a:srgbClr val="75FAFE"/>
+              <a:srgbClr val="FFFF00"/>
             </a:solidFill>
             <a:ln>
               <a:noFill/>
@@ -5199,7 +5182,18 @@
                     <a:schemeClr val="tx1"/>
                   </a:solidFill>
                 </a:rPr>
-                <a:t>NI Systems Control</a:t>
+                <a:t>Data-driven</a:t>
+              </a:r>
+            </a:p>
+            <a:p>
+              <a:pPr algn="ctr"/>
+              <a:r>
+                <a:rPr lang="en-US" dirty="0">
+                  <a:solidFill>
+                    <a:schemeClr val="tx1"/>
+                  </a:solidFill>
+                </a:rPr>
+                <a:t>Abstraction</a:t>
               </a:r>
             </a:p>
           </p:txBody>
@@ -5400,14 +5394,14 @@
           </p:nvSpPr>
           <p:spPr>
             <a:xfrm>
-              <a:off x="2267286" y="4947797"/>
+              <a:off x="2283634" y="5232748"/>
               <a:ext cx="1634985" cy="906582"/>
             </a:xfrm>
             <a:prstGeom prst="ellipse">
               <a:avLst/>
             </a:prstGeom>
             <a:solidFill>
-              <a:srgbClr val="E95DF8"/>
+              <a:srgbClr val="FFFF00"/>
             </a:solidFill>
             <a:ln>
               <a:noFill/>
@@ -5531,7 +5525,7 @@
           </p:nvSpPr>
           <p:spPr>
             <a:xfrm>
-              <a:off x="9541755" y="5546358"/>
+              <a:off x="9741460" y="4717564"/>
               <a:ext cx="2257706" cy="696526"/>
             </a:xfrm>
             <a:prstGeom prst="ellipse">
